--- a/Presentation1.pptx
+++ b/Presentation1.pptx
@@ -9,6 +9,9 @@
     <p:sldId id="258" r:id="rId3"/>
     <p:sldId id="259" r:id="rId4"/>
     <p:sldId id="260" r:id="rId5"/>
+    <p:sldId id="261" r:id="rId6"/>
+    <p:sldId id="262" r:id="rId7"/>
+    <p:sldId id="263" r:id="rId8"/>
   </p:sldIdLst>
   <p:sldSz cx="12192000" cy="6858000"/>
   <p:notesSz cx="6858000" cy="9144000"/>
@@ -3339,13 +3342,13 @@
           <p:nvPr>
             <p:extLst>
               <p:ext uri="{D42A27DB-BD31-4B8C-83A1-F6EECF244321}">
-                <p14:modId xmlns:p14="http://schemas.microsoft.com/office/powerpoint/2010/main" val="3308216881"/>
+                <p14:modId xmlns:p14="http://schemas.microsoft.com/office/powerpoint/2010/main" val="2319282807"/>
               </p:ext>
             </p:extLst>
           </p:nvPr>
         </p:nvGraphicFramePr>
         <p:xfrm>
-          <a:off x="278731" y="1407694"/>
+          <a:off x="380999" y="1520930"/>
           <a:ext cx="11634537" cy="4610218"/>
         </p:xfrm>
         <a:graphic>
@@ -3446,14 +3449,14 @@
                     </a:ext>
                   </a:extLst>
                 </a:gridCol>
-                <a:gridCol w="633663">
+                <a:gridCol w="92862">
                   <a:extLst>
                     <a:ext uri="{9D8B030D-6E8A-4147-A177-3AD203B41FA5}">
                       <a16:colId xmlns:a16="http://schemas.microsoft.com/office/drawing/2014/main" val="3173644896"/>
                     </a:ext>
                   </a:extLst>
                 </a:gridCol>
-                <a:gridCol w="633663">
+                <a:gridCol w="1174464">
                   <a:extLst>
                     <a:ext uri="{9D8B030D-6E8A-4147-A177-3AD203B41FA5}">
                       <a16:colId xmlns:a16="http://schemas.microsoft.com/office/drawing/2014/main" val="3151828137"/>
@@ -3488,20 +3491,324 @@
                     <a:bodyPr/>
                     <a:lstStyle/>
                     <a:p>
-                      <a:pPr algn="r" fontAlgn="ctr"/>
+                      <a:pPr marL="0" algn="r" defTabSz="914400" rtl="0" eaLnBrk="1" fontAlgn="ctr" latinLnBrk="0" hangingPunct="1"/>
                       <a:br>
-                        <a:rPr lang="en-US" sz="1100" dirty="0">
-                          <a:effectLst/>
+                        <a:rPr lang="en-US" sz="1100" kern="1200" dirty="0">
+                          <a:solidFill>
+                            <a:schemeClr val="lt1"/>
+                          </a:solidFill>
+                          <a:effectLst/>
+                          <a:latin typeface="+mn-lt"/>
+                          <a:ea typeface="+mn-ea"/>
+                          <a:cs typeface="+mn-cs"/>
                         </a:rPr>
                       </a:br>
                       <a:r>
-                        <a:rPr lang="en-US" sz="1100" dirty="0">
-                          <a:effectLst/>
+                        <a:rPr lang="en-US" sz="1100" kern="1200" dirty="0">
+                          <a:solidFill>
+                            <a:schemeClr val="lt1"/>
+                          </a:solidFill>
+                          <a:effectLst/>
+                          <a:latin typeface="+mn-lt"/>
+                          <a:ea typeface="+mn-ea"/>
+                          <a:cs typeface="+mn-cs"/>
                         </a:rPr>
                         <a:t>Social Media DL (Bytes)</a:t>
                       </a:r>
-                      <a:endParaRPr lang="en-US" sz="1100" b="1" dirty="0">
+                    </a:p>
+                  </a:txBody>
+                  <a:tcPr marL="33731" marR="33731" marT="16866" marB="16866" anchor="ctr"/>
+                </a:tc>
+                <a:tc>
+                  <a:txBody>
+                    <a:bodyPr/>
+                    <a:lstStyle/>
+                    <a:p>
+                      <a:pPr marL="0" algn="r" defTabSz="914400" rtl="0" eaLnBrk="1" fontAlgn="ctr" latinLnBrk="0" hangingPunct="1"/>
+                      <a:r>
+                        <a:rPr lang="en-US" sz="1100" kern="1200" dirty="0">
+                          <a:solidFill>
+                            <a:schemeClr val="lt1"/>
+                          </a:solidFill>
+                          <a:effectLst/>
+                          <a:latin typeface="+mn-lt"/>
+                          <a:ea typeface="+mn-ea"/>
+                          <a:cs typeface="+mn-cs"/>
+                        </a:rPr>
+                        <a:t>Social Media UL (Bytes)</a:t>
+                      </a:r>
+                    </a:p>
+                  </a:txBody>
+                  <a:tcPr marL="33731" marR="33731" marT="16866" marB="16866" anchor="ctr"/>
+                </a:tc>
+                <a:tc>
+                  <a:txBody>
+                    <a:bodyPr/>
+                    <a:lstStyle/>
+                    <a:p>
+                      <a:pPr marL="0" algn="r" defTabSz="914400" rtl="0" eaLnBrk="1" fontAlgn="ctr" latinLnBrk="0" hangingPunct="1"/>
+                      <a:r>
+                        <a:rPr lang="en-US" sz="1100" kern="1200" dirty="0">
+                          <a:solidFill>
+                            <a:schemeClr val="lt1"/>
+                          </a:solidFill>
+                          <a:effectLst/>
+                          <a:latin typeface="+mn-lt"/>
+                          <a:ea typeface="+mn-ea"/>
+                          <a:cs typeface="+mn-cs"/>
+                        </a:rPr>
+                        <a:t>Google DL (Bytes)</a:t>
+                      </a:r>
+                    </a:p>
+                  </a:txBody>
+                  <a:tcPr marL="33731" marR="33731" marT="16866" marB="16866" anchor="ctr"/>
+                </a:tc>
+                <a:tc>
+                  <a:txBody>
+                    <a:bodyPr/>
+                    <a:lstStyle/>
+                    <a:p>
+                      <a:pPr marL="0" algn="r" defTabSz="914400" rtl="0" eaLnBrk="1" fontAlgn="ctr" latinLnBrk="0" hangingPunct="1"/>
+                      <a:r>
+                        <a:rPr lang="en-US" sz="1100" kern="1200" dirty="0">
+                          <a:solidFill>
+                            <a:schemeClr val="lt1"/>
+                          </a:solidFill>
+                          <a:effectLst/>
+                          <a:latin typeface="+mn-lt"/>
+                          <a:ea typeface="+mn-ea"/>
+                          <a:cs typeface="+mn-cs"/>
+                        </a:rPr>
+                        <a:t>Google UL (Bytes)</a:t>
+                      </a:r>
+                    </a:p>
+                  </a:txBody>
+                  <a:tcPr marL="33731" marR="33731" marT="16866" marB="16866" anchor="ctr"/>
+                </a:tc>
+                <a:tc>
+                  <a:txBody>
+                    <a:bodyPr/>
+                    <a:lstStyle/>
+                    <a:p>
+                      <a:pPr marL="0" algn="r" defTabSz="914400" rtl="0" eaLnBrk="1" fontAlgn="ctr" latinLnBrk="0" hangingPunct="1"/>
+                      <a:r>
+                        <a:rPr lang="en-US" sz="1100" kern="1200" dirty="0">
+                          <a:solidFill>
+                            <a:schemeClr val="lt1"/>
+                          </a:solidFill>
+                          <a:effectLst/>
+                          <a:latin typeface="+mn-lt"/>
+                          <a:ea typeface="+mn-ea"/>
+                          <a:cs typeface="+mn-cs"/>
+                        </a:rPr>
+                        <a:t>Email DL (Bytes)</a:t>
+                      </a:r>
+                    </a:p>
+                  </a:txBody>
+                  <a:tcPr marL="33731" marR="33731" marT="16866" marB="16866" anchor="ctr"/>
+                </a:tc>
+                <a:tc>
+                  <a:txBody>
+                    <a:bodyPr/>
+                    <a:lstStyle/>
+                    <a:p>
+                      <a:pPr marL="0" algn="r" defTabSz="914400" rtl="0" eaLnBrk="1" fontAlgn="ctr" latinLnBrk="0" hangingPunct="1"/>
+                      <a:r>
+                        <a:rPr lang="en-US" sz="1100" kern="1200" dirty="0">
+                          <a:solidFill>
+                            <a:schemeClr val="lt1"/>
+                          </a:solidFill>
+                          <a:effectLst/>
+                          <a:latin typeface="+mn-lt"/>
+                          <a:ea typeface="+mn-ea"/>
+                          <a:cs typeface="+mn-cs"/>
+                        </a:rPr>
+                        <a:t>Email UL (Bytes)</a:t>
+                      </a:r>
+                    </a:p>
+                  </a:txBody>
+                  <a:tcPr marL="33731" marR="33731" marT="16866" marB="16866" anchor="ctr"/>
+                </a:tc>
+                <a:tc>
+                  <a:txBody>
+                    <a:bodyPr/>
+                    <a:lstStyle/>
+                    <a:p>
+                      <a:pPr marL="0" algn="r" defTabSz="914400" rtl="0" eaLnBrk="1" fontAlgn="ctr" latinLnBrk="0" hangingPunct="1"/>
+                      <a:r>
+                        <a:rPr lang="en-US" sz="1100" kern="1200" dirty="0" err="1">
+                          <a:solidFill>
+                            <a:schemeClr val="lt1"/>
+                          </a:solidFill>
+                          <a:effectLst/>
+                          <a:latin typeface="+mn-lt"/>
+                          <a:ea typeface="+mn-ea"/>
+                          <a:cs typeface="+mn-cs"/>
+                        </a:rPr>
+                        <a:t>Youtube</a:t>
+                      </a:r>
+                      <a:r>
+                        <a:rPr lang="en-US" sz="1100" kern="1200" dirty="0">
+                          <a:solidFill>
+                            <a:schemeClr val="lt1"/>
+                          </a:solidFill>
+                          <a:effectLst/>
+                          <a:latin typeface="+mn-lt"/>
+                          <a:ea typeface="+mn-ea"/>
+                          <a:cs typeface="+mn-cs"/>
+                        </a:rPr>
+                        <a:t> DL (Bytes)</a:t>
+                      </a:r>
+                    </a:p>
+                  </a:txBody>
+                  <a:tcPr marL="33731" marR="33731" marT="16866" marB="16866" anchor="ctr"/>
+                </a:tc>
+                <a:tc>
+                  <a:txBody>
+                    <a:bodyPr/>
+                    <a:lstStyle/>
+                    <a:p>
+                      <a:pPr marL="0" algn="r" defTabSz="914400" rtl="0" eaLnBrk="1" fontAlgn="ctr" latinLnBrk="0" hangingPunct="1"/>
+                      <a:r>
+                        <a:rPr lang="en-US" sz="1100" kern="1200">
+                          <a:solidFill>
+                            <a:schemeClr val="lt1"/>
+                          </a:solidFill>
+                          <a:effectLst/>
+                          <a:latin typeface="+mn-lt"/>
+                          <a:ea typeface="+mn-ea"/>
+                          <a:cs typeface="+mn-cs"/>
+                        </a:rPr>
+                        <a:t>Youtube UL (Bytes)</a:t>
+                      </a:r>
+                    </a:p>
+                  </a:txBody>
+                  <a:tcPr marL="33731" marR="33731" marT="16866" marB="16866" anchor="ctr"/>
+                </a:tc>
+                <a:tc>
+                  <a:txBody>
+                    <a:bodyPr/>
+                    <a:lstStyle/>
+                    <a:p>
+                      <a:pPr marL="0" algn="r" defTabSz="914400" rtl="0" eaLnBrk="1" fontAlgn="ctr" latinLnBrk="0" hangingPunct="1"/>
+                      <a:r>
+                        <a:rPr lang="en-US" sz="1100" kern="1200">
+                          <a:solidFill>
+                            <a:schemeClr val="lt1"/>
+                          </a:solidFill>
+                          <a:effectLst/>
+                          <a:latin typeface="+mn-lt"/>
+                          <a:ea typeface="+mn-ea"/>
+                          <a:cs typeface="+mn-cs"/>
+                        </a:rPr>
+                        <a:t>Netflix DL (Bytes)</a:t>
+                      </a:r>
+                    </a:p>
+                  </a:txBody>
+                  <a:tcPr marL="33731" marR="33731" marT="16866" marB="16866" anchor="ctr"/>
+                </a:tc>
+                <a:tc>
+                  <a:txBody>
+                    <a:bodyPr/>
+                    <a:lstStyle/>
+                    <a:p>
+                      <a:pPr marL="0" algn="r" defTabSz="914400" rtl="0" eaLnBrk="1" fontAlgn="ctr" latinLnBrk="0" hangingPunct="1"/>
+                      <a:r>
+                        <a:rPr lang="en-US" sz="1100" kern="1200">
+                          <a:solidFill>
+                            <a:schemeClr val="lt1"/>
+                          </a:solidFill>
+                          <a:effectLst/>
+                          <a:latin typeface="+mn-lt"/>
+                          <a:ea typeface="+mn-ea"/>
+                          <a:cs typeface="+mn-cs"/>
+                        </a:rPr>
+                        <a:t>Netflix UL (Bytes)</a:t>
+                      </a:r>
+                    </a:p>
+                  </a:txBody>
+                  <a:tcPr marL="33731" marR="33731" marT="16866" marB="16866" anchor="ctr"/>
+                </a:tc>
+                <a:tc>
+                  <a:txBody>
+                    <a:bodyPr/>
+                    <a:lstStyle/>
+                    <a:p>
+                      <a:pPr marL="0" algn="r" defTabSz="914400" rtl="0" eaLnBrk="1" fontAlgn="ctr" latinLnBrk="0" hangingPunct="1"/>
+                      <a:r>
+                        <a:rPr lang="en-US" sz="1100" kern="1200">
+                          <a:solidFill>
+                            <a:schemeClr val="lt1"/>
+                          </a:solidFill>
+                          <a:effectLst/>
+                          <a:latin typeface="+mn-lt"/>
+                          <a:ea typeface="+mn-ea"/>
+                          <a:cs typeface="+mn-cs"/>
+                        </a:rPr>
+                        <a:t>Gaming DL (Bytes)</a:t>
+                      </a:r>
+                    </a:p>
+                  </a:txBody>
+                  <a:tcPr marL="33731" marR="33731" marT="16866" marB="16866" anchor="ctr"/>
+                </a:tc>
+                <a:tc>
+                  <a:txBody>
+                    <a:bodyPr/>
+                    <a:lstStyle/>
+                    <a:p>
+                      <a:pPr marL="0" algn="r" defTabSz="914400" rtl="0" eaLnBrk="1" fontAlgn="ctr" latinLnBrk="0" hangingPunct="1"/>
+                      <a:r>
+                        <a:rPr lang="en-US" sz="1100" kern="1200">
+                          <a:solidFill>
+                            <a:schemeClr val="lt1"/>
+                          </a:solidFill>
+                          <a:effectLst/>
+                          <a:latin typeface="+mn-lt"/>
+                          <a:ea typeface="+mn-ea"/>
+                          <a:cs typeface="+mn-cs"/>
+                        </a:rPr>
+                        <a:t>Gaming UL (Bytes)</a:t>
+                      </a:r>
+                    </a:p>
+                  </a:txBody>
+                  <a:tcPr marL="33731" marR="33731" marT="16866" marB="16866" anchor="ctr"/>
+                </a:tc>
+                <a:tc>
+                  <a:txBody>
+                    <a:bodyPr/>
+                    <a:lstStyle/>
+                    <a:p>
+                      <a:pPr marL="0" algn="r" defTabSz="914400" rtl="0" eaLnBrk="1" fontAlgn="ctr" latinLnBrk="0" hangingPunct="1"/>
+                      <a:r>
+                        <a:rPr lang="en-US" sz="1100" kern="1200" dirty="0">
+                          <a:solidFill>
+                            <a:schemeClr val="lt1"/>
+                          </a:solidFill>
+                          <a:effectLst/>
+                          <a:latin typeface="+mn-lt"/>
+                          <a:ea typeface="+mn-ea"/>
+                          <a:cs typeface="+mn-cs"/>
+                        </a:rPr>
+                        <a:t>Other DL (Bytes)</a:t>
+                      </a:r>
+                    </a:p>
+                  </a:txBody>
+                  <a:tcPr marL="33731" marR="33731" marT="16866" marB="16866" anchor="ctr"/>
+                </a:tc>
+                <a:tc>
+                  <a:txBody>
+                    <a:bodyPr/>
+                    <a:lstStyle/>
+                    <a:p>
+                      <a:pPr marL="0" algn="r" defTabSz="914400" rtl="0" eaLnBrk="1" fontAlgn="ctr" latinLnBrk="0" hangingPunct="1"/>
+                      <a:endParaRPr lang="en-US" sz="1100" kern="1200" dirty="0">
+                        <a:solidFill>
+                          <a:schemeClr val="lt1"/>
+                        </a:solidFill>
                         <a:effectLst/>
+                        <a:latin typeface="+mn-lt"/>
+                        <a:ea typeface="+mn-ea"/>
+                        <a:cs typeface="+mn-cs"/>
                       </a:endParaRPr>
                     </a:p>
                   </a:txBody>
@@ -3512,311 +3819,106 @@
                     <a:bodyPr/>
                     <a:lstStyle/>
                     <a:p>
-                      <a:pPr algn="r" fontAlgn="ctr"/>
-                      <a:r>
-                        <a:rPr lang="en-US" sz="1100" dirty="0">
-                          <a:effectLst/>
-                        </a:rPr>
-                        <a:t>Social Media UL (Bytes)</a:t>
-                      </a:r>
-                      <a:endParaRPr lang="en-US" sz="1100" b="1" dirty="0">
+                      <a:pPr marL="0" algn="r" defTabSz="914400" rtl="0" eaLnBrk="1" fontAlgn="ctr" latinLnBrk="0" hangingPunct="1"/>
+                      <a:r>
+                        <a:rPr lang="en-US" sz="1100" kern="1200" dirty="0">
+                          <a:solidFill>
+                            <a:schemeClr val="lt1"/>
+                          </a:solidFill>
+                          <a:effectLst/>
+                          <a:latin typeface="+mn-lt"/>
+                          <a:ea typeface="+mn-ea"/>
+                          <a:cs typeface="+mn-cs"/>
+                        </a:rPr>
+                        <a:t>Dur. (</a:t>
+                      </a:r>
+                      <a:r>
+                        <a:rPr lang="en-US" sz="1100" kern="1200" dirty="0" err="1">
+                          <a:solidFill>
+                            <a:schemeClr val="lt1"/>
+                          </a:solidFill>
+                          <a:effectLst/>
+                          <a:latin typeface="+mn-lt"/>
+                          <a:ea typeface="+mn-ea"/>
+                          <a:cs typeface="+mn-cs"/>
+                        </a:rPr>
+                        <a:t>ms</a:t>
+                      </a:r>
+                      <a:r>
+                        <a:rPr lang="en-US" sz="1100" kern="1200" dirty="0">
+                          <a:solidFill>
+                            <a:schemeClr val="lt1"/>
+                          </a:solidFill>
+                          <a:effectLst/>
+                          <a:latin typeface="+mn-lt"/>
+                          <a:ea typeface="+mn-ea"/>
+                          <a:cs typeface="+mn-cs"/>
+                        </a:rPr>
+                        <a:t>)</a:t>
+                      </a:r>
+                    </a:p>
+                  </a:txBody>
+                  <a:tcPr marL="33731" marR="33731" marT="16866" marB="16866" anchor="ctr"/>
+                </a:tc>
+                <a:tc>
+                  <a:txBody>
+                    <a:bodyPr/>
+                    <a:lstStyle/>
+                    <a:p>
+                      <a:pPr marL="0" algn="r" defTabSz="914400" rtl="0" eaLnBrk="1" fontAlgn="ctr" latinLnBrk="0" hangingPunct="1"/>
+                      <a:r>
+                        <a:rPr lang="en-US" sz="1100" kern="1200">
+                          <a:solidFill>
+                            <a:schemeClr val="lt1"/>
+                          </a:solidFill>
+                          <a:effectLst/>
+                          <a:latin typeface="+mn-lt"/>
+                          <a:ea typeface="+mn-ea"/>
+                          <a:cs typeface="+mn-cs"/>
+                        </a:rPr>
+                        <a:t>Total UL (Bytes)</a:t>
+                      </a:r>
+                    </a:p>
+                  </a:txBody>
+                  <a:tcPr marL="33731" marR="33731" marT="16866" marB="16866" anchor="ctr"/>
+                </a:tc>
+                <a:tc>
+                  <a:txBody>
+                    <a:bodyPr/>
+                    <a:lstStyle/>
+                    <a:p>
+                      <a:pPr marL="0" algn="r" defTabSz="914400" rtl="0" eaLnBrk="1" fontAlgn="ctr" latinLnBrk="0" hangingPunct="1"/>
+                      <a:r>
+                        <a:rPr lang="en-US" sz="1100" kern="1200">
+                          <a:solidFill>
+                            <a:schemeClr val="lt1"/>
+                          </a:solidFill>
+                          <a:effectLst/>
+                          <a:latin typeface="+mn-lt"/>
+                          <a:ea typeface="+mn-ea"/>
+                          <a:cs typeface="+mn-cs"/>
+                        </a:rPr>
+                        <a:t>Total DL (Bytes)</a:t>
+                      </a:r>
+                    </a:p>
+                  </a:txBody>
+                  <a:tcPr marL="33731" marR="33731" marT="16866" marB="16866" anchor="ctr"/>
+                </a:tc>
+                <a:tc>
+                  <a:txBody>
+                    <a:bodyPr/>
+                    <a:lstStyle/>
+                    <a:p>
+                      <a:pPr marL="0" algn="r" defTabSz="914400" rtl="0" eaLnBrk="1" fontAlgn="ctr" latinLnBrk="0" hangingPunct="1"/>
+                      <a:endParaRPr lang="en-US" sz="1100" kern="1200" dirty="0">
+                        <a:solidFill>
+                          <a:schemeClr val="lt1"/>
+                        </a:solidFill>
                         <a:effectLst/>
+                        <a:latin typeface="+mn-lt"/>
+                        <a:ea typeface="+mn-ea"/>
+                        <a:cs typeface="+mn-cs"/>
                       </a:endParaRPr>
-                    </a:p>
-                  </a:txBody>
-                  <a:tcPr marL="33731" marR="33731" marT="16866" marB="16866" anchor="ctr"/>
-                </a:tc>
-                <a:tc>
-                  <a:txBody>
-                    <a:bodyPr/>
-                    <a:lstStyle/>
-                    <a:p>
-                      <a:pPr algn="r" fontAlgn="ctr"/>
-                      <a:r>
-                        <a:rPr lang="en-US" sz="1100">
-                          <a:effectLst/>
-                        </a:rPr>
-                        <a:t>Google DL (Bytes)</a:t>
-                      </a:r>
-                      <a:endParaRPr lang="en-US" sz="1100" b="1">
-                        <a:effectLst/>
-                      </a:endParaRPr>
-                    </a:p>
-                  </a:txBody>
-                  <a:tcPr marL="33731" marR="33731" marT="16866" marB="16866" anchor="ctr"/>
-                </a:tc>
-                <a:tc>
-                  <a:txBody>
-                    <a:bodyPr/>
-                    <a:lstStyle/>
-                    <a:p>
-                      <a:pPr algn="r" fontAlgn="ctr"/>
-                      <a:r>
-                        <a:rPr lang="en-US" sz="1100" dirty="0">
-                          <a:effectLst/>
-                        </a:rPr>
-                        <a:t>Google UL (Bytes)</a:t>
-                      </a:r>
-                      <a:endParaRPr lang="en-US" sz="1100" b="1" dirty="0">
-                        <a:effectLst/>
-                      </a:endParaRPr>
-                    </a:p>
-                  </a:txBody>
-                  <a:tcPr marL="33731" marR="33731" marT="16866" marB="16866" anchor="ctr"/>
-                </a:tc>
-                <a:tc>
-                  <a:txBody>
-                    <a:bodyPr/>
-                    <a:lstStyle/>
-                    <a:p>
-                      <a:pPr algn="r" fontAlgn="ctr"/>
-                      <a:r>
-                        <a:rPr lang="en-US" sz="1100" dirty="0">
-                          <a:effectLst/>
-                        </a:rPr>
-                        <a:t>Email DL (Bytes)</a:t>
-                      </a:r>
-                      <a:endParaRPr lang="en-US" sz="1100" b="1" dirty="0">
-                        <a:effectLst/>
-                      </a:endParaRPr>
-                    </a:p>
-                  </a:txBody>
-                  <a:tcPr marL="33731" marR="33731" marT="16866" marB="16866" anchor="ctr"/>
-                </a:tc>
-                <a:tc>
-                  <a:txBody>
-                    <a:bodyPr/>
-                    <a:lstStyle/>
-                    <a:p>
-                      <a:pPr algn="r" fontAlgn="ctr"/>
-                      <a:r>
-                        <a:rPr lang="en-US" sz="1100">
-                          <a:effectLst/>
-                        </a:rPr>
-                        <a:t>Email UL (Bytes)</a:t>
-                      </a:r>
-                      <a:endParaRPr lang="en-US" sz="1100" b="1">
-                        <a:effectLst/>
-                      </a:endParaRPr>
-                    </a:p>
-                  </a:txBody>
-                  <a:tcPr marL="33731" marR="33731" marT="16866" marB="16866" anchor="ctr"/>
-                </a:tc>
-                <a:tc>
-                  <a:txBody>
-                    <a:bodyPr/>
-                    <a:lstStyle/>
-                    <a:p>
-                      <a:pPr algn="r" fontAlgn="ctr"/>
-                      <a:r>
-                        <a:rPr lang="en-US" sz="1100">
-                          <a:effectLst/>
-                        </a:rPr>
-                        <a:t>Youtube DL (Bytes)</a:t>
-                      </a:r>
-                      <a:endParaRPr lang="en-US" sz="1100" b="1">
-                        <a:effectLst/>
-                      </a:endParaRPr>
-                    </a:p>
-                  </a:txBody>
-                  <a:tcPr marL="33731" marR="33731" marT="16866" marB="16866" anchor="ctr"/>
-                </a:tc>
-                <a:tc>
-                  <a:txBody>
-                    <a:bodyPr/>
-                    <a:lstStyle/>
-                    <a:p>
-                      <a:pPr algn="r" fontAlgn="ctr"/>
-                      <a:r>
-                        <a:rPr lang="en-US" sz="1100">
-                          <a:effectLst/>
-                        </a:rPr>
-                        <a:t>Youtube UL (Bytes)</a:t>
-                      </a:r>
-                      <a:endParaRPr lang="en-US" sz="1100" b="1">
-                        <a:effectLst/>
-                      </a:endParaRPr>
-                    </a:p>
-                  </a:txBody>
-                  <a:tcPr marL="33731" marR="33731" marT="16866" marB="16866" anchor="ctr"/>
-                </a:tc>
-                <a:tc>
-                  <a:txBody>
-                    <a:bodyPr/>
-                    <a:lstStyle/>
-                    <a:p>
-                      <a:pPr algn="r" fontAlgn="ctr"/>
-                      <a:r>
-                        <a:rPr lang="en-US" sz="1100">
-                          <a:effectLst/>
-                        </a:rPr>
-                        <a:t>Netflix DL (Bytes)</a:t>
-                      </a:r>
-                      <a:endParaRPr lang="en-US" sz="1100" b="1">
-                        <a:effectLst/>
-                      </a:endParaRPr>
-                    </a:p>
-                  </a:txBody>
-                  <a:tcPr marL="33731" marR="33731" marT="16866" marB="16866" anchor="ctr"/>
-                </a:tc>
-                <a:tc>
-                  <a:txBody>
-                    <a:bodyPr/>
-                    <a:lstStyle/>
-                    <a:p>
-                      <a:pPr algn="r" fontAlgn="ctr"/>
-                      <a:r>
-                        <a:rPr lang="en-US" sz="1100">
-                          <a:effectLst/>
-                        </a:rPr>
-                        <a:t>Netflix UL (Bytes)</a:t>
-                      </a:r>
-                      <a:endParaRPr lang="en-US" sz="1100" b="1">
-                        <a:effectLst/>
-                      </a:endParaRPr>
-                    </a:p>
-                  </a:txBody>
-                  <a:tcPr marL="33731" marR="33731" marT="16866" marB="16866" anchor="ctr"/>
-                </a:tc>
-                <a:tc>
-                  <a:txBody>
-                    <a:bodyPr/>
-                    <a:lstStyle/>
-                    <a:p>
-                      <a:pPr algn="r" fontAlgn="ctr"/>
-                      <a:r>
-                        <a:rPr lang="en-US" sz="1100">
-                          <a:effectLst/>
-                        </a:rPr>
-                        <a:t>Gaming DL (Bytes)</a:t>
-                      </a:r>
-                      <a:endParaRPr lang="en-US" sz="1100" b="1">
-                        <a:effectLst/>
-                      </a:endParaRPr>
-                    </a:p>
-                  </a:txBody>
-                  <a:tcPr marL="33731" marR="33731" marT="16866" marB="16866" anchor="ctr"/>
-                </a:tc>
-                <a:tc>
-                  <a:txBody>
-                    <a:bodyPr/>
-                    <a:lstStyle/>
-                    <a:p>
-                      <a:pPr algn="r" fontAlgn="ctr"/>
-                      <a:r>
-                        <a:rPr lang="en-US" sz="1100">
-                          <a:effectLst/>
-                        </a:rPr>
-                        <a:t>Gaming UL (Bytes)</a:t>
-                      </a:r>
-                      <a:endParaRPr lang="en-US" sz="1100" b="1">
-                        <a:effectLst/>
-                      </a:endParaRPr>
-                    </a:p>
-                  </a:txBody>
-                  <a:tcPr marL="33731" marR="33731" marT="16866" marB="16866" anchor="ctr"/>
-                </a:tc>
-                <a:tc>
-                  <a:txBody>
-                    <a:bodyPr/>
-                    <a:lstStyle/>
-                    <a:p>
-                      <a:pPr algn="r" fontAlgn="ctr"/>
-                      <a:r>
-                        <a:rPr lang="en-US" sz="1100" dirty="0">
-                          <a:effectLst/>
-                        </a:rPr>
-                        <a:t>Other DL (Bytes)</a:t>
-                      </a:r>
-                      <a:endParaRPr lang="en-US" sz="1100" b="1" dirty="0">
-                        <a:effectLst/>
-                      </a:endParaRPr>
-                    </a:p>
-                  </a:txBody>
-                  <a:tcPr marL="33731" marR="33731" marT="16866" marB="16866" anchor="ctr"/>
-                </a:tc>
-                <a:tc>
-                  <a:txBody>
-                    <a:bodyPr/>
-                    <a:lstStyle/>
-                    <a:p>
-                      <a:pPr algn="r" fontAlgn="ctr"/>
-                      <a:r>
-                        <a:rPr lang="en-US" sz="1100">
-                          <a:effectLst/>
-                        </a:rPr>
-                        <a:t>Other UL (Bytes)</a:t>
-                      </a:r>
-                      <a:endParaRPr lang="en-US" sz="1100" b="1">
-                        <a:effectLst/>
-                      </a:endParaRPr>
-                    </a:p>
-                  </a:txBody>
-                  <a:tcPr marL="33731" marR="33731" marT="16866" marB="16866" anchor="ctr"/>
-                </a:tc>
-                <a:tc>
-                  <a:txBody>
-                    <a:bodyPr/>
-                    <a:lstStyle/>
-                    <a:p>
-                      <a:pPr algn="r" fontAlgn="ctr"/>
-                      <a:r>
-                        <a:rPr lang="en-US" sz="1100">
-                          <a:effectLst/>
-                        </a:rPr>
-                        <a:t>Dur. (ms)</a:t>
-                      </a:r>
-                      <a:endParaRPr lang="en-US" sz="1100" b="1">
-                        <a:effectLst/>
-                      </a:endParaRPr>
-                    </a:p>
-                  </a:txBody>
-                  <a:tcPr marL="33731" marR="33731" marT="16866" marB="16866" anchor="ctr"/>
-                </a:tc>
-                <a:tc>
-                  <a:txBody>
-                    <a:bodyPr/>
-                    <a:lstStyle/>
-                    <a:p>
-                      <a:pPr algn="r" fontAlgn="ctr"/>
-                      <a:r>
-                        <a:rPr lang="en-US" sz="1100">
-                          <a:effectLst/>
-                        </a:rPr>
-                        <a:t>Total UL (Bytes)</a:t>
-                      </a:r>
-                      <a:endParaRPr lang="en-US" sz="1100" b="1">
-                        <a:effectLst/>
-                      </a:endParaRPr>
-                    </a:p>
-                  </a:txBody>
-                  <a:tcPr marL="33731" marR="33731" marT="16866" marB="16866" anchor="ctr"/>
-                </a:tc>
-                <a:tc>
-                  <a:txBody>
-                    <a:bodyPr/>
-                    <a:lstStyle/>
-                    <a:p>
-                      <a:pPr algn="r" fontAlgn="ctr"/>
-                      <a:r>
-                        <a:rPr lang="en-US" sz="1100">
-                          <a:effectLst/>
-                        </a:rPr>
-                        <a:t>Total DL (Bytes)</a:t>
-                      </a:r>
-                      <a:endParaRPr lang="en-US" sz="1100" b="1">
-                        <a:effectLst/>
-                      </a:endParaRPr>
-                    </a:p>
-                  </a:txBody>
-                  <a:tcPr marL="33731" marR="33731" marT="16866" marB="16866" anchor="ctr"/>
-                </a:tc>
-                <a:tc>
-                  <a:txBody>
-                    <a:bodyPr/>
-                    <a:lstStyle/>
-                    <a:p>
-                      <a:endParaRPr lang="en-US" sz="1100" dirty="0"/>
                     </a:p>
                   </a:txBody>
                   <a:tcPr marL="33731" marR="33731" marT="16866" marB="16866"/>
@@ -3833,15 +3935,301 @@
                     <a:bodyPr/>
                     <a:lstStyle/>
                     <a:p>
-                      <a:pPr algn="r" fontAlgn="ctr"/>
-                      <a:r>
-                        <a:rPr lang="en-US" sz="1100">
-                          <a:effectLst/>
+                      <a:pPr marL="0" algn="r" defTabSz="914400" rtl="0" eaLnBrk="1" fontAlgn="ctr" latinLnBrk="0" hangingPunct="1"/>
+                      <a:r>
+                        <a:rPr lang="en-US" sz="1100" kern="1200" dirty="0">
+                          <a:solidFill>
+                            <a:schemeClr val="lt1"/>
+                          </a:solidFill>
+                          <a:effectLst/>
+                          <a:latin typeface="+mn-lt"/>
+                          <a:ea typeface="+mn-ea"/>
+                          <a:cs typeface="+mn-cs"/>
                         </a:rPr>
                         <a:t>count</a:t>
                       </a:r>
-                      <a:endParaRPr lang="en-US" sz="1100" b="1">
+                    </a:p>
+                  </a:txBody>
+                  <a:tcPr marL="33731" marR="33731" marT="16866" marB="16866" anchor="ctr"/>
+                </a:tc>
+                <a:tc>
+                  <a:txBody>
+                    <a:bodyPr/>
+                    <a:lstStyle/>
+                    <a:p>
+                      <a:pPr marL="0" algn="r" defTabSz="914400" rtl="0" eaLnBrk="1" fontAlgn="ctr" latinLnBrk="0" hangingPunct="1"/>
+                      <a:r>
+                        <a:rPr lang="en-US" sz="1100" kern="1200" dirty="0">
+                          <a:solidFill>
+                            <a:schemeClr val="lt1"/>
+                          </a:solidFill>
+                          <a:effectLst/>
+                          <a:latin typeface="+mn-lt"/>
+                          <a:ea typeface="+mn-ea"/>
+                          <a:cs typeface="+mn-cs"/>
+                        </a:rPr>
+                        <a:t>1.500020e+05</a:t>
+                      </a:r>
+                    </a:p>
+                  </a:txBody>
+                  <a:tcPr marL="33731" marR="33731" marT="16866" marB="16866" anchor="ctr"/>
+                </a:tc>
+                <a:tc>
+                  <a:txBody>
+                    <a:bodyPr/>
+                    <a:lstStyle/>
+                    <a:p>
+                      <a:pPr marL="0" algn="r" defTabSz="914400" rtl="0" eaLnBrk="1" fontAlgn="ctr" latinLnBrk="0" hangingPunct="1"/>
+                      <a:r>
+                        <a:rPr lang="en-US" sz="1100" kern="1200" dirty="0">
+                          <a:solidFill>
+                            <a:schemeClr val="lt1"/>
+                          </a:solidFill>
+                          <a:effectLst/>
+                          <a:latin typeface="+mn-lt"/>
+                          <a:ea typeface="+mn-ea"/>
+                          <a:cs typeface="+mn-cs"/>
+                        </a:rPr>
+                        <a:t>1.500020e+05</a:t>
+                      </a:r>
+                    </a:p>
+                  </a:txBody>
+                  <a:tcPr marL="33731" marR="33731" marT="16866" marB="16866" anchor="ctr"/>
+                </a:tc>
+                <a:tc>
+                  <a:txBody>
+                    <a:bodyPr/>
+                    <a:lstStyle/>
+                    <a:p>
+                      <a:pPr marL="0" algn="r" defTabSz="914400" rtl="0" eaLnBrk="1" fontAlgn="ctr" latinLnBrk="0" hangingPunct="1"/>
+                      <a:r>
+                        <a:rPr lang="en-US" sz="1100" kern="1200" dirty="0">
+                          <a:solidFill>
+                            <a:schemeClr val="lt1"/>
+                          </a:solidFill>
+                          <a:effectLst/>
+                          <a:latin typeface="+mn-lt"/>
+                          <a:ea typeface="+mn-ea"/>
+                          <a:cs typeface="+mn-cs"/>
+                        </a:rPr>
+                        <a:t>1.500020e+05</a:t>
+                      </a:r>
+                    </a:p>
+                  </a:txBody>
+                  <a:tcPr marL="33731" marR="33731" marT="16866" marB="16866" anchor="ctr"/>
+                </a:tc>
+                <a:tc>
+                  <a:txBody>
+                    <a:bodyPr/>
+                    <a:lstStyle/>
+                    <a:p>
+                      <a:pPr marL="0" algn="r" defTabSz="914400" rtl="0" eaLnBrk="1" fontAlgn="ctr" latinLnBrk="0" hangingPunct="1"/>
+                      <a:r>
+                        <a:rPr lang="en-US" sz="1100" kern="1200" dirty="0">
+                          <a:solidFill>
+                            <a:schemeClr val="lt1"/>
+                          </a:solidFill>
+                          <a:effectLst/>
+                          <a:latin typeface="+mn-lt"/>
+                          <a:ea typeface="+mn-ea"/>
+                          <a:cs typeface="+mn-cs"/>
+                        </a:rPr>
+                        <a:t>1.500020e+05</a:t>
+                      </a:r>
+                    </a:p>
+                  </a:txBody>
+                  <a:tcPr marL="33731" marR="33731" marT="16866" marB="16866" anchor="ctr"/>
+                </a:tc>
+                <a:tc>
+                  <a:txBody>
+                    <a:bodyPr/>
+                    <a:lstStyle/>
+                    <a:p>
+                      <a:pPr marL="0" algn="r" defTabSz="914400" rtl="0" eaLnBrk="1" fontAlgn="ctr" latinLnBrk="0" hangingPunct="1"/>
+                      <a:r>
+                        <a:rPr lang="en-US" sz="1100" kern="1200" dirty="0">
+                          <a:solidFill>
+                            <a:schemeClr val="lt1"/>
+                          </a:solidFill>
+                          <a:effectLst/>
+                          <a:latin typeface="+mn-lt"/>
+                          <a:ea typeface="+mn-ea"/>
+                          <a:cs typeface="+mn-cs"/>
+                        </a:rPr>
+                        <a:t>1.500020e+05</a:t>
+                      </a:r>
+                    </a:p>
+                  </a:txBody>
+                  <a:tcPr marL="33731" marR="33731" marT="16866" marB="16866" anchor="ctr"/>
+                </a:tc>
+                <a:tc>
+                  <a:txBody>
+                    <a:bodyPr/>
+                    <a:lstStyle/>
+                    <a:p>
+                      <a:pPr marL="0" algn="r" defTabSz="914400" rtl="0" eaLnBrk="1" fontAlgn="ctr" latinLnBrk="0" hangingPunct="1"/>
+                      <a:r>
+                        <a:rPr lang="en-US" sz="1100" kern="1200" dirty="0">
+                          <a:solidFill>
+                            <a:schemeClr val="lt1"/>
+                          </a:solidFill>
+                          <a:effectLst/>
+                          <a:latin typeface="+mn-lt"/>
+                          <a:ea typeface="+mn-ea"/>
+                          <a:cs typeface="+mn-cs"/>
+                        </a:rPr>
+                        <a:t>1.500020e+05</a:t>
+                      </a:r>
+                    </a:p>
+                  </a:txBody>
+                  <a:tcPr marL="33731" marR="33731" marT="16866" marB="16866" anchor="ctr"/>
+                </a:tc>
+                <a:tc>
+                  <a:txBody>
+                    <a:bodyPr/>
+                    <a:lstStyle/>
+                    <a:p>
+                      <a:pPr marL="0" algn="r" defTabSz="914400" rtl="0" eaLnBrk="1" fontAlgn="ctr" latinLnBrk="0" hangingPunct="1"/>
+                      <a:r>
+                        <a:rPr lang="en-US" sz="1100" kern="1200" dirty="0">
+                          <a:solidFill>
+                            <a:schemeClr val="lt1"/>
+                          </a:solidFill>
+                          <a:effectLst/>
+                          <a:latin typeface="+mn-lt"/>
+                          <a:ea typeface="+mn-ea"/>
+                          <a:cs typeface="+mn-cs"/>
+                        </a:rPr>
+                        <a:t>1.500020e+05</a:t>
+                      </a:r>
+                    </a:p>
+                  </a:txBody>
+                  <a:tcPr marL="33731" marR="33731" marT="16866" marB="16866" anchor="ctr"/>
+                </a:tc>
+                <a:tc>
+                  <a:txBody>
+                    <a:bodyPr/>
+                    <a:lstStyle/>
+                    <a:p>
+                      <a:pPr marL="0" algn="r" defTabSz="914400" rtl="0" eaLnBrk="1" fontAlgn="ctr" latinLnBrk="0" hangingPunct="1"/>
+                      <a:r>
+                        <a:rPr lang="en-US" sz="1100" kern="1200" dirty="0">
+                          <a:solidFill>
+                            <a:schemeClr val="lt1"/>
+                          </a:solidFill>
+                          <a:effectLst/>
+                          <a:latin typeface="+mn-lt"/>
+                          <a:ea typeface="+mn-ea"/>
+                          <a:cs typeface="+mn-cs"/>
+                        </a:rPr>
+                        <a:t>1.500020e+05</a:t>
+                      </a:r>
+                    </a:p>
+                  </a:txBody>
+                  <a:tcPr marL="33731" marR="33731" marT="16866" marB="16866" anchor="ctr"/>
+                </a:tc>
+                <a:tc>
+                  <a:txBody>
+                    <a:bodyPr/>
+                    <a:lstStyle/>
+                    <a:p>
+                      <a:pPr marL="0" algn="r" defTabSz="914400" rtl="0" eaLnBrk="1" fontAlgn="ctr" latinLnBrk="0" hangingPunct="1"/>
+                      <a:r>
+                        <a:rPr lang="en-US" sz="1100" kern="1200" dirty="0">
+                          <a:solidFill>
+                            <a:schemeClr val="lt1"/>
+                          </a:solidFill>
+                          <a:effectLst/>
+                          <a:latin typeface="+mn-lt"/>
+                          <a:ea typeface="+mn-ea"/>
+                          <a:cs typeface="+mn-cs"/>
+                        </a:rPr>
+                        <a:t>1.500020e+05</a:t>
+                      </a:r>
+                    </a:p>
+                  </a:txBody>
+                  <a:tcPr marL="33731" marR="33731" marT="16866" marB="16866" anchor="ctr"/>
+                </a:tc>
+                <a:tc>
+                  <a:txBody>
+                    <a:bodyPr/>
+                    <a:lstStyle/>
+                    <a:p>
+                      <a:pPr marL="0" algn="r" defTabSz="914400" rtl="0" eaLnBrk="1" fontAlgn="ctr" latinLnBrk="0" hangingPunct="1"/>
+                      <a:r>
+                        <a:rPr lang="en-US" sz="1100" kern="1200" dirty="0">
+                          <a:solidFill>
+                            <a:schemeClr val="lt1"/>
+                          </a:solidFill>
+                          <a:effectLst/>
+                          <a:latin typeface="+mn-lt"/>
+                          <a:ea typeface="+mn-ea"/>
+                          <a:cs typeface="+mn-cs"/>
+                        </a:rPr>
+                        <a:t>1.500020e+05</a:t>
+                      </a:r>
+                    </a:p>
+                  </a:txBody>
+                  <a:tcPr marL="33731" marR="33731" marT="16866" marB="16866" anchor="ctr"/>
+                </a:tc>
+                <a:tc>
+                  <a:txBody>
+                    <a:bodyPr/>
+                    <a:lstStyle/>
+                    <a:p>
+                      <a:pPr marL="0" algn="r" defTabSz="914400" rtl="0" eaLnBrk="1" fontAlgn="ctr" latinLnBrk="0" hangingPunct="1"/>
+                      <a:r>
+                        <a:rPr lang="en-US" sz="1100" kern="1200">
+                          <a:solidFill>
+                            <a:schemeClr val="lt1"/>
+                          </a:solidFill>
+                          <a:effectLst/>
+                          <a:latin typeface="+mn-lt"/>
+                          <a:ea typeface="+mn-ea"/>
+                          <a:cs typeface="+mn-cs"/>
+                        </a:rPr>
+                        <a:t>1.500020e+05</a:t>
+                      </a:r>
+                    </a:p>
+                  </a:txBody>
+                  <a:tcPr marL="33731" marR="33731" marT="16866" marB="16866" anchor="ctr"/>
+                </a:tc>
+                <a:tc>
+                  <a:txBody>
+                    <a:bodyPr/>
+                    <a:lstStyle/>
+                    <a:p>
+                      <a:pPr marL="0" algn="r" defTabSz="914400" rtl="0" eaLnBrk="1" fontAlgn="ctr" latinLnBrk="0" hangingPunct="1"/>
+                      <a:r>
+                        <a:rPr lang="en-US" sz="1100" kern="1200" dirty="0">
+                          <a:solidFill>
+                            <a:schemeClr val="lt1"/>
+                          </a:solidFill>
+                          <a:effectLst/>
+                          <a:latin typeface="+mn-lt"/>
+                          <a:ea typeface="+mn-ea"/>
+                          <a:cs typeface="+mn-cs"/>
+                        </a:rPr>
+                        <a:t>1.500020e+05</a:t>
+                      </a:r>
+                    </a:p>
+                  </a:txBody>
+                  <a:tcPr marL="33731" marR="33731" marT="16866" marB="16866" anchor="ctr"/>
+                </a:tc>
+                <a:tc>
+                  <a:txBody>
+                    <a:bodyPr/>
+                    <a:lstStyle/>
+                    <a:p>
+                      <a:pPr marL="0" algn="r" defTabSz="914400" rtl="0" eaLnBrk="1" fontAlgn="ctr" latinLnBrk="0" hangingPunct="1"/>
+                      <a:endParaRPr lang="en-US" sz="1100" kern="1200">
+                        <a:solidFill>
+                          <a:schemeClr val="lt1"/>
+                        </a:solidFill>
                         <a:effectLst/>
+                        <a:latin typeface="+mn-lt"/>
+                        <a:ea typeface="+mn-ea"/>
+                        <a:cs typeface="+mn-cs"/>
                       </a:endParaRPr>
                     </a:p>
                   </a:txBody>
@@ -3852,10 +4240,16 @@
                     <a:bodyPr/>
                     <a:lstStyle/>
                     <a:p>
-                      <a:pPr algn="r" fontAlgn="ctr"/>
-                      <a:r>
-                        <a:rPr lang="en-US" sz="1100" dirty="0">
-                          <a:effectLst/>
+                      <a:pPr marL="0" algn="r" defTabSz="914400" rtl="0" eaLnBrk="1" fontAlgn="ctr" latinLnBrk="0" hangingPunct="1"/>
+                      <a:r>
+                        <a:rPr lang="en-US" sz="1100" kern="1200">
+                          <a:solidFill>
+                            <a:schemeClr val="lt1"/>
+                          </a:solidFill>
+                          <a:effectLst/>
+                          <a:latin typeface="+mn-lt"/>
+                          <a:ea typeface="+mn-ea"/>
+                          <a:cs typeface="+mn-cs"/>
                         </a:rPr>
                         <a:t>1.500020e+05</a:t>
                       </a:r>
@@ -3868,218 +4262,16 @@
                     <a:bodyPr/>
                     <a:lstStyle/>
                     <a:p>
-                      <a:pPr algn="r" fontAlgn="ctr"/>
-                      <a:r>
-                        <a:rPr lang="en-US" sz="1100" dirty="0">
-                          <a:effectLst/>
-                        </a:rPr>
-                        <a:t>1.500020e+05</a:t>
-                      </a:r>
-                    </a:p>
-                  </a:txBody>
-                  <a:tcPr marL="33731" marR="33731" marT="16866" marB="16866" anchor="ctr"/>
-                </a:tc>
-                <a:tc>
-                  <a:txBody>
-                    <a:bodyPr/>
-                    <a:lstStyle/>
-                    <a:p>
-                      <a:pPr algn="r" fontAlgn="ctr"/>
-                      <a:r>
-                        <a:rPr lang="en-US" sz="1100">
-                          <a:effectLst/>
-                        </a:rPr>
-                        <a:t>1.500020e+05</a:t>
-                      </a:r>
-                    </a:p>
-                  </a:txBody>
-                  <a:tcPr marL="33731" marR="33731" marT="16866" marB="16866" anchor="ctr"/>
-                </a:tc>
-                <a:tc>
-                  <a:txBody>
-                    <a:bodyPr/>
-                    <a:lstStyle/>
-                    <a:p>
-                      <a:pPr algn="r" fontAlgn="ctr"/>
-                      <a:r>
-                        <a:rPr lang="en-US" sz="1100">
-                          <a:effectLst/>
-                        </a:rPr>
-                        <a:t>1.500020e+05</a:t>
-                      </a:r>
-                    </a:p>
-                  </a:txBody>
-                  <a:tcPr marL="33731" marR="33731" marT="16866" marB="16866" anchor="ctr"/>
-                </a:tc>
-                <a:tc>
-                  <a:txBody>
-                    <a:bodyPr/>
-                    <a:lstStyle/>
-                    <a:p>
-                      <a:pPr algn="r" fontAlgn="ctr"/>
-                      <a:r>
-                        <a:rPr lang="en-US" sz="1100" dirty="0">
-                          <a:effectLst/>
-                        </a:rPr>
-                        <a:t>1.500020e+05</a:t>
-                      </a:r>
-                    </a:p>
-                  </a:txBody>
-                  <a:tcPr marL="33731" marR="33731" marT="16866" marB="16866" anchor="ctr"/>
-                </a:tc>
-                <a:tc>
-                  <a:txBody>
-                    <a:bodyPr/>
-                    <a:lstStyle/>
-                    <a:p>
-                      <a:pPr algn="r" fontAlgn="ctr"/>
-                      <a:r>
-                        <a:rPr lang="en-US" sz="1100">
-                          <a:effectLst/>
-                        </a:rPr>
-                        <a:t>1.500020e+05</a:t>
-                      </a:r>
-                    </a:p>
-                  </a:txBody>
-                  <a:tcPr marL="33731" marR="33731" marT="16866" marB="16866" anchor="ctr"/>
-                </a:tc>
-                <a:tc>
-                  <a:txBody>
-                    <a:bodyPr/>
-                    <a:lstStyle/>
-                    <a:p>
-                      <a:pPr algn="r" fontAlgn="ctr"/>
-                      <a:r>
-                        <a:rPr lang="en-US" sz="1100">
-                          <a:effectLst/>
-                        </a:rPr>
-                        <a:t>1.500020e+05</a:t>
-                      </a:r>
-                    </a:p>
-                  </a:txBody>
-                  <a:tcPr marL="33731" marR="33731" marT="16866" marB="16866" anchor="ctr"/>
-                </a:tc>
-                <a:tc>
-                  <a:txBody>
-                    <a:bodyPr/>
-                    <a:lstStyle/>
-                    <a:p>
-                      <a:pPr algn="r" fontAlgn="ctr"/>
-                      <a:r>
-                        <a:rPr lang="en-US" sz="1100">
-                          <a:effectLst/>
-                        </a:rPr>
-                        <a:t>1.500020e+05</a:t>
-                      </a:r>
-                    </a:p>
-                  </a:txBody>
-                  <a:tcPr marL="33731" marR="33731" marT="16866" marB="16866" anchor="ctr"/>
-                </a:tc>
-                <a:tc>
-                  <a:txBody>
-                    <a:bodyPr/>
-                    <a:lstStyle/>
-                    <a:p>
-                      <a:pPr algn="r" fontAlgn="ctr"/>
-                      <a:r>
-                        <a:rPr lang="en-US" sz="1100" dirty="0">
-                          <a:effectLst/>
-                        </a:rPr>
-                        <a:t>1.500020e+05</a:t>
-                      </a:r>
-                    </a:p>
-                  </a:txBody>
-                  <a:tcPr marL="33731" marR="33731" marT="16866" marB="16866" anchor="ctr"/>
-                </a:tc>
-                <a:tc>
-                  <a:txBody>
-                    <a:bodyPr/>
-                    <a:lstStyle/>
-                    <a:p>
-                      <a:pPr algn="r" fontAlgn="ctr"/>
-                      <a:r>
-                        <a:rPr lang="en-US" sz="1100">
-                          <a:effectLst/>
-                        </a:rPr>
-                        <a:t>1.500020e+05</a:t>
-                      </a:r>
-                    </a:p>
-                  </a:txBody>
-                  <a:tcPr marL="33731" marR="33731" marT="16866" marB="16866" anchor="ctr"/>
-                </a:tc>
-                <a:tc>
-                  <a:txBody>
-                    <a:bodyPr/>
-                    <a:lstStyle/>
-                    <a:p>
-                      <a:pPr algn="r" fontAlgn="ctr"/>
-                      <a:r>
-                        <a:rPr lang="en-US" sz="1100">
-                          <a:effectLst/>
-                        </a:rPr>
-                        <a:t>1.500020e+05</a:t>
-                      </a:r>
-                    </a:p>
-                  </a:txBody>
-                  <a:tcPr marL="33731" marR="33731" marT="16866" marB="16866" anchor="ctr"/>
-                </a:tc>
-                <a:tc>
-                  <a:txBody>
-                    <a:bodyPr/>
-                    <a:lstStyle/>
-                    <a:p>
-                      <a:pPr algn="r" fontAlgn="ctr"/>
-                      <a:r>
-                        <a:rPr lang="en-US" sz="1100">
-                          <a:effectLst/>
-                        </a:rPr>
-                        <a:t>1.500020e+05</a:t>
-                      </a:r>
-                    </a:p>
-                  </a:txBody>
-                  <a:tcPr marL="33731" marR="33731" marT="16866" marB="16866" anchor="ctr"/>
-                </a:tc>
-                <a:tc>
-                  <a:txBody>
-                    <a:bodyPr/>
-                    <a:lstStyle/>
-                    <a:p>
-                      <a:pPr algn="r" fontAlgn="ctr"/>
-                      <a:r>
-                        <a:rPr lang="en-US" sz="1100">
-                          <a:effectLst/>
-                        </a:rPr>
-                        <a:t>1.500020e+05</a:t>
-                      </a:r>
-                    </a:p>
-                  </a:txBody>
-                  <a:tcPr marL="33731" marR="33731" marT="16866" marB="16866" anchor="ctr"/>
-                </a:tc>
-                <a:tc>
-                  <a:txBody>
-                    <a:bodyPr/>
-                    <a:lstStyle/>
-                    <a:p>
-                      <a:pPr algn="r" fontAlgn="ctr"/>
-                      <a:r>
-                        <a:rPr lang="en-US" sz="1100">
-                          <a:effectLst/>
-                        </a:rPr>
-                        <a:t>1.500020e+05</a:t>
-                      </a:r>
-                    </a:p>
-                  </a:txBody>
-                  <a:tcPr marL="33731" marR="33731" marT="16866" marB="16866" anchor="ctr"/>
-                </a:tc>
-                <a:tc>
-                  <a:txBody>
-                    <a:bodyPr/>
-                    <a:lstStyle/>
-                    <a:p>
-                      <a:pPr algn="r" fontAlgn="ctr"/>
-                      <a:r>
-                        <a:rPr lang="en-US" sz="1100">
-                          <a:effectLst/>
+                      <a:pPr marL="0" algn="r" defTabSz="914400" rtl="0" eaLnBrk="1" fontAlgn="ctr" latinLnBrk="0" hangingPunct="1"/>
+                      <a:r>
+                        <a:rPr lang="en-US" sz="1100" kern="1200">
+                          <a:solidFill>
+                            <a:schemeClr val="lt1"/>
+                          </a:solidFill>
+                          <a:effectLst/>
+                          <a:latin typeface="+mn-lt"/>
+                          <a:ea typeface="+mn-ea"/>
+                          <a:cs typeface="+mn-cs"/>
                         </a:rPr>
                         <a:t>1.500000e+05</a:t>
                       </a:r>
@@ -4092,10 +4284,16 @@
                     <a:bodyPr/>
                     <a:lstStyle/>
                     <a:p>
-                      <a:pPr algn="r" fontAlgn="ctr"/>
-                      <a:r>
-                        <a:rPr lang="en-US" sz="1100">
-                          <a:effectLst/>
+                      <a:pPr marL="0" algn="r" defTabSz="914400" rtl="0" eaLnBrk="1" fontAlgn="ctr" latinLnBrk="0" hangingPunct="1"/>
+                      <a:r>
+                        <a:rPr lang="en-US" sz="1100" kern="1200">
+                          <a:solidFill>
+                            <a:schemeClr val="lt1"/>
+                          </a:solidFill>
+                          <a:effectLst/>
+                          <a:latin typeface="+mn-lt"/>
+                          <a:ea typeface="+mn-ea"/>
+                          <a:cs typeface="+mn-cs"/>
                         </a:rPr>
                         <a:t>1.500000e+05</a:t>
                       </a:r>
@@ -4108,10 +4306,16 @@
                     <a:bodyPr/>
                     <a:lstStyle/>
                     <a:p>
-                      <a:pPr algn="r" fontAlgn="ctr"/>
-                      <a:r>
-                        <a:rPr lang="en-US" sz="1100">
-                          <a:effectLst/>
+                      <a:pPr marL="0" algn="r" defTabSz="914400" rtl="0" eaLnBrk="1" fontAlgn="ctr" latinLnBrk="0" hangingPunct="1"/>
+                      <a:r>
+                        <a:rPr lang="en-US" sz="1100" kern="1200">
+                          <a:solidFill>
+                            <a:schemeClr val="lt1"/>
+                          </a:solidFill>
+                          <a:effectLst/>
+                          <a:latin typeface="+mn-lt"/>
+                          <a:ea typeface="+mn-ea"/>
+                          <a:cs typeface="+mn-cs"/>
                         </a:rPr>
                         <a:t>1.500010e+05</a:t>
                       </a:r>
@@ -4131,15 +4335,301 @@
                     <a:bodyPr/>
                     <a:lstStyle/>
                     <a:p>
-                      <a:pPr algn="r" fontAlgn="ctr"/>
-                      <a:r>
-                        <a:rPr lang="en-US" sz="1100">
-                          <a:effectLst/>
+                      <a:pPr marL="0" algn="r" defTabSz="914400" rtl="0" eaLnBrk="1" fontAlgn="ctr" latinLnBrk="0" hangingPunct="1"/>
+                      <a:r>
+                        <a:rPr lang="en-US" sz="1100" kern="1200">
+                          <a:solidFill>
+                            <a:schemeClr val="lt1"/>
+                          </a:solidFill>
+                          <a:effectLst/>
+                          <a:latin typeface="+mn-lt"/>
+                          <a:ea typeface="+mn-ea"/>
+                          <a:cs typeface="+mn-cs"/>
                         </a:rPr>
                         <a:t>mean</a:t>
                       </a:r>
-                      <a:endParaRPr lang="en-US" sz="1100" b="1">
+                    </a:p>
+                  </a:txBody>
+                  <a:tcPr marL="33731" marR="33731" marT="16866" marB="16866" anchor="ctr"/>
+                </a:tc>
+                <a:tc>
+                  <a:txBody>
+                    <a:bodyPr/>
+                    <a:lstStyle/>
+                    <a:p>
+                      <a:pPr marL="0" algn="r" defTabSz="914400" rtl="0" eaLnBrk="1" fontAlgn="ctr" latinLnBrk="0" hangingPunct="1"/>
+                      <a:r>
+                        <a:rPr lang="en-US" sz="1100" kern="1200">
+                          <a:solidFill>
+                            <a:schemeClr val="lt1"/>
+                          </a:solidFill>
+                          <a:effectLst/>
+                          <a:latin typeface="+mn-lt"/>
+                          <a:ea typeface="+mn-ea"/>
+                          <a:cs typeface="+mn-cs"/>
+                        </a:rPr>
+                        <a:t>1.865738e+06</a:t>
+                      </a:r>
+                    </a:p>
+                  </a:txBody>
+                  <a:tcPr marL="33731" marR="33731" marT="16866" marB="16866" anchor="ctr"/>
+                </a:tc>
+                <a:tc>
+                  <a:txBody>
+                    <a:bodyPr/>
+                    <a:lstStyle/>
+                    <a:p>
+                      <a:pPr marL="0" algn="r" defTabSz="914400" rtl="0" eaLnBrk="1" fontAlgn="ctr" latinLnBrk="0" hangingPunct="1"/>
+                      <a:r>
+                        <a:rPr lang="en-US" sz="1100" kern="1200">
+                          <a:solidFill>
+                            <a:schemeClr val="lt1"/>
+                          </a:solidFill>
+                          <a:effectLst/>
+                          <a:latin typeface="+mn-lt"/>
+                          <a:ea typeface="+mn-ea"/>
+                          <a:cs typeface="+mn-cs"/>
+                        </a:rPr>
+                        <a:t>3.423653e+04</a:t>
+                      </a:r>
+                    </a:p>
+                  </a:txBody>
+                  <a:tcPr marL="33731" marR="33731" marT="16866" marB="16866" anchor="ctr"/>
+                </a:tc>
+                <a:tc>
+                  <a:txBody>
+                    <a:bodyPr/>
+                    <a:lstStyle/>
+                    <a:p>
+                      <a:pPr marL="0" algn="r" defTabSz="914400" rtl="0" eaLnBrk="1" fontAlgn="ctr" latinLnBrk="0" hangingPunct="1"/>
+                      <a:r>
+                        <a:rPr lang="en-US" sz="1100" kern="1200">
+                          <a:solidFill>
+                            <a:schemeClr val="lt1"/>
+                          </a:solidFill>
+                          <a:effectLst/>
+                          <a:latin typeface="+mn-lt"/>
+                          <a:ea typeface="+mn-ea"/>
+                          <a:cs typeface="+mn-cs"/>
+                        </a:rPr>
+                        <a:t>5.977731e+06</a:t>
+                      </a:r>
+                    </a:p>
+                  </a:txBody>
+                  <a:tcPr marL="33731" marR="33731" marT="16866" marB="16866" anchor="ctr"/>
+                </a:tc>
+                <a:tc>
+                  <a:txBody>
+                    <a:bodyPr/>
+                    <a:lstStyle/>
+                    <a:p>
+                      <a:pPr marL="0" algn="r" defTabSz="914400" rtl="0" eaLnBrk="1" fontAlgn="ctr" latinLnBrk="0" hangingPunct="1"/>
+                      <a:r>
+                        <a:rPr lang="en-US" sz="1100" kern="1200" dirty="0">
+                          <a:solidFill>
+                            <a:schemeClr val="lt1"/>
+                          </a:solidFill>
+                          <a:effectLst/>
+                          <a:latin typeface="+mn-lt"/>
+                          <a:ea typeface="+mn-ea"/>
+                          <a:cs typeface="+mn-cs"/>
+                        </a:rPr>
+                        <a:t>2.137284e+06</a:t>
+                      </a:r>
+                    </a:p>
+                  </a:txBody>
+                  <a:tcPr marL="33731" marR="33731" marT="16866" marB="16866" anchor="ctr"/>
+                </a:tc>
+                <a:tc>
+                  <a:txBody>
+                    <a:bodyPr/>
+                    <a:lstStyle/>
+                    <a:p>
+                      <a:pPr marL="0" algn="r" defTabSz="914400" rtl="0" eaLnBrk="1" fontAlgn="ctr" latinLnBrk="0" hangingPunct="1"/>
+                      <a:r>
+                        <a:rPr lang="en-US" sz="1100" kern="1200" dirty="0">
+                          <a:solidFill>
+                            <a:schemeClr val="lt1"/>
+                          </a:solidFill>
+                          <a:effectLst/>
+                          <a:latin typeface="+mn-lt"/>
+                          <a:ea typeface="+mn-ea"/>
+                          <a:cs typeface="+mn-cs"/>
+                        </a:rPr>
+                        <a:t>1.861551e+06</a:t>
+                      </a:r>
+                    </a:p>
+                  </a:txBody>
+                  <a:tcPr marL="33731" marR="33731" marT="16866" marB="16866" anchor="ctr"/>
+                </a:tc>
+                <a:tc>
+                  <a:txBody>
+                    <a:bodyPr/>
+                    <a:lstStyle/>
+                    <a:p>
+                      <a:pPr marL="0" algn="r" defTabSz="914400" rtl="0" eaLnBrk="1" fontAlgn="ctr" latinLnBrk="0" hangingPunct="1"/>
+                      <a:r>
+                        <a:rPr lang="en-US" sz="1100" kern="1200" dirty="0">
+                          <a:solidFill>
+                            <a:schemeClr val="lt1"/>
+                          </a:solidFill>
+                          <a:effectLst/>
+                          <a:latin typeface="+mn-lt"/>
+                          <a:ea typeface="+mn-ea"/>
+                          <a:cs typeface="+mn-cs"/>
+                        </a:rPr>
+                        <a:t>4.854661e+05</a:t>
+                      </a:r>
+                    </a:p>
+                  </a:txBody>
+                  <a:tcPr marL="33731" marR="33731" marT="16866" marB="16866" anchor="ctr"/>
+                </a:tc>
+                <a:tc>
+                  <a:txBody>
+                    <a:bodyPr/>
+                    <a:lstStyle/>
+                    <a:p>
+                      <a:pPr marL="0" algn="r" defTabSz="914400" rtl="0" eaLnBrk="1" fontAlgn="ctr" latinLnBrk="0" hangingPunct="1"/>
+                      <a:r>
+                        <a:rPr lang="en-US" sz="1100" kern="1200" dirty="0">
+                          <a:solidFill>
+                            <a:schemeClr val="lt1"/>
+                          </a:solidFill>
+                          <a:effectLst/>
+                          <a:latin typeface="+mn-lt"/>
+                          <a:ea typeface="+mn-ea"/>
+                          <a:cs typeface="+mn-cs"/>
+                        </a:rPr>
+                        <a:t>1.208942e+07</a:t>
+                      </a:r>
+                    </a:p>
+                  </a:txBody>
+                  <a:tcPr marL="33731" marR="33731" marT="16866" marB="16866" anchor="ctr"/>
+                </a:tc>
+                <a:tc>
+                  <a:txBody>
+                    <a:bodyPr/>
+                    <a:lstStyle/>
+                    <a:p>
+                      <a:pPr marL="0" algn="r" defTabSz="914400" rtl="0" eaLnBrk="1" fontAlgn="ctr" latinLnBrk="0" hangingPunct="1"/>
+                      <a:r>
+                        <a:rPr lang="en-US" sz="1100" kern="1200" dirty="0">
+                          <a:solidFill>
+                            <a:schemeClr val="lt1"/>
+                          </a:solidFill>
+                          <a:effectLst/>
+                          <a:latin typeface="+mn-lt"/>
+                          <a:ea typeface="+mn-ea"/>
+                          <a:cs typeface="+mn-cs"/>
+                        </a:rPr>
+                        <a:t>1.144228e+07</a:t>
+                      </a:r>
+                    </a:p>
+                  </a:txBody>
+                  <a:tcPr marL="33731" marR="33731" marT="16866" marB="16866" anchor="ctr"/>
+                </a:tc>
+                <a:tc>
+                  <a:txBody>
+                    <a:bodyPr/>
+                    <a:lstStyle/>
+                    <a:p>
+                      <a:pPr marL="0" algn="r" defTabSz="914400" rtl="0" eaLnBrk="1" fontAlgn="ctr" latinLnBrk="0" hangingPunct="1"/>
+                      <a:r>
+                        <a:rPr lang="en-US" sz="1100" kern="1200" dirty="0">
+                          <a:solidFill>
+                            <a:schemeClr val="lt1"/>
+                          </a:solidFill>
+                          <a:effectLst/>
+                          <a:latin typeface="+mn-lt"/>
+                          <a:ea typeface="+mn-ea"/>
+                          <a:cs typeface="+mn-cs"/>
+                        </a:rPr>
+                        <a:t>1.208177e+07</a:t>
+                      </a:r>
+                    </a:p>
+                  </a:txBody>
+                  <a:tcPr marL="33731" marR="33731" marT="16866" marB="16866" anchor="ctr"/>
+                </a:tc>
+                <a:tc>
+                  <a:txBody>
+                    <a:bodyPr/>
+                    <a:lstStyle/>
+                    <a:p>
+                      <a:pPr marL="0" algn="r" defTabSz="914400" rtl="0" eaLnBrk="1" fontAlgn="ctr" latinLnBrk="0" hangingPunct="1"/>
+                      <a:r>
+                        <a:rPr lang="en-US" sz="1100" kern="1200" dirty="0">
+                          <a:solidFill>
+                            <a:schemeClr val="lt1"/>
+                          </a:solidFill>
+                          <a:effectLst/>
+                          <a:latin typeface="+mn-lt"/>
+                          <a:ea typeface="+mn-ea"/>
+                          <a:cs typeface="+mn-cs"/>
+                        </a:rPr>
+                        <a:t>1.143604e+07</a:t>
+                      </a:r>
+                    </a:p>
+                  </a:txBody>
+                  <a:tcPr marL="33731" marR="33731" marT="16866" marB="16866" anchor="ctr"/>
+                </a:tc>
+                <a:tc>
+                  <a:txBody>
+                    <a:bodyPr/>
+                    <a:lstStyle/>
+                    <a:p>
+                      <a:pPr marL="0" algn="r" defTabSz="914400" rtl="0" eaLnBrk="1" fontAlgn="ctr" latinLnBrk="0" hangingPunct="1"/>
+                      <a:r>
+                        <a:rPr lang="en-US" sz="1100" kern="1200" dirty="0">
+                          <a:solidFill>
+                            <a:schemeClr val="lt1"/>
+                          </a:solidFill>
+                          <a:effectLst/>
+                          <a:latin typeface="+mn-lt"/>
+                          <a:ea typeface="+mn-ea"/>
+                          <a:cs typeface="+mn-cs"/>
+                        </a:rPr>
+                        <a:t>4.385723e+08</a:t>
+                      </a:r>
+                    </a:p>
+                  </a:txBody>
+                  <a:tcPr marL="33731" marR="33731" marT="16866" marB="16866" anchor="ctr"/>
+                </a:tc>
+                <a:tc>
+                  <a:txBody>
+                    <a:bodyPr/>
+                    <a:lstStyle/>
+                    <a:p>
+                      <a:pPr marL="0" algn="r" defTabSz="914400" rtl="0" eaLnBrk="1" fontAlgn="ctr" latinLnBrk="0" hangingPunct="1"/>
+                      <a:r>
+                        <a:rPr lang="en-US" sz="1100" kern="1200" dirty="0">
+                          <a:solidFill>
+                            <a:schemeClr val="lt1"/>
+                          </a:solidFill>
+                          <a:effectLst/>
+                          <a:latin typeface="+mn-lt"/>
+                          <a:ea typeface="+mn-ea"/>
+                          <a:cs typeface="+mn-cs"/>
+                        </a:rPr>
+                        <a:t>8.611864e+06</a:t>
+                      </a:r>
+                    </a:p>
+                  </a:txBody>
+                  <a:tcPr marL="33731" marR="33731" marT="16866" marB="16866" anchor="ctr"/>
+                </a:tc>
+                <a:tc>
+                  <a:txBody>
+                    <a:bodyPr/>
+                    <a:lstStyle/>
+                    <a:p>
+                      <a:pPr marL="0" algn="r" defTabSz="914400" rtl="0" eaLnBrk="1" fontAlgn="ctr" latinLnBrk="0" hangingPunct="1"/>
+                      <a:endParaRPr lang="en-US" sz="1100" kern="1200" dirty="0">
+                        <a:solidFill>
+                          <a:schemeClr val="lt1"/>
+                        </a:solidFill>
                         <a:effectLst/>
+                        <a:latin typeface="+mn-lt"/>
+                        <a:ea typeface="+mn-ea"/>
+                        <a:cs typeface="+mn-cs"/>
                       </a:endParaRPr>
                     </a:p>
                   </a:txBody>
@@ -4150,218 +4640,16 @@
                     <a:bodyPr/>
                     <a:lstStyle/>
                     <a:p>
-                      <a:pPr algn="r" fontAlgn="ctr"/>
-                      <a:r>
-                        <a:rPr lang="en-US" sz="1100">
-                          <a:effectLst/>
-                        </a:rPr>
-                        <a:t>1.865738e+06</a:t>
-                      </a:r>
-                    </a:p>
-                  </a:txBody>
-                  <a:tcPr marL="33731" marR="33731" marT="16866" marB="16866" anchor="ctr"/>
-                </a:tc>
-                <a:tc>
-                  <a:txBody>
-                    <a:bodyPr/>
-                    <a:lstStyle/>
-                    <a:p>
-                      <a:pPr algn="r" fontAlgn="ctr"/>
-                      <a:r>
-                        <a:rPr lang="en-US" sz="1100">
-                          <a:effectLst/>
-                        </a:rPr>
-                        <a:t>3.423653e+04</a:t>
-                      </a:r>
-                    </a:p>
-                  </a:txBody>
-                  <a:tcPr marL="33731" marR="33731" marT="16866" marB="16866" anchor="ctr"/>
-                </a:tc>
-                <a:tc>
-                  <a:txBody>
-                    <a:bodyPr/>
-                    <a:lstStyle/>
-                    <a:p>
-                      <a:pPr algn="r" fontAlgn="ctr"/>
-                      <a:r>
-                        <a:rPr lang="en-US" sz="1100">
-                          <a:effectLst/>
-                        </a:rPr>
-                        <a:t>5.977731e+06</a:t>
-                      </a:r>
-                    </a:p>
-                  </a:txBody>
-                  <a:tcPr marL="33731" marR="33731" marT="16866" marB="16866" anchor="ctr"/>
-                </a:tc>
-                <a:tc>
-                  <a:txBody>
-                    <a:bodyPr/>
-                    <a:lstStyle/>
-                    <a:p>
-                      <a:pPr algn="r" fontAlgn="ctr"/>
-                      <a:r>
-                        <a:rPr lang="en-US" sz="1100" dirty="0">
-                          <a:effectLst/>
-                        </a:rPr>
-                        <a:t>2.137284e+06</a:t>
-                      </a:r>
-                    </a:p>
-                  </a:txBody>
-                  <a:tcPr marL="33731" marR="33731" marT="16866" marB="16866" anchor="ctr"/>
-                </a:tc>
-                <a:tc>
-                  <a:txBody>
-                    <a:bodyPr/>
-                    <a:lstStyle/>
-                    <a:p>
-                      <a:pPr algn="r" fontAlgn="ctr"/>
-                      <a:r>
-                        <a:rPr lang="en-US" sz="1100" dirty="0">
-                          <a:effectLst/>
-                        </a:rPr>
-                        <a:t>1.861551e+06</a:t>
-                      </a:r>
-                    </a:p>
-                  </a:txBody>
-                  <a:tcPr marL="33731" marR="33731" marT="16866" marB="16866" anchor="ctr"/>
-                </a:tc>
-                <a:tc>
-                  <a:txBody>
-                    <a:bodyPr/>
-                    <a:lstStyle/>
-                    <a:p>
-                      <a:pPr algn="r" fontAlgn="ctr"/>
-                      <a:r>
-                        <a:rPr lang="en-US" sz="1100" dirty="0">
-                          <a:effectLst/>
-                        </a:rPr>
-                        <a:t>4.854661e+05</a:t>
-                      </a:r>
-                    </a:p>
-                  </a:txBody>
-                  <a:tcPr marL="33731" marR="33731" marT="16866" marB="16866" anchor="ctr"/>
-                </a:tc>
-                <a:tc>
-                  <a:txBody>
-                    <a:bodyPr/>
-                    <a:lstStyle/>
-                    <a:p>
-                      <a:pPr algn="r" fontAlgn="ctr"/>
-                      <a:r>
-                        <a:rPr lang="en-US" sz="1100" dirty="0">
-                          <a:effectLst/>
-                        </a:rPr>
-                        <a:t>1.208942e+07</a:t>
-                      </a:r>
-                    </a:p>
-                  </a:txBody>
-                  <a:tcPr marL="33731" marR="33731" marT="16866" marB="16866" anchor="ctr"/>
-                </a:tc>
-                <a:tc>
-                  <a:txBody>
-                    <a:bodyPr/>
-                    <a:lstStyle/>
-                    <a:p>
-                      <a:pPr algn="r" fontAlgn="ctr"/>
-                      <a:r>
-                        <a:rPr lang="en-US" sz="1100">
-                          <a:effectLst/>
-                        </a:rPr>
-                        <a:t>1.144228e+07</a:t>
-                      </a:r>
-                    </a:p>
-                  </a:txBody>
-                  <a:tcPr marL="33731" marR="33731" marT="16866" marB="16866" anchor="ctr"/>
-                </a:tc>
-                <a:tc>
-                  <a:txBody>
-                    <a:bodyPr/>
-                    <a:lstStyle/>
-                    <a:p>
-                      <a:pPr algn="r" fontAlgn="ctr"/>
-                      <a:r>
-                        <a:rPr lang="en-US" sz="1100" dirty="0">
-                          <a:effectLst/>
-                        </a:rPr>
-                        <a:t>1.208177e+07</a:t>
-                      </a:r>
-                    </a:p>
-                  </a:txBody>
-                  <a:tcPr marL="33731" marR="33731" marT="16866" marB="16866" anchor="ctr"/>
-                </a:tc>
-                <a:tc>
-                  <a:txBody>
-                    <a:bodyPr/>
-                    <a:lstStyle/>
-                    <a:p>
-                      <a:pPr algn="r" fontAlgn="ctr"/>
-                      <a:r>
-                        <a:rPr lang="en-US" sz="1100" dirty="0">
-                          <a:effectLst/>
-                        </a:rPr>
-                        <a:t>1.143604e+07</a:t>
-                      </a:r>
-                    </a:p>
-                  </a:txBody>
-                  <a:tcPr marL="33731" marR="33731" marT="16866" marB="16866" anchor="ctr"/>
-                </a:tc>
-                <a:tc>
-                  <a:txBody>
-                    <a:bodyPr/>
-                    <a:lstStyle/>
-                    <a:p>
-                      <a:pPr algn="r" fontAlgn="ctr"/>
-                      <a:r>
-                        <a:rPr lang="en-US" sz="1100">
-                          <a:effectLst/>
-                        </a:rPr>
-                        <a:t>4.385723e+08</a:t>
-                      </a:r>
-                    </a:p>
-                  </a:txBody>
-                  <a:tcPr marL="33731" marR="33731" marT="16866" marB="16866" anchor="ctr"/>
-                </a:tc>
-                <a:tc>
-                  <a:txBody>
-                    <a:bodyPr/>
-                    <a:lstStyle/>
-                    <a:p>
-                      <a:pPr algn="r" fontAlgn="ctr"/>
-                      <a:r>
-                        <a:rPr lang="en-US" sz="1100">
-                          <a:effectLst/>
-                        </a:rPr>
-                        <a:t>8.611864e+06</a:t>
-                      </a:r>
-                    </a:p>
-                  </a:txBody>
-                  <a:tcPr marL="33731" marR="33731" marT="16866" marB="16866" anchor="ctr"/>
-                </a:tc>
-                <a:tc>
-                  <a:txBody>
-                    <a:bodyPr/>
-                    <a:lstStyle/>
-                    <a:p>
-                      <a:pPr algn="r" fontAlgn="ctr"/>
-                      <a:r>
-                        <a:rPr lang="en-US" sz="1100">
-                          <a:effectLst/>
-                        </a:rPr>
-                        <a:t>4.375831e+08</a:t>
-                      </a:r>
-                    </a:p>
-                  </a:txBody>
-                  <a:tcPr marL="33731" marR="33731" marT="16866" marB="16866" anchor="ctr"/>
-                </a:tc>
-                <a:tc>
-                  <a:txBody>
-                    <a:bodyPr/>
-                    <a:lstStyle/>
-                    <a:p>
-                      <a:pPr algn="r" fontAlgn="ctr"/>
-                      <a:r>
-                        <a:rPr lang="en-US" sz="1100">
-                          <a:effectLst/>
+                      <a:pPr marL="0" algn="r" defTabSz="914400" rtl="0" eaLnBrk="1" fontAlgn="ctr" latinLnBrk="0" hangingPunct="1"/>
+                      <a:r>
+                        <a:rPr lang="en-US" sz="1100" kern="1200" dirty="0">
+                          <a:solidFill>
+                            <a:schemeClr val="lt1"/>
+                          </a:solidFill>
+                          <a:effectLst/>
+                          <a:latin typeface="+mn-lt"/>
+                          <a:ea typeface="+mn-ea"/>
+                          <a:cs typeface="+mn-cs"/>
                         </a:rPr>
                         <a:t>8.591922e+06</a:t>
                       </a:r>
@@ -4374,10 +4662,16 @@
                     <a:bodyPr/>
                     <a:lstStyle/>
                     <a:p>
-                      <a:pPr algn="r" fontAlgn="ctr"/>
-                      <a:r>
-                        <a:rPr lang="en-US" sz="1100">
-                          <a:effectLst/>
+                      <a:pPr marL="0" algn="r" defTabSz="914400" rtl="0" eaLnBrk="1" fontAlgn="ctr" latinLnBrk="0" hangingPunct="1"/>
+                      <a:r>
+                        <a:rPr lang="en-US" sz="1100" kern="1200" dirty="0">
+                          <a:solidFill>
+                            <a:schemeClr val="lt1"/>
+                          </a:solidFill>
+                          <a:effectLst/>
+                          <a:latin typeface="+mn-lt"/>
+                          <a:ea typeface="+mn-ea"/>
+                          <a:cs typeface="+mn-cs"/>
                         </a:rPr>
                         <a:t>1.046086e+05</a:t>
                       </a:r>
@@ -4390,10 +4684,16 @@
                     <a:bodyPr/>
                     <a:lstStyle/>
                     <a:p>
-                      <a:pPr algn="r" fontAlgn="ctr"/>
-                      <a:r>
-                        <a:rPr lang="en-US" sz="1100">
-                          <a:effectLst/>
+                      <a:pPr marL="0" algn="r" defTabSz="914400" rtl="0" eaLnBrk="1" fontAlgn="ctr" latinLnBrk="0" hangingPunct="1"/>
+                      <a:r>
+                        <a:rPr lang="en-US" sz="1100" kern="1200" dirty="0">
+                          <a:solidFill>
+                            <a:schemeClr val="lt1"/>
+                          </a:solidFill>
+                          <a:effectLst/>
+                          <a:latin typeface="+mn-lt"/>
+                          <a:ea typeface="+mn-ea"/>
+                          <a:cs typeface="+mn-cs"/>
                         </a:rPr>
                         <a:t>4.112121e+07</a:t>
                       </a:r>
@@ -4406,10 +4706,16 @@
                     <a:bodyPr/>
                     <a:lstStyle/>
                     <a:p>
-                      <a:pPr algn="r" fontAlgn="ctr"/>
-                      <a:r>
-                        <a:rPr lang="en-US" sz="1100" dirty="0">
-                          <a:effectLst/>
+                      <a:pPr marL="0" algn="r" defTabSz="914400" rtl="0" eaLnBrk="1" fontAlgn="ctr" latinLnBrk="0" hangingPunct="1"/>
+                      <a:r>
+                        <a:rPr lang="en-US" sz="1100" kern="1200" dirty="0">
+                          <a:solidFill>
+                            <a:schemeClr val="lt1"/>
+                          </a:solidFill>
+                          <a:effectLst/>
+                          <a:latin typeface="+mn-lt"/>
+                          <a:ea typeface="+mn-ea"/>
+                          <a:cs typeface="+mn-cs"/>
                         </a:rPr>
                         <a:t>4.724487e+08</a:t>
                       </a:r>
@@ -4427,6 +4733,179 @@
           </a:graphicData>
         </a:graphic>
       </p:graphicFrame>
+      <p:cxnSp>
+        <p:nvCxnSpPr>
+          <p:cNvPr id="5" name="Straight Connector 4">
+            <a:extLst>
+              <a:ext uri="{FF2B5EF4-FFF2-40B4-BE49-F238E27FC236}">
+                <a16:creationId xmlns:a16="http://schemas.microsoft.com/office/drawing/2014/main" id="{420A193C-25CD-4731-8963-36D696D20ABD}"/>
+              </a:ext>
+            </a:extLst>
+          </p:cNvPr>
+          <p:cNvCxnSpPr>
+            <a:cxnSpLocks/>
+          </p:cNvCxnSpPr>
+          <p:nvPr/>
+        </p:nvCxnSpPr>
+        <p:spPr>
+          <a:xfrm>
+            <a:off x="394832" y="3031961"/>
+            <a:ext cx="11615200" cy="0"/>
+          </a:xfrm>
+          <a:prstGeom prst="line">
+            <a:avLst/>
+          </a:prstGeom>
+          <a:ln w="44450" cmpd="sng"/>
+        </p:spPr>
+        <p:style>
+          <a:lnRef idx="1">
+            <a:schemeClr val="dk1"/>
+          </a:lnRef>
+          <a:fillRef idx="0">
+            <a:schemeClr val="dk1"/>
+          </a:fillRef>
+          <a:effectRef idx="0">
+            <a:schemeClr val="dk1"/>
+          </a:effectRef>
+          <a:fontRef idx="minor">
+            <a:schemeClr val="tx1"/>
+          </a:fontRef>
+        </p:style>
+      </p:cxnSp>
+      <p:sp>
+        <p:nvSpPr>
+          <p:cNvPr id="8" name="Rectangle 7">
+            <a:extLst>
+              <a:ext uri="{FF2B5EF4-FFF2-40B4-BE49-F238E27FC236}">
+                <a16:creationId xmlns:a16="http://schemas.microsoft.com/office/drawing/2014/main" id="{B43B21C4-B514-4992-8306-519DD5ADD767}"/>
+              </a:ext>
+            </a:extLst>
+          </p:cNvPr>
+          <p:cNvSpPr/>
+          <p:nvPr/>
+        </p:nvSpPr>
+        <p:spPr>
+          <a:xfrm>
+            <a:off x="3135985" y="24392"/>
+            <a:ext cx="5674375" cy="923330"/>
+          </a:xfrm>
+          <a:prstGeom prst="rect">
+            <a:avLst/>
+          </a:prstGeom>
+          <a:noFill/>
+        </p:spPr>
+        <p:txBody>
+          <a:bodyPr wrap="none" lIns="91440" tIns="45720" rIns="91440" bIns="45720">
+            <a:spAutoFit/>
+          </a:bodyPr>
+          <a:lstStyle/>
+          <a:p>
+            <a:pPr algn="ctr"/>
+            <a:r>
+              <a:rPr lang="en-US" sz="5400" b="1" dirty="0">
+                <a:ln w="9525">
+                  <a:solidFill>
+                    <a:schemeClr val="bg1"/>
+                  </a:solidFill>
+                  <a:prstDash val="solid"/>
+                </a:ln>
+                <a:solidFill>
+                  <a:schemeClr val="accent5"/>
+                </a:solidFill>
+                <a:effectLst>
+                  <a:outerShdw blurRad="12700" dist="38100" dir="2700000" algn="tl" rotWithShape="0">
+                    <a:schemeClr val="accent5">
+                      <a:lumMod val="60000"/>
+                      <a:lumOff val="40000"/>
+                    </a:schemeClr>
+                  </a:outerShdw>
+                </a:effectLst>
+              </a:rPr>
+              <a:t>Univariate Analysis</a:t>
+            </a:r>
+            <a:endParaRPr lang="en-US" sz="5400" b="1" cap="none" spc="0" dirty="0">
+              <a:ln w="9525">
+                <a:solidFill>
+                  <a:schemeClr val="bg1"/>
+                </a:solidFill>
+                <a:prstDash val="solid"/>
+              </a:ln>
+              <a:solidFill>
+                <a:schemeClr val="accent5"/>
+              </a:solidFill>
+              <a:effectLst>
+                <a:outerShdw blurRad="12700" dist="38100" dir="2700000" algn="tl" rotWithShape="0">
+                  <a:schemeClr val="accent5">
+                    <a:lumMod val="60000"/>
+                    <a:lumOff val="40000"/>
+                  </a:schemeClr>
+                </a:outerShdw>
+              </a:effectLst>
+            </a:endParaRPr>
+          </a:p>
+        </p:txBody>
+      </p:sp>
+      <p:sp>
+        <p:nvSpPr>
+          <p:cNvPr id="9" name="Rectangle 8">
+            <a:extLst>
+              <a:ext uri="{FF2B5EF4-FFF2-40B4-BE49-F238E27FC236}">
+                <a16:creationId xmlns:a16="http://schemas.microsoft.com/office/drawing/2014/main" id="{4270049C-9383-4D91-96B4-9FF0142C0D63}"/>
+              </a:ext>
+            </a:extLst>
+          </p:cNvPr>
+          <p:cNvSpPr/>
+          <p:nvPr/>
+        </p:nvSpPr>
+        <p:spPr>
+          <a:xfrm>
+            <a:off x="4316128" y="917924"/>
+            <a:ext cx="2740879" cy="584775"/>
+          </a:xfrm>
+          <a:prstGeom prst="rect">
+            <a:avLst/>
+          </a:prstGeom>
+          <a:noFill/>
+        </p:spPr>
+        <p:txBody>
+          <a:bodyPr wrap="none" lIns="91440" tIns="45720" rIns="91440" bIns="45720">
+            <a:spAutoFit/>
+          </a:bodyPr>
+          <a:lstStyle/>
+          <a:p>
+            <a:pPr algn="ctr"/>
+            <a:r>
+              <a:rPr lang="en-US" sz="3200" b="1" spc="50" dirty="0">
+                <a:ln w="0"/>
+                <a:solidFill>
+                  <a:schemeClr val="bg2"/>
+                </a:solidFill>
+                <a:effectLst>
+                  <a:innerShdw blurRad="63500" dist="50800" dir="13500000">
+                    <a:srgbClr val="000000">
+                      <a:alpha val="50000"/>
+                    </a:srgbClr>
+                  </a:innerShdw>
+                </a:effectLst>
+              </a:rPr>
+              <a:t>Count &amp; Mean</a:t>
+            </a:r>
+            <a:endParaRPr lang="en-US" sz="3200" b="1" cap="none" spc="50" dirty="0">
+              <a:ln w="0"/>
+              <a:solidFill>
+                <a:schemeClr val="bg2"/>
+              </a:solidFill>
+              <a:effectLst>
+                <a:innerShdw blurRad="63500" dist="50800" dir="13500000">
+                  <a:srgbClr val="000000">
+                    <a:alpha val="50000"/>
+                  </a:srgbClr>
+                </a:innerShdw>
+              </a:effectLst>
+            </a:endParaRPr>
+          </a:p>
+        </p:txBody>
+      </p:sp>
     </p:spTree>
     <p:extLst>
       <p:ext uri="{BB962C8B-B14F-4D97-AF65-F5344CB8AC3E}">
@@ -4472,30 +4951,30 @@
           <p:nvPr>
             <p:extLst>
               <p:ext uri="{D42A27DB-BD31-4B8C-83A1-F6EECF244321}">
-                <p14:modId xmlns:p14="http://schemas.microsoft.com/office/powerpoint/2010/main" val="1434333016"/>
+                <p14:modId xmlns:p14="http://schemas.microsoft.com/office/powerpoint/2010/main" val="3534770170"/>
               </p:ext>
             </p:extLst>
           </p:nvPr>
         </p:nvGraphicFramePr>
         <p:xfrm>
-          <a:off x="577516" y="357773"/>
-          <a:ext cx="11165292" cy="6115215"/>
+          <a:off x="565482" y="2562726"/>
+          <a:ext cx="11165292" cy="4090737"/>
         </p:xfrm>
         <a:graphic>
           <a:graphicData uri="http://schemas.openxmlformats.org/drawingml/2006/table">
             <a:tbl>
               <a:tblPr>
-                <a:tableStyleId>{D113A9D2-9D6B-4929-AA2D-F23B5EE8CBE7}</a:tableStyleId>
+                <a:tableStyleId>{327F97BB-C833-4FB7-BDE5-3F7075034690}</a:tableStyleId>
               </a:tblPr>
               <a:tblGrid>
-                <a:gridCol w="620294">
+                <a:gridCol w="457200">
                   <a:extLst>
                     <a:ext uri="{9D8B030D-6E8A-4147-A177-3AD203B41FA5}">
                       <a16:colId xmlns:a16="http://schemas.microsoft.com/office/drawing/2014/main" val="2908066548"/>
                     </a:ext>
                   </a:extLst>
                 </a:gridCol>
-                <a:gridCol w="620294">
+                <a:gridCol w="783388">
                   <a:extLst>
                     <a:ext uri="{9D8B030D-6E8A-4147-A177-3AD203B41FA5}">
                       <a16:colId xmlns:a16="http://schemas.microsoft.com/office/drawing/2014/main" val="2403935161"/>
@@ -4615,7 +5094,7 @@
                   </a:extLst>
                 </a:gridCol>
               </a:tblGrid>
-              <a:tr h="2038405">
+              <a:tr h="1637897">
                 <a:tc>
                   <a:txBody>
                     <a:bodyPr/>
@@ -4674,10 +5153,26 @@
                     <a:p>
                       <a:pPr algn="r" fontAlgn="ctr"/>
                       <a:r>
+                        <a:rPr lang="en-US" sz="1100" dirty="0">
+                          <a:effectLst/>
+                        </a:rPr>
+                        <a:t>8.797113e+07</a:t>
+                      </a:r>
+                    </a:p>
+                  </a:txBody>
+                  <a:tcPr marL="33731" marR="33731" marT="16866" marB="16866" anchor="ctr"/>
+                </a:tc>
+                <a:tc>
+                  <a:txBody>
+                    <a:bodyPr/>
+                    <a:lstStyle/>
+                    <a:p>
+                      <a:pPr algn="r" fontAlgn="ctr"/>
+                      <a:r>
                         <a:rPr lang="en-US" sz="1100">
                           <a:effectLst/>
                         </a:rPr>
-                        <a:t>8.797113e+07</a:t>
+                        <a:t>3.129402e+07</a:t>
                       </a:r>
                     </a:p>
                   </a:txBody>
@@ -4693,7 +5188,7 @@
                         <a:rPr lang="en-US" sz="1100">
                           <a:effectLst/>
                         </a:rPr>
-                        <a:t>3.129402e+07</a:t>
+                        <a:t>2.706187e+07</a:t>
                       </a:r>
                     </a:p>
                   </a:txBody>
@@ -4706,10 +5201,10 @@
                     <a:p>
                       <a:pPr algn="r" fontAlgn="ctr"/>
                       <a:r>
-                        <a:rPr lang="en-US" sz="1100">
-                          <a:effectLst/>
-                        </a:rPr>
-                        <a:t>2.706187e+07</a:t>
+                        <a:rPr lang="en-US" sz="1100" dirty="0">
+                          <a:effectLst/>
+                        </a:rPr>
+                        <a:t>7.012487e+06</a:t>
                       </a:r>
                     </a:p>
                   </a:txBody>
@@ -4722,10 +5217,10 @@
                     <a:p>
                       <a:pPr algn="r" fontAlgn="ctr"/>
                       <a:r>
-                        <a:rPr lang="en-US" sz="1100">
-                          <a:effectLst/>
-                        </a:rPr>
-                        <a:t>7.012487e+06</a:t>
+                        <a:rPr lang="en-US" sz="1100" dirty="0">
+                          <a:effectLst/>
+                        </a:rPr>
+                        <a:t>1.764844e+08</a:t>
                       </a:r>
                     </a:p>
                   </a:txBody>
@@ -4741,7 +5236,7 @@
                         <a:rPr lang="en-US" sz="1100" dirty="0">
                           <a:effectLst/>
                         </a:rPr>
-                        <a:t>1.764844e+08</a:t>
+                        <a:t>1.677726e+08</a:t>
                       </a:r>
                     </a:p>
                   </a:txBody>
@@ -4754,23 +5249,7 @@
                     <a:p>
                       <a:pPr algn="r" fontAlgn="ctr"/>
                       <a:r>
-                        <a:rPr lang="en-US" sz="1100">
-                          <a:effectLst/>
-                        </a:rPr>
-                        <a:t>1.677726e+08</a:t>
-                      </a:r>
-                    </a:p>
-                  </a:txBody>
-                  <a:tcPr marL="33731" marR="33731" marT="16866" marB="16866" anchor="ctr"/>
-                </a:tc>
-                <a:tc>
-                  <a:txBody>
-                    <a:bodyPr/>
-                    <a:lstStyle/>
-                    <a:p>
-                      <a:pPr algn="r" fontAlgn="ctr"/>
-                      <a:r>
-                        <a:rPr lang="en-US" sz="1100">
+                        <a:rPr lang="en-US" sz="1100" dirty="0">
                           <a:effectLst/>
                         </a:rPr>
                         <a:t>1.763205e+08</a:t>
@@ -4913,7 +5392,7 @@
                   </a:ext>
                 </a:extLst>
               </a:tr>
-              <a:tr h="2038405">
+              <a:tr h="1226420">
                 <a:tc>
                   <a:txBody>
                     <a:bodyPr/>
@@ -5020,7 +5499,7 @@
                     <a:p>
                       <a:pPr algn="r" fontAlgn="ctr"/>
                       <a:r>
-                        <a:rPr lang="en-US" sz="1100">
+                        <a:rPr lang="en-US" sz="1100" dirty="0">
                           <a:effectLst/>
                         </a:rPr>
                         <a:t>2.000000e+00</a:t>
@@ -5036,7 +5515,7 @@
                     <a:p>
                       <a:pPr algn="r" fontAlgn="ctr"/>
                       <a:r>
-                        <a:rPr lang="en-US" sz="1100">
+                        <a:rPr lang="en-US" sz="1100" dirty="0">
                           <a:effectLst/>
                         </a:rPr>
                         <a:t>5.300000e+01</a:t>
@@ -5052,7 +5531,7 @@
                     <a:p>
                       <a:pPr algn="r" fontAlgn="ctr"/>
                       <a:r>
-                        <a:rPr lang="en-US" sz="1100">
+                        <a:rPr lang="en-US" sz="1100" dirty="0">
                           <a:effectLst/>
                         </a:rPr>
                         <a:t>1.050000e+02</a:t>
@@ -5211,7 +5690,7 @@
                   </a:ext>
                 </a:extLst>
               </a:tr>
-              <a:tr h="2038405">
+              <a:tr h="1226420">
                 <a:tc>
                   <a:txBody>
                     <a:bodyPr/>
@@ -5302,7 +5781,7 @@
                     <a:p>
                       <a:pPr algn="r" fontAlgn="ctr"/>
                       <a:r>
-                        <a:rPr lang="en-US" sz="1100">
+                        <a:rPr lang="en-US" sz="1100" dirty="0">
                           <a:effectLst/>
                         </a:rPr>
                         <a:t>8.927942e+05</a:t>
@@ -5318,7 +5797,7 @@
                     <a:p>
                       <a:pPr algn="r" fontAlgn="ctr"/>
                       <a:r>
-                        <a:rPr lang="en-US" sz="1100">
+                        <a:rPr lang="en-US" sz="1100" dirty="0">
                           <a:effectLst/>
                         </a:rPr>
                         <a:t>2.333838e+05</a:t>
@@ -5334,7 +5813,7 @@
                     <a:p>
                       <a:pPr algn="r" fontAlgn="ctr"/>
                       <a:r>
-                        <a:rPr lang="en-US" sz="1100">
+                        <a:rPr lang="en-US" sz="1100" dirty="0">
                           <a:effectLst/>
                         </a:rPr>
                         <a:t>5.833507e+06</a:t>
@@ -5350,7 +5829,7 @@
                     <a:p>
                       <a:pPr algn="r" fontAlgn="ctr"/>
                       <a:r>
-                        <a:rPr lang="en-US" sz="1100">
+                        <a:rPr lang="en-US" sz="1100" dirty="0">
                           <a:effectLst/>
                         </a:rPr>
                         <a:t>5.517982e+06</a:t>
@@ -5513,6 +5992,649 @@
           </a:graphicData>
         </a:graphic>
       </p:graphicFrame>
+      <p:graphicFrame>
+        <p:nvGraphicFramePr>
+          <p:cNvPr id="7" name="Table 6">
+            <a:extLst>
+              <a:ext uri="{FF2B5EF4-FFF2-40B4-BE49-F238E27FC236}">
+                <a16:creationId xmlns:a16="http://schemas.microsoft.com/office/drawing/2014/main" id="{509EDAA1-F848-4F35-BBEA-6283BB8C40BB}"/>
+              </a:ext>
+            </a:extLst>
+          </p:cNvPr>
+          <p:cNvGraphicFramePr>
+            <a:graphicFrameLocks noGrp="1"/>
+          </p:cNvGraphicFramePr>
+          <p:nvPr>
+            <p:extLst>
+              <p:ext uri="{D42A27DB-BD31-4B8C-83A1-F6EECF244321}">
+                <p14:modId xmlns:p14="http://schemas.microsoft.com/office/powerpoint/2010/main" val="2011407527"/>
+              </p:ext>
+            </p:extLst>
+          </p:nvPr>
+        </p:nvGraphicFramePr>
+        <p:xfrm>
+          <a:off x="549444" y="1490970"/>
+          <a:ext cx="11165294" cy="1035663"/>
+        </p:xfrm>
+        <a:graphic>
+          <a:graphicData uri="http://schemas.openxmlformats.org/drawingml/2006/table">
+            <a:tbl>
+              <a:tblPr>
+                <a:tableStyleId>{D113A9D2-9D6B-4929-AA2D-F23B5EE8CBE7}</a:tableStyleId>
+              </a:tblPr>
+              <a:tblGrid>
+                <a:gridCol w="608106">
+                  <a:extLst>
+                    <a:ext uri="{9D8B030D-6E8A-4147-A177-3AD203B41FA5}">
+                      <a16:colId xmlns:a16="http://schemas.microsoft.com/office/drawing/2014/main" val="3072725680"/>
+                    </a:ext>
+                  </a:extLst>
+                </a:gridCol>
+                <a:gridCol w="608106">
+                  <a:extLst>
+                    <a:ext uri="{9D8B030D-6E8A-4147-A177-3AD203B41FA5}">
+                      <a16:colId xmlns:a16="http://schemas.microsoft.com/office/drawing/2014/main" val="2043854602"/>
+                    </a:ext>
+                  </a:extLst>
+                </a:gridCol>
+                <a:gridCol w="596567">
+                  <a:extLst>
+                    <a:ext uri="{9D8B030D-6E8A-4147-A177-3AD203B41FA5}">
+                      <a16:colId xmlns:a16="http://schemas.microsoft.com/office/drawing/2014/main" val="1042222064"/>
+                    </a:ext>
+                  </a:extLst>
+                </a:gridCol>
+                <a:gridCol w="619647">
+                  <a:extLst>
+                    <a:ext uri="{9D8B030D-6E8A-4147-A177-3AD203B41FA5}">
+                      <a16:colId xmlns:a16="http://schemas.microsoft.com/office/drawing/2014/main" val="3046818399"/>
+                    </a:ext>
+                  </a:extLst>
+                </a:gridCol>
+                <a:gridCol w="608106">
+                  <a:extLst>
+                    <a:ext uri="{9D8B030D-6E8A-4147-A177-3AD203B41FA5}">
+                      <a16:colId xmlns:a16="http://schemas.microsoft.com/office/drawing/2014/main" val="3764645604"/>
+                    </a:ext>
+                  </a:extLst>
+                </a:gridCol>
+                <a:gridCol w="608106">
+                  <a:extLst>
+                    <a:ext uri="{9D8B030D-6E8A-4147-A177-3AD203B41FA5}">
+                      <a16:colId xmlns:a16="http://schemas.microsoft.com/office/drawing/2014/main" val="3225139457"/>
+                    </a:ext>
+                  </a:extLst>
+                </a:gridCol>
+                <a:gridCol w="608106">
+                  <a:extLst>
+                    <a:ext uri="{9D8B030D-6E8A-4147-A177-3AD203B41FA5}">
+                      <a16:colId xmlns:a16="http://schemas.microsoft.com/office/drawing/2014/main" val="3950903827"/>
+                    </a:ext>
+                  </a:extLst>
+                </a:gridCol>
+                <a:gridCol w="608106">
+                  <a:extLst>
+                    <a:ext uri="{9D8B030D-6E8A-4147-A177-3AD203B41FA5}">
+                      <a16:colId xmlns:a16="http://schemas.microsoft.com/office/drawing/2014/main" val="2130207703"/>
+                    </a:ext>
+                  </a:extLst>
+                </a:gridCol>
+                <a:gridCol w="608106">
+                  <a:extLst>
+                    <a:ext uri="{9D8B030D-6E8A-4147-A177-3AD203B41FA5}">
+                      <a16:colId xmlns:a16="http://schemas.microsoft.com/office/drawing/2014/main" val="2898096952"/>
+                    </a:ext>
+                  </a:extLst>
+                </a:gridCol>
+                <a:gridCol w="608106">
+                  <a:extLst>
+                    <a:ext uri="{9D8B030D-6E8A-4147-A177-3AD203B41FA5}">
+                      <a16:colId xmlns:a16="http://schemas.microsoft.com/office/drawing/2014/main" val="2818145997"/>
+                    </a:ext>
+                  </a:extLst>
+                </a:gridCol>
+                <a:gridCol w="608106">
+                  <a:extLst>
+                    <a:ext uri="{9D8B030D-6E8A-4147-A177-3AD203B41FA5}">
+                      <a16:colId xmlns:a16="http://schemas.microsoft.com/office/drawing/2014/main" val="3284476562"/>
+                    </a:ext>
+                  </a:extLst>
+                </a:gridCol>
+                <a:gridCol w="608106">
+                  <a:extLst>
+                    <a:ext uri="{9D8B030D-6E8A-4147-A177-3AD203B41FA5}">
+                      <a16:colId xmlns:a16="http://schemas.microsoft.com/office/drawing/2014/main" val="4267975484"/>
+                    </a:ext>
+                  </a:extLst>
+                </a:gridCol>
+                <a:gridCol w="608106">
+                  <a:extLst>
+                    <a:ext uri="{9D8B030D-6E8A-4147-A177-3AD203B41FA5}">
+                      <a16:colId xmlns:a16="http://schemas.microsoft.com/office/drawing/2014/main" val="535491836"/>
+                    </a:ext>
+                  </a:extLst>
+                </a:gridCol>
+                <a:gridCol w="608106">
+                  <a:extLst>
+                    <a:ext uri="{9D8B030D-6E8A-4147-A177-3AD203B41FA5}">
+                      <a16:colId xmlns:a16="http://schemas.microsoft.com/office/drawing/2014/main" val="365146347"/>
+                    </a:ext>
+                  </a:extLst>
+                </a:gridCol>
+                <a:gridCol w="608106">
+                  <a:extLst>
+                    <a:ext uri="{9D8B030D-6E8A-4147-A177-3AD203B41FA5}">
+                      <a16:colId xmlns:a16="http://schemas.microsoft.com/office/drawing/2014/main" val="1618713650"/>
+                    </a:ext>
+                  </a:extLst>
+                </a:gridCol>
+                <a:gridCol w="608106">
+                  <a:extLst>
+                    <a:ext uri="{9D8B030D-6E8A-4147-A177-3AD203B41FA5}">
+                      <a16:colId xmlns:a16="http://schemas.microsoft.com/office/drawing/2014/main" val="481903566"/>
+                    </a:ext>
+                  </a:extLst>
+                </a:gridCol>
+                <a:gridCol w="608106">
+                  <a:extLst>
+                    <a:ext uri="{9D8B030D-6E8A-4147-A177-3AD203B41FA5}">
+                      <a16:colId xmlns:a16="http://schemas.microsoft.com/office/drawing/2014/main" val="436411688"/>
+                    </a:ext>
+                  </a:extLst>
+                </a:gridCol>
+                <a:gridCol w="827490">
+                  <a:extLst>
+                    <a:ext uri="{9D8B030D-6E8A-4147-A177-3AD203B41FA5}">
+                      <a16:colId xmlns:a16="http://schemas.microsoft.com/office/drawing/2014/main" val="559418917"/>
+                    </a:ext>
+                  </a:extLst>
+                </a:gridCol>
+              </a:tblGrid>
+              <a:tr h="1035663">
+                <a:tc>
+                  <a:txBody>
+                    <a:bodyPr/>
+                    <a:lstStyle/>
+                    <a:p>
+                      <a:pPr algn="r" fontAlgn="ctr"/>
+                      <a:br>
+                        <a:rPr lang="en-US" sz="1100" dirty="0">
+                          <a:effectLst/>
+                        </a:rPr>
+                      </a:br>
+                      <a:r>
+                        <a:rPr lang="en-US" sz="1100" dirty="0">
+                          <a:effectLst/>
+                        </a:rPr>
+                        <a:t>Social Media DL (Bytes)</a:t>
+                      </a:r>
+                      <a:endParaRPr lang="en-US" sz="1100" b="1" dirty="0">
+                        <a:effectLst/>
+                      </a:endParaRPr>
+                    </a:p>
+                  </a:txBody>
+                  <a:tcPr marL="33731" marR="33731" marT="16866" marB="16866" anchor="ctr"/>
+                </a:tc>
+                <a:tc>
+                  <a:txBody>
+                    <a:bodyPr/>
+                    <a:lstStyle/>
+                    <a:p>
+                      <a:pPr algn="r" fontAlgn="ctr"/>
+                      <a:r>
+                        <a:rPr lang="en-US" sz="1100" dirty="0">
+                          <a:effectLst/>
+                        </a:rPr>
+                        <a:t>Social Media UL (Bytes)</a:t>
+                      </a:r>
+                      <a:endParaRPr lang="en-US" sz="1100" b="1" dirty="0">
+                        <a:effectLst/>
+                      </a:endParaRPr>
+                    </a:p>
+                  </a:txBody>
+                  <a:tcPr marL="33731" marR="33731" marT="16866" marB="16866" anchor="ctr"/>
+                </a:tc>
+                <a:tc>
+                  <a:txBody>
+                    <a:bodyPr/>
+                    <a:lstStyle/>
+                    <a:p>
+                      <a:pPr algn="r" fontAlgn="ctr"/>
+                      <a:r>
+                        <a:rPr lang="en-US" sz="1100" dirty="0">
+                          <a:effectLst/>
+                        </a:rPr>
+                        <a:t>Google DL (Bytes)</a:t>
+                      </a:r>
+                      <a:endParaRPr lang="en-US" sz="1100" b="1" dirty="0">
+                        <a:effectLst/>
+                      </a:endParaRPr>
+                    </a:p>
+                  </a:txBody>
+                  <a:tcPr marL="33731" marR="33731" marT="16866" marB="16866" anchor="ctr"/>
+                </a:tc>
+                <a:tc>
+                  <a:txBody>
+                    <a:bodyPr/>
+                    <a:lstStyle/>
+                    <a:p>
+                      <a:pPr algn="r" fontAlgn="ctr"/>
+                      <a:r>
+                        <a:rPr lang="en-US" sz="1100" dirty="0">
+                          <a:effectLst/>
+                        </a:rPr>
+                        <a:t>Google UL (Bytes)</a:t>
+                      </a:r>
+                      <a:endParaRPr lang="en-US" sz="1100" b="1" dirty="0">
+                        <a:effectLst/>
+                      </a:endParaRPr>
+                    </a:p>
+                  </a:txBody>
+                  <a:tcPr marL="33731" marR="33731" marT="16866" marB="16866" anchor="ctr"/>
+                </a:tc>
+                <a:tc>
+                  <a:txBody>
+                    <a:bodyPr/>
+                    <a:lstStyle/>
+                    <a:p>
+                      <a:pPr algn="r" fontAlgn="ctr"/>
+                      <a:r>
+                        <a:rPr lang="en-US" sz="1100" dirty="0">
+                          <a:effectLst/>
+                        </a:rPr>
+                        <a:t>Email DL (Bytes)</a:t>
+                      </a:r>
+                      <a:endParaRPr lang="en-US" sz="1100" b="1" dirty="0">
+                        <a:effectLst/>
+                      </a:endParaRPr>
+                    </a:p>
+                  </a:txBody>
+                  <a:tcPr marL="33731" marR="33731" marT="16866" marB="16866" anchor="ctr"/>
+                </a:tc>
+                <a:tc>
+                  <a:txBody>
+                    <a:bodyPr/>
+                    <a:lstStyle/>
+                    <a:p>
+                      <a:pPr algn="r" fontAlgn="ctr"/>
+                      <a:r>
+                        <a:rPr lang="en-US" sz="1100">
+                          <a:effectLst/>
+                        </a:rPr>
+                        <a:t>Email UL (Bytes)</a:t>
+                      </a:r>
+                      <a:endParaRPr lang="en-US" sz="1100" b="1">
+                        <a:effectLst/>
+                      </a:endParaRPr>
+                    </a:p>
+                  </a:txBody>
+                  <a:tcPr marL="33731" marR="33731" marT="16866" marB="16866" anchor="ctr"/>
+                </a:tc>
+                <a:tc>
+                  <a:txBody>
+                    <a:bodyPr/>
+                    <a:lstStyle/>
+                    <a:p>
+                      <a:pPr algn="r" fontAlgn="ctr"/>
+                      <a:r>
+                        <a:rPr lang="en-US" sz="1100" dirty="0" err="1">
+                          <a:effectLst/>
+                        </a:rPr>
+                        <a:t>Youtube</a:t>
+                      </a:r>
+                      <a:r>
+                        <a:rPr lang="en-US" sz="1100" dirty="0">
+                          <a:effectLst/>
+                        </a:rPr>
+                        <a:t> DL (Bytes)</a:t>
+                      </a:r>
+                      <a:endParaRPr lang="en-US" sz="1100" b="1" dirty="0">
+                        <a:effectLst/>
+                      </a:endParaRPr>
+                    </a:p>
+                  </a:txBody>
+                  <a:tcPr marL="33731" marR="33731" marT="16866" marB="16866" anchor="ctr"/>
+                </a:tc>
+                <a:tc>
+                  <a:txBody>
+                    <a:bodyPr/>
+                    <a:lstStyle/>
+                    <a:p>
+                      <a:pPr algn="r" fontAlgn="ctr"/>
+                      <a:r>
+                        <a:rPr lang="en-US" sz="1100">
+                          <a:effectLst/>
+                        </a:rPr>
+                        <a:t>Youtube UL (Bytes)</a:t>
+                      </a:r>
+                      <a:endParaRPr lang="en-US" sz="1100" b="1">
+                        <a:effectLst/>
+                      </a:endParaRPr>
+                    </a:p>
+                  </a:txBody>
+                  <a:tcPr marL="33731" marR="33731" marT="16866" marB="16866" anchor="ctr"/>
+                </a:tc>
+                <a:tc>
+                  <a:txBody>
+                    <a:bodyPr/>
+                    <a:lstStyle/>
+                    <a:p>
+                      <a:pPr algn="r" fontAlgn="ctr"/>
+                      <a:r>
+                        <a:rPr lang="en-US" sz="1100">
+                          <a:effectLst/>
+                        </a:rPr>
+                        <a:t>Netflix DL (Bytes)</a:t>
+                      </a:r>
+                      <a:endParaRPr lang="en-US" sz="1100" b="1">
+                        <a:effectLst/>
+                      </a:endParaRPr>
+                    </a:p>
+                  </a:txBody>
+                  <a:tcPr marL="33731" marR="33731" marT="16866" marB="16866" anchor="ctr"/>
+                </a:tc>
+                <a:tc>
+                  <a:txBody>
+                    <a:bodyPr/>
+                    <a:lstStyle/>
+                    <a:p>
+                      <a:pPr algn="r" fontAlgn="ctr"/>
+                      <a:r>
+                        <a:rPr lang="en-US" sz="1100">
+                          <a:effectLst/>
+                        </a:rPr>
+                        <a:t>Netflix UL (Bytes)</a:t>
+                      </a:r>
+                      <a:endParaRPr lang="en-US" sz="1100" b="1">
+                        <a:effectLst/>
+                      </a:endParaRPr>
+                    </a:p>
+                  </a:txBody>
+                  <a:tcPr marL="33731" marR="33731" marT="16866" marB="16866" anchor="ctr"/>
+                </a:tc>
+                <a:tc>
+                  <a:txBody>
+                    <a:bodyPr/>
+                    <a:lstStyle/>
+                    <a:p>
+                      <a:pPr algn="r" fontAlgn="ctr"/>
+                      <a:r>
+                        <a:rPr lang="en-US" sz="1100">
+                          <a:effectLst/>
+                        </a:rPr>
+                        <a:t>Gaming DL (Bytes)</a:t>
+                      </a:r>
+                      <a:endParaRPr lang="en-US" sz="1100" b="1">
+                        <a:effectLst/>
+                      </a:endParaRPr>
+                    </a:p>
+                  </a:txBody>
+                  <a:tcPr marL="33731" marR="33731" marT="16866" marB="16866" anchor="ctr"/>
+                </a:tc>
+                <a:tc>
+                  <a:txBody>
+                    <a:bodyPr/>
+                    <a:lstStyle/>
+                    <a:p>
+                      <a:pPr algn="r" fontAlgn="ctr"/>
+                      <a:r>
+                        <a:rPr lang="en-US" sz="1100">
+                          <a:effectLst/>
+                        </a:rPr>
+                        <a:t>Gaming UL (Bytes)</a:t>
+                      </a:r>
+                      <a:endParaRPr lang="en-US" sz="1100" b="1">
+                        <a:effectLst/>
+                      </a:endParaRPr>
+                    </a:p>
+                  </a:txBody>
+                  <a:tcPr marL="33731" marR="33731" marT="16866" marB="16866" anchor="ctr"/>
+                </a:tc>
+                <a:tc>
+                  <a:txBody>
+                    <a:bodyPr/>
+                    <a:lstStyle/>
+                    <a:p>
+                      <a:pPr algn="r" fontAlgn="ctr"/>
+                      <a:r>
+                        <a:rPr lang="en-US" sz="1100" dirty="0">
+                          <a:effectLst/>
+                        </a:rPr>
+                        <a:t>Other DL (Bytes)</a:t>
+                      </a:r>
+                      <a:endParaRPr lang="en-US" sz="1100" b="1" dirty="0">
+                        <a:effectLst/>
+                      </a:endParaRPr>
+                    </a:p>
+                  </a:txBody>
+                  <a:tcPr marL="33731" marR="33731" marT="16866" marB="16866" anchor="ctr"/>
+                </a:tc>
+                <a:tc>
+                  <a:txBody>
+                    <a:bodyPr/>
+                    <a:lstStyle/>
+                    <a:p>
+                      <a:pPr algn="r" fontAlgn="ctr"/>
+                      <a:r>
+                        <a:rPr lang="en-US" sz="1100">
+                          <a:effectLst/>
+                        </a:rPr>
+                        <a:t>Other UL (Bytes)</a:t>
+                      </a:r>
+                      <a:endParaRPr lang="en-US" sz="1100" b="1">
+                        <a:effectLst/>
+                      </a:endParaRPr>
+                    </a:p>
+                  </a:txBody>
+                  <a:tcPr marL="33731" marR="33731" marT="16866" marB="16866" anchor="ctr"/>
+                </a:tc>
+                <a:tc>
+                  <a:txBody>
+                    <a:bodyPr/>
+                    <a:lstStyle/>
+                    <a:p>
+                      <a:pPr algn="r" fontAlgn="ctr"/>
+                      <a:r>
+                        <a:rPr lang="en-US" sz="1100">
+                          <a:effectLst/>
+                        </a:rPr>
+                        <a:t>Dur. (ms)</a:t>
+                      </a:r>
+                      <a:endParaRPr lang="en-US" sz="1100" b="1">
+                        <a:effectLst/>
+                      </a:endParaRPr>
+                    </a:p>
+                  </a:txBody>
+                  <a:tcPr marL="33731" marR="33731" marT="16866" marB="16866" anchor="ctr"/>
+                </a:tc>
+                <a:tc>
+                  <a:txBody>
+                    <a:bodyPr/>
+                    <a:lstStyle/>
+                    <a:p>
+                      <a:pPr algn="r" fontAlgn="ctr"/>
+                      <a:r>
+                        <a:rPr lang="en-US" sz="1100">
+                          <a:effectLst/>
+                        </a:rPr>
+                        <a:t>Total UL (Bytes)</a:t>
+                      </a:r>
+                      <a:endParaRPr lang="en-US" sz="1100" b="1">
+                        <a:effectLst/>
+                      </a:endParaRPr>
+                    </a:p>
+                  </a:txBody>
+                  <a:tcPr marL="33731" marR="33731" marT="16866" marB="16866" anchor="ctr"/>
+                </a:tc>
+                <a:tc>
+                  <a:txBody>
+                    <a:bodyPr/>
+                    <a:lstStyle/>
+                    <a:p>
+                      <a:pPr algn="r" fontAlgn="ctr"/>
+                      <a:r>
+                        <a:rPr lang="en-US" sz="1100" dirty="0">
+                          <a:effectLst/>
+                        </a:rPr>
+                        <a:t>Total DL (Bytes)</a:t>
+                      </a:r>
+                      <a:endParaRPr lang="en-US" sz="1100" b="1" dirty="0">
+                        <a:effectLst/>
+                      </a:endParaRPr>
+                    </a:p>
+                  </a:txBody>
+                  <a:tcPr marL="33731" marR="33731" marT="16866" marB="16866" anchor="ctr"/>
+                </a:tc>
+                <a:tc>
+                  <a:txBody>
+                    <a:bodyPr/>
+                    <a:lstStyle/>
+                    <a:p>
+                      <a:endParaRPr lang="en-US" sz="1100" dirty="0"/>
+                    </a:p>
+                  </a:txBody>
+                  <a:tcPr marL="33731" marR="33731" marT="16866" marB="16866"/>
+                </a:tc>
+                <a:extLst>
+                  <a:ext uri="{0D108BD9-81ED-4DB2-BD59-A6C34878D82A}">
+                    <a16:rowId xmlns:a16="http://schemas.microsoft.com/office/drawing/2014/main" val="3336814319"/>
+                  </a:ext>
+                </a:extLst>
+              </a:tr>
+            </a:tbl>
+          </a:graphicData>
+        </a:graphic>
+      </p:graphicFrame>
+      <p:cxnSp>
+        <p:nvCxnSpPr>
+          <p:cNvPr id="9" name="Straight Connector 8">
+            <a:extLst>
+              <a:ext uri="{FF2B5EF4-FFF2-40B4-BE49-F238E27FC236}">
+                <a16:creationId xmlns:a16="http://schemas.microsoft.com/office/drawing/2014/main" id="{CC73801E-EB45-4DE3-B797-44E0582342E1}"/>
+              </a:ext>
+            </a:extLst>
+          </p:cNvPr>
+          <p:cNvCxnSpPr/>
+          <p:nvPr/>
+        </p:nvCxnSpPr>
+        <p:spPr>
+          <a:xfrm>
+            <a:off x="549444" y="2538665"/>
+            <a:ext cx="11181330" cy="0"/>
+          </a:xfrm>
+          <a:prstGeom prst="line">
+            <a:avLst/>
+          </a:prstGeom>
+          <a:ln w="44450" cmpd="sng"/>
+        </p:spPr>
+        <p:style>
+          <a:lnRef idx="1">
+            <a:schemeClr val="dk1"/>
+          </a:lnRef>
+          <a:fillRef idx="0">
+            <a:schemeClr val="dk1"/>
+          </a:fillRef>
+          <a:effectRef idx="0">
+            <a:schemeClr val="dk1"/>
+          </a:effectRef>
+          <a:fontRef idx="minor">
+            <a:schemeClr val="tx1"/>
+          </a:fontRef>
+        </p:style>
+      </p:cxnSp>
+      <p:cxnSp>
+        <p:nvCxnSpPr>
+          <p:cNvPr id="10" name="Straight Connector 9">
+            <a:extLst>
+              <a:ext uri="{FF2B5EF4-FFF2-40B4-BE49-F238E27FC236}">
+                <a16:creationId xmlns:a16="http://schemas.microsoft.com/office/drawing/2014/main" id="{57749808-8A2B-4FD0-8118-2A383CCC476B}"/>
+              </a:ext>
+            </a:extLst>
+          </p:cNvPr>
+          <p:cNvCxnSpPr>
+            <a:cxnSpLocks/>
+          </p:cNvCxnSpPr>
+          <p:nvPr/>
+        </p:nvCxnSpPr>
+        <p:spPr>
+          <a:xfrm>
+            <a:off x="1064522" y="2562726"/>
+            <a:ext cx="0" cy="4090737"/>
+          </a:xfrm>
+          <a:prstGeom prst="line">
+            <a:avLst/>
+          </a:prstGeom>
+          <a:ln w="25400"/>
+        </p:spPr>
+        <p:style>
+          <a:lnRef idx="1">
+            <a:schemeClr val="dk1"/>
+          </a:lnRef>
+          <a:fillRef idx="0">
+            <a:schemeClr val="dk1"/>
+          </a:fillRef>
+          <a:effectRef idx="0">
+            <a:schemeClr val="dk1"/>
+          </a:effectRef>
+          <a:fontRef idx="minor">
+            <a:schemeClr val="tx1"/>
+          </a:fontRef>
+        </p:style>
+      </p:cxnSp>
+      <p:sp>
+        <p:nvSpPr>
+          <p:cNvPr id="14" name="Rectangle 13">
+            <a:extLst>
+              <a:ext uri="{FF2B5EF4-FFF2-40B4-BE49-F238E27FC236}">
+                <a16:creationId xmlns:a16="http://schemas.microsoft.com/office/drawing/2014/main" id="{19904B38-AB59-4FB6-9ED2-7F81E86798A6}"/>
+              </a:ext>
+            </a:extLst>
+          </p:cNvPr>
+          <p:cNvSpPr/>
+          <p:nvPr/>
+        </p:nvSpPr>
+        <p:spPr>
+          <a:xfrm>
+            <a:off x="1665913" y="542378"/>
+            <a:ext cx="9215023" cy="923330"/>
+          </a:xfrm>
+          <a:prstGeom prst="rect">
+            <a:avLst/>
+          </a:prstGeom>
+          <a:noFill/>
+        </p:spPr>
+        <p:txBody>
+          <a:bodyPr wrap="none" lIns="91440" tIns="45720" rIns="91440" bIns="45720">
+            <a:spAutoFit/>
+          </a:bodyPr>
+          <a:lstStyle/>
+          <a:p>
+            <a:pPr algn="ctr"/>
+            <a:r>
+              <a:rPr lang="en-US" sz="5400" b="1" cap="none" spc="0" dirty="0">
+                <a:ln w="9525">
+                  <a:solidFill>
+                    <a:schemeClr val="bg1"/>
+                  </a:solidFill>
+                  <a:prstDash val="solid"/>
+                </a:ln>
+                <a:solidFill>
+                  <a:schemeClr val="accent5"/>
+                </a:solidFill>
+                <a:effectLst>
+                  <a:outerShdw blurRad="12700" dist="38100" dir="2700000" algn="tl" rotWithShape="0">
+                    <a:schemeClr val="accent5">
+                      <a:lumMod val="60000"/>
+                      <a:lumOff val="40000"/>
+                    </a:schemeClr>
+                  </a:outerShdw>
+                </a:effectLst>
+              </a:rPr>
+              <a:t>Standard deviation &amp; minimum</a:t>
+            </a:r>
+          </a:p>
+        </p:txBody>
+      </p:sp>
     </p:spTree>
     <p:extLst>
       <p:ext uri="{BB962C8B-B14F-4D97-AF65-F5344CB8AC3E}">
@@ -5558,14 +6680,14 @@
           <p:nvPr>
             <p:extLst>
               <p:ext uri="{D42A27DB-BD31-4B8C-83A1-F6EECF244321}">
-                <p14:modId xmlns:p14="http://schemas.microsoft.com/office/powerpoint/2010/main" val="399638586"/>
+                <p14:modId xmlns:p14="http://schemas.microsoft.com/office/powerpoint/2010/main" val="2589784207"/>
               </p:ext>
             </p:extLst>
           </p:nvPr>
         </p:nvGraphicFramePr>
         <p:xfrm>
-          <a:off x="312821" y="1082842"/>
-          <a:ext cx="11622492" cy="5197641"/>
+          <a:off x="312821" y="2483888"/>
+          <a:ext cx="11622492" cy="3982458"/>
         </p:xfrm>
         <a:graphic>
           <a:graphicData uri="http://schemas.openxmlformats.org/drawingml/2006/table">
@@ -5701,35 +6823,44 @@
                   </a:extLst>
                 </a:gridCol>
               </a:tblGrid>
-              <a:tr h="1732547">
-                <a:tc>
-                  <a:txBody>
-                    <a:bodyPr/>
-                    <a:lstStyle/>
-                    <a:p>
-                      <a:pPr algn="r" fontAlgn="ctr"/>
-                      <a:r>
-                        <a:rPr lang="en-US" sz="1100">
-                          <a:effectLst/>
+              <a:tr h="1327486">
+                <a:tc>
+                  <a:txBody>
+                    <a:bodyPr/>
+                    <a:lstStyle/>
+                    <a:p>
+                      <a:pPr marL="0" algn="r" defTabSz="914400" rtl="0" eaLnBrk="1" fontAlgn="ctr" latinLnBrk="0" hangingPunct="1"/>
+                      <a:r>
+                        <a:rPr lang="en-US" sz="1100" kern="1200" dirty="0">
+                          <a:solidFill>
+                            <a:schemeClr val="lt1"/>
+                          </a:solidFill>
+                          <a:effectLst/>
+                          <a:latin typeface="+mn-lt"/>
+                          <a:ea typeface="+mn-ea"/>
+                          <a:cs typeface="+mn-cs"/>
                         </a:rPr>
                         <a:t>50%</a:t>
                       </a:r>
-                      <a:endParaRPr lang="en-US" sz="1100" b="1">
-                        <a:effectLst/>
-                      </a:endParaRPr>
-                    </a:p>
-                  </a:txBody>
-                  <a:tcPr marL="33731" marR="33731" marT="16866" marB="16866" anchor="ctr"/>
-                </a:tc>
-                <a:tc>
-                  <a:txBody>
-                    <a:bodyPr/>
-                    <a:lstStyle/>
-                    <a:p>
-                      <a:pPr algn="r" fontAlgn="ctr"/>
-                      <a:r>
-                        <a:rPr lang="en-US" sz="1100">
-                          <a:effectLst/>
+                    </a:p>
+                  </a:txBody>
+                  <a:tcPr marL="33731" marR="33731" marT="16866" marB="16866" anchor="ctr"/>
+                </a:tc>
+                <a:tc>
+                  <a:txBody>
+                    <a:bodyPr/>
+                    <a:lstStyle/>
+                    <a:p>
+                      <a:pPr marL="0" algn="r" defTabSz="914400" rtl="0" eaLnBrk="1" fontAlgn="ctr" latinLnBrk="0" hangingPunct="1"/>
+                      <a:r>
+                        <a:rPr lang="en-US" sz="1100" kern="1200">
+                          <a:solidFill>
+                            <a:schemeClr val="lt1"/>
+                          </a:solidFill>
+                          <a:effectLst/>
+                          <a:latin typeface="+mn-lt"/>
+                          <a:ea typeface="+mn-ea"/>
+                          <a:cs typeface="+mn-cs"/>
                         </a:rPr>
                         <a:t>1.794372e+06</a:t>
                       </a:r>
@@ -5742,10 +6873,16 @@
                     <a:bodyPr/>
                     <a:lstStyle/>
                     <a:p>
-                      <a:pPr algn="r" fontAlgn="ctr"/>
-                      <a:r>
-                        <a:rPr lang="en-US" sz="1100" dirty="0">
-                          <a:effectLst/>
+                      <a:pPr marL="0" algn="r" defTabSz="914400" rtl="0" eaLnBrk="1" fontAlgn="ctr" latinLnBrk="0" hangingPunct="1"/>
+                      <a:r>
+                        <a:rPr lang="en-US" sz="1100" kern="1200" dirty="0">
+                          <a:solidFill>
+                            <a:schemeClr val="lt1"/>
+                          </a:solidFill>
+                          <a:effectLst/>
+                          <a:latin typeface="+mn-lt"/>
+                          <a:ea typeface="+mn-ea"/>
+                          <a:cs typeface="+mn-cs"/>
                         </a:rPr>
                         <a:t>3.292000e+04</a:t>
                       </a:r>
@@ -5758,10 +6895,16 @@
                     <a:bodyPr/>
                     <a:lstStyle/>
                     <a:p>
-                      <a:pPr algn="r" fontAlgn="ctr"/>
-                      <a:r>
-                        <a:rPr lang="en-US" sz="1100">
-                          <a:effectLst/>
+                      <a:pPr marL="0" algn="r" defTabSz="914400" rtl="0" eaLnBrk="1" fontAlgn="ctr" latinLnBrk="0" hangingPunct="1"/>
+                      <a:r>
+                        <a:rPr lang="en-US" sz="1100" kern="1200">
+                          <a:solidFill>
+                            <a:schemeClr val="lt1"/>
+                          </a:solidFill>
+                          <a:effectLst/>
+                          <a:latin typeface="+mn-lt"/>
+                          <a:ea typeface="+mn-ea"/>
+                          <a:cs typeface="+mn-cs"/>
                         </a:rPr>
                         <a:t>5.765857e+06</a:t>
                       </a:r>
@@ -5774,10 +6917,16 @@
                     <a:bodyPr/>
                     <a:lstStyle/>
                     <a:p>
-                      <a:pPr algn="r" fontAlgn="ctr"/>
-                      <a:r>
-                        <a:rPr lang="en-US" sz="1100" dirty="0">
-                          <a:effectLst/>
+                      <a:pPr marL="0" algn="r" defTabSz="914400" rtl="0" eaLnBrk="1" fontAlgn="ctr" latinLnBrk="0" hangingPunct="1"/>
+                      <a:r>
+                        <a:rPr lang="en-US" sz="1100" kern="1200" dirty="0">
+                          <a:solidFill>
+                            <a:schemeClr val="lt1"/>
+                          </a:solidFill>
+                          <a:effectLst/>
+                          <a:latin typeface="+mn-lt"/>
+                          <a:ea typeface="+mn-ea"/>
+                          <a:cs typeface="+mn-cs"/>
                         </a:rPr>
                         <a:t>2.054590e+06</a:t>
                       </a:r>
@@ -5790,10 +6939,16 @@
                     <a:bodyPr/>
                     <a:lstStyle/>
                     <a:p>
-                      <a:pPr algn="r" fontAlgn="ctr"/>
-                      <a:r>
-                        <a:rPr lang="en-US" sz="1100" dirty="0">
-                          <a:effectLst/>
+                      <a:pPr marL="0" algn="r" defTabSz="914400" rtl="0" eaLnBrk="1" fontAlgn="ctr" latinLnBrk="0" hangingPunct="1"/>
+                      <a:r>
+                        <a:rPr lang="en-US" sz="1100" kern="1200" dirty="0">
+                          <a:solidFill>
+                            <a:schemeClr val="lt1"/>
+                          </a:solidFill>
+                          <a:effectLst/>
+                          <a:latin typeface="+mn-lt"/>
+                          <a:ea typeface="+mn-ea"/>
+                          <a:cs typeface="+mn-cs"/>
                         </a:rPr>
                         <a:t>1.793534e+06</a:t>
                       </a:r>
@@ -5806,10 +6961,16 @@
                     <a:bodyPr/>
                     <a:lstStyle/>
                     <a:p>
-                      <a:pPr algn="r" fontAlgn="ctr"/>
-                      <a:r>
-                        <a:rPr lang="en-US" sz="1100">
-                          <a:effectLst/>
+                      <a:pPr marL="0" algn="r" defTabSz="914400" rtl="0" eaLnBrk="1" fontAlgn="ctr" latinLnBrk="0" hangingPunct="1"/>
+                      <a:r>
+                        <a:rPr lang="en-US" sz="1100" kern="1200">
+                          <a:solidFill>
+                            <a:schemeClr val="lt1"/>
+                          </a:solidFill>
+                          <a:effectLst/>
+                          <a:latin typeface="+mn-lt"/>
+                          <a:ea typeface="+mn-ea"/>
+                          <a:cs typeface="+mn-cs"/>
                         </a:rPr>
                         <a:t>4.662520e+05</a:t>
                       </a:r>
@@ -5822,10 +6983,16 @@
                     <a:bodyPr/>
                     <a:lstStyle/>
                     <a:p>
-                      <a:pPr algn="r" fontAlgn="ctr"/>
-                      <a:r>
-                        <a:rPr lang="en-US" sz="1100">
-                          <a:effectLst/>
+                      <a:pPr marL="0" algn="r" defTabSz="914400" rtl="0" eaLnBrk="1" fontAlgn="ctr" latinLnBrk="0" hangingPunct="1"/>
+                      <a:r>
+                        <a:rPr lang="en-US" sz="1100" kern="1200">
+                          <a:solidFill>
+                            <a:schemeClr val="lt1"/>
+                          </a:solidFill>
+                          <a:effectLst/>
+                          <a:latin typeface="+mn-lt"/>
+                          <a:ea typeface="+mn-ea"/>
+                          <a:cs typeface="+mn-cs"/>
                         </a:rPr>
                         <a:t>1.161618e+07</a:t>
                       </a:r>
@@ -5838,10 +7005,16 @@
                     <a:bodyPr/>
                     <a:lstStyle/>
                     <a:p>
-                      <a:pPr algn="r" fontAlgn="ctr"/>
-                      <a:r>
-                        <a:rPr lang="en-US" sz="1100" dirty="0">
-                          <a:effectLst/>
+                      <a:pPr marL="0" algn="r" defTabSz="914400" rtl="0" eaLnBrk="1" fontAlgn="ctr" latinLnBrk="0" hangingPunct="1"/>
+                      <a:r>
+                        <a:rPr lang="en-US" sz="1100" kern="1200" dirty="0">
+                          <a:solidFill>
+                            <a:schemeClr val="lt1"/>
+                          </a:solidFill>
+                          <a:effectLst/>
+                          <a:latin typeface="+mn-lt"/>
+                          <a:ea typeface="+mn-ea"/>
+                          <a:cs typeface="+mn-cs"/>
                         </a:rPr>
                         <a:t>1.101348e+07</a:t>
                       </a:r>
@@ -5854,10 +7027,16 @@
                     <a:bodyPr/>
                     <a:lstStyle/>
                     <a:p>
-                      <a:pPr algn="r" fontAlgn="ctr"/>
-                      <a:r>
-                        <a:rPr lang="en-US" sz="1100" dirty="0">
-                          <a:effectLst/>
+                      <a:pPr marL="0" algn="r" defTabSz="914400" rtl="0" eaLnBrk="1" fontAlgn="ctr" latinLnBrk="0" hangingPunct="1"/>
+                      <a:r>
+                        <a:rPr lang="en-US" sz="1100" kern="1200" dirty="0">
+                          <a:solidFill>
+                            <a:schemeClr val="lt1"/>
+                          </a:solidFill>
+                          <a:effectLst/>
+                          <a:latin typeface="+mn-lt"/>
+                          <a:ea typeface="+mn-ea"/>
+                          <a:cs typeface="+mn-cs"/>
                         </a:rPr>
                         <a:t>1.164222e+07</a:t>
                       </a:r>
@@ -5870,10 +7049,16 @@
                     <a:bodyPr/>
                     <a:lstStyle/>
                     <a:p>
-                      <a:pPr algn="r" fontAlgn="ctr"/>
-                      <a:r>
-                        <a:rPr lang="en-US" sz="1100">
-                          <a:effectLst/>
+                      <a:pPr marL="0" algn="r" defTabSz="914400" rtl="0" eaLnBrk="1" fontAlgn="ctr" latinLnBrk="0" hangingPunct="1"/>
+                      <a:r>
+                        <a:rPr lang="en-US" sz="1100" kern="1200">
+                          <a:solidFill>
+                            <a:schemeClr val="lt1"/>
+                          </a:solidFill>
+                          <a:effectLst/>
+                          <a:latin typeface="+mn-lt"/>
+                          <a:ea typeface="+mn-ea"/>
+                          <a:cs typeface="+mn-cs"/>
                         </a:rPr>
                         <a:t>1.099640e+07</a:t>
                       </a:r>
@@ -5886,10 +7071,16 @@
                     <a:bodyPr/>
                     <a:lstStyle/>
                     <a:p>
-                      <a:pPr algn="r" fontAlgn="ctr"/>
-                      <a:r>
-                        <a:rPr lang="en-US" sz="1100" dirty="0">
-                          <a:effectLst/>
+                      <a:pPr marL="0" algn="r" defTabSz="914400" rtl="0" eaLnBrk="1" fontAlgn="ctr" latinLnBrk="0" hangingPunct="1"/>
+                      <a:r>
+                        <a:rPr lang="en-US" sz="1100" kern="1200" dirty="0">
+                          <a:solidFill>
+                            <a:schemeClr val="lt1"/>
+                          </a:solidFill>
+                          <a:effectLst/>
+                          <a:latin typeface="+mn-lt"/>
+                          <a:ea typeface="+mn-ea"/>
+                          <a:cs typeface="+mn-cs"/>
                         </a:rPr>
                         <a:t>4.234082e+08</a:t>
                       </a:r>
@@ -5902,10 +7093,16 @@
                     <a:bodyPr/>
                     <a:lstStyle/>
                     <a:p>
-                      <a:pPr algn="r" fontAlgn="ctr"/>
-                      <a:r>
-                        <a:rPr lang="en-US" sz="1100" dirty="0">
-                          <a:effectLst/>
+                      <a:pPr marL="0" algn="r" defTabSz="914400" rtl="0" eaLnBrk="1" fontAlgn="ctr" latinLnBrk="0" hangingPunct="1"/>
+                      <a:r>
+                        <a:rPr lang="en-US" sz="1100" kern="1200" dirty="0">
+                          <a:solidFill>
+                            <a:schemeClr val="lt1"/>
+                          </a:solidFill>
+                          <a:effectLst/>
+                          <a:latin typeface="+mn-lt"/>
+                          <a:ea typeface="+mn-ea"/>
+                          <a:cs typeface="+mn-cs"/>
                         </a:rPr>
                         <a:t>8.291215e+06</a:t>
                       </a:r>
@@ -5918,10 +7115,16 @@
                     <a:bodyPr/>
                     <a:lstStyle/>
                     <a:p>
-                      <a:pPr algn="r" fontAlgn="ctr"/>
-                      <a:r>
-                        <a:rPr lang="en-US" sz="1100" dirty="0">
-                          <a:effectLst/>
+                      <a:pPr marL="0" algn="r" defTabSz="914400" rtl="0" eaLnBrk="1" fontAlgn="ctr" latinLnBrk="0" hangingPunct="1"/>
+                      <a:r>
+                        <a:rPr lang="en-US" sz="1100" kern="1200" dirty="0">
+                          <a:solidFill>
+                            <a:schemeClr val="lt1"/>
+                          </a:solidFill>
+                          <a:effectLst/>
+                          <a:latin typeface="+mn-lt"/>
+                          <a:ea typeface="+mn-ea"/>
+                          <a:cs typeface="+mn-cs"/>
                         </a:rPr>
                         <a:t>4.218057e+08</a:t>
                       </a:r>
@@ -5934,10 +7137,16 @@
                     <a:bodyPr/>
                     <a:lstStyle/>
                     <a:p>
-                      <a:pPr algn="r" fontAlgn="ctr"/>
-                      <a:r>
-                        <a:rPr lang="en-US" sz="1100">
-                          <a:effectLst/>
+                      <a:pPr marL="0" algn="r" defTabSz="914400" rtl="0" eaLnBrk="1" fontAlgn="ctr" latinLnBrk="0" hangingPunct="1"/>
+                      <a:r>
+                        <a:rPr lang="en-US" sz="1100" kern="1200">
+                          <a:solidFill>
+                            <a:schemeClr val="lt1"/>
+                          </a:solidFill>
+                          <a:effectLst/>
+                          <a:latin typeface="+mn-lt"/>
+                          <a:ea typeface="+mn-ea"/>
+                          <a:cs typeface="+mn-cs"/>
                         </a:rPr>
                         <a:t>8.267086e+06</a:t>
                       </a:r>
@@ -5950,10 +7159,16 @@
                     <a:bodyPr/>
                     <a:lstStyle/>
                     <a:p>
-                      <a:pPr algn="r" fontAlgn="ctr"/>
-                      <a:r>
-                        <a:rPr lang="en-US" sz="1100">
-                          <a:effectLst/>
+                      <a:pPr marL="0" algn="r" defTabSz="914400" rtl="0" eaLnBrk="1" fontAlgn="ctr" latinLnBrk="0" hangingPunct="1"/>
+                      <a:r>
+                        <a:rPr lang="en-US" sz="1100" kern="1200">
+                          <a:solidFill>
+                            <a:schemeClr val="lt1"/>
+                          </a:solidFill>
+                          <a:effectLst/>
+                          <a:latin typeface="+mn-lt"/>
+                          <a:ea typeface="+mn-ea"/>
+                          <a:cs typeface="+mn-cs"/>
                         </a:rPr>
                         <a:t>8.639900e+04</a:t>
                       </a:r>
@@ -5966,10 +7181,16 @@
                     <a:bodyPr/>
                     <a:lstStyle/>
                     <a:p>
-                      <a:pPr algn="r" fontAlgn="ctr"/>
-                      <a:r>
-                        <a:rPr lang="en-US" sz="1100" dirty="0">
-                          <a:effectLst/>
+                      <a:pPr marL="0" algn="r" defTabSz="914400" rtl="0" eaLnBrk="1" fontAlgn="ctr" latinLnBrk="0" hangingPunct="1"/>
+                      <a:r>
+                        <a:rPr lang="en-US" sz="1100" kern="1200" dirty="0">
+                          <a:solidFill>
+                            <a:schemeClr val="lt1"/>
+                          </a:solidFill>
+                          <a:effectLst/>
+                          <a:latin typeface="+mn-lt"/>
+                          <a:ea typeface="+mn-ea"/>
+                          <a:cs typeface="+mn-cs"/>
                         </a:rPr>
                         <a:t>4.114331e+07</a:t>
                       </a:r>
@@ -5982,10 +7203,16 @@
                     <a:bodyPr/>
                     <a:lstStyle/>
                     <a:p>
-                      <a:pPr algn="r" fontAlgn="ctr"/>
-                      <a:r>
-                        <a:rPr lang="en-US" sz="1100" dirty="0">
-                          <a:effectLst/>
+                      <a:pPr marL="0" algn="r" defTabSz="914400" rtl="0" eaLnBrk="1" fontAlgn="ctr" latinLnBrk="0" hangingPunct="1"/>
+                      <a:r>
+                        <a:rPr lang="en-US" sz="1100" kern="1200" dirty="0">
+                          <a:solidFill>
+                            <a:schemeClr val="lt1"/>
+                          </a:solidFill>
+                          <a:effectLst/>
+                          <a:latin typeface="+mn-lt"/>
+                          <a:ea typeface="+mn-ea"/>
+                          <a:cs typeface="+mn-cs"/>
                         </a:rPr>
                         <a:t>4.558412e+08</a:t>
                       </a:r>
@@ -5999,35 +7226,44 @@
                   </a:ext>
                 </a:extLst>
               </a:tr>
-              <a:tr h="1732547">
-                <a:tc>
-                  <a:txBody>
-                    <a:bodyPr/>
-                    <a:lstStyle/>
-                    <a:p>
-                      <a:pPr algn="r" fontAlgn="ctr"/>
-                      <a:r>
-                        <a:rPr lang="en-US" sz="1100" dirty="0">
-                          <a:effectLst/>
+              <a:tr h="1327486">
+                <a:tc>
+                  <a:txBody>
+                    <a:bodyPr/>
+                    <a:lstStyle/>
+                    <a:p>
+                      <a:pPr marL="0" algn="r" defTabSz="914400" rtl="0" eaLnBrk="1" fontAlgn="ctr" latinLnBrk="0" hangingPunct="1"/>
+                      <a:r>
+                        <a:rPr lang="en-US" sz="1100" kern="1200" dirty="0">
+                          <a:solidFill>
+                            <a:schemeClr val="lt1"/>
+                          </a:solidFill>
+                          <a:effectLst/>
+                          <a:latin typeface="+mn-lt"/>
+                          <a:ea typeface="+mn-ea"/>
+                          <a:cs typeface="+mn-cs"/>
                         </a:rPr>
                         <a:t>75%</a:t>
                       </a:r>
-                      <a:endParaRPr lang="en-US" sz="1100" b="1" dirty="0">
-                        <a:effectLst/>
-                      </a:endParaRPr>
-                    </a:p>
-                  </a:txBody>
-                  <a:tcPr marL="33731" marR="33731" marT="16866" marB="16866" anchor="ctr"/>
-                </a:tc>
-                <a:tc>
-                  <a:txBody>
-                    <a:bodyPr/>
-                    <a:lstStyle/>
-                    <a:p>
-                      <a:pPr algn="r" fontAlgn="ctr"/>
-                      <a:r>
-                        <a:rPr lang="en-US" sz="1100">
-                          <a:effectLst/>
+                    </a:p>
+                  </a:txBody>
+                  <a:tcPr marL="33731" marR="33731" marT="16866" marB="16866" anchor="ctr"/>
+                </a:tc>
+                <a:tc>
+                  <a:txBody>
+                    <a:bodyPr/>
+                    <a:lstStyle/>
+                    <a:p>
+                      <a:pPr marL="0" algn="r" defTabSz="914400" rtl="0" eaLnBrk="1" fontAlgn="ctr" latinLnBrk="0" hangingPunct="1"/>
+                      <a:r>
+                        <a:rPr lang="en-US" sz="1100" kern="1200">
+                          <a:solidFill>
+                            <a:schemeClr val="lt1"/>
+                          </a:solidFill>
+                          <a:effectLst/>
+                          <a:latin typeface="+mn-lt"/>
+                          <a:ea typeface="+mn-ea"/>
+                          <a:cs typeface="+mn-cs"/>
                         </a:rPr>
                         <a:t>2.694940e+06</a:t>
                       </a:r>
@@ -6040,10 +7276,16 @@
                     <a:bodyPr/>
                     <a:lstStyle/>
                     <a:p>
-                      <a:pPr algn="r" fontAlgn="ctr"/>
-                      <a:r>
-                        <a:rPr lang="en-US" sz="1100">
-                          <a:effectLst/>
+                      <a:pPr marL="0" algn="r" defTabSz="914400" rtl="0" eaLnBrk="1" fontAlgn="ctr" latinLnBrk="0" hangingPunct="1"/>
+                      <a:r>
+                        <a:rPr lang="en-US" sz="1100" kern="1200">
+                          <a:solidFill>
+                            <a:schemeClr val="lt1"/>
+                          </a:solidFill>
+                          <a:effectLst/>
+                          <a:latin typeface="+mn-lt"/>
+                          <a:ea typeface="+mn-ea"/>
+                          <a:cs typeface="+mn-cs"/>
                         </a:rPr>
                         <a:t>4.933400e+04</a:t>
                       </a:r>
@@ -6056,10 +7298,16 @@
                     <a:bodyPr/>
                     <a:lstStyle/>
                     <a:p>
-                      <a:pPr algn="r" fontAlgn="ctr"/>
-                      <a:r>
-                        <a:rPr lang="en-US" sz="1100">
-                          <a:effectLst/>
+                      <a:pPr marL="0" algn="r" defTabSz="914400" rtl="0" eaLnBrk="1" fontAlgn="ctr" latinLnBrk="0" hangingPunct="1"/>
+                      <a:r>
+                        <a:rPr lang="en-US" sz="1100" kern="1200">
+                          <a:solidFill>
+                            <a:schemeClr val="lt1"/>
+                          </a:solidFill>
+                          <a:effectLst/>
+                          <a:latin typeface="+mn-lt"/>
+                          <a:ea typeface="+mn-ea"/>
+                          <a:cs typeface="+mn-cs"/>
                         </a:rPr>
                         <a:t>8.623632e+06</a:t>
                       </a:r>
@@ -6072,10 +7320,16 @@
                     <a:bodyPr/>
                     <a:lstStyle/>
                     <a:p>
-                      <a:pPr algn="r" fontAlgn="ctr"/>
-                      <a:r>
-                        <a:rPr lang="en-US" sz="1100">
-                          <a:effectLst/>
+                      <a:pPr marL="0" algn="r" defTabSz="914400" rtl="0" eaLnBrk="1" fontAlgn="ctr" latinLnBrk="0" hangingPunct="1"/>
+                      <a:r>
+                        <a:rPr lang="en-US" sz="1100" kern="1200">
+                          <a:solidFill>
+                            <a:schemeClr val="lt1"/>
+                          </a:solidFill>
+                          <a:effectLst/>
+                          <a:latin typeface="+mn-lt"/>
+                          <a:ea typeface="+mn-ea"/>
+                          <a:cs typeface="+mn-cs"/>
                         </a:rPr>
                         <a:t>3.088455e+06</a:t>
                       </a:r>
@@ -6088,10 +7342,16 @@
                     <a:bodyPr/>
                     <a:lstStyle/>
                     <a:p>
-                      <a:pPr algn="r" fontAlgn="ctr"/>
-                      <a:r>
-                        <a:rPr lang="en-US" sz="1100">
-                          <a:effectLst/>
+                      <a:pPr marL="0" algn="r" defTabSz="914400" rtl="0" eaLnBrk="1" fontAlgn="ctr" latinLnBrk="0" hangingPunct="1"/>
+                      <a:r>
+                        <a:rPr lang="en-US" sz="1100" kern="1200">
+                          <a:solidFill>
+                            <a:schemeClr val="lt1"/>
+                          </a:solidFill>
+                          <a:effectLst/>
+                          <a:latin typeface="+mn-lt"/>
+                          <a:ea typeface="+mn-ea"/>
+                          <a:cs typeface="+mn-cs"/>
                         </a:rPr>
                         <a:t>2.689332e+06</a:t>
                       </a:r>
@@ -6104,10 +7364,16 @@
                     <a:bodyPr/>
                     <a:lstStyle/>
                     <a:p>
-                      <a:pPr algn="r" fontAlgn="ctr"/>
-                      <a:r>
-                        <a:rPr lang="en-US" sz="1100">
-                          <a:effectLst/>
+                      <a:pPr marL="0" algn="r" defTabSz="914400" rtl="0" eaLnBrk="1" fontAlgn="ctr" latinLnBrk="0" hangingPunct="1"/>
+                      <a:r>
+                        <a:rPr lang="en-US" sz="1100" kern="1200">
+                          <a:solidFill>
+                            <a:schemeClr val="lt1"/>
+                          </a:solidFill>
+                          <a:effectLst/>
+                          <a:latin typeface="+mn-lt"/>
+                          <a:ea typeface="+mn-ea"/>
+                          <a:cs typeface="+mn-cs"/>
                         </a:rPr>
                         <a:t>7.004445e+05</a:t>
                       </a:r>
@@ -6120,10 +7386,16 @@
                     <a:bodyPr/>
                     <a:lstStyle/>
                     <a:p>
-                      <a:pPr algn="r" fontAlgn="ctr"/>
-                      <a:r>
-                        <a:rPr lang="en-US" sz="1100">
-                          <a:effectLst/>
+                      <a:pPr marL="0" algn="r" defTabSz="914400" rtl="0" eaLnBrk="1" fontAlgn="ctr" latinLnBrk="0" hangingPunct="1"/>
+                      <a:r>
+                        <a:rPr lang="en-US" sz="1100" kern="1200" dirty="0">
+                          <a:solidFill>
+                            <a:schemeClr val="lt1"/>
+                          </a:solidFill>
+                          <a:effectLst/>
+                          <a:latin typeface="+mn-lt"/>
+                          <a:ea typeface="+mn-ea"/>
+                          <a:cs typeface="+mn-cs"/>
                         </a:rPr>
                         <a:t>1.744860e+07</a:t>
                       </a:r>
@@ -6136,10 +7408,16 @@
                     <a:bodyPr/>
                     <a:lstStyle/>
                     <a:p>
-                      <a:pPr algn="r" fontAlgn="ctr"/>
-                      <a:r>
-                        <a:rPr lang="en-US" sz="1100">
-                          <a:effectLst/>
+                      <a:pPr marL="0" algn="r" defTabSz="914400" rtl="0" eaLnBrk="1" fontAlgn="ctr" latinLnBrk="0" hangingPunct="1"/>
+                      <a:r>
+                        <a:rPr lang="en-US" sz="1100" kern="1200" dirty="0">
+                          <a:solidFill>
+                            <a:schemeClr val="lt1"/>
+                          </a:solidFill>
+                          <a:effectLst/>
+                          <a:latin typeface="+mn-lt"/>
+                          <a:ea typeface="+mn-ea"/>
+                          <a:cs typeface="+mn-cs"/>
                         </a:rPr>
                         <a:t>1.651565e+07</a:t>
                       </a:r>
@@ -6152,10 +7430,16 @@
                     <a:bodyPr/>
                     <a:lstStyle/>
                     <a:p>
-                      <a:pPr algn="r" fontAlgn="ctr"/>
-                      <a:r>
-                        <a:rPr lang="en-US" sz="1100" dirty="0">
-                          <a:effectLst/>
+                      <a:pPr marL="0" algn="r" defTabSz="914400" rtl="0" eaLnBrk="1" fontAlgn="ctr" latinLnBrk="0" hangingPunct="1"/>
+                      <a:r>
+                        <a:rPr lang="en-US" sz="1100" kern="1200" dirty="0">
+                          <a:solidFill>
+                            <a:schemeClr val="lt1"/>
+                          </a:solidFill>
+                          <a:effectLst/>
+                          <a:latin typeface="+mn-lt"/>
+                          <a:ea typeface="+mn-ea"/>
+                          <a:cs typeface="+mn-cs"/>
                         </a:rPr>
                         <a:t>1.747056e+07</a:t>
                       </a:r>
@@ -6168,10 +7452,16 @@
                     <a:bodyPr/>
                     <a:lstStyle/>
                     <a:p>
-                      <a:pPr algn="r" fontAlgn="ctr"/>
-                      <a:r>
-                        <a:rPr lang="en-US" sz="1100">
-                          <a:effectLst/>
+                      <a:pPr marL="0" algn="r" defTabSz="914400" rtl="0" eaLnBrk="1" fontAlgn="ctr" latinLnBrk="0" hangingPunct="1"/>
+                      <a:r>
+                        <a:rPr lang="en-US" sz="1100" kern="1200">
+                          <a:solidFill>
+                            <a:schemeClr val="lt1"/>
+                          </a:solidFill>
+                          <a:effectLst/>
+                          <a:latin typeface="+mn-lt"/>
+                          <a:ea typeface="+mn-ea"/>
+                          <a:cs typeface="+mn-cs"/>
                         </a:rPr>
                         <a:t>1.650733e+07</a:t>
                       </a:r>
@@ -6184,10 +7474,16 @@
                     <a:bodyPr/>
                     <a:lstStyle/>
                     <a:p>
-                      <a:pPr algn="r" fontAlgn="ctr"/>
-                      <a:r>
-                        <a:rPr lang="en-US" sz="1100">
-                          <a:effectLst/>
+                      <a:pPr marL="0" algn="r" defTabSz="914400" rtl="0" eaLnBrk="1" fontAlgn="ctr" latinLnBrk="0" hangingPunct="1"/>
+                      <a:r>
+                        <a:rPr lang="en-US" sz="1100" kern="1200">
+                          <a:solidFill>
+                            <a:schemeClr val="lt1"/>
+                          </a:solidFill>
+                          <a:effectLst/>
+                          <a:latin typeface="+mn-lt"/>
+                          <a:ea typeface="+mn-ea"/>
+                          <a:cs typeface="+mn-cs"/>
                         </a:rPr>
                         <a:t>6.331756e+08</a:t>
                       </a:r>
@@ -6200,10 +7496,16 @@
                     <a:bodyPr/>
                     <a:lstStyle/>
                     <a:p>
-                      <a:pPr algn="r" fontAlgn="ctr"/>
-                      <a:r>
-                        <a:rPr lang="en-US" sz="1100">
-                          <a:effectLst/>
+                      <a:pPr marL="0" algn="r" defTabSz="914400" rtl="0" eaLnBrk="1" fontAlgn="ctr" latinLnBrk="0" hangingPunct="1"/>
+                      <a:r>
+                        <a:rPr lang="en-US" sz="1100" kern="1200">
+                          <a:solidFill>
+                            <a:schemeClr val="lt1"/>
+                          </a:solidFill>
+                          <a:effectLst/>
+                          <a:latin typeface="+mn-lt"/>
+                          <a:ea typeface="+mn-ea"/>
+                          <a:cs typeface="+mn-cs"/>
                         </a:rPr>
                         <a:t>1.243164e+07</a:t>
                       </a:r>
@@ -6216,10 +7518,16 @@
                     <a:bodyPr/>
                     <a:lstStyle/>
                     <a:p>
-                      <a:pPr algn="r" fontAlgn="ctr"/>
-                      <a:r>
-                        <a:rPr lang="en-US" sz="1100">
-                          <a:effectLst/>
+                      <a:pPr marL="0" algn="r" defTabSz="914400" rtl="0" eaLnBrk="1" fontAlgn="ctr" latinLnBrk="0" hangingPunct="1"/>
+                      <a:r>
+                        <a:rPr lang="en-US" sz="1100" kern="1200">
+                          <a:solidFill>
+                            <a:schemeClr val="lt1"/>
+                          </a:solidFill>
+                          <a:effectLst/>
+                          <a:latin typeface="+mn-lt"/>
+                          <a:ea typeface="+mn-ea"/>
+                          <a:cs typeface="+mn-cs"/>
                         </a:rPr>
                         <a:t>6.317015e+08</a:t>
                       </a:r>
@@ -6232,10 +7540,16 @@
                     <a:bodyPr/>
                     <a:lstStyle/>
                     <a:p>
-                      <a:pPr algn="r" fontAlgn="ctr"/>
-                      <a:r>
-                        <a:rPr lang="en-US" sz="1100">
-                          <a:effectLst/>
+                      <a:pPr marL="0" algn="r" defTabSz="914400" rtl="0" eaLnBrk="1" fontAlgn="ctr" latinLnBrk="0" hangingPunct="1"/>
+                      <a:r>
+                        <a:rPr lang="en-US" sz="1100" kern="1200">
+                          <a:solidFill>
+                            <a:schemeClr val="lt1"/>
+                          </a:solidFill>
+                          <a:effectLst/>
+                          <a:latin typeface="+mn-lt"/>
+                          <a:ea typeface="+mn-ea"/>
+                          <a:cs typeface="+mn-cs"/>
                         </a:rPr>
                         <a:t>1.238430e+07</a:t>
                       </a:r>
@@ -6248,10 +7562,16 @@
                     <a:bodyPr/>
                     <a:lstStyle/>
                     <a:p>
-                      <a:pPr algn="r" fontAlgn="ctr"/>
-                      <a:r>
-                        <a:rPr lang="en-US" sz="1100">
-                          <a:effectLst/>
+                      <a:pPr marL="0" algn="r" defTabSz="914400" rtl="0" eaLnBrk="1" fontAlgn="ctr" latinLnBrk="0" hangingPunct="1"/>
+                      <a:r>
+                        <a:rPr lang="en-US" sz="1100" kern="1200">
+                          <a:solidFill>
+                            <a:schemeClr val="lt1"/>
+                          </a:solidFill>
+                          <a:effectLst/>
+                          <a:latin typeface="+mn-lt"/>
+                          <a:ea typeface="+mn-ea"/>
+                          <a:cs typeface="+mn-cs"/>
                         </a:rPr>
                         <a:t>1.324302e+05</a:t>
                       </a:r>
@@ -6264,10 +7584,16 @@
                     <a:bodyPr/>
                     <a:lstStyle/>
                     <a:p>
-                      <a:pPr algn="r" fontAlgn="ctr"/>
-                      <a:r>
-                        <a:rPr lang="en-US" sz="1100">
-                          <a:effectLst/>
+                      <a:pPr marL="0" algn="r" defTabSz="914400" rtl="0" eaLnBrk="1" fontAlgn="ctr" latinLnBrk="0" hangingPunct="1"/>
+                      <a:r>
+                        <a:rPr lang="en-US" sz="1100" kern="1200">
+                          <a:solidFill>
+                            <a:schemeClr val="lt1"/>
+                          </a:solidFill>
+                          <a:effectLst/>
+                          <a:latin typeface="+mn-lt"/>
+                          <a:ea typeface="+mn-ea"/>
+                          <a:cs typeface="+mn-cs"/>
                         </a:rPr>
                         <a:t>4.903424e+07</a:t>
                       </a:r>
@@ -6280,10 +7606,16 @@
                     <a:bodyPr/>
                     <a:lstStyle/>
                     <a:p>
-                      <a:pPr algn="r" fontAlgn="ctr"/>
-                      <a:r>
-                        <a:rPr lang="en-US" sz="1100">
-                          <a:effectLst/>
+                      <a:pPr marL="0" algn="r" defTabSz="914400" rtl="0" eaLnBrk="1" fontAlgn="ctr" latinLnBrk="0" hangingPunct="1"/>
+                      <a:r>
+                        <a:rPr lang="en-US" sz="1100" kern="1200">
+                          <a:solidFill>
+                            <a:schemeClr val="lt1"/>
+                          </a:solidFill>
+                          <a:effectLst/>
+                          <a:latin typeface="+mn-lt"/>
+                          <a:ea typeface="+mn-ea"/>
+                          <a:cs typeface="+mn-cs"/>
                         </a:rPr>
                         <a:t>6.657068e+08</a:t>
                       </a:r>
@@ -6297,35 +7629,44 @@
                   </a:ext>
                 </a:extLst>
               </a:tr>
-              <a:tr h="1732547">
-                <a:tc>
-                  <a:txBody>
-                    <a:bodyPr/>
-                    <a:lstStyle/>
-                    <a:p>
-                      <a:pPr algn="r" fontAlgn="ctr"/>
-                      <a:r>
-                        <a:rPr lang="en-US" sz="1200" dirty="0">
-                          <a:effectLst/>
+              <a:tr h="1327486">
+                <a:tc>
+                  <a:txBody>
+                    <a:bodyPr/>
+                    <a:lstStyle/>
+                    <a:p>
+                      <a:pPr marL="0" algn="r" defTabSz="914400" rtl="0" eaLnBrk="1" fontAlgn="ctr" latinLnBrk="0" hangingPunct="1"/>
+                      <a:r>
+                        <a:rPr lang="en-US" sz="1100" kern="1200" dirty="0">
+                          <a:solidFill>
+                            <a:schemeClr val="lt1"/>
+                          </a:solidFill>
+                          <a:effectLst/>
+                          <a:latin typeface="+mn-lt"/>
+                          <a:ea typeface="+mn-ea"/>
+                          <a:cs typeface="+mn-cs"/>
                         </a:rPr>
                         <a:t>max</a:t>
                       </a:r>
-                      <a:endParaRPr lang="en-US" sz="1100" b="1" dirty="0">
-                        <a:effectLst/>
-                      </a:endParaRPr>
-                    </a:p>
-                  </a:txBody>
-                  <a:tcPr marL="33731" marR="33731" marT="16866" marB="16866" anchor="ctr"/>
-                </a:tc>
-                <a:tc>
-                  <a:txBody>
-                    <a:bodyPr/>
-                    <a:lstStyle/>
-                    <a:p>
-                      <a:pPr algn="r" fontAlgn="ctr"/>
-                      <a:r>
-                        <a:rPr lang="en-US" sz="1100">
-                          <a:effectLst/>
+                    </a:p>
+                  </a:txBody>
+                  <a:tcPr marL="33731" marR="33731" marT="16866" marB="16866" anchor="ctr"/>
+                </a:tc>
+                <a:tc>
+                  <a:txBody>
+                    <a:bodyPr/>
+                    <a:lstStyle/>
+                    <a:p>
+                      <a:pPr marL="0" algn="r" defTabSz="914400" rtl="0" eaLnBrk="1" fontAlgn="ctr" latinLnBrk="0" hangingPunct="1"/>
+                      <a:r>
+                        <a:rPr lang="en-US" sz="1100" kern="1200">
+                          <a:solidFill>
+                            <a:schemeClr val="lt1"/>
+                          </a:solidFill>
+                          <a:effectLst/>
+                          <a:latin typeface="+mn-lt"/>
+                          <a:ea typeface="+mn-ea"/>
+                          <a:cs typeface="+mn-cs"/>
                         </a:rPr>
                         <a:t>1.056439e+10</a:t>
                       </a:r>
@@ -6338,10 +7679,16 @@
                     <a:bodyPr/>
                     <a:lstStyle/>
                     <a:p>
-                      <a:pPr algn="r" fontAlgn="ctr"/>
-                      <a:r>
-                        <a:rPr lang="en-US" sz="1100">
-                          <a:effectLst/>
+                      <a:pPr marL="0" algn="r" defTabSz="914400" rtl="0" eaLnBrk="1" fontAlgn="ctr" latinLnBrk="0" hangingPunct="1"/>
+                      <a:r>
+                        <a:rPr lang="en-US" sz="1100" kern="1200">
+                          <a:solidFill>
+                            <a:schemeClr val="lt1"/>
+                          </a:solidFill>
+                          <a:effectLst/>
+                          <a:latin typeface="+mn-lt"/>
+                          <a:ea typeface="+mn-ea"/>
+                          <a:cs typeface="+mn-cs"/>
                         </a:rPr>
                         <a:t>1.962499e+08</a:t>
                       </a:r>
@@ -6354,10 +7701,16 @@
                     <a:bodyPr/>
                     <a:lstStyle/>
                     <a:p>
-                      <a:pPr algn="r" fontAlgn="ctr"/>
-                      <a:r>
-                        <a:rPr lang="en-US" sz="1100">
-                          <a:effectLst/>
+                      <a:pPr marL="0" algn="r" defTabSz="914400" rtl="0" eaLnBrk="1" fontAlgn="ctr" latinLnBrk="0" hangingPunct="1"/>
+                      <a:r>
+                        <a:rPr lang="en-US" sz="1100" kern="1200">
+                          <a:solidFill>
+                            <a:schemeClr val="lt1"/>
+                          </a:solidFill>
+                          <a:effectLst/>
+                          <a:latin typeface="+mn-lt"/>
+                          <a:ea typeface="+mn-ea"/>
+                          <a:cs typeface="+mn-cs"/>
                         </a:rPr>
                         <a:t>3.405294e+10</a:t>
                       </a:r>
@@ -6370,10 +7723,16 @@
                     <a:bodyPr/>
                     <a:lstStyle/>
                     <a:p>
-                      <a:pPr algn="r" fontAlgn="ctr"/>
-                      <a:r>
-                        <a:rPr lang="en-US" sz="1100">
-                          <a:effectLst/>
+                      <a:pPr marL="0" algn="r" defTabSz="914400" rtl="0" eaLnBrk="1" fontAlgn="ctr" latinLnBrk="0" hangingPunct="1"/>
+                      <a:r>
+                        <a:rPr lang="en-US" sz="1100" kern="1200">
+                          <a:solidFill>
+                            <a:schemeClr val="lt1"/>
+                          </a:solidFill>
+                          <a:effectLst/>
+                          <a:latin typeface="+mn-lt"/>
+                          <a:ea typeface="+mn-ea"/>
+                          <a:cs typeface="+mn-cs"/>
                         </a:rPr>
                         <a:t>1.211349e+10</a:t>
                       </a:r>
@@ -6386,10 +7745,16 @@
                     <a:bodyPr/>
                     <a:lstStyle/>
                     <a:p>
-                      <a:pPr algn="r" fontAlgn="ctr"/>
-                      <a:r>
-                        <a:rPr lang="en-US" sz="1100">
-                          <a:effectLst/>
+                      <a:pPr marL="0" algn="r" defTabSz="914400" rtl="0" eaLnBrk="1" fontAlgn="ctr" latinLnBrk="0" hangingPunct="1"/>
+                      <a:r>
+                        <a:rPr lang="en-US" sz="1100" kern="1200">
+                          <a:solidFill>
+                            <a:schemeClr val="lt1"/>
+                          </a:solidFill>
+                          <a:effectLst/>
+                          <a:latin typeface="+mn-lt"/>
+                          <a:ea typeface="+mn-ea"/>
+                          <a:cs typeface="+mn-cs"/>
                         </a:rPr>
                         <a:t>1.047520e+10</a:t>
                       </a:r>
@@ -6402,10 +7767,16 @@
                     <a:bodyPr/>
                     <a:lstStyle/>
                     <a:p>
-                      <a:pPr algn="r" fontAlgn="ctr"/>
-                      <a:r>
-                        <a:rPr lang="en-US" sz="1100" dirty="0">
-                          <a:effectLst/>
+                      <a:pPr marL="0" algn="r" defTabSz="914400" rtl="0" eaLnBrk="1" fontAlgn="ctr" latinLnBrk="0" hangingPunct="1"/>
+                      <a:r>
+                        <a:rPr lang="en-US" sz="1100" kern="1200" dirty="0">
+                          <a:solidFill>
+                            <a:schemeClr val="lt1"/>
+                          </a:solidFill>
+                          <a:effectLst/>
+                          <a:latin typeface="+mn-lt"/>
+                          <a:ea typeface="+mn-ea"/>
+                          <a:cs typeface="+mn-cs"/>
                         </a:rPr>
                         <a:t>2.714397e+09</a:t>
                       </a:r>
@@ -6418,10 +7789,16 @@
                     <a:bodyPr/>
                     <a:lstStyle/>
                     <a:p>
-                      <a:pPr algn="r" fontAlgn="ctr"/>
-                      <a:r>
-                        <a:rPr lang="en-US" sz="1100">
-                          <a:effectLst/>
+                      <a:pPr marL="0" algn="r" defTabSz="914400" rtl="0" eaLnBrk="1" fontAlgn="ctr" latinLnBrk="0" hangingPunct="1"/>
+                      <a:r>
+                        <a:rPr lang="en-US" sz="1100" kern="1200">
+                          <a:solidFill>
+                            <a:schemeClr val="lt1"/>
+                          </a:solidFill>
+                          <a:effectLst/>
+                          <a:latin typeface="+mn-lt"/>
+                          <a:ea typeface="+mn-ea"/>
+                          <a:cs typeface="+mn-cs"/>
                         </a:rPr>
                         <a:t>6.831479e+10</a:t>
                       </a:r>
@@ -6434,10 +7811,16 @@
                     <a:bodyPr/>
                     <a:lstStyle/>
                     <a:p>
-                      <a:pPr algn="r" fontAlgn="ctr"/>
-                      <a:r>
-                        <a:rPr lang="en-US" sz="1100">
-                          <a:effectLst/>
+                      <a:pPr marL="0" algn="r" defTabSz="914400" rtl="0" eaLnBrk="1" fontAlgn="ctr" latinLnBrk="0" hangingPunct="1"/>
+                      <a:r>
+                        <a:rPr lang="en-US" sz="1100" kern="1200">
+                          <a:solidFill>
+                            <a:schemeClr val="lt1"/>
+                          </a:solidFill>
+                          <a:effectLst/>
+                          <a:latin typeface="+mn-lt"/>
+                          <a:ea typeface="+mn-ea"/>
+                          <a:cs typeface="+mn-cs"/>
                         </a:rPr>
                         <a:t>6.494299e+10</a:t>
                       </a:r>
@@ -6450,10 +7833,16 @@
                     <a:bodyPr/>
                     <a:lstStyle/>
                     <a:p>
-                      <a:pPr algn="r" fontAlgn="ctr"/>
-                      <a:r>
-                        <a:rPr lang="en-US" sz="1100">
-                          <a:effectLst/>
+                      <a:pPr marL="0" algn="r" defTabSz="914400" rtl="0" eaLnBrk="1" fontAlgn="ctr" latinLnBrk="0" hangingPunct="1"/>
+                      <a:r>
+                        <a:rPr lang="en-US" sz="1100" kern="1200" dirty="0">
+                          <a:solidFill>
+                            <a:schemeClr val="lt1"/>
+                          </a:solidFill>
+                          <a:effectLst/>
+                          <a:latin typeface="+mn-lt"/>
+                          <a:ea typeface="+mn-ea"/>
+                          <a:cs typeface="+mn-cs"/>
                         </a:rPr>
                         <a:t>6.825102e+10</a:t>
                       </a:r>
@@ -6466,10 +7855,16 @@
                     <a:bodyPr/>
                     <a:lstStyle/>
                     <a:p>
-                      <a:pPr algn="r" fontAlgn="ctr"/>
-                      <a:r>
-                        <a:rPr lang="en-US" sz="1100">
-                          <a:effectLst/>
+                      <a:pPr marL="0" algn="r" defTabSz="914400" rtl="0" eaLnBrk="1" fontAlgn="ctr" latinLnBrk="0" hangingPunct="1"/>
+                      <a:r>
+                        <a:rPr lang="en-US" sz="1100" kern="1200" dirty="0">
+                          <a:solidFill>
+                            <a:schemeClr val="lt1"/>
+                          </a:solidFill>
+                          <a:effectLst/>
+                          <a:latin typeface="+mn-lt"/>
+                          <a:ea typeface="+mn-ea"/>
+                          <a:cs typeface="+mn-cs"/>
                         </a:rPr>
                         <a:t>6.515467e+10</a:t>
                       </a:r>
@@ -6482,10 +7877,16 @@
                     <a:bodyPr/>
                     <a:lstStyle/>
                     <a:p>
-                      <a:pPr algn="r" fontAlgn="ctr"/>
-                      <a:r>
-                        <a:rPr lang="en-US" sz="1100">
-                          <a:effectLst/>
+                      <a:pPr marL="0" algn="r" defTabSz="914400" rtl="0" eaLnBrk="1" fontAlgn="ctr" latinLnBrk="0" hangingPunct="1"/>
+                      <a:r>
+                        <a:rPr lang="en-US" sz="1100" kern="1200">
+                          <a:solidFill>
+                            <a:schemeClr val="lt1"/>
+                          </a:solidFill>
+                          <a:effectLst/>
+                          <a:latin typeface="+mn-lt"/>
+                          <a:ea typeface="+mn-ea"/>
+                          <a:cs typeface="+mn-cs"/>
                         </a:rPr>
                         <a:t>2.479600e+12</a:t>
                       </a:r>
@@ -6498,10 +7899,16 @@
                     <a:bodyPr/>
                     <a:lstStyle/>
                     <a:p>
-                      <a:pPr algn="r" fontAlgn="ctr"/>
-                      <a:r>
-                        <a:rPr lang="en-US" sz="1100">
-                          <a:effectLst/>
+                      <a:pPr marL="0" algn="r" defTabSz="914400" rtl="0" eaLnBrk="1" fontAlgn="ctr" latinLnBrk="0" hangingPunct="1"/>
+                      <a:r>
+                        <a:rPr lang="en-US" sz="1100" kern="1200">
+                          <a:solidFill>
+                            <a:schemeClr val="lt1"/>
+                          </a:solidFill>
+                          <a:effectLst/>
+                          <a:latin typeface="+mn-lt"/>
+                          <a:ea typeface="+mn-ea"/>
+                          <a:cs typeface="+mn-cs"/>
                         </a:rPr>
                         <a:t>4.852877e+10</a:t>
                       </a:r>
@@ -6514,10 +7921,16 @@
                     <a:bodyPr/>
                     <a:lstStyle/>
                     <a:p>
-                      <a:pPr algn="r" fontAlgn="ctr"/>
-                      <a:r>
-                        <a:rPr lang="en-US" sz="1100">
-                          <a:effectLst/>
+                      <a:pPr marL="0" algn="r" defTabSz="914400" rtl="0" eaLnBrk="1" fontAlgn="ctr" latinLnBrk="0" hangingPunct="1"/>
+                      <a:r>
+                        <a:rPr lang="en-US" sz="1100" kern="1200" dirty="0">
+                          <a:solidFill>
+                            <a:schemeClr val="lt1"/>
+                          </a:solidFill>
+                          <a:effectLst/>
+                          <a:latin typeface="+mn-lt"/>
+                          <a:ea typeface="+mn-ea"/>
+                          <a:cs typeface="+mn-cs"/>
                         </a:rPr>
                         <a:t>2.472833e+12</a:t>
                       </a:r>
@@ -6530,10 +7943,16 @@
                     <a:bodyPr/>
                     <a:lstStyle/>
                     <a:p>
-                      <a:pPr algn="r" fontAlgn="ctr"/>
-                      <a:r>
-                        <a:rPr lang="en-US" sz="1100">
-                          <a:effectLst/>
+                      <a:pPr marL="0" algn="r" defTabSz="914400" rtl="0" eaLnBrk="1" fontAlgn="ctr" latinLnBrk="0" hangingPunct="1"/>
+                      <a:r>
+                        <a:rPr lang="en-US" sz="1100" kern="1200" dirty="0">
+                          <a:solidFill>
+                            <a:schemeClr val="lt1"/>
+                          </a:solidFill>
+                          <a:effectLst/>
+                          <a:latin typeface="+mn-lt"/>
+                          <a:ea typeface="+mn-ea"/>
+                          <a:cs typeface="+mn-cs"/>
                         </a:rPr>
                         <a:t>4.907724e+10</a:t>
                       </a:r>
@@ -6546,10 +7965,16 @@
                     <a:bodyPr/>
                     <a:lstStyle/>
                     <a:p>
-                      <a:pPr algn="r" fontAlgn="ctr"/>
-                      <a:r>
-                        <a:rPr lang="en-US" sz="1100">
-                          <a:effectLst/>
+                      <a:pPr marL="0" algn="r" defTabSz="914400" rtl="0" eaLnBrk="1" fontAlgn="ctr" latinLnBrk="0" hangingPunct="1"/>
+                      <a:r>
+                        <a:rPr lang="en-US" sz="1100" kern="1200" dirty="0">
+                          <a:solidFill>
+                            <a:schemeClr val="lt1"/>
+                          </a:solidFill>
+                          <a:effectLst/>
+                          <a:latin typeface="+mn-lt"/>
+                          <a:ea typeface="+mn-ea"/>
+                          <a:cs typeface="+mn-cs"/>
                         </a:rPr>
                         <a:t>1.859336e+06</a:t>
                       </a:r>
@@ -6562,10 +7987,16 @@
                     <a:bodyPr/>
                     <a:lstStyle/>
                     <a:p>
-                      <a:pPr algn="r" fontAlgn="ctr"/>
-                      <a:r>
-                        <a:rPr lang="en-US" sz="1100">
-                          <a:effectLst/>
+                      <a:pPr marL="0" algn="r" defTabSz="914400" rtl="0" eaLnBrk="1" fontAlgn="ctr" latinLnBrk="0" hangingPunct="1"/>
+                      <a:r>
+                        <a:rPr lang="en-US" sz="1100" kern="1200">
+                          <a:solidFill>
+                            <a:schemeClr val="lt1"/>
+                          </a:solidFill>
+                          <a:effectLst/>
+                          <a:latin typeface="+mn-lt"/>
+                          <a:ea typeface="+mn-ea"/>
+                          <a:cs typeface="+mn-cs"/>
                         </a:rPr>
                         <a:t>7.833131e+07</a:t>
                       </a:r>
@@ -6578,10 +8009,16 @@
                     <a:bodyPr/>
                     <a:lstStyle/>
                     <a:p>
-                      <a:pPr algn="r" fontAlgn="ctr"/>
-                      <a:r>
-                        <a:rPr lang="en-US" sz="1100" dirty="0">
-                          <a:effectLst/>
+                      <a:pPr marL="0" algn="r" defTabSz="914400" rtl="0" eaLnBrk="1" fontAlgn="ctr" latinLnBrk="0" hangingPunct="1"/>
+                      <a:r>
+                        <a:rPr lang="en-US" sz="1100" kern="1200" dirty="0">
+                          <a:solidFill>
+                            <a:schemeClr val="lt1"/>
+                          </a:solidFill>
+                          <a:effectLst/>
+                          <a:latin typeface="+mn-lt"/>
+                          <a:ea typeface="+mn-ea"/>
+                          <a:cs typeface="+mn-cs"/>
                         </a:rPr>
                         <a:t>2.671258e+12</a:t>
                       </a:r>
@@ -6599,6 +8036,670 @@
           </a:graphicData>
         </a:graphic>
       </p:graphicFrame>
+      <p:graphicFrame>
+        <p:nvGraphicFramePr>
+          <p:cNvPr id="5" name="Table 4">
+            <a:extLst>
+              <a:ext uri="{FF2B5EF4-FFF2-40B4-BE49-F238E27FC236}">
+                <a16:creationId xmlns:a16="http://schemas.microsoft.com/office/drawing/2014/main" id="{9FA583FF-9220-4508-A401-489FF2AFBE0C}"/>
+              </a:ext>
+            </a:extLst>
+          </p:cNvPr>
+          <p:cNvGraphicFramePr>
+            <a:graphicFrameLocks noGrp="1"/>
+          </p:cNvGraphicFramePr>
+          <p:nvPr>
+            <p:extLst>
+              <p:ext uri="{D42A27DB-BD31-4B8C-83A1-F6EECF244321}">
+                <p14:modId xmlns:p14="http://schemas.microsoft.com/office/powerpoint/2010/main" val="3347783241"/>
+              </p:ext>
+            </p:extLst>
+          </p:nvPr>
+        </p:nvGraphicFramePr>
+        <p:xfrm>
+          <a:off x="312821" y="1448225"/>
+          <a:ext cx="11622494" cy="1035663"/>
+        </p:xfrm>
+        <a:graphic>
+          <a:graphicData uri="http://schemas.openxmlformats.org/drawingml/2006/table">
+            <a:tbl>
+              <a:tblPr>
+                <a:tableStyleId>{D113A9D2-9D6B-4929-AA2D-F23B5EE8CBE7}</a:tableStyleId>
+              </a:tblPr>
+              <a:tblGrid>
+                <a:gridCol w="633007">
+                  <a:extLst>
+                    <a:ext uri="{9D8B030D-6E8A-4147-A177-3AD203B41FA5}">
+                      <a16:colId xmlns:a16="http://schemas.microsoft.com/office/drawing/2014/main" val="3072725680"/>
+                    </a:ext>
+                  </a:extLst>
+                </a:gridCol>
+                <a:gridCol w="633007">
+                  <a:extLst>
+                    <a:ext uri="{9D8B030D-6E8A-4147-A177-3AD203B41FA5}">
+                      <a16:colId xmlns:a16="http://schemas.microsoft.com/office/drawing/2014/main" val="2043854602"/>
+                    </a:ext>
+                  </a:extLst>
+                </a:gridCol>
+                <a:gridCol w="620995">
+                  <a:extLst>
+                    <a:ext uri="{9D8B030D-6E8A-4147-A177-3AD203B41FA5}">
+                      <a16:colId xmlns:a16="http://schemas.microsoft.com/office/drawing/2014/main" val="1042222064"/>
+                    </a:ext>
+                  </a:extLst>
+                </a:gridCol>
+                <a:gridCol w="645020">
+                  <a:extLst>
+                    <a:ext uri="{9D8B030D-6E8A-4147-A177-3AD203B41FA5}">
+                      <a16:colId xmlns:a16="http://schemas.microsoft.com/office/drawing/2014/main" val="3046818399"/>
+                    </a:ext>
+                  </a:extLst>
+                </a:gridCol>
+                <a:gridCol w="633007">
+                  <a:extLst>
+                    <a:ext uri="{9D8B030D-6E8A-4147-A177-3AD203B41FA5}">
+                      <a16:colId xmlns:a16="http://schemas.microsoft.com/office/drawing/2014/main" val="3764645604"/>
+                    </a:ext>
+                  </a:extLst>
+                </a:gridCol>
+                <a:gridCol w="633007">
+                  <a:extLst>
+                    <a:ext uri="{9D8B030D-6E8A-4147-A177-3AD203B41FA5}">
+                      <a16:colId xmlns:a16="http://schemas.microsoft.com/office/drawing/2014/main" val="3225139457"/>
+                    </a:ext>
+                  </a:extLst>
+                </a:gridCol>
+                <a:gridCol w="633007">
+                  <a:extLst>
+                    <a:ext uri="{9D8B030D-6E8A-4147-A177-3AD203B41FA5}">
+                      <a16:colId xmlns:a16="http://schemas.microsoft.com/office/drawing/2014/main" val="3950903827"/>
+                    </a:ext>
+                  </a:extLst>
+                </a:gridCol>
+                <a:gridCol w="633007">
+                  <a:extLst>
+                    <a:ext uri="{9D8B030D-6E8A-4147-A177-3AD203B41FA5}">
+                      <a16:colId xmlns:a16="http://schemas.microsoft.com/office/drawing/2014/main" val="2130207703"/>
+                    </a:ext>
+                  </a:extLst>
+                </a:gridCol>
+                <a:gridCol w="633007">
+                  <a:extLst>
+                    <a:ext uri="{9D8B030D-6E8A-4147-A177-3AD203B41FA5}">
+                      <a16:colId xmlns:a16="http://schemas.microsoft.com/office/drawing/2014/main" val="2898096952"/>
+                    </a:ext>
+                  </a:extLst>
+                </a:gridCol>
+                <a:gridCol w="633007">
+                  <a:extLst>
+                    <a:ext uri="{9D8B030D-6E8A-4147-A177-3AD203B41FA5}">
+                      <a16:colId xmlns:a16="http://schemas.microsoft.com/office/drawing/2014/main" val="2818145997"/>
+                    </a:ext>
+                  </a:extLst>
+                </a:gridCol>
+                <a:gridCol w="633007">
+                  <a:extLst>
+                    <a:ext uri="{9D8B030D-6E8A-4147-A177-3AD203B41FA5}">
+                      <a16:colId xmlns:a16="http://schemas.microsoft.com/office/drawing/2014/main" val="3284476562"/>
+                    </a:ext>
+                  </a:extLst>
+                </a:gridCol>
+                <a:gridCol w="633007">
+                  <a:extLst>
+                    <a:ext uri="{9D8B030D-6E8A-4147-A177-3AD203B41FA5}">
+                      <a16:colId xmlns:a16="http://schemas.microsoft.com/office/drawing/2014/main" val="4267975484"/>
+                    </a:ext>
+                  </a:extLst>
+                </a:gridCol>
+                <a:gridCol w="633007">
+                  <a:extLst>
+                    <a:ext uri="{9D8B030D-6E8A-4147-A177-3AD203B41FA5}">
+                      <a16:colId xmlns:a16="http://schemas.microsoft.com/office/drawing/2014/main" val="535491836"/>
+                    </a:ext>
+                  </a:extLst>
+                </a:gridCol>
+                <a:gridCol w="633007">
+                  <a:extLst>
+                    <a:ext uri="{9D8B030D-6E8A-4147-A177-3AD203B41FA5}">
+                      <a16:colId xmlns:a16="http://schemas.microsoft.com/office/drawing/2014/main" val="365146347"/>
+                    </a:ext>
+                  </a:extLst>
+                </a:gridCol>
+                <a:gridCol w="633007">
+                  <a:extLst>
+                    <a:ext uri="{9D8B030D-6E8A-4147-A177-3AD203B41FA5}">
+                      <a16:colId xmlns:a16="http://schemas.microsoft.com/office/drawing/2014/main" val="1618713650"/>
+                    </a:ext>
+                  </a:extLst>
+                </a:gridCol>
+                <a:gridCol w="633007">
+                  <a:extLst>
+                    <a:ext uri="{9D8B030D-6E8A-4147-A177-3AD203B41FA5}">
+                      <a16:colId xmlns:a16="http://schemas.microsoft.com/office/drawing/2014/main" val="481903566"/>
+                    </a:ext>
+                  </a:extLst>
+                </a:gridCol>
+                <a:gridCol w="633007">
+                  <a:extLst>
+                    <a:ext uri="{9D8B030D-6E8A-4147-A177-3AD203B41FA5}">
+                      <a16:colId xmlns:a16="http://schemas.microsoft.com/office/drawing/2014/main" val="436411688"/>
+                    </a:ext>
+                  </a:extLst>
+                </a:gridCol>
+                <a:gridCol w="861374">
+                  <a:extLst>
+                    <a:ext uri="{9D8B030D-6E8A-4147-A177-3AD203B41FA5}">
+                      <a16:colId xmlns:a16="http://schemas.microsoft.com/office/drawing/2014/main" val="559418917"/>
+                    </a:ext>
+                  </a:extLst>
+                </a:gridCol>
+              </a:tblGrid>
+              <a:tr h="1035663">
+                <a:tc>
+                  <a:txBody>
+                    <a:bodyPr/>
+                    <a:lstStyle/>
+                    <a:p>
+                      <a:pPr algn="r" fontAlgn="ctr"/>
+                      <a:br>
+                        <a:rPr lang="en-US" sz="1100" dirty="0">
+                          <a:effectLst/>
+                        </a:rPr>
+                      </a:br>
+                      <a:r>
+                        <a:rPr lang="en-US" sz="1100" dirty="0">
+                          <a:effectLst/>
+                        </a:rPr>
+                        <a:t>Social Media DL (Bytes)</a:t>
+                      </a:r>
+                      <a:endParaRPr lang="en-US" sz="1100" b="1" dirty="0">
+                        <a:effectLst/>
+                      </a:endParaRPr>
+                    </a:p>
+                  </a:txBody>
+                  <a:tcPr marL="33731" marR="33731" marT="16866" marB="16866" anchor="ctr"/>
+                </a:tc>
+                <a:tc>
+                  <a:txBody>
+                    <a:bodyPr/>
+                    <a:lstStyle/>
+                    <a:p>
+                      <a:pPr algn="r" fontAlgn="ctr"/>
+                      <a:r>
+                        <a:rPr lang="en-US" sz="1100" dirty="0">
+                          <a:effectLst/>
+                        </a:rPr>
+                        <a:t>Social Media UL (Bytes)</a:t>
+                      </a:r>
+                      <a:endParaRPr lang="en-US" sz="1100" b="1" dirty="0">
+                        <a:effectLst/>
+                      </a:endParaRPr>
+                    </a:p>
+                  </a:txBody>
+                  <a:tcPr marL="33731" marR="33731" marT="16866" marB="16866" anchor="ctr"/>
+                </a:tc>
+                <a:tc>
+                  <a:txBody>
+                    <a:bodyPr/>
+                    <a:lstStyle/>
+                    <a:p>
+                      <a:pPr algn="r" fontAlgn="ctr"/>
+                      <a:r>
+                        <a:rPr lang="en-US" sz="1100" dirty="0">
+                          <a:effectLst/>
+                        </a:rPr>
+                        <a:t>Google DL (Bytes)</a:t>
+                      </a:r>
+                      <a:endParaRPr lang="en-US" sz="1100" b="1" dirty="0">
+                        <a:effectLst/>
+                      </a:endParaRPr>
+                    </a:p>
+                  </a:txBody>
+                  <a:tcPr marL="33731" marR="33731" marT="16866" marB="16866" anchor="ctr"/>
+                </a:tc>
+                <a:tc>
+                  <a:txBody>
+                    <a:bodyPr/>
+                    <a:lstStyle/>
+                    <a:p>
+                      <a:pPr algn="r" fontAlgn="ctr"/>
+                      <a:r>
+                        <a:rPr lang="en-US" sz="1100" dirty="0">
+                          <a:effectLst/>
+                        </a:rPr>
+                        <a:t>Google UL (Bytes)</a:t>
+                      </a:r>
+                      <a:endParaRPr lang="en-US" sz="1100" b="1" dirty="0">
+                        <a:effectLst/>
+                      </a:endParaRPr>
+                    </a:p>
+                  </a:txBody>
+                  <a:tcPr marL="33731" marR="33731" marT="16866" marB="16866" anchor="ctr"/>
+                </a:tc>
+                <a:tc>
+                  <a:txBody>
+                    <a:bodyPr/>
+                    <a:lstStyle/>
+                    <a:p>
+                      <a:pPr algn="r" fontAlgn="ctr"/>
+                      <a:r>
+                        <a:rPr lang="en-US" sz="1100" dirty="0">
+                          <a:effectLst/>
+                        </a:rPr>
+                        <a:t>Email DL (Bytes)</a:t>
+                      </a:r>
+                      <a:endParaRPr lang="en-US" sz="1100" b="1" dirty="0">
+                        <a:effectLst/>
+                      </a:endParaRPr>
+                    </a:p>
+                  </a:txBody>
+                  <a:tcPr marL="33731" marR="33731" marT="16866" marB="16866" anchor="ctr"/>
+                </a:tc>
+                <a:tc>
+                  <a:txBody>
+                    <a:bodyPr/>
+                    <a:lstStyle/>
+                    <a:p>
+                      <a:pPr algn="r" fontAlgn="ctr"/>
+                      <a:r>
+                        <a:rPr lang="en-US" sz="1100">
+                          <a:effectLst/>
+                        </a:rPr>
+                        <a:t>Email UL (Bytes)</a:t>
+                      </a:r>
+                      <a:endParaRPr lang="en-US" sz="1100" b="1">
+                        <a:effectLst/>
+                      </a:endParaRPr>
+                    </a:p>
+                  </a:txBody>
+                  <a:tcPr marL="33731" marR="33731" marT="16866" marB="16866" anchor="ctr"/>
+                </a:tc>
+                <a:tc>
+                  <a:txBody>
+                    <a:bodyPr/>
+                    <a:lstStyle/>
+                    <a:p>
+                      <a:pPr algn="r" fontAlgn="ctr"/>
+                      <a:r>
+                        <a:rPr lang="en-US" sz="1100" dirty="0" err="1">
+                          <a:effectLst/>
+                        </a:rPr>
+                        <a:t>Youtube</a:t>
+                      </a:r>
+                      <a:r>
+                        <a:rPr lang="en-US" sz="1100" dirty="0">
+                          <a:effectLst/>
+                        </a:rPr>
+                        <a:t> DL (Bytes)</a:t>
+                      </a:r>
+                      <a:endParaRPr lang="en-US" sz="1100" b="1" dirty="0">
+                        <a:effectLst/>
+                      </a:endParaRPr>
+                    </a:p>
+                  </a:txBody>
+                  <a:tcPr marL="33731" marR="33731" marT="16866" marB="16866" anchor="ctr"/>
+                </a:tc>
+                <a:tc>
+                  <a:txBody>
+                    <a:bodyPr/>
+                    <a:lstStyle/>
+                    <a:p>
+                      <a:pPr algn="r" fontAlgn="ctr"/>
+                      <a:r>
+                        <a:rPr lang="en-US" sz="1100">
+                          <a:effectLst/>
+                        </a:rPr>
+                        <a:t>Youtube UL (Bytes)</a:t>
+                      </a:r>
+                      <a:endParaRPr lang="en-US" sz="1100" b="1">
+                        <a:effectLst/>
+                      </a:endParaRPr>
+                    </a:p>
+                  </a:txBody>
+                  <a:tcPr marL="33731" marR="33731" marT="16866" marB="16866" anchor="ctr"/>
+                </a:tc>
+                <a:tc>
+                  <a:txBody>
+                    <a:bodyPr/>
+                    <a:lstStyle/>
+                    <a:p>
+                      <a:pPr algn="r" fontAlgn="ctr"/>
+                      <a:r>
+                        <a:rPr lang="en-US" sz="1100">
+                          <a:effectLst/>
+                        </a:rPr>
+                        <a:t>Netflix DL (Bytes)</a:t>
+                      </a:r>
+                      <a:endParaRPr lang="en-US" sz="1100" b="1">
+                        <a:effectLst/>
+                      </a:endParaRPr>
+                    </a:p>
+                  </a:txBody>
+                  <a:tcPr marL="33731" marR="33731" marT="16866" marB="16866" anchor="ctr"/>
+                </a:tc>
+                <a:tc>
+                  <a:txBody>
+                    <a:bodyPr/>
+                    <a:lstStyle/>
+                    <a:p>
+                      <a:pPr algn="r" fontAlgn="ctr"/>
+                      <a:r>
+                        <a:rPr lang="en-US" sz="1100">
+                          <a:effectLst/>
+                        </a:rPr>
+                        <a:t>Netflix UL (Bytes)</a:t>
+                      </a:r>
+                      <a:endParaRPr lang="en-US" sz="1100" b="1">
+                        <a:effectLst/>
+                      </a:endParaRPr>
+                    </a:p>
+                  </a:txBody>
+                  <a:tcPr marL="33731" marR="33731" marT="16866" marB="16866" anchor="ctr"/>
+                </a:tc>
+                <a:tc>
+                  <a:txBody>
+                    <a:bodyPr/>
+                    <a:lstStyle/>
+                    <a:p>
+                      <a:pPr algn="r" fontAlgn="ctr"/>
+                      <a:r>
+                        <a:rPr lang="en-US" sz="1100">
+                          <a:effectLst/>
+                        </a:rPr>
+                        <a:t>Gaming DL (Bytes)</a:t>
+                      </a:r>
+                      <a:endParaRPr lang="en-US" sz="1100" b="1">
+                        <a:effectLst/>
+                      </a:endParaRPr>
+                    </a:p>
+                  </a:txBody>
+                  <a:tcPr marL="33731" marR="33731" marT="16866" marB="16866" anchor="ctr"/>
+                </a:tc>
+                <a:tc>
+                  <a:txBody>
+                    <a:bodyPr/>
+                    <a:lstStyle/>
+                    <a:p>
+                      <a:pPr algn="r" fontAlgn="ctr"/>
+                      <a:r>
+                        <a:rPr lang="en-US" sz="1100">
+                          <a:effectLst/>
+                        </a:rPr>
+                        <a:t>Gaming UL (Bytes)</a:t>
+                      </a:r>
+                      <a:endParaRPr lang="en-US" sz="1100" b="1">
+                        <a:effectLst/>
+                      </a:endParaRPr>
+                    </a:p>
+                  </a:txBody>
+                  <a:tcPr marL="33731" marR="33731" marT="16866" marB="16866" anchor="ctr"/>
+                </a:tc>
+                <a:tc>
+                  <a:txBody>
+                    <a:bodyPr/>
+                    <a:lstStyle/>
+                    <a:p>
+                      <a:pPr algn="r" fontAlgn="ctr"/>
+                      <a:r>
+                        <a:rPr lang="en-US" sz="1100" dirty="0">
+                          <a:effectLst/>
+                        </a:rPr>
+                        <a:t>Other DL (Bytes)</a:t>
+                      </a:r>
+                      <a:endParaRPr lang="en-US" sz="1100" b="1" dirty="0">
+                        <a:effectLst/>
+                      </a:endParaRPr>
+                    </a:p>
+                  </a:txBody>
+                  <a:tcPr marL="33731" marR="33731" marT="16866" marB="16866" anchor="ctr"/>
+                </a:tc>
+                <a:tc>
+                  <a:txBody>
+                    <a:bodyPr/>
+                    <a:lstStyle/>
+                    <a:p>
+                      <a:pPr algn="r" fontAlgn="ctr"/>
+                      <a:r>
+                        <a:rPr lang="en-US" sz="1100">
+                          <a:effectLst/>
+                        </a:rPr>
+                        <a:t>Other UL (Bytes)</a:t>
+                      </a:r>
+                      <a:endParaRPr lang="en-US" sz="1100" b="1">
+                        <a:effectLst/>
+                      </a:endParaRPr>
+                    </a:p>
+                  </a:txBody>
+                  <a:tcPr marL="33731" marR="33731" marT="16866" marB="16866" anchor="ctr"/>
+                </a:tc>
+                <a:tc>
+                  <a:txBody>
+                    <a:bodyPr/>
+                    <a:lstStyle/>
+                    <a:p>
+                      <a:pPr algn="r" fontAlgn="ctr"/>
+                      <a:r>
+                        <a:rPr lang="en-US" sz="1100">
+                          <a:effectLst/>
+                        </a:rPr>
+                        <a:t>Dur. (ms)</a:t>
+                      </a:r>
+                      <a:endParaRPr lang="en-US" sz="1100" b="1">
+                        <a:effectLst/>
+                      </a:endParaRPr>
+                    </a:p>
+                  </a:txBody>
+                  <a:tcPr marL="33731" marR="33731" marT="16866" marB="16866" anchor="ctr"/>
+                </a:tc>
+                <a:tc>
+                  <a:txBody>
+                    <a:bodyPr/>
+                    <a:lstStyle/>
+                    <a:p>
+                      <a:pPr algn="r" fontAlgn="ctr"/>
+                      <a:r>
+                        <a:rPr lang="en-US" sz="1100">
+                          <a:effectLst/>
+                        </a:rPr>
+                        <a:t>Total UL (Bytes)</a:t>
+                      </a:r>
+                      <a:endParaRPr lang="en-US" sz="1100" b="1">
+                        <a:effectLst/>
+                      </a:endParaRPr>
+                    </a:p>
+                  </a:txBody>
+                  <a:tcPr marL="33731" marR="33731" marT="16866" marB="16866" anchor="ctr"/>
+                </a:tc>
+                <a:tc>
+                  <a:txBody>
+                    <a:bodyPr/>
+                    <a:lstStyle/>
+                    <a:p>
+                      <a:pPr algn="r" fontAlgn="ctr"/>
+                      <a:r>
+                        <a:rPr lang="en-US" sz="1100" dirty="0">
+                          <a:effectLst/>
+                        </a:rPr>
+                        <a:t>Total DL (Bytes)</a:t>
+                      </a:r>
+                      <a:endParaRPr lang="en-US" sz="1100" b="1" dirty="0">
+                        <a:effectLst/>
+                      </a:endParaRPr>
+                    </a:p>
+                  </a:txBody>
+                  <a:tcPr marL="33731" marR="33731" marT="16866" marB="16866" anchor="ctr"/>
+                </a:tc>
+                <a:tc>
+                  <a:txBody>
+                    <a:bodyPr/>
+                    <a:lstStyle/>
+                    <a:p>
+                      <a:endParaRPr lang="en-US" sz="1100" dirty="0"/>
+                    </a:p>
+                  </a:txBody>
+                  <a:tcPr marL="33731" marR="33731" marT="16866" marB="16866"/>
+                </a:tc>
+                <a:extLst>
+                  <a:ext uri="{0D108BD9-81ED-4DB2-BD59-A6C34878D82A}">
+                    <a16:rowId xmlns:a16="http://schemas.microsoft.com/office/drawing/2014/main" val="3336814319"/>
+                  </a:ext>
+                </a:extLst>
+              </a:tr>
+            </a:tbl>
+          </a:graphicData>
+        </a:graphic>
+      </p:graphicFrame>
+      <p:cxnSp>
+        <p:nvCxnSpPr>
+          <p:cNvPr id="6" name="Straight Connector 5">
+            <a:extLst>
+              <a:ext uri="{FF2B5EF4-FFF2-40B4-BE49-F238E27FC236}">
+                <a16:creationId xmlns:a16="http://schemas.microsoft.com/office/drawing/2014/main" id="{2C38D274-3DDF-4B23-8CEC-FE1B4905A106}"/>
+              </a:ext>
+            </a:extLst>
+          </p:cNvPr>
+          <p:cNvCxnSpPr>
+            <a:cxnSpLocks/>
+          </p:cNvCxnSpPr>
+          <p:nvPr/>
+        </p:nvCxnSpPr>
+        <p:spPr>
+          <a:xfrm>
+            <a:off x="290133" y="2525013"/>
+            <a:ext cx="11645180" cy="0"/>
+          </a:xfrm>
+          <a:prstGeom prst="line">
+            <a:avLst/>
+          </a:prstGeom>
+          <a:ln w="44450" cmpd="sng"/>
+        </p:spPr>
+        <p:style>
+          <a:lnRef idx="1">
+            <a:schemeClr val="dk1"/>
+          </a:lnRef>
+          <a:fillRef idx="0">
+            <a:schemeClr val="dk1"/>
+          </a:fillRef>
+          <a:effectRef idx="0">
+            <a:schemeClr val="dk1"/>
+          </a:effectRef>
+          <a:fontRef idx="minor">
+            <a:schemeClr val="tx1"/>
+          </a:fontRef>
+        </p:style>
+      </p:cxnSp>
+      <p:cxnSp>
+        <p:nvCxnSpPr>
+          <p:cNvPr id="9" name="Straight Connector 8">
+            <a:extLst>
+              <a:ext uri="{FF2B5EF4-FFF2-40B4-BE49-F238E27FC236}">
+                <a16:creationId xmlns:a16="http://schemas.microsoft.com/office/drawing/2014/main" id="{CB1103A1-276F-4B89-BEA8-CFF56E5A2DCC}"/>
+              </a:ext>
+            </a:extLst>
+          </p:cNvPr>
+          <p:cNvCxnSpPr>
+            <a:cxnSpLocks/>
+          </p:cNvCxnSpPr>
+          <p:nvPr/>
+        </p:nvCxnSpPr>
+        <p:spPr>
+          <a:xfrm>
+            <a:off x="982639" y="2483888"/>
+            <a:ext cx="0" cy="3996106"/>
+          </a:xfrm>
+          <a:prstGeom prst="line">
+            <a:avLst/>
+          </a:prstGeom>
+          <a:ln w="25400"/>
+        </p:spPr>
+        <p:style>
+          <a:lnRef idx="1">
+            <a:schemeClr val="dk1"/>
+          </a:lnRef>
+          <a:fillRef idx="0">
+            <a:schemeClr val="dk1"/>
+          </a:fillRef>
+          <a:effectRef idx="0">
+            <a:schemeClr val="dk1"/>
+          </a:effectRef>
+          <a:fontRef idx="minor">
+            <a:schemeClr val="tx1"/>
+          </a:fontRef>
+        </p:style>
+      </p:cxnSp>
+      <p:sp>
+        <p:nvSpPr>
+          <p:cNvPr id="11" name="Rectangle 10">
+            <a:extLst>
+              <a:ext uri="{FF2B5EF4-FFF2-40B4-BE49-F238E27FC236}">
+                <a16:creationId xmlns:a16="http://schemas.microsoft.com/office/drawing/2014/main" id="{ECAF0DD7-5DC5-440A-8F13-08CDA1161BB0}"/>
+              </a:ext>
+            </a:extLst>
+          </p:cNvPr>
+          <p:cNvSpPr/>
+          <p:nvPr/>
+        </p:nvSpPr>
+        <p:spPr>
+          <a:xfrm>
+            <a:off x="1179468" y="542378"/>
+            <a:ext cx="10187918" cy="923330"/>
+          </a:xfrm>
+          <a:prstGeom prst="rect">
+            <a:avLst/>
+          </a:prstGeom>
+          <a:noFill/>
+        </p:spPr>
+        <p:txBody>
+          <a:bodyPr wrap="none" lIns="91440" tIns="45720" rIns="91440" bIns="45720">
+            <a:spAutoFit/>
+          </a:bodyPr>
+          <a:lstStyle/>
+          <a:p>
+            <a:pPr algn="ctr"/>
+            <a:r>
+              <a:rPr lang="en-US" sz="5400" b="1" dirty="0">
+                <a:ln w="9525">
+                  <a:solidFill>
+                    <a:schemeClr val="bg1"/>
+                  </a:solidFill>
+                  <a:prstDash val="solid"/>
+                </a:ln>
+                <a:solidFill>
+                  <a:schemeClr val="accent5"/>
+                </a:solidFill>
+                <a:effectLst>
+                  <a:outerShdw blurRad="12700" dist="38100" dir="2700000" algn="tl" rotWithShape="0">
+                    <a:schemeClr val="accent5">
+                      <a:lumMod val="60000"/>
+                      <a:lumOff val="40000"/>
+                    </a:schemeClr>
+                  </a:outerShdw>
+                </a:effectLst>
+              </a:rPr>
+              <a:t>Median, Interquartile range &amp; Max</a:t>
+            </a:r>
+            <a:endParaRPr lang="en-US" sz="5400" b="1" cap="none" spc="0" dirty="0">
+              <a:ln w="9525">
+                <a:solidFill>
+                  <a:schemeClr val="bg1"/>
+                </a:solidFill>
+                <a:prstDash val="solid"/>
+              </a:ln>
+              <a:solidFill>
+                <a:schemeClr val="accent5"/>
+              </a:solidFill>
+              <a:effectLst>
+                <a:outerShdw blurRad="12700" dist="38100" dir="2700000" algn="tl" rotWithShape="0">
+                  <a:schemeClr val="accent5">
+                    <a:lumMod val="60000"/>
+                    <a:lumOff val="40000"/>
+                  </a:schemeClr>
+                </a:outerShdw>
+              </a:effectLst>
+            </a:endParaRPr>
+          </a:p>
+        </p:txBody>
+      </p:sp>
     </p:spTree>
     <p:extLst>
       <p:ext uri="{BB962C8B-B14F-4D97-AF65-F5344CB8AC3E}">
@@ -6629,12 +8730,42 @@
           <a:chExt cx="0" cy="0"/>
         </a:xfrm>
       </p:grpSpPr>
+    </p:spTree>
+    <p:extLst>
+      <p:ext uri="{BB962C8B-B14F-4D97-AF65-F5344CB8AC3E}">
+        <p14:creationId xmlns:p14="http://schemas.microsoft.com/office/powerpoint/2010/main" val="1569288239"/>
+      </p:ext>
+    </p:extLst>
+  </p:cSld>
+  <p:clrMapOvr>
+    <a:masterClrMapping/>
+  </p:clrMapOvr>
+</p:sld>
+</file>
+
+<file path=ppt/slides/slide5.xml><?xml version="1.0" encoding="utf-8"?>
+<p:sld xmlns:a="http://schemas.openxmlformats.org/drawingml/2006/main" xmlns:r="http://schemas.openxmlformats.org/officeDocument/2006/relationships" xmlns:p="http://schemas.openxmlformats.org/presentationml/2006/main">
+  <p:cSld>
+    <p:spTree>
+      <p:nvGrpSpPr>
+        <p:cNvPr id="1" name=""/>
+        <p:cNvGrpSpPr/>
+        <p:nvPr/>
+      </p:nvGrpSpPr>
+      <p:grpSpPr>
+        <a:xfrm>
+          <a:off x="0" y="0"/>
+          <a:ext cx="0" cy="0"/>
+          <a:chOff x="0" y="0"/>
+          <a:chExt cx="0" cy="0"/>
+        </a:xfrm>
+      </p:grpSpPr>
       <p:sp>
         <p:nvSpPr>
           <p:cNvPr id="2" name="Title 1">
             <a:extLst>
               <a:ext uri="{FF2B5EF4-FFF2-40B4-BE49-F238E27FC236}">
-                <a16:creationId xmlns:a16="http://schemas.microsoft.com/office/drawing/2014/main" id="{311B63D5-8B44-4AE6-8F2D-8C8083F8ABE3}"/>
+                <a16:creationId xmlns:a16="http://schemas.microsoft.com/office/drawing/2014/main" id="{79F69B72-F192-4F70-AFD1-0334E0F04138}"/>
               </a:ext>
             </a:extLst>
           </p:cNvPr>
@@ -6659,7 +8790,7 @@
           <p:cNvPr id="3" name="Content Placeholder 2">
             <a:extLst>
               <a:ext uri="{FF2B5EF4-FFF2-40B4-BE49-F238E27FC236}">
-                <a16:creationId xmlns:a16="http://schemas.microsoft.com/office/drawing/2014/main" id="{F66A9BB6-2A79-4A7D-98B6-A24C80B59AD1}"/>
+                <a16:creationId xmlns:a16="http://schemas.microsoft.com/office/drawing/2014/main" id="{785CDF9C-0668-44D0-AD35-F647CC7C3D30}"/>
               </a:ext>
             </a:extLst>
           </p:cNvPr>
@@ -6682,7 +8813,297 @@
     </p:spTree>
     <p:extLst>
       <p:ext uri="{BB962C8B-B14F-4D97-AF65-F5344CB8AC3E}">
-        <p14:creationId xmlns:p14="http://schemas.microsoft.com/office/powerpoint/2010/main" val="1569288239"/>
+        <p14:creationId xmlns:p14="http://schemas.microsoft.com/office/powerpoint/2010/main" val="4022101644"/>
+      </p:ext>
+    </p:extLst>
+  </p:cSld>
+  <p:clrMapOvr>
+    <a:masterClrMapping/>
+  </p:clrMapOvr>
+</p:sld>
+</file>
+
+<file path=ppt/slides/slide6.xml><?xml version="1.0" encoding="utf-8"?>
+<p:sld xmlns:a="http://schemas.openxmlformats.org/drawingml/2006/main" xmlns:r="http://schemas.openxmlformats.org/officeDocument/2006/relationships" xmlns:p="http://schemas.openxmlformats.org/presentationml/2006/main">
+  <p:cSld>
+    <p:spTree>
+      <p:nvGrpSpPr>
+        <p:cNvPr id="1" name=""/>
+        <p:cNvGrpSpPr/>
+        <p:nvPr/>
+      </p:nvGrpSpPr>
+      <p:grpSpPr>
+        <a:xfrm>
+          <a:off x="0" y="0"/>
+          <a:ext cx="0" cy="0"/>
+          <a:chOff x="0" y="0"/>
+          <a:chExt cx="0" cy="0"/>
+        </a:xfrm>
+      </p:grpSpPr>
+      <p:sp>
+        <p:nvSpPr>
+          <p:cNvPr id="2" name="Title 1">
+            <a:extLst>
+              <a:ext uri="{FF2B5EF4-FFF2-40B4-BE49-F238E27FC236}">
+                <a16:creationId xmlns:a16="http://schemas.microsoft.com/office/drawing/2014/main" id="{F028EE44-855F-4676-8A12-8651EC1A9362}"/>
+              </a:ext>
+            </a:extLst>
+          </p:cNvPr>
+          <p:cNvSpPr>
+            <a:spLocks noGrp="1"/>
+          </p:cNvSpPr>
+          <p:nvPr>
+            <p:ph type="title"/>
+          </p:nvPr>
+        </p:nvSpPr>
+        <p:spPr/>
+        <p:txBody>
+          <a:bodyPr/>
+          <a:lstStyle/>
+          <a:p>
+            <a:endParaRPr lang="en-US"/>
+          </a:p>
+        </p:txBody>
+      </p:sp>
+      <p:sp>
+        <p:nvSpPr>
+          <p:cNvPr id="3" name="Content Placeholder 2">
+            <a:extLst>
+              <a:ext uri="{FF2B5EF4-FFF2-40B4-BE49-F238E27FC236}">
+                <a16:creationId xmlns:a16="http://schemas.microsoft.com/office/drawing/2014/main" id="{D24FB496-4A87-4ED8-A599-1083AC3E2BEE}"/>
+              </a:ext>
+            </a:extLst>
+          </p:cNvPr>
+          <p:cNvSpPr>
+            <a:spLocks noGrp="1"/>
+          </p:cNvSpPr>
+          <p:nvPr>
+            <p:ph idx="1"/>
+          </p:nvPr>
+        </p:nvSpPr>
+        <p:spPr/>
+        <p:txBody>
+          <a:bodyPr/>
+          <a:lstStyle/>
+          <a:p>
+            <a:endParaRPr lang="en-US"/>
+          </a:p>
+        </p:txBody>
+      </p:sp>
+    </p:spTree>
+    <p:extLst>
+      <p:ext uri="{BB962C8B-B14F-4D97-AF65-F5344CB8AC3E}">
+        <p14:creationId xmlns:p14="http://schemas.microsoft.com/office/powerpoint/2010/main" val="4201496751"/>
+      </p:ext>
+    </p:extLst>
+  </p:cSld>
+  <p:clrMapOvr>
+    <a:masterClrMapping/>
+  </p:clrMapOvr>
+</p:sld>
+</file>
+
+<file path=ppt/slides/slide7.xml><?xml version="1.0" encoding="utf-8"?>
+<p:sld xmlns:a="http://schemas.openxmlformats.org/drawingml/2006/main" xmlns:r="http://schemas.openxmlformats.org/officeDocument/2006/relationships" xmlns:p="http://schemas.openxmlformats.org/presentationml/2006/main">
+  <p:cSld>
+    <p:spTree>
+      <p:nvGrpSpPr>
+        <p:cNvPr id="1" name=""/>
+        <p:cNvGrpSpPr/>
+        <p:nvPr/>
+      </p:nvGrpSpPr>
+      <p:grpSpPr>
+        <a:xfrm>
+          <a:off x="0" y="0"/>
+          <a:ext cx="0" cy="0"/>
+          <a:chOff x="0" y="0"/>
+          <a:chExt cx="0" cy="0"/>
+        </a:xfrm>
+      </p:grpSpPr>
+      <p:pic>
+        <p:nvPicPr>
+          <p:cNvPr id="5" name="Picture 4">
+            <a:extLst>
+              <a:ext uri="{FF2B5EF4-FFF2-40B4-BE49-F238E27FC236}">
+                <a16:creationId xmlns:a16="http://schemas.microsoft.com/office/drawing/2014/main" id="{F8AF53CE-19B1-44FE-A4CD-6BDDFBC68696}"/>
+              </a:ext>
+            </a:extLst>
+          </p:cNvPr>
+          <p:cNvPicPr>
+            <a:picLocks noChangeAspect="1"/>
+          </p:cNvPicPr>
+          <p:nvPr/>
+        </p:nvPicPr>
+        <p:blipFill>
+          <a:blip r:embed="rId2">
+            <a:extLst>
+              <a:ext uri="{28A0092B-C50C-407E-A947-70E740481C1C}">
+                <a14:useLocalDpi xmlns:a14="http://schemas.microsoft.com/office/drawing/2010/main" val="0"/>
+              </a:ext>
+            </a:extLst>
+          </a:blip>
+          <a:stretch>
+            <a:fillRect/>
+          </a:stretch>
+        </p:blipFill>
+        <p:spPr>
+          <a:xfrm>
+            <a:off x="174364" y="3376732"/>
+            <a:ext cx="4200525" cy="3187847"/>
+          </a:xfrm>
+          <a:prstGeom prst="rect">
+            <a:avLst/>
+          </a:prstGeom>
+        </p:spPr>
+      </p:pic>
+      <p:pic>
+        <p:nvPicPr>
+          <p:cNvPr id="7" name="Picture 6">
+            <a:extLst>
+              <a:ext uri="{FF2B5EF4-FFF2-40B4-BE49-F238E27FC236}">
+                <a16:creationId xmlns:a16="http://schemas.microsoft.com/office/drawing/2014/main" id="{C2B3C3EB-16B0-498F-A151-2398097689F6}"/>
+              </a:ext>
+            </a:extLst>
+          </p:cNvPr>
+          <p:cNvPicPr>
+            <a:picLocks noChangeAspect="1"/>
+          </p:cNvPicPr>
+          <p:nvPr/>
+        </p:nvPicPr>
+        <p:blipFill>
+          <a:blip r:embed="rId3">
+            <a:extLst>
+              <a:ext uri="{28A0092B-C50C-407E-A947-70E740481C1C}">
+                <a14:useLocalDpi xmlns:a14="http://schemas.microsoft.com/office/drawing/2010/main" val="0"/>
+              </a:ext>
+            </a:extLst>
+          </a:blip>
+          <a:stretch>
+            <a:fillRect/>
+          </a:stretch>
+        </p:blipFill>
+        <p:spPr>
+          <a:xfrm>
+            <a:off x="4498500" y="3330053"/>
+            <a:ext cx="3597749" cy="3098049"/>
+          </a:xfrm>
+          <a:prstGeom prst="rect">
+            <a:avLst/>
+          </a:prstGeom>
+        </p:spPr>
+      </p:pic>
+      <p:pic>
+        <p:nvPicPr>
+          <p:cNvPr id="9" name="Picture 8">
+            <a:extLst>
+              <a:ext uri="{FF2B5EF4-FFF2-40B4-BE49-F238E27FC236}">
+                <a16:creationId xmlns:a16="http://schemas.microsoft.com/office/drawing/2014/main" id="{5A9CC327-C9D6-4077-B772-75C66F354309}"/>
+              </a:ext>
+            </a:extLst>
+          </p:cNvPr>
+          <p:cNvPicPr>
+            <a:picLocks noChangeAspect="1"/>
+          </p:cNvPicPr>
+          <p:nvPr/>
+        </p:nvPicPr>
+        <p:blipFill>
+          <a:blip r:embed="rId4">
+            <a:extLst>
+              <a:ext uri="{28A0092B-C50C-407E-A947-70E740481C1C}">
+                <a14:useLocalDpi xmlns:a14="http://schemas.microsoft.com/office/drawing/2010/main" val="0"/>
+              </a:ext>
+            </a:extLst>
+          </a:blip>
+          <a:stretch>
+            <a:fillRect/>
+          </a:stretch>
+        </p:blipFill>
+        <p:spPr>
+          <a:xfrm>
+            <a:off x="7921885" y="3330053"/>
+            <a:ext cx="4270115" cy="3098049"/>
+          </a:xfrm>
+          <a:prstGeom prst="rect">
+            <a:avLst/>
+          </a:prstGeom>
+        </p:spPr>
+      </p:pic>
+      <p:pic>
+        <p:nvPicPr>
+          <p:cNvPr id="11" name="Picture 10">
+            <a:extLst>
+              <a:ext uri="{FF2B5EF4-FFF2-40B4-BE49-F238E27FC236}">
+                <a16:creationId xmlns:a16="http://schemas.microsoft.com/office/drawing/2014/main" id="{A08A69FC-A5E5-444F-A872-AA627DE91760}"/>
+              </a:ext>
+            </a:extLst>
+          </p:cNvPr>
+          <p:cNvPicPr>
+            <a:picLocks noChangeAspect="1"/>
+          </p:cNvPicPr>
+          <p:nvPr/>
+        </p:nvPicPr>
+        <p:blipFill>
+          <a:blip r:embed="rId5">
+            <a:extLst>
+              <a:ext uri="{28A0092B-C50C-407E-A947-70E740481C1C}">
+                <a14:useLocalDpi xmlns:a14="http://schemas.microsoft.com/office/drawing/2010/main" val="0"/>
+              </a:ext>
+            </a:extLst>
+          </a:blip>
+          <a:stretch>
+            <a:fillRect/>
+          </a:stretch>
+        </p:blipFill>
+        <p:spPr>
+          <a:xfrm>
+            <a:off x="174364" y="429898"/>
+            <a:ext cx="4448175" cy="2681792"/>
+          </a:xfrm>
+          <a:prstGeom prst="rect">
+            <a:avLst/>
+          </a:prstGeom>
+        </p:spPr>
+      </p:pic>
+      <p:pic>
+        <p:nvPicPr>
+          <p:cNvPr id="14" name="Picture 13">
+            <a:extLst>
+              <a:ext uri="{FF2B5EF4-FFF2-40B4-BE49-F238E27FC236}">
+                <a16:creationId xmlns:a16="http://schemas.microsoft.com/office/drawing/2014/main" id="{1DE7729F-CAA9-4BB6-B051-4DA2E7D36181}"/>
+              </a:ext>
+            </a:extLst>
+          </p:cNvPr>
+          <p:cNvPicPr>
+            <a:picLocks noChangeAspect="1"/>
+          </p:cNvPicPr>
+          <p:nvPr/>
+        </p:nvPicPr>
+        <p:blipFill>
+          <a:blip r:embed="rId6">
+            <a:extLst>
+              <a:ext uri="{28A0092B-C50C-407E-A947-70E740481C1C}">
+                <a14:useLocalDpi xmlns:a14="http://schemas.microsoft.com/office/drawing/2010/main" val="0"/>
+              </a:ext>
+            </a:extLst>
+          </a:blip>
+          <a:stretch>
+            <a:fillRect/>
+          </a:stretch>
+        </p:blipFill>
+        <p:spPr>
+          <a:xfrm>
+            <a:off x="4498500" y="265042"/>
+            <a:ext cx="4381500" cy="3111690"/>
+          </a:xfrm>
+          <a:prstGeom prst="rect">
+            <a:avLst/>
+          </a:prstGeom>
+        </p:spPr>
+      </p:pic>
+    </p:spTree>
+    <p:extLst>
+      <p:ext uri="{BB962C8B-B14F-4D97-AF65-F5344CB8AC3E}">
+        <p14:creationId xmlns:p14="http://schemas.microsoft.com/office/powerpoint/2010/main" val="875964918"/>
       </p:ext>
     </p:extLst>
   </p:cSld>

--- a/Presentation1.pptx
+++ b/Presentation1.pptx
@@ -12,6 +12,20 @@
     <p:sldId id="261" r:id="rId6"/>
     <p:sldId id="262" r:id="rId7"/>
     <p:sldId id="263" r:id="rId8"/>
+    <p:sldId id="264" r:id="rId9"/>
+    <p:sldId id="265" r:id="rId10"/>
+    <p:sldId id="266" r:id="rId11"/>
+    <p:sldId id="267" r:id="rId12"/>
+    <p:sldId id="274" r:id="rId13"/>
+    <p:sldId id="268" r:id="rId14"/>
+    <p:sldId id="275" r:id="rId15"/>
+    <p:sldId id="277" r:id="rId16"/>
+    <p:sldId id="269" r:id="rId17"/>
+    <p:sldId id="270" r:id="rId18"/>
+    <p:sldId id="276" r:id="rId19"/>
+    <p:sldId id="271" r:id="rId20"/>
+    <p:sldId id="272" r:id="rId21"/>
+    <p:sldId id="273" r:id="rId22"/>
   </p:sldIdLst>
   <p:sldSz cx="12192000" cy="6858000"/>
   <p:notesSz cx="6858000" cy="9144000"/>
@@ -110,6 +124,11 @@
       </a:defRPr>
     </a:lvl9pPr>
   </p:defaultTextStyle>
+  <p:extLst>
+    <p:ext uri="{EFAFB233-063F-42B5-8137-9DF3F51BA10A}">
+      <p15:sldGuideLst xmlns:p15="http://schemas.microsoft.com/office/powerpoint/2012/main"/>
+    </p:ext>
+  </p:extLst>
 </p:presentation>
 </file>
 
@@ -260,7 +279,7 @@
           <a:p>
             <a:fld id="{3C40EAD5-AD0F-4B7A-86D7-9BC3DC8C9153}" type="datetimeFigureOut">
               <a:rPr lang="en-US" smtClean="0"/>
-              <a:t>7/28/2020</a:t>
+              <a:t>8/1/2020</a:t>
             </a:fld>
             <a:endParaRPr lang="en-US"/>
           </a:p>
@@ -458,7 +477,7 @@
           <a:p>
             <a:fld id="{3C40EAD5-AD0F-4B7A-86D7-9BC3DC8C9153}" type="datetimeFigureOut">
               <a:rPr lang="en-US" smtClean="0"/>
-              <a:t>7/28/2020</a:t>
+              <a:t>8/1/2020</a:t>
             </a:fld>
             <a:endParaRPr lang="en-US"/>
           </a:p>
@@ -666,7 +685,7 @@
           <a:p>
             <a:fld id="{3C40EAD5-AD0F-4B7A-86D7-9BC3DC8C9153}" type="datetimeFigureOut">
               <a:rPr lang="en-US" smtClean="0"/>
-              <a:t>7/28/2020</a:t>
+              <a:t>8/1/2020</a:t>
             </a:fld>
             <a:endParaRPr lang="en-US"/>
           </a:p>
@@ -864,7 +883,7 @@
           <a:p>
             <a:fld id="{3C40EAD5-AD0F-4B7A-86D7-9BC3DC8C9153}" type="datetimeFigureOut">
               <a:rPr lang="en-US" smtClean="0"/>
-              <a:t>7/28/2020</a:t>
+              <a:t>8/1/2020</a:t>
             </a:fld>
             <a:endParaRPr lang="en-US"/>
           </a:p>
@@ -1139,7 +1158,7 @@
           <a:p>
             <a:fld id="{3C40EAD5-AD0F-4B7A-86D7-9BC3DC8C9153}" type="datetimeFigureOut">
               <a:rPr lang="en-US" smtClean="0"/>
-              <a:t>7/28/2020</a:t>
+              <a:t>8/1/2020</a:t>
             </a:fld>
             <a:endParaRPr lang="en-US"/>
           </a:p>
@@ -1404,7 +1423,7 @@
           <a:p>
             <a:fld id="{3C40EAD5-AD0F-4B7A-86D7-9BC3DC8C9153}" type="datetimeFigureOut">
               <a:rPr lang="en-US" smtClean="0"/>
-              <a:t>7/28/2020</a:t>
+              <a:t>8/1/2020</a:t>
             </a:fld>
             <a:endParaRPr lang="en-US"/>
           </a:p>
@@ -1816,7 +1835,7 @@
           <a:p>
             <a:fld id="{3C40EAD5-AD0F-4B7A-86D7-9BC3DC8C9153}" type="datetimeFigureOut">
               <a:rPr lang="en-US" smtClean="0"/>
-              <a:t>7/28/2020</a:t>
+              <a:t>8/1/2020</a:t>
             </a:fld>
             <a:endParaRPr lang="en-US"/>
           </a:p>
@@ -1957,7 +1976,7 @@
           <a:p>
             <a:fld id="{3C40EAD5-AD0F-4B7A-86D7-9BC3DC8C9153}" type="datetimeFigureOut">
               <a:rPr lang="en-US" smtClean="0"/>
-              <a:t>7/28/2020</a:t>
+              <a:t>8/1/2020</a:t>
             </a:fld>
             <a:endParaRPr lang="en-US"/>
           </a:p>
@@ -2070,7 +2089,7 @@
           <a:p>
             <a:fld id="{3C40EAD5-AD0F-4B7A-86D7-9BC3DC8C9153}" type="datetimeFigureOut">
               <a:rPr lang="en-US" smtClean="0"/>
-              <a:t>7/28/2020</a:t>
+              <a:t>8/1/2020</a:t>
             </a:fld>
             <a:endParaRPr lang="en-US"/>
           </a:p>
@@ -2381,7 +2400,7 @@
           <a:p>
             <a:fld id="{3C40EAD5-AD0F-4B7A-86D7-9BC3DC8C9153}" type="datetimeFigureOut">
               <a:rPr lang="en-US" smtClean="0"/>
-              <a:t>7/28/2020</a:t>
+              <a:t>8/1/2020</a:t>
             </a:fld>
             <a:endParaRPr lang="en-US"/>
           </a:p>
@@ -2669,7 +2688,7 @@
           <a:p>
             <a:fld id="{3C40EAD5-AD0F-4B7A-86D7-9BC3DC8C9153}" type="datetimeFigureOut">
               <a:rPr lang="en-US" smtClean="0"/>
-              <a:t>7/28/2020</a:t>
+              <a:t>8/1/2020</a:t>
             </a:fld>
             <a:endParaRPr lang="en-US"/>
           </a:p>
@@ -2910,7 +2929,7 @@
           <a:p>
             <a:fld id="{3C40EAD5-AD0F-4B7A-86D7-9BC3DC8C9153}" type="datetimeFigureOut">
               <a:rPr lang="en-US" smtClean="0"/>
-              <a:t>7/28/2020</a:t>
+              <a:t>8/1/2020</a:t>
             </a:fld>
             <a:endParaRPr lang="en-US"/>
           </a:p>
@@ -4919,6 +4938,4174 @@
 </p:sld>
 </file>
 
+<file path=ppt/slides/slide10.xml><?xml version="1.0" encoding="utf-8"?>
+<p:sld xmlns:a="http://schemas.openxmlformats.org/drawingml/2006/main" xmlns:r="http://schemas.openxmlformats.org/officeDocument/2006/relationships" xmlns:p="http://schemas.openxmlformats.org/presentationml/2006/main">
+  <p:cSld>
+    <p:spTree>
+      <p:nvGrpSpPr>
+        <p:cNvPr id="1" name=""/>
+        <p:cNvGrpSpPr/>
+        <p:nvPr/>
+      </p:nvGrpSpPr>
+      <p:grpSpPr>
+        <a:xfrm>
+          <a:off x="0" y="0"/>
+          <a:ext cx="0" cy="0"/>
+          <a:chOff x="0" y="0"/>
+          <a:chExt cx="0" cy="0"/>
+        </a:xfrm>
+      </p:grpSpPr>
+      <p:pic>
+        <p:nvPicPr>
+          <p:cNvPr id="4" name="Picture 3">
+            <a:extLst>
+              <a:ext uri="{FF2B5EF4-FFF2-40B4-BE49-F238E27FC236}">
+                <a16:creationId xmlns:a16="http://schemas.microsoft.com/office/drawing/2014/main" id="{D9ACF813-5BF3-4BD2-A0B4-74F5CB27DA4D}"/>
+              </a:ext>
+            </a:extLst>
+          </p:cNvPr>
+          <p:cNvPicPr>
+            <a:picLocks noChangeAspect="1"/>
+          </p:cNvPicPr>
+          <p:nvPr/>
+        </p:nvPicPr>
+        <p:blipFill>
+          <a:blip r:embed="rId2"/>
+          <a:stretch>
+            <a:fillRect/>
+          </a:stretch>
+        </p:blipFill>
+        <p:spPr>
+          <a:xfrm>
+            <a:off x="705906" y="1100163"/>
+            <a:ext cx="10551143" cy="3192780"/>
+          </a:xfrm>
+          <a:prstGeom prst="rect">
+            <a:avLst/>
+          </a:prstGeom>
+        </p:spPr>
+      </p:pic>
+      <p:sp>
+        <p:nvSpPr>
+          <p:cNvPr id="5" name="TextBox 4">
+            <a:extLst>
+              <a:ext uri="{FF2B5EF4-FFF2-40B4-BE49-F238E27FC236}">
+                <a16:creationId xmlns:a16="http://schemas.microsoft.com/office/drawing/2014/main" id="{9C53FA5D-CDED-4070-82BE-1BB0377A2B56}"/>
+              </a:ext>
+            </a:extLst>
+          </p:cNvPr>
+          <p:cNvSpPr txBox="1"/>
+          <p:nvPr/>
+        </p:nvSpPr>
+        <p:spPr>
+          <a:xfrm>
+            <a:off x="1218755" y="4517770"/>
+            <a:ext cx="10038294" cy="646331"/>
+          </a:xfrm>
+          <a:prstGeom prst="rect">
+            <a:avLst/>
+          </a:prstGeom>
+          <a:noFill/>
+        </p:spPr>
+        <p:txBody>
+          <a:bodyPr wrap="square" rtlCol="0">
+            <a:spAutoFit/>
+          </a:bodyPr>
+          <a:lstStyle/>
+          <a:p>
+            <a:pPr algn="ctr"/>
+            <a:r>
+              <a:rPr lang="en-US" dirty="0">
+                <a:ln w="0"/>
+                <a:solidFill>
+                  <a:schemeClr val="accent1"/>
+                </a:solidFill>
+                <a:effectLst>
+                  <a:outerShdw blurRad="38100" dist="25400" dir="5400000" algn="ctr" rotWithShape="0">
+                    <a:srgbClr val="6E747A">
+                      <a:alpha val="43000"/>
+                    </a:srgbClr>
+                  </a:outerShdw>
+                </a:effectLst>
+              </a:rPr>
+              <a:t>By generating three clusters from the dataset, the above table is the average of each cluster for the corresponding column.</a:t>
+            </a:r>
+          </a:p>
+        </p:txBody>
+      </p:sp>
+    </p:spTree>
+    <p:extLst>
+      <p:ext uri="{BB962C8B-B14F-4D97-AF65-F5344CB8AC3E}">
+        <p14:creationId xmlns:p14="http://schemas.microsoft.com/office/powerpoint/2010/main" val="962341318"/>
+      </p:ext>
+    </p:extLst>
+  </p:cSld>
+  <p:clrMapOvr>
+    <a:masterClrMapping/>
+  </p:clrMapOvr>
+</p:sld>
+</file>
+
+<file path=ppt/slides/slide11.xml><?xml version="1.0" encoding="utf-8"?>
+<p:sld xmlns:a="http://schemas.openxmlformats.org/drawingml/2006/main" xmlns:r="http://schemas.openxmlformats.org/officeDocument/2006/relationships" xmlns:p="http://schemas.openxmlformats.org/presentationml/2006/main">
+  <p:cSld>
+    <p:spTree>
+      <p:nvGrpSpPr>
+        <p:cNvPr id="1" name=""/>
+        <p:cNvGrpSpPr/>
+        <p:nvPr/>
+      </p:nvGrpSpPr>
+      <p:grpSpPr>
+        <a:xfrm>
+          <a:off x="0" y="0"/>
+          <a:ext cx="0" cy="0"/>
+          <a:chOff x="0" y="0"/>
+          <a:chExt cx="0" cy="0"/>
+        </a:xfrm>
+      </p:grpSpPr>
+      <p:pic>
+        <p:nvPicPr>
+          <p:cNvPr id="5" name="Picture 4">
+            <a:extLst>
+              <a:ext uri="{FF2B5EF4-FFF2-40B4-BE49-F238E27FC236}">
+                <a16:creationId xmlns:a16="http://schemas.microsoft.com/office/drawing/2014/main" id="{8EA65BEB-4CC6-47B3-917D-715BA45F9F95}"/>
+              </a:ext>
+            </a:extLst>
+          </p:cNvPr>
+          <p:cNvPicPr>
+            <a:picLocks noChangeAspect="1"/>
+          </p:cNvPicPr>
+          <p:nvPr/>
+        </p:nvPicPr>
+        <p:blipFill>
+          <a:blip r:embed="rId2"/>
+          <a:stretch>
+            <a:fillRect/>
+          </a:stretch>
+        </p:blipFill>
+        <p:spPr>
+          <a:xfrm>
+            <a:off x="241590" y="1186252"/>
+            <a:ext cx="5562600" cy="5140410"/>
+          </a:xfrm>
+          <a:prstGeom prst="rect">
+            <a:avLst/>
+          </a:prstGeom>
+        </p:spPr>
+      </p:pic>
+      <p:sp>
+        <p:nvSpPr>
+          <p:cNvPr id="6" name="TextBox 5">
+            <a:extLst>
+              <a:ext uri="{FF2B5EF4-FFF2-40B4-BE49-F238E27FC236}">
+                <a16:creationId xmlns:a16="http://schemas.microsoft.com/office/drawing/2014/main" id="{BAF0124F-1DB8-47C2-B993-1B96C61DA6A0}"/>
+              </a:ext>
+            </a:extLst>
+          </p:cNvPr>
+          <p:cNvSpPr txBox="1"/>
+          <p:nvPr/>
+        </p:nvSpPr>
+        <p:spPr>
+          <a:xfrm>
+            <a:off x="1746856" y="353785"/>
+            <a:ext cx="7645111" cy="523220"/>
+          </a:xfrm>
+          <a:prstGeom prst="rect">
+            <a:avLst/>
+          </a:prstGeom>
+          <a:noFill/>
+        </p:spPr>
+        <p:txBody>
+          <a:bodyPr wrap="square" rtlCol="0">
+            <a:spAutoFit/>
+          </a:bodyPr>
+          <a:lstStyle/>
+          <a:p>
+            <a:pPr algn="ctr"/>
+            <a:r>
+              <a:rPr lang="en-US" sz="2800" dirty="0">
+                <a:ln w="0"/>
+                <a:effectLst>
+                  <a:outerShdw blurRad="38100" dist="19050" dir="2700000" algn="tl" rotWithShape="0">
+                    <a:schemeClr val="dk1">
+                      <a:alpha val="40000"/>
+                    </a:schemeClr>
+                  </a:outerShdw>
+                </a:effectLst>
+              </a:rPr>
+              <a:t>Data description for each cluster</a:t>
+            </a:r>
+          </a:p>
+        </p:txBody>
+      </p:sp>
+      <p:pic>
+        <p:nvPicPr>
+          <p:cNvPr id="8" name="Picture 7">
+            <a:extLst>
+              <a:ext uri="{FF2B5EF4-FFF2-40B4-BE49-F238E27FC236}">
+                <a16:creationId xmlns:a16="http://schemas.microsoft.com/office/drawing/2014/main" id="{FA99444E-5119-4D92-8315-1ED5B24C97F7}"/>
+              </a:ext>
+            </a:extLst>
+          </p:cNvPr>
+          <p:cNvPicPr>
+            <a:picLocks noChangeAspect="1"/>
+          </p:cNvPicPr>
+          <p:nvPr/>
+        </p:nvPicPr>
+        <p:blipFill>
+          <a:blip r:embed="rId3"/>
+          <a:stretch>
+            <a:fillRect/>
+          </a:stretch>
+        </p:blipFill>
+        <p:spPr>
+          <a:xfrm>
+            <a:off x="5692979" y="1054229"/>
+            <a:ext cx="6003721" cy="5272432"/>
+          </a:xfrm>
+          <a:prstGeom prst="rect">
+            <a:avLst/>
+          </a:prstGeom>
+        </p:spPr>
+      </p:pic>
+    </p:spTree>
+    <p:extLst>
+      <p:ext uri="{BB962C8B-B14F-4D97-AF65-F5344CB8AC3E}">
+        <p14:creationId xmlns:p14="http://schemas.microsoft.com/office/powerpoint/2010/main" val="324294838"/>
+      </p:ext>
+    </p:extLst>
+  </p:cSld>
+  <p:clrMapOvr>
+    <a:masterClrMapping/>
+  </p:clrMapOvr>
+</p:sld>
+</file>
+
+<file path=ppt/slides/slide12.xml><?xml version="1.0" encoding="utf-8"?>
+<p:sld xmlns:a="http://schemas.openxmlformats.org/drawingml/2006/main" xmlns:r="http://schemas.openxmlformats.org/officeDocument/2006/relationships" xmlns:p="http://schemas.openxmlformats.org/presentationml/2006/main">
+  <p:cSld>
+    <p:spTree>
+      <p:nvGrpSpPr>
+        <p:cNvPr id="1" name=""/>
+        <p:cNvGrpSpPr/>
+        <p:nvPr/>
+      </p:nvGrpSpPr>
+      <p:grpSpPr>
+        <a:xfrm>
+          <a:off x="0" y="0"/>
+          <a:ext cx="0" cy="0"/>
+          <a:chOff x="0" y="0"/>
+          <a:chExt cx="0" cy="0"/>
+        </a:xfrm>
+      </p:grpSpPr>
+      <p:pic>
+        <p:nvPicPr>
+          <p:cNvPr id="4" name="Picture 3">
+            <a:extLst>
+              <a:ext uri="{FF2B5EF4-FFF2-40B4-BE49-F238E27FC236}">
+                <a16:creationId xmlns:a16="http://schemas.microsoft.com/office/drawing/2014/main" id="{8518026E-1C07-4C62-874A-03349FF3575C}"/>
+              </a:ext>
+            </a:extLst>
+          </p:cNvPr>
+          <p:cNvPicPr>
+            <a:picLocks noChangeAspect="1"/>
+          </p:cNvPicPr>
+          <p:nvPr/>
+        </p:nvPicPr>
+        <p:blipFill>
+          <a:blip r:embed="rId2"/>
+          <a:stretch>
+            <a:fillRect/>
+          </a:stretch>
+        </p:blipFill>
+        <p:spPr>
+          <a:xfrm>
+            <a:off x="1635210" y="698156"/>
+            <a:ext cx="8921579" cy="5461687"/>
+          </a:xfrm>
+          <a:prstGeom prst="rect">
+            <a:avLst/>
+          </a:prstGeom>
+        </p:spPr>
+      </p:pic>
+    </p:spTree>
+    <p:extLst>
+      <p:ext uri="{BB962C8B-B14F-4D97-AF65-F5344CB8AC3E}">
+        <p14:creationId xmlns:p14="http://schemas.microsoft.com/office/powerpoint/2010/main" val="3522216993"/>
+      </p:ext>
+    </p:extLst>
+  </p:cSld>
+  <p:clrMapOvr>
+    <a:masterClrMapping/>
+  </p:clrMapOvr>
+</p:sld>
+</file>
+
+<file path=ppt/slides/slide13.xml><?xml version="1.0" encoding="utf-8"?>
+<p:sld xmlns:a="http://schemas.openxmlformats.org/drawingml/2006/main" xmlns:r="http://schemas.openxmlformats.org/officeDocument/2006/relationships" xmlns:p="http://schemas.openxmlformats.org/presentationml/2006/main">
+  <p:cSld>
+    <p:spTree>
+      <p:nvGrpSpPr>
+        <p:cNvPr id="1" name=""/>
+        <p:cNvGrpSpPr/>
+        <p:nvPr/>
+      </p:nvGrpSpPr>
+      <p:grpSpPr>
+        <a:xfrm>
+          <a:off x="0" y="0"/>
+          <a:ext cx="0" cy="0"/>
+          <a:chOff x="0" y="0"/>
+          <a:chExt cx="0" cy="0"/>
+        </a:xfrm>
+      </p:grpSpPr>
+      <p:pic>
+        <p:nvPicPr>
+          <p:cNvPr id="4" name="Picture 3">
+            <a:extLst>
+              <a:ext uri="{FF2B5EF4-FFF2-40B4-BE49-F238E27FC236}">
+                <a16:creationId xmlns:a16="http://schemas.microsoft.com/office/drawing/2014/main" id="{64F64E42-76C3-4F25-919F-35BEDD9BBF2E}"/>
+              </a:ext>
+            </a:extLst>
+          </p:cNvPr>
+          <p:cNvPicPr>
+            <a:picLocks noChangeAspect="1"/>
+          </p:cNvPicPr>
+          <p:nvPr/>
+        </p:nvPicPr>
+        <p:blipFill>
+          <a:blip r:embed="rId2"/>
+          <a:stretch>
+            <a:fillRect/>
+          </a:stretch>
+        </p:blipFill>
+        <p:spPr>
+          <a:xfrm>
+            <a:off x="2496066" y="1000897"/>
+            <a:ext cx="7635961" cy="5123465"/>
+          </a:xfrm>
+          <a:prstGeom prst="rect">
+            <a:avLst/>
+          </a:prstGeom>
+        </p:spPr>
+      </p:pic>
+      <p:sp>
+        <p:nvSpPr>
+          <p:cNvPr id="5" name="TextBox 4">
+            <a:extLst>
+              <a:ext uri="{FF2B5EF4-FFF2-40B4-BE49-F238E27FC236}">
+                <a16:creationId xmlns:a16="http://schemas.microsoft.com/office/drawing/2014/main" id="{42EA610F-EE16-4F76-9673-BC2816A5DEC8}"/>
+              </a:ext>
+            </a:extLst>
+          </p:cNvPr>
+          <p:cNvSpPr txBox="1"/>
+          <p:nvPr/>
+        </p:nvSpPr>
+        <p:spPr>
+          <a:xfrm>
+            <a:off x="4283773" y="389019"/>
+            <a:ext cx="3624454" cy="369332"/>
+          </a:xfrm>
+          <a:prstGeom prst="rect">
+            <a:avLst/>
+          </a:prstGeom>
+          <a:noFill/>
+        </p:spPr>
+        <p:txBody>
+          <a:bodyPr wrap="none" rtlCol="0">
+            <a:spAutoFit/>
+          </a:bodyPr>
+          <a:lstStyle/>
+          <a:p>
+            <a:r>
+              <a:rPr lang="en-US" dirty="0">
+                <a:ln w="0"/>
+                <a:solidFill>
+                  <a:schemeClr val="accent1"/>
+                </a:solidFill>
+                <a:effectLst>
+                  <a:outerShdw blurRad="38100" dist="25400" dir="5400000" algn="ctr" rotWithShape="0">
+                    <a:srgbClr val="6E747A">
+                      <a:alpha val="43000"/>
+                    </a:srgbClr>
+                  </a:outerShdw>
+                </a:effectLst>
+              </a:rPr>
+              <a:t>Clusters description on the Bearer ID</a:t>
+            </a:r>
+          </a:p>
+        </p:txBody>
+      </p:sp>
+    </p:spTree>
+    <p:extLst>
+      <p:ext uri="{BB962C8B-B14F-4D97-AF65-F5344CB8AC3E}">
+        <p14:creationId xmlns:p14="http://schemas.microsoft.com/office/powerpoint/2010/main" val="3197125969"/>
+      </p:ext>
+    </p:extLst>
+  </p:cSld>
+  <p:clrMapOvr>
+    <a:masterClrMapping/>
+  </p:clrMapOvr>
+</p:sld>
+</file>
+
+<file path=ppt/slides/slide14.xml><?xml version="1.0" encoding="utf-8"?>
+<p:sld xmlns:a="http://schemas.openxmlformats.org/drawingml/2006/main" xmlns:r="http://schemas.openxmlformats.org/officeDocument/2006/relationships" xmlns:p="http://schemas.openxmlformats.org/presentationml/2006/main">
+  <p:cSld>
+    <p:spTree>
+      <p:nvGrpSpPr>
+        <p:cNvPr id="1" name=""/>
+        <p:cNvGrpSpPr/>
+        <p:nvPr/>
+      </p:nvGrpSpPr>
+      <p:grpSpPr>
+        <a:xfrm>
+          <a:off x="0" y="0"/>
+          <a:ext cx="0" cy="0"/>
+          <a:chOff x="0" y="0"/>
+          <a:chExt cx="0" cy="0"/>
+        </a:xfrm>
+      </p:grpSpPr>
+      <p:graphicFrame>
+        <p:nvGraphicFramePr>
+          <p:cNvPr id="6" name="Table 5">
+            <a:extLst>
+              <a:ext uri="{FF2B5EF4-FFF2-40B4-BE49-F238E27FC236}">
+                <a16:creationId xmlns:a16="http://schemas.microsoft.com/office/drawing/2014/main" id="{B04818AD-4907-42B8-8D20-4E4D035E918F}"/>
+              </a:ext>
+            </a:extLst>
+          </p:cNvPr>
+          <p:cNvGraphicFramePr>
+            <a:graphicFrameLocks noGrp="1"/>
+          </p:cNvGraphicFramePr>
+          <p:nvPr>
+            <p:extLst>
+              <p:ext uri="{D42A27DB-BD31-4B8C-83A1-F6EECF244321}">
+                <p14:modId xmlns:p14="http://schemas.microsoft.com/office/powerpoint/2010/main" val="1657884191"/>
+              </p:ext>
+            </p:extLst>
+          </p:nvPr>
+        </p:nvGraphicFramePr>
+        <p:xfrm>
+          <a:off x="3902675" y="1751486"/>
+          <a:ext cx="3523735" cy="4733873"/>
+        </p:xfrm>
+        <a:graphic>
+          <a:graphicData uri="http://schemas.openxmlformats.org/drawingml/2006/table">
+            <a:tbl>
+              <a:tblPr>
+                <a:tableStyleId>{3C2FFA5D-87B4-456A-9821-1D502468CF0F}</a:tableStyleId>
+              </a:tblPr>
+              <a:tblGrid>
+                <a:gridCol w="3523735">
+                  <a:extLst>
+                    <a:ext uri="{9D8B030D-6E8A-4147-A177-3AD203B41FA5}">
+                      <a16:colId xmlns:a16="http://schemas.microsoft.com/office/drawing/2014/main" val="687732559"/>
+                    </a:ext>
+                  </a:extLst>
+                </a:gridCol>
+              </a:tblGrid>
+              <a:tr h="342625">
+                <a:tc>
+                  <a:txBody>
+                    <a:bodyPr/>
+                    <a:lstStyle/>
+                    <a:p>
+                      <a:pPr algn="ctr" fontAlgn="ctr"/>
+                      <a:r>
+                        <a:rPr lang="en-US" sz="2800" dirty="0">
+                          <a:effectLst/>
+                          <a:latin typeface="Adobe Hebrew" panose="02040503050201020203" pitchFamily="18" charset="-79"/>
+                          <a:cs typeface="Adobe Hebrew" panose="02040503050201020203" pitchFamily="18" charset="-79"/>
+                        </a:rPr>
+                        <a:t>Bearer Id</a:t>
+                      </a:r>
+                      <a:endParaRPr lang="en-US" sz="2800" b="1" dirty="0">
+                        <a:effectLst/>
+                        <a:latin typeface="Adobe Hebrew" panose="02040503050201020203" pitchFamily="18" charset="-79"/>
+                        <a:cs typeface="Adobe Hebrew" panose="02040503050201020203" pitchFamily="18" charset="-79"/>
+                      </a:endParaRPr>
+                    </a:p>
+                  </a:txBody>
+                  <a:tcPr marL="34263" marR="34263" marT="17131" marB="17131" anchor="ctr"/>
+                </a:tc>
+                <a:extLst>
+                  <a:ext uri="{0D108BD9-81ED-4DB2-BD59-A6C34878D82A}">
+                    <a16:rowId xmlns:a16="http://schemas.microsoft.com/office/drawing/2014/main" val="2560316838"/>
+                  </a:ext>
+                </a:extLst>
+              </a:tr>
+              <a:tr h="445413">
+                <a:tc>
+                  <a:txBody>
+                    <a:bodyPr/>
+                    <a:lstStyle/>
+                    <a:p>
+                      <a:pPr algn="ctr" fontAlgn="ctr"/>
+                      <a:r>
+                        <a:rPr lang="en-US" sz="2800" dirty="0">
+                          <a:effectLst/>
+                        </a:rPr>
+                        <a:t>6.917540e+18</a:t>
+                      </a:r>
+                      <a:endParaRPr lang="en-US" sz="2800" b="1" dirty="0">
+                        <a:effectLst/>
+                      </a:endParaRPr>
+                    </a:p>
+                  </a:txBody>
+                  <a:tcPr marL="34263" marR="34263" marT="17131" marB="17131" anchor="ctr"/>
+                </a:tc>
+                <a:extLst>
+                  <a:ext uri="{0D108BD9-81ED-4DB2-BD59-A6C34878D82A}">
+                    <a16:rowId xmlns:a16="http://schemas.microsoft.com/office/drawing/2014/main" val="295164140"/>
+                  </a:ext>
+                </a:extLst>
+              </a:tr>
+              <a:tr h="445413">
+                <a:tc>
+                  <a:txBody>
+                    <a:bodyPr/>
+                    <a:lstStyle/>
+                    <a:p>
+                      <a:pPr algn="ctr" fontAlgn="ctr"/>
+                      <a:r>
+                        <a:rPr lang="en-US" sz="2800" dirty="0">
+                          <a:effectLst/>
+                        </a:rPr>
+                        <a:t>7.277830e+18</a:t>
+                      </a:r>
+                      <a:endParaRPr lang="en-US" sz="2800" b="1" dirty="0">
+                        <a:effectLst/>
+                      </a:endParaRPr>
+                    </a:p>
+                  </a:txBody>
+                  <a:tcPr marL="34263" marR="34263" marT="17131" marB="17131" anchor="ctr"/>
+                </a:tc>
+                <a:extLst>
+                  <a:ext uri="{0D108BD9-81ED-4DB2-BD59-A6C34878D82A}">
+                    <a16:rowId xmlns:a16="http://schemas.microsoft.com/office/drawing/2014/main" val="1917496312"/>
+                  </a:ext>
+                </a:extLst>
+              </a:tr>
+              <a:tr h="585035">
+                <a:tc>
+                  <a:txBody>
+                    <a:bodyPr/>
+                    <a:lstStyle/>
+                    <a:p>
+                      <a:pPr algn="ctr" fontAlgn="ctr"/>
+                      <a:r>
+                        <a:rPr lang="en-US" sz="2800" dirty="0">
+                          <a:effectLst/>
+                        </a:rPr>
+                        <a:t>7.349880e+18</a:t>
+                      </a:r>
+                      <a:endParaRPr lang="en-US" sz="2800" b="1" dirty="0">
+                        <a:effectLst/>
+                      </a:endParaRPr>
+                    </a:p>
+                  </a:txBody>
+                  <a:tcPr marL="34263" marR="34263" marT="17131" marB="17131" anchor="ctr"/>
+                </a:tc>
+                <a:extLst>
+                  <a:ext uri="{0D108BD9-81ED-4DB2-BD59-A6C34878D82A}">
+                    <a16:rowId xmlns:a16="http://schemas.microsoft.com/office/drawing/2014/main" val="2165740533"/>
+                  </a:ext>
+                </a:extLst>
+              </a:tr>
+              <a:tr h="445413">
+                <a:tc>
+                  <a:txBody>
+                    <a:bodyPr/>
+                    <a:lstStyle/>
+                    <a:p>
+                      <a:pPr algn="ctr" fontAlgn="ctr"/>
+                      <a:r>
+                        <a:rPr lang="en-US" sz="2800" dirty="0">
+                          <a:effectLst/>
+                        </a:rPr>
+                        <a:t>7.421940e+18</a:t>
+                      </a:r>
+                      <a:endParaRPr lang="en-US" sz="2800" b="1" dirty="0">
+                        <a:effectLst/>
+                      </a:endParaRPr>
+                    </a:p>
+                  </a:txBody>
+                  <a:tcPr marL="34263" marR="34263" marT="17131" marB="17131" anchor="ctr"/>
+                </a:tc>
+                <a:extLst>
+                  <a:ext uri="{0D108BD9-81ED-4DB2-BD59-A6C34878D82A}">
+                    <a16:rowId xmlns:a16="http://schemas.microsoft.com/office/drawing/2014/main" val="1623495342"/>
+                  </a:ext>
+                </a:extLst>
+              </a:tr>
+              <a:tr h="445413">
+                <a:tc>
+                  <a:txBody>
+                    <a:bodyPr/>
+                    <a:lstStyle/>
+                    <a:p>
+                      <a:pPr algn="ctr" fontAlgn="ctr"/>
+                      <a:r>
+                        <a:rPr lang="en-US" sz="2800" dirty="0">
+                          <a:effectLst/>
+                        </a:rPr>
+                        <a:t>7.566060e+18</a:t>
+                      </a:r>
+                      <a:endParaRPr lang="en-US" sz="2800" b="1" dirty="0">
+                        <a:effectLst/>
+                      </a:endParaRPr>
+                    </a:p>
+                  </a:txBody>
+                  <a:tcPr marL="34263" marR="34263" marT="17131" marB="17131" anchor="ctr"/>
+                </a:tc>
+                <a:extLst>
+                  <a:ext uri="{0D108BD9-81ED-4DB2-BD59-A6C34878D82A}">
+                    <a16:rowId xmlns:a16="http://schemas.microsoft.com/office/drawing/2014/main" val="3177782385"/>
+                  </a:ext>
+                </a:extLst>
+              </a:tr>
+              <a:tr h="445413">
+                <a:tc>
+                  <a:txBody>
+                    <a:bodyPr/>
+                    <a:lstStyle/>
+                    <a:p>
+                      <a:pPr algn="ctr" fontAlgn="ctr"/>
+                      <a:r>
+                        <a:rPr lang="en-US" sz="2800">
+                          <a:effectLst/>
+                        </a:rPr>
+                        <a:t>1.268210e+19</a:t>
+                      </a:r>
+                      <a:endParaRPr lang="en-US" sz="2800" b="1">
+                        <a:effectLst/>
+                      </a:endParaRPr>
+                    </a:p>
+                  </a:txBody>
+                  <a:tcPr marL="34263" marR="34263" marT="17131" marB="17131" anchor="ctr"/>
+                </a:tc>
+                <a:extLst>
+                  <a:ext uri="{0D108BD9-81ED-4DB2-BD59-A6C34878D82A}">
+                    <a16:rowId xmlns:a16="http://schemas.microsoft.com/office/drawing/2014/main" val="1889611873"/>
+                  </a:ext>
+                </a:extLst>
+              </a:tr>
+              <a:tr h="445413">
+                <a:tc>
+                  <a:txBody>
+                    <a:bodyPr/>
+                    <a:lstStyle/>
+                    <a:p>
+                      <a:pPr algn="ctr" fontAlgn="ctr"/>
+                      <a:r>
+                        <a:rPr lang="en-US" sz="2800" dirty="0">
+                          <a:effectLst/>
+                        </a:rPr>
+                        <a:t>1.304240e+19</a:t>
+                      </a:r>
+                      <a:endParaRPr lang="en-US" sz="2800" b="1" dirty="0">
+                        <a:effectLst/>
+                      </a:endParaRPr>
+                    </a:p>
+                  </a:txBody>
+                  <a:tcPr marL="34263" marR="34263" marT="17131" marB="17131" anchor="ctr"/>
+                </a:tc>
+                <a:extLst>
+                  <a:ext uri="{0D108BD9-81ED-4DB2-BD59-A6C34878D82A}">
+                    <a16:rowId xmlns:a16="http://schemas.microsoft.com/office/drawing/2014/main" val="2768064765"/>
+                  </a:ext>
+                </a:extLst>
+              </a:tr>
+              <a:tr h="445413">
+                <a:tc>
+                  <a:txBody>
+                    <a:bodyPr/>
+                    <a:lstStyle/>
+                    <a:p>
+                      <a:pPr algn="ctr" fontAlgn="ctr"/>
+                      <a:r>
+                        <a:rPr lang="en-US" sz="2800" dirty="0">
+                          <a:effectLst/>
+                        </a:rPr>
+                        <a:t>1.311450e+19</a:t>
+                      </a:r>
+                      <a:endParaRPr lang="en-US" sz="2800" b="1" dirty="0">
+                        <a:effectLst/>
+                      </a:endParaRPr>
+                    </a:p>
+                  </a:txBody>
+                  <a:tcPr marL="34263" marR="34263" marT="17131" marB="17131" anchor="ctr"/>
+                </a:tc>
+                <a:extLst>
+                  <a:ext uri="{0D108BD9-81ED-4DB2-BD59-A6C34878D82A}">
+                    <a16:rowId xmlns:a16="http://schemas.microsoft.com/office/drawing/2014/main" val="1244592089"/>
+                  </a:ext>
+                </a:extLst>
+              </a:tr>
+              <a:tr h="445413">
+                <a:tc>
+                  <a:txBody>
+                    <a:bodyPr/>
+                    <a:lstStyle/>
+                    <a:p>
+                      <a:pPr algn="ctr" fontAlgn="ctr"/>
+                      <a:r>
+                        <a:rPr lang="en-US" sz="2800" dirty="0">
+                          <a:effectLst/>
+                        </a:rPr>
+                        <a:t>1.318650e+1</a:t>
+                      </a:r>
+                      <a:endParaRPr lang="en-US" sz="2800" b="1" dirty="0">
+                        <a:effectLst/>
+                      </a:endParaRPr>
+                    </a:p>
+                  </a:txBody>
+                  <a:tcPr marL="34263" marR="34263" marT="17131" marB="17131" anchor="ctr"/>
+                </a:tc>
+                <a:extLst>
+                  <a:ext uri="{0D108BD9-81ED-4DB2-BD59-A6C34878D82A}">
+                    <a16:rowId xmlns:a16="http://schemas.microsoft.com/office/drawing/2014/main" val="3869421514"/>
+                  </a:ext>
+                </a:extLst>
+              </a:tr>
+            </a:tbl>
+          </a:graphicData>
+        </a:graphic>
+      </p:graphicFrame>
+      <p:sp>
+        <p:nvSpPr>
+          <p:cNvPr id="7" name="Rectangle 6">
+            <a:extLst>
+              <a:ext uri="{FF2B5EF4-FFF2-40B4-BE49-F238E27FC236}">
+                <a16:creationId xmlns:a16="http://schemas.microsoft.com/office/drawing/2014/main" id="{B96874B9-771E-4AB3-90E2-3F0D5E5282C7}"/>
+              </a:ext>
+            </a:extLst>
+          </p:cNvPr>
+          <p:cNvSpPr/>
+          <p:nvPr/>
+        </p:nvSpPr>
+        <p:spPr>
+          <a:xfrm>
+            <a:off x="1902940" y="0"/>
+            <a:ext cx="7932363" cy="1371600"/>
+          </a:xfrm>
+          <a:prstGeom prst="rect">
+            <a:avLst/>
+          </a:prstGeom>
+          <a:noFill/>
+        </p:spPr>
+        <p:txBody>
+          <a:bodyPr wrap="square" lIns="91440" tIns="45720" rIns="91440" bIns="45720">
+            <a:spAutoFit/>
+          </a:bodyPr>
+          <a:lstStyle/>
+          <a:p>
+            <a:pPr algn="ctr"/>
+            <a:r>
+              <a:rPr lang="en-US" sz="4800" b="0" cap="none" spc="0" dirty="0">
+                <a:ln w="0"/>
+                <a:gradFill>
+                  <a:gsLst>
+                    <a:gs pos="0">
+                      <a:schemeClr val="accent5">
+                        <a:lumMod val="50000"/>
+                      </a:schemeClr>
+                    </a:gs>
+                    <a:gs pos="50000">
+                      <a:schemeClr val="accent5"/>
+                    </a:gs>
+                    <a:gs pos="100000">
+                      <a:schemeClr val="accent5">
+                        <a:lumMod val="60000"/>
+                        <a:lumOff val="40000"/>
+                      </a:schemeClr>
+                    </a:gs>
+                  </a:gsLst>
+                  <a:lin ang="5400000"/>
+                </a:gradFill>
+                <a:effectLst>
+                  <a:reflection blurRad="6350" stA="53000" endA="300" endPos="35500" dir="5400000" sy="-90000" algn="bl" rotWithShape="0"/>
+                </a:effectLst>
+              </a:rPr>
+              <a:t>Top 1</a:t>
+            </a:r>
+            <a:r>
+              <a:rPr lang="en-US" sz="4800" dirty="0">
+                <a:ln w="0"/>
+                <a:gradFill>
+                  <a:gsLst>
+                    <a:gs pos="0">
+                      <a:schemeClr val="accent5">
+                        <a:lumMod val="50000"/>
+                      </a:schemeClr>
+                    </a:gs>
+                    <a:gs pos="50000">
+                      <a:schemeClr val="accent5"/>
+                    </a:gs>
+                    <a:gs pos="100000">
+                      <a:schemeClr val="accent5">
+                        <a:lumMod val="60000"/>
+                        <a:lumOff val="40000"/>
+                      </a:schemeClr>
+                    </a:gs>
+                  </a:gsLst>
+                  <a:lin ang="5400000"/>
+                </a:gradFill>
+                <a:effectLst>
+                  <a:reflection blurRad="6350" stA="53000" endA="300" endPos="35500" dir="5400000" sy="-90000" algn="bl" rotWithShape="0"/>
+                </a:effectLst>
+              </a:rPr>
+              <a:t>0 most engaged users per application</a:t>
+            </a:r>
+          </a:p>
+          <a:p>
+            <a:pPr algn="ctr"/>
+            <a:br>
+              <a:rPr lang="en-US" sz="1600" dirty="0"/>
+            </a:br>
+            <a:endParaRPr lang="en-US" sz="4800" b="0" cap="none" spc="0" dirty="0">
+              <a:ln w="0"/>
+              <a:gradFill>
+                <a:gsLst>
+                  <a:gs pos="0">
+                    <a:schemeClr val="accent5">
+                      <a:lumMod val="50000"/>
+                    </a:schemeClr>
+                  </a:gs>
+                  <a:gs pos="50000">
+                    <a:schemeClr val="accent5"/>
+                  </a:gs>
+                  <a:gs pos="100000">
+                    <a:schemeClr val="accent5">
+                      <a:lumMod val="60000"/>
+                      <a:lumOff val="40000"/>
+                    </a:schemeClr>
+                  </a:gs>
+                </a:gsLst>
+                <a:lin ang="5400000"/>
+              </a:gradFill>
+              <a:effectLst>
+                <a:reflection blurRad="6350" stA="53000" endA="300" endPos="35500" dir="5400000" sy="-90000" algn="bl" rotWithShape="0"/>
+              </a:effectLst>
+            </a:endParaRPr>
+          </a:p>
+        </p:txBody>
+      </p:sp>
+    </p:spTree>
+    <p:extLst>
+      <p:ext uri="{BB962C8B-B14F-4D97-AF65-F5344CB8AC3E}">
+        <p14:creationId xmlns:p14="http://schemas.microsoft.com/office/powerpoint/2010/main" val="3145389101"/>
+      </p:ext>
+    </p:extLst>
+  </p:cSld>
+  <p:clrMapOvr>
+    <a:masterClrMapping/>
+  </p:clrMapOvr>
+</p:sld>
+</file>
+
+<file path=ppt/slides/slide15.xml><?xml version="1.0" encoding="utf-8"?>
+<p:sld xmlns:a="http://schemas.openxmlformats.org/drawingml/2006/main" xmlns:r="http://schemas.openxmlformats.org/officeDocument/2006/relationships" xmlns:p="http://schemas.openxmlformats.org/presentationml/2006/main">
+  <p:cSld>
+    <p:spTree>
+      <p:nvGrpSpPr>
+        <p:cNvPr id="1" name=""/>
+        <p:cNvGrpSpPr/>
+        <p:nvPr/>
+      </p:nvGrpSpPr>
+      <p:grpSpPr>
+        <a:xfrm>
+          <a:off x="0" y="0"/>
+          <a:ext cx="0" cy="0"/>
+          <a:chOff x="0" y="0"/>
+          <a:chExt cx="0" cy="0"/>
+        </a:xfrm>
+      </p:grpSpPr>
+      <p:graphicFrame>
+        <p:nvGraphicFramePr>
+          <p:cNvPr id="4" name="Table 3">
+            <a:extLst>
+              <a:ext uri="{FF2B5EF4-FFF2-40B4-BE49-F238E27FC236}">
+                <a16:creationId xmlns:a16="http://schemas.microsoft.com/office/drawing/2014/main" id="{ACC66421-59FD-4CB5-9AB3-5DAEB010F2D1}"/>
+              </a:ext>
+            </a:extLst>
+          </p:cNvPr>
+          <p:cNvGraphicFramePr>
+            <a:graphicFrameLocks noGrp="1"/>
+          </p:cNvGraphicFramePr>
+          <p:nvPr>
+            <p:extLst>
+              <p:ext uri="{D42A27DB-BD31-4B8C-83A1-F6EECF244321}">
+                <p14:modId xmlns:p14="http://schemas.microsoft.com/office/powerpoint/2010/main" val="2079259117"/>
+              </p:ext>
+            </p:extLst>
+          </p:nvPr>
+        </p:nvGraphicFramePr>
+        <p:xfrm>
+          <a:off x="3558745" y="29615"/>
+          <a:ext cx="8184290" cy="6763416"/>
+        </p:xfrm>
+        <a:graphic>
+          <a:graphicData uri="http://schemas.openxmlformats.org/drawingml/2006/table">
+            <a:tbl>
+              <a:tblPr/>
+              <a:tblGrid>
+                <a:gridCol w="1636858">
+                  <a:extLst>
+                    <a:ext uri="{9D8B030D-6E8A-4147-A177-3AD203B41FA5}">
+                      <a16:colId xmlns:a16="http://schemas.microsoft.com/office/drawing/2014/main" val="1247448347"/>
+                    </a:ext>
+                  </a:extLst>
+                </a:gridCol>
+                <a:gridCol w="1636858">
+                  <a:extLst>
+                    <a:ext uri="{9D8B030D-6E8A-4147-A177-3AD203B41FA5}">
+                      <a16:colId xmlns:a16="http://schemas.microsoft.com/office/drawing/2014/main" val="1981120620"/>
+                    </a:ext>
+                  </a:extLst>
+                </a:gridCol>
+                <a:gridCol w="1636858">
+                  <a:extLst>
+                    <a:ext uri="{9D8B030D-6E8A-4147-A177-3AD203B41FA5}">
+                      <a16:colId xmlns:a16="http://schemas.microsoft.com/office/drawing/2014/main" val="2308286144"/>
+                    </a:ext>
+                  </a:extLst>
+                </a:gridCol>
+                <a:gridCol w="1636858">
+                  <a:extLst>
+                    <a:ext uri="{9D8B030D-6E8A-4147-A177-3AD203B41FA5}">
+                      <a16:colId xmlns:a16="http://schemas.microsoft.com/office/drawing/2014/main" val="3110422684"/>
+                    </a:ext>
+                  </a:extLst>
+                </a:gridCol>
+                <a:gridCol w="1636858">
+                  <a:extLst>
+                    <a:ext uri="{9D8B030D-6E8A-4147-A177-3AD203B41FA5}">
+                      <a16:colId xmlns:a16="http://schemas.microsoft.com/office/drawing/2014/main" val="311742520"/>
+                    </a:ext>
+                  </a:extLst>
+                </a:gridCol>
+              </a:tblGrid>
+              <a:tr h="306886">
+                <a:tc>
+                  <a:txBody>
+                    <a:bodyPr/>
+                    <a:lstStyle/>
+                    <a:p>
+                      <a:pPr algn="r" fontAlgn="ctr"/>
+                      <a:br>
+                        <a:rPr lang="en-US" sz="1100" b="1" dirty="0">
+                          <a:effectLst/>
+                        </a:rPr>
+                      </a:br>
+                      <a:r>
+                        <a:rPr lang="en-US" sz="1100" b="1" dirty="0">
+                          <a:effectLst/>
+                        </a:rPr>
+                        <a:t>Group data</a:t>
+                      </a:r>
+                    </a:p>
+                  </a:txBody>
+                  <a:tcPr marL="32232" marR="32232" marT="16116" marB="16116" anchor="ctr"/>
+                </a:tc>
+                <a:tc>
+                  <a:txBody>
+                    <a:bodyPr/>
+                    <a:lstStyle/>
+                    <a:p>
+                      <a:pPr algn="r" fontAlgn="ctr"/>
+                      <a:endParaRPr lang="en-US" sz="1100" b="1" dirty="0">
+                        <a:effectLst/>
+                      </a:endParaRPr>
+                    </a:p>
+                  </a:txBody>
+                  <a:tcPr marL="32232" marR="32232" marT="16116" marB="16116" anchor="ctr"/>
+                </a:tc>
+                <a:tc>
+                  <a:txBody>
+                    <a:bodyPr/>
+                    <a:lstStyle/>
+                    <a:p>
+                      <a:pPr algn="r" fontAlgn="ctr"/>
+                      <a:r>
+                        <a:rPr lang="en-US" sz="1100" b="1" dirty="0">
+                          <a:effectLst/>
+                        </a:rPr>
+                        <a:t>0</a:t>
+                      </a:r>
+                    </a:p>
+                  </a:txBody>
+                  <a:tcPr marL="32232" marR="32232" marT="16116" marB="16116" anchor="ctr"/>
+                </a:tc>
+                <a:tc>
+                  <a:txBody>
+                    <a:bodyPr/>
+                    <a:lstStyle/>
+                    <a:p>
+                      <a:pPr algn="r" fontAlgn="ctr"/>
+                      <a:r>
+                        <a:rPr lang="en-US" sz="1100" b="1" dirty="0">
+                          <a:effectLst/>
+                        </a:rPr>
+                        <a:t>1</a:t>
+                      </a:r>
+                    </a:p>
+                  </a:txBody>
+                  <a:tcPr marL="32232" marR="32232" marT="16116" marB="16116" anchor="ctr"/>
+                </a:tc>
+                <a:tc>
+                  <a:txBody>
+                    <a:bodyPr/>
+                    <a:lstStyle/>
+                    <a:p>
+                      <a:pPr algn="r" fontAlgn="ctr"/>
+                      <a:r>
+                        <a:rPr lang="en-US" sz="1100" b="1" dirty="0">
+                          <a:effectLst/>
+                        </a:rPr>
+                        <a:t>2</a:t>
+                      </a:r>
+                    </a:p>
+                  </a:txBody>
+                  <a:tcPr marL="32232" marR="32232" marT="16116" marB="16116" anchor="ctr"/>
+                </a:tc>
+                <a:extLst>
+                  <a:ext uri="{0D108BD9-81ED-4DB2-BD59-A6C34878D82A}">
+                    <a16:rowId xmlns:a16="http://schemas.microsoft.com/office/drawing/2014/main" val="4186459872"/>
+                  </a:ext>
+                </a:extLst>
+              </a:tr>
+              <a:tr h="168118">
+                <a:tc rowSpan="8">
+                  <a:txBody>
+                    <a:bodyPr/>
+                    <a:lstStyle/>
+                    <a:p>
+                      <a:pPr algn="r" fontAlgn="t"/>
+                      <a:r>
+                        <a:rPr lang="en-US" sz="1100" b="1" dirty="0">
+                          <a:effectLst/>
+                        </a:rPr>
+                        <a:t>Dur. (</a:t>
+                      </a:r>
+                      <a:r>
+                        <a:rPr lang="en-US" sz="1100" b="1" dirty="0" err="1">
+                          <a:effectLst/>
+                        </a:rPr>
+                        <a:t>ms</a:t>
+                      </a:r>
+                      <a:r>
+                        <a:rPr lang="en-US" sz="1100" b="1" dirty="0">
+                          <a:effectLst/>
+                        </a:rPr>
+                        <a:t>)</a:t>
+                      </a:r>
+                    </a:p>
+                  </a:txBody>
+                  <a:tcPr marL="32232" marR="32232" marT="16116" marB="16116"/>
+                </a:tc>
+                <a:tc>
+                  <a:txBody>
+                    <a:bodyPr/>
+                    <a:lstStyle/>
+                    <a:p>
+                      <a:pPr algn="r" fontAlgn="t"/>
+                      <a:r>
+                        <a:rPr lang="en-US" sz="1100" b="1">
+                          <a:effectLst/>
+                        </a:rPr>
+                        <a:t>count</a:t>
+                      </a:r>
+                    </a:p>
+                  </a:txBody>
+                  <a:tcPr marL="32232" marR="32232" marT="16116" marB="16116"/>
+                </a:tc>
+                <a:tc>
+                  <a:txBody>
+                    <a:bodyPr/>
+                    <a:lstStyle/>
+                    <a:p>
+                      <a:pPr algn="r" fontAlgn="ctr"/>
+                      <a:r>
+                        <a:rPr lang="en-US" sz="1100" b="1">
+                          <a:effectLst/>
+                        </a:rPr>
+                        <a:t>5.202500e+04</a:t>
+                      </a:r>
+                    </a:p>
+                  </a:txBody>
+                  <a:tcPr marL="32232" marR="32232" marT="16116" marB="16116" anchor="ctr"/>
+                </a:tc>
+                <a:tc>
+                  <a:txBody>
+                    <a:bodyPr/>
+                    <a:lstStyle/>
+                    <a:p>
+                      <a:pPr algn="r" fontAlgn="ctr"/>
+                      <a:r>
+                        <a:rPr lang="en-US" sz="1100" b="1">
+                          <a:effectLst/>
+                        </a:rPr>
+                        <a:t>4.578400e+04</a:t>
+                      </a:r>
+                    </a:p>
+                  </a:txBody>
+                  <a:tcPr marL="32232" marR="32232" marT="16116" marB="16116" anchor="ctr"/>
+                </a:tc>
+                <a:tc>
+                  <a:txBody>
+                    <a:bodyPr/>
+                    <a:lstStyle/>
+                    <a:p>
+                      <a:pPr algn="r" fontAlgn="ctr"/>
+                      <a:r>
+                        <a:rPr lang="en-US" sz="1100" b="1">
+                          <a:effectLst/>
+                        </a:rPr>
+                        <a:t>5.069700e+04</a:t>
+                      </a:r>
+                    </a:p>
+                  </a:txBody>
+                  <a:tcPr marL="32232" marR="32232" marT="16116" marB="16116" anchor="ctr"/>
+                </a:tc>
+                <a:extLst>
+                  <a:ext uri="{0D108BD9-81ED-4DB2-BD59-A6C34878D82A}">
+                    <a16:rowId xmlns:a16="http://schemas.microsoft.com/office/drawing/2014/main" val="2442927400"/>
+                  </a:ext>
+                </a:extLst>
+              </a:tr>
+              <a:tr h="168118">
+                <a:tc vMerge="1">
+                  <a:txBody>
+                    <a:bodyPr/>
+                    <a:lstStyle/>
+                    <a:p>
+                      <a:endParaRPr lang="en-US"/>
+                    </a:p>
+                  </a:txBody>
+                  <a:tcPr/>
+                </a:tc>
+                <a:tc>
+                  <a:txBody>
+                    <a:bodyPr/>
+                    <a:lstStyle/>
+                    <a:p>
+                      <a:pPr algn="r" fontAlgn="ctr"/>
+                      <a:r>
+                        <a:rPr lang="en-US" sz="1100" b="1">
+                          <a:effectLst/>
+                        </a:rPr>
+                        <a:t>mean</a:t>
+                      </a:r>
+                    </a:p>
+                  </a:txBody>
+                  <a:tcPr marL="32232" marR="32232" marT="16116" marB="16116" anchor="ctr"/>
+                </a:tc>
+                <a:tc>
+                  <a:txBody>
+                    <a:bodyPr/>
+                    <a:lstStyle/>
+                    <a:p>
+                      <a:pPr algn="r" fontAlgn="ctr"/>
+                      <a:r>
+                        <a:rPr lang="en-US" sz="1100" b="1">
+                          <a:effectLst/>
+                        </a:rPr>
+                        <a:t>1.051979e+05</a:t>
+                      </a:r>
+                    </a:p>
+                  </a:txBody>
+                  <a:tcPr marL="32232" marR="32232" marT="16116" marB="16116" anchor="ctr"/>
+                </a:tc>
+                <a:tc>
+                  <a:txBody>
+                    <a:bodyPr/>
+                    <a:lstStyle/>
+                    <a:p>
+                      <a:pPr algn="r" fontAlgn="ctr"/>
+                      <a:r>
+                        <a:rPr lang="en-US" sz="1100" b="1">
+                          <a:effectLst/>
+                        </a:rPr>
+                        <a:t>1.054021e+05</a:t>
+                      </a:r>
+                    </a:p>
+                  </a:txBody>
+                  <a:tcPr marL="32232" marR="32232" marT="16116" marB="16116" anchor="ctr"/>
+                </a:tc>
+                <a:tc>
+                  <a:txBody>
+                    <a:bodyPr/>
+                    <a:lstStyle/>
+                    <a:p>
+                      <a:pPr algn="r" fontAlgn="ctr"/>
+                      <a:r>
+                        <a:rPr lang="en-US" sz="1100" b="1" dirty="0">
+                          <a:effectLst/>
+                        </a:rPr>
+                        <a:t>1.046800e+05</a:t>
+                      </a:r>
+                    </a:p>
+                  </a:txBody>
+                  <a:tcPr marL="32232" marR="32232" marT="16116" marB="16116" anchor="ctr"/>
+                </a:tc>
+                <a:extLst>
+                  <a:ext uri="{0D108BD9-81ED-4DB2-BD59-A6C34878D82A}">
+                    <a16:rowId xmlns:a16="http://schemas.microsoft.com/office/drawing/2014/main" val="556679381"/>
+                  </a:ext>
+                </a:extLst>
+              </a:tr>
+              <a:tr h="168118">
+                <a:tc vMerge="1">
+                  <a:txBody>
+                    <a:bodyPr/>
+                    <a:lstStyle/>
+                    <a:p>
+                      <a:endParaRPr lang="en-US"/>
+                    </a:p>
+                  </a:txBody>
+                  <a:tcPr/>
+                </a:tc>
+                <a:tc>
+                  <a:txBody>
+                    <a:bodyPr/>
+                    <a:lstStyle/>
+                    <a:p>
+                      <a:pPr algn="r" fontAlgn="ctr"/>
+                      <a:r>
+                        <a:rPr lang="en-US" sz="1100" b="1">
+                          <a:effectLst/>
+                        </a:rPr>
+                        <a:t>std</a:t>
+                      </a:r>
+                    </a:p>
+                  </a:txBody>
+                  <a:tcPr marL="32232" marR="32232" marT="16116" marB="16116" anchor="ctr"/>
+                </a:tc>
+                <a:tc>
+                  <a:txBody>
+                    <a:bodyPr/>
+                    <a:lstStyle/>
+                    <a:p>
+                      <a:pPr algn="r" fontAlgn="ctr"/>
+                      <a:r>
+                        <a:rPr lang="en-US" sz="1100" b="1">
+                          <a:effectLst/>
+                        </a:rPr>
+                        <a:t>8.116841e+04</a:t>
+                      </a:r>
+                    </a:p>
+                  </a:txBody>
+                  <a:tcPr marL="32232" marR="32232" marT="16116" marB="16116" anchor="ctr"/>
+                </a:tc>
+                <a:tc>
+                  <a:txBody>
+                    <a:bodyPr/>
+                    <a:lstStyle/>
+                    <a:p>
+                      <a:pPr algn="r" fontAlgn="ctr"/>
+                      <a:r>
+                        <a:rPr lang="en-US" sz="1100" b="1">
+                          <a:effectLst/>
+                        </a:rPr>
+                        <a:t>8.146546e+04</a:t>
+                      </a:r>
+                    </a:p>
+                  </a:txBody>
+                  <a:tcPr marL="32232" marR="32232" marT="16116" marB="16116" anchor="ctr"/>
+                </a:tc>
+                <a:tc>
+                  <a:txBody>
+                    <a:bodyPr/>
+                    <a:lstStyle/>
+                    <a:p>
+                      <a:pPr algn="r" fontAlgn="ctr"/>
+                      <a:r>
+                        <a:rPr lang="en-US" sz="1100" b="1">
+                          <a:effectLst/>
+                        </a:rPr>
+                        <a:t>8.061765e+04</a:t>
+                      </a:r>
+                    </a:p>
+                  </a:txBody>
+                  <a:tcPr marL="32232" marR="32232" marT="16116" marB="16116" anchor="ctr"/>
+                </a:tc>
+                <a:extLst>
+                  <a:ext uri="{0D108BD9-81ED-4DB2-BD59-A6C34878D82A}">
+                    <a16:rowId xmlns:a16="http://schemas.microsoft.com/office/drawing/2014/main" val="2181604583"/>
+                  </a:ext>
+                </a:extLst>
+              </a:tr>
+              <a:tr h="168118">
+                <a:tc vMerge="1">
+                  <a:txBody>
+                    <a:bodyPr/>
+                    <a:lstStyle/>
+                    <a:p>
+                      <a:endParaRPr lang="en-US"/>
+                    </a:p>
+                  </a:txBody>
+                  <a:tcPr/>
+                </a:tc>
+                <a:tc>
+                  <a:txBody>
+                    <a:bodyPr/>
+                    <a:lstStyle/>
+                    <a:p>
+                      <a:pPr algn="r" fontAlgn="ctr"/>
+                      <a:r>
+                        <a:rPr lang="en-US" sz="1100" b="1">
+                          <a:effectLst/>
+                        </a:rPr>
+                        <a:t>min</a:t>
+                      </a:r>
+                    </a:p>
+                  </a:txBody>
+                  <a:tcPr marL="32232" marR="32232" marT="16116" marB="16116" anchor="ctr"/>
+                </a:tc>
+                <a:tc>
+                  <a:txBody>
+                    <a:bodyPr/>
+                    <a:lstStyle/>
+                    <a:p>
+                      <a:pPr algn="r" fontAlgn="ctr"/>
+                      <a:r>
+                        <a:rPr lang="en-US" sz="1100" b="1">
+                          <a:effectLst/>
+                        </a:rPr>
+                        <a:t>7.189000e+03</a:t>
+                      </a:r>
+                    </a:p>
+                  </a:txBody>
+                  <a:tcPr marL="32232" marR="32232" marT="16116" marB="16116" anchor="ctr"/>
+                </a:tc>
+                <a:tc>
+                  <a:txBody>
+                    <a:bodyPr/>
+                    <a:lstStyle/>
+                    <a:p>
+                      <a:pPr algn="r" fontAlgn="ctr"/>
+                      <a:r>
+                        <a:rPr lang="en-US" sz="1100" b="1">
+                          <a:effectLst/>
+                        </a:rPr>
+                        <a:t>7.142000e+03</a:t>
+                      </a:r>
+                    </a:p>
+                  </a:txBody>
+                  <a:tcPr marL="32232" marR="32232" marT="16116" marB="16116" anchor="ctr"/>
+                </a:tc>
+                <a:tc>
+                  <a:txBody>
+                    <a:bodyPr/>
+                    <a:lstStyle/>
+                    <a:p>
+                      <a:pPr algn="r" fontAlgn="ctr"/>
+                      <a:r>
+                        <a:rPr lang="en-US" sz="1100" b="1">
+                          <a:effectLst/>
+                        </a:rPr>
+                        <a:t>7.258000e+03</a:t>
+                      </a:r>
+                    </a:p>
+                  </a:txBody>
+                  <a:tcPr marL="32232" marR="32232" marT="16116" marB="16116" anchor="ctr"/>
+                </a:tc>
+                <a:extLst>
+                  <a:ext uri="{0D108BD9-81ED-4DB2-BD59-A6C34878D82A}">
+                    <a16:rowId xmlns:a16="http://schemas.microsoft.com/office/drawing/2014/main" val="3162809303"/>
+                  </a:ext>
+                </a:extLst>
+              </a:tr>
+              <a:tr h="168118">
+                <a:tc vMerge="1">
+                  <a:txBody>
+                    <a:bodyPr/>
+                    <a:lstStyle/>
+                    <a:p>
+                      <a:endParaRPr lang="en-US"/>
+                    </a:p>
+                  </a:txBody>
+                  <a:tcPr/>
+                </a:tc>
+                <a:tc>
+                  <a:txBody>
+                    <a:bodyPr/>
+                    <a:lstStyle/>
+                    <a:p>
+                      <a:pPr algn="r" fontAlgn="ctr"/>
+                      <a:r>
+                        <a:rPr lang="en-US" sz="1100" b="1">
+                          <a:effectLst/>
+                        </a:rPr>
+                        <a:t>25%</a:t>
+                      </a:r>
+                    </a:p>
+                  </a:txBody>
+                  <a:tcPr marL="32232" marR="32232" marT="16116" marB="16116" anchor="ctr"/>
+                </a:tc>
+                <a:tc>
+                  <a:txBody>
+                    <a:bodyPr/>
+                    <a:lstStyle/>
+                    <a:p>
+                      <a:pPr algn="r" fontAlgn="ctr"/>
+                      <a:r>
+                        <a:rPr lang="en-US" sz="1100" b="1">
+                          <a:effectLst/>
+                        </a:rPr>
+                        <a:t>5.865400e+04</a:t>
+                      </a:r>
+                    </a:p>
+                  </a:txBody>
+                  <a:tcPr marL="32232" marR="32232" marT="16116" marB="16116" anchor="ctr"/>
+                </a:tc>
+                <a:tc>
+                  <a:txBody>
+                    <a:bodyPr/>
+                    <a:lstStyle/>
+                    <a:p>
+                      <a:pPr algn="r" fontAlgn="ctr"/>
+                      <a:r>
+                        <a:rPr lang="en-US" sz="1100" b="1">
+                          <a:effectLst/>
+                        </a:rPr>
+                        <a:t>5.819475e+04</a:t>
+                      </a:r>
+                    </a:p>
+                  </a:txBody>
+                  <a:tcPr marL="32232" marR="32232" marT="16116" marB="16116" anchor="ctr"/>
+                </a:tc>
+                <a:tc>
+                  <a:txBody>
+                    <a:bodyPr/>
+                    <a:lstStyle/>
+                    <a:p>
+                      <a:pPr algn="r" fontAlgn="ctr"/>
+                      <a:r>
+                        <a:rPr lang="en-US" sz="1100" b="1">
+                          <a:effectLst/>
+                        </a:rPr>
+                        <a:t>5.800400e+04</a:t>
+                      </a:r>
+                    </a:p>
+                  </a:txBody>
+                  <a:tcPr marL="32232" marR="32232" marT="16116" marB="16116" anchor="ctr"/>
+                </a:tc>
+                <a:extLst>
+                  <a:ext uri="{0D108BD9-81ED-4DB2-BD59-A6C34878D82A}">
+                    <a16:rowId xmlns:a16="http://schemas.microsoft.com/office/drawing/2014/main" val="4007832818"/>
+                  </a:ext>
+                </a:extLst>
+              </a:tr>
+              <a:tr h="168118">
+                <a:tc vMerge="1">
+                  <a:txBody>
+                    <a:bodyPr/>
+                    <a:lstStyle/>
+                    <a:p>
+                      <a:endParaRPr lang="en-US"/>
+                    </a:p>
+                  </a:txBody>
+                  <a:tcPr/>
+                </a:tc>
+                <a:tc>
+                  <a:txBody>
+                    <a:bodyPr/>
+                    <a:lstStyle/>
+                    <a:p>
+                      <a:pPr algn="r" fontAlgn="ctr"/>
+                      <a:r>
+                        <a:rPr lang="en-US" sz="1100" b="1">
+                          <a:effectLst/>
+                        </a:rPr>
+                        <a:t>50%</a:t>
+                      </a:r>
+                    </a:p>
+                  </a:txBody>
+                  <a:tcPr marL="32232" marR="32232" marT="16116" marB="16116" anchor="ctr"/>
+                </a:tc>
+                <a:tc>
+                  <a:txBody>
+                    <a:bodyPr/>
+                    <a:lstStyle/>
+                    <a:p>
+                      <a:pPr algn="r" fontAlgn="ctr"/>
+                      <a:r>
+                        <a:rPr lang="en-US" sz="1100" b="1">
+                          <a:effectLst/>
+                        </a:rPr>
+                        <a:t>8.639900e+04</a:t>
+                      </a:r>
+                    </a:p>
+                  </a:txBody>
+                  <a:tcPr marL="32232" marR="32232" marT="16116" marB="16116" anchor="ctr"/>
+                </a:tc>
+                <a:tc>
+                  <a:txBody>
+                    <a:bodyPr/>
+                    <a:lstStyle/>
+                    <a:p>
+                      <a:pPr algn="r" fontAlgn="ctr"/>
+                      <a:r>
+                        <a:rPr lang="en-US" sz="1100" b="1">
+                          <a:effectLst/>
+                        </a:rPr>
+                        <a:t>8.639900e+04</a:t>
+                      </a:r>
+                    </a:p>
+                  </a:txBody>
+                  <a:tcPr marL="32232" marR="32232" marT="16116" marB="16116" anchor="ctr"/>
+                </a:tc>
+                <a:tc>
+                  <a:txBody>
+                    <a:bodyPr/>
+                    <a:lstStyle/>
+                    <a:p>
+                      <a:pPr algn="r" fontAlgn="ctr"/>
+                      <a:r>
+                        <a:rPr lang="en-US" sz="1100" b="1">
+                          <a:effectLst/>
+                        </a:rPr>
+                        <a:t>8.639900e+04</a:t>
+                      </a:r>
+                    </a:p>
+                  </a:txBody>
+                  <a:tcPr marL="32232" marR="32232" marT="16116" marB="16116" anchor="ctr"/>
+                </a:tc>
+                <a:extLst>
+                  <a:ext uri="{0D108BD9-81ED-4DB2-BD59-A6C34878D82A}">
+                    <a16:rowId xmlns:a16="http://schemas.microsoft.com/office/drawing/2014/main" val="3966687031"/>
+                  </a:ext>
+                </a:extLst>
+              </a:tr>
+              <a:tr h="168118">
+                <a:tc vMerge="1">
+                  <a:txBody>
+                    <a:bodyPr/>
+                    <a:lstStyle/>
+                    <a:p>
+                      <a:endParaRPr lang="en-US"/>
+                    </a:p>
+                  </a:txBody>
+                  <a:tcPr/>
+                </a:tc>
+                <a:tc>
+                  <a:txBody>
+                    <a:bodyPr/>
+                    <a:lstStyle/>
+                    <a:p>
+                      <a:pPr algn="r" fontAlgn="ctr"/>
+                      <a:r>
+                        <a:rPr lang="en-US" sz="1100" b="1">
+                          <a:effectLst/>
+                        </a:rPr>
+                        <a:t>75%</a:t>
+                      </a:r>
+                    </a:p>
+                  </a:txBody>
+                  <a:tcPr marL="32232" marR="32232" marT="16116" marB="16116" anchor="ctr"/>
+                </a:tc>
+                <a:tc>
+                  <a:txBody>
+                    <a:bodyPr/>
+                    <a:lstStyle/>
+                    <a:p>
+                      <a:pPr algn="r" fontAlgn="ctr"/>
+                      <a:r>
+                        <a:rPr lang="en-US" sz="1100" b="1">
+                          <a:effectLst/>
+                        </a:rPr>
+                        <a:t>1.326780e+05</a:t>
+                      </a:r>
+                    </a:p>
+                  </a:txBody>
+                  <a:tcPr marL="32232" marR="32232" marT="16116" marB="16116" anchor="ctr"/>
+                </a:tc>
+                <a:tc>
+                  <a:txBody>
+                    <a:bodyPr/>
+                    <a:lstStyle/>
+                    <a:p>
+                      <a:pPr algn="r" fontAlgn="ctr"/>
+                      <a:r>
+                        <a:rPr lang="en-US" sz="1100" b="1">
+                          <a:effectLst/>
+                        </a:rPr>
+                        <a:t>1.333525e+05</a:t>
+                      </a:r>
+                    </a:p>
+                  </a:txBody>
+                  <a:tcPr marL="32232" marR="32232" marT="16116" marB="16116" anchor="ctr"/>
+                </a:tc>
+                <a:tc>
+                  <a:txBody>
+                    <a:bodyPr/>
+                    <a:lstStyle/>
+                    <a:p>
+                      <a:pPr algn="r" fontAlgn="ctr"/>
+                      <a:r>
+                        <a:rPr lang="en-US" sz="1100" b="1">
+                          <a:effectLst/>
+                        </a:rPr>
+                        <a:t>1.327110e+05</a:t>
+                      </a:r>
+                    </a:p>
+                  </a:txBody>
+                  <a:tcPr marL="32232" marR="32232" marT="16116" marB="16116" anchor="ctr"/>
+                </a:tc>
+                <a:extLst>
+                  <a:ext uri="{0D108BD9-81ED-4DB2-BD59-A6C34878D82A}">
+                    <a16:rowId xmlns:a16="http://schemas.microsoft.com/office/drawing/2014/main" val="2448221177"/>
+                  </a:ext>
+                </a:extLst>
+              </a:tr>
+              <a:tr h="168118">
+                <a:tc vMerge="1">
+                  <a:txBody>
+                    <a:bodyPr/>
+                    <a:lstStyle/>
+                    <a:p>
+                      <a:endParaRPr lang="en-US"/>
+                    </a:p>
+                  </a:txBody>
+                  <a:tcPr/>
+                </a:tc>
+                <a:tc>
+                  <a:txBody>
+                    <a:bodyPr/>
+                    <a:lstStyle/>
+                    <a:p>
+                      <a:pPr algn="r" fontAlgn="ctr"/>
+                      <a:r>
+                        <a:rPr lang="en-US" sz="1100" b="1">
+                          <a:effectLst/>
+                        </a:rPr>
+                        <a:t>max</a:t>
+                      </a:r>
+                    </a:p>
+                  </a:txBody>
+                  <a:tcPr marL="32232" marR="32232" marT="16116" marB="16116" anchor="ctr"/>
+                </a:tc>
+                <a:tc>
+                  <a:txBody>
+                    <a:bodyPr/>
+                    <a:lstStyle/>
+                    <a:p>
+                      <a:pPr algn="r" fontAlgn="ctr"/>
+                      <a:r>
+                        <a:rPr lang="en-US" sz="1100" b="1">
+                          <a:effectLst/>
+                        </a:rPr>
+                        <a:t>1.859336e+06</a:t>
+                      </a:r>
+                    </a:p>
+                  </a:txBody>
+                  <a:tcPr marL="32232" marR="32232" marT="16116" marB="16116" anchor="ctr"/>
+                </a:tc>
+                <a:tc>
+                  <a:txBody>
+                    <a:bodyPr/>
+                    <a:lstStyle/>
+                    <a:p>
+                      <a:pPr algn="r" fontAlgn="ctr"/>
+                      <a:r>
+                        <a:rPr lang="en-US" sz="1100" b="1">
+                          <a:effectLst/>
+                        </a:rPr>
+                        <a:t>1.686493e+06</a:t>
+                      </a:r>
+                    </a:p>
+                  </a:txBody>
+                  <a:tcPr marL="32232" marR="32232" marT="16116" marB="16116" anchor="ctr"/>
+                </a:tc>
+                <a:tc>
+                  <a:txBody>
+                    <a:bodyPr/>
+                    <a:lstStyle/>
+                    <a:p>
+                      <a:pPr algn="r" fontAlgn="ctr"/>
+                      <a:r>
+                        <a:rPr lang="en-US" sz="1100" b="1">
+                          <a:effectLst/>
+                        </a:rPr>
+                        <a:t>1.859327e+06</a:t>
+                      </a:r>
+                    </a:p>
+                  </a:txBody>
+                  <a:tcPr marL="32232" marR="32232" marT="16116" marB="16116" anchor="ctr"/>
+                </a:tc>
+                <a:extLst>
+                  <a:ext uri="{0D108BD9-81ED-4DB2-BD59-A6C34878D82A}">
+                    <a16:rowId xmlns:a16="http://schemas.microsoft.com/office/drawing/2014/main" val="3437374927"/>
+                  </a:ext>
+                </a:extLst>
+              </a:tr>
+              <a:tr h="168118">
+                <a:tc rowSpan="8">
+                  <a:txBody>
+                    <a:bodyPr/>
+                    <a:lstStyle/>
+                    <a:p>
+                      <a:pPr algn="r" fontAlgn="t"/>
+                      <a:r>
+                        <a:rPr lang="en-US" sz="1100" b="1">
+                          <a:effectLst/>
+                        </a:rPr>
+                        <a:t>Bearer Id</a:t>
+                      </a:r>
+                    </a:p>
+                  </a:txBody>
+                  <a:tcPr marL="32232" marR="32232" marT="16116" marB="16116"/>
+                </a:tc>
+                <a:tc>
+                  <a:txBody>
+                    <a:bodyPr/>
+                    <a:lstStyle/>
+                    <a:p>
+                      <a:pPr algn="r" fontAlgn="t"/>
+                      <a:r>
+                        <a:rPr lang="en-US" sz="1100" b="1">
+                          <a:effectLst/>
+                        </a:rPr>
+                        <a:t>count</a:t>
+                      </a:r>
+                    </a:p>
+                  </a:txBody>
+                  <a:tcPr marL="32232" marR="32232" marT="16116" marB="16116"/>
+                </a:tc>
+                <a:tc>
+                  <a:txBody>
+                    <a:bodyPr/>
+                    <a:lstStyle/>
+                    <a:p>
+                      <a:pPr algn="r" fontAlgn="ctr"/>
+                      <a:r>
+                        <a:rPr lang="en-US" sz="1100" b="1">
+                          <a:effectLst/>
+                        </a:rPr>
+                        <a:t>5.202500e+04</a:t>
+                      </a:r>
+                    </a:p>
+                  </a:txBody>
+                  <a:tcPr marL="32232" marR="32232" marT="16116" marB="16116" anchor="ctr"/>
+                </a:tc>
+                <a:tc>
+                  <a:txBody>
+                    <a:bodyPr/>
+                    <a:lstStyle/>
+                    <a:p>
+                      <a:pPr algn="r" fontAlgn="ctr"/>
+                      <a:r>
+                        <a:rPr lang="en-US" sz="1100" b="1">
+                          <a:effectLst/>
+                        </a:rPr>
+                        <a:t>4.578400e+04</a:t>
+                      </a:r>
+                    </a:p>
+                  </a:txBody>
+                  <a:tcPr marL="32232" marR="32232" marT="16116" marB="16116" anchor="ctr"/>
+                </a:tc>
+                <a:tc>
+                  <a:txBody>
+                    <a:bodyPr/>
+                    <a:lstStyle/>
+                    <a:p>
+                      <a:pPr algn="r" fontAlgn="ctr"/>
+                      <a:r>
+                        <a:rPr lang="en-US" sz="1100" b="1">
+                          <a:effectLst/>
+                        </a:rPr>
+                        <a:t>5.069700e+04</a:t>
+                      </a:r>
+                    </a:p>
+                  </a:txBody>
+                  <a:tcPr marL="32232" marR="32232" marT="16116" marB="16116" anchor="ctr"/>
+                </a:tc>
+                <a:extLst>
+                  <a:ext uri="{0D108BD9-81ED-4DB2-BD59-A6C34878D82A}">
+                    <a16:rowId xmlns:a16="http://schemas.microsoft.com/office/drawing/2014/main" val="2853286475"/>
+                  </a:ext>
+                </a:extLst>
+              </a:tr>
+              <a:tr h="168118">
+                <a:tc vMerge="1">
+                  <a:txBody>
+                    <a:bodyPr/>
+                    <a:lstStyle/>
+                    <a:p>
+                      <a:endParaRPr lang="en-US"/>
+                    </a:p>
+                  </a:txBody>
+                  <a:tcPr/>
+                </a:tc>
+                <a:tc>
+                  <a:txBody>
+                    <a:bodyPr/>
+                    <a:lstStyle/>
+                    <a:p>
+                      <a:pPr algn="r" fontAlgn="ctr"/>
+                      <a:r>
+                        <a:rPr lang="en-US" sz="1100" b="1">
+                          <a:effectLst/>
+                        </a:rPr>
+                        <a:t>mean</a:t>
+                      </a:r>
+                    </a:p>
+                  </a:txBody>
+                  <a:tcPr marL="32232" marR="32232" marT="16116" marB="16116" anchor="ctr"/>
+                </a:tc>
+                <a:tc>
+                  <a:txBody>
+                    <a:bodyPr/>
+                    <a:lstStyle/>
+                    <a:p>
+                      <a:pPr algn="r" fontAlgn="ctr"/>
+                      <a:r>
+                        <a:rPr lang="en-US" sz="1100" b="1">
+                          <a:effectLst/>
+                        </a:rPr>
+                        <a:t>1.013791e+19</a:t>
+                      </a:r>
+                    </a:p>
+                  </a:txBody>
+                  <a:tcPr marL="32232" marR="32232" marT="16116" marB="16116" anchor="ctr"/>
+                </a:tc>
+                <a:tc>
+                  <a:txBody>
+                    <a:bodyPr/>
+                    <a:lstStyle/>
+                    <a:p>
+                      <a:pPr algn="r" fontAlgn="ctr"/>
+                      <a:r>
+                        <a:rPr lang="en-US" sz="1100" b="1">
+                          <a:effectLst/>
+                        </a:rPr>
+                        <a:t>1.016698e+19</a:t>
+                      </a:r>
+                    </a:p>
+                  </a:txBody>
+                  <a:tcPr marL="32232" marR="32232" marT="16116" marB="16116" anchor="ctr"/>
+                </a:tc>
+                <a:tc>
+                  <a:txBody>
+                    <a:bodyPr/>
+                    <a:lstStyle/>
+                    <a:p>
+                      <a:pPr algn="r" fontAlgn="ctr"/>
+                      <a:r>
+                        <a:rPr lang="en-US" sz="1100" b="1">
+                          <a:effectLst/>
+                        </a:rPr>
+                        <a:t>1.013756e+19</a:t>
+                      </a:r>
+                    </a:p>
+                  </a:txBody>
+                  <a:tcPr marL="32232" marR="32232" marT="16116" marB="16116" anchor="ctr"/>
+                </a:tc>
+                <a:extLst>
+                  <a:ext uri="{0D108BD9-81ED-4DB2-BD59-A6C34878D82A}">
+                    <a16:rowId xmlns:a16="http://schemas.microsoft.com/office/drawing/2014/main" val="1232829274"/>
+                  </a:ext>
+                </a:extLst>
+              </a:tr>
+              <a:tr h="168118">
+                <a:tc vMerge="1">
+                  <a:txBody>
+                    <a:bodyPr/>
+                    <a:lstStyle/>
+                    <a:p>
+                      <a:endParaRPr lang="en-US"/>
+                    </a:p>
+                  </a:txBody>
+                  <a:tcPr/>
+                </a:tc>
+                <a:tc>
+                  <a:txBody>
+                    <a:bodyPr/>
+                    <a:lstStyle/>
+                    <a:p>
+                      <a:pPr algn="r" fontAlgn="ctr"/>
+                      <a:r>
+                        <a:rPr lang="en-US" sz="1100" b="1">
+                          <a:effectLst/>
+                        </a:rPr>
+                        <a:t>std</a:t>
+                      </a:r>
+                    </a:p>
+                  </a:txBody>
+                  <a:tcPr marL="32232" marR="32232" marT="16116" marB="16116" anchor="ctr"/>
+                </a:tc>
+                <a:tc>
+                  <a:txBody>
+                    <a:bodyPr/>
+                    <a:lstStyle/>
+                    <a:p>
+                      <a:pPr algn="r" fontAlgn="ctr"/>
+                      <a:r>
+                        <a:rPr lang="en-US" sz="1100" b="1">
+                          <a:effectLst/>
+                        </a:rPr>
+                        <a:t>2.893096e+18</a:t>
+                      </a:r>
+                    </a:p>
+                  </a:txBody>
+                  <a:tcPr marL="32232" marR="32232" marT="16116" marB="16116" anchor="ctr"/>
+                </a:tc>
+                <a:tc>
+                  <a:txBody>
+                    <a:bodyPr/>
+                    <a:lstStyle/>
+                    <a:p>
+                      <a:pPr algn="r" fontAlgn="ctr"/>
+                      <a:r>
+                        <a:rPr lang="en-US" sz="1100" b="1">
+                          <a:effectLst/>
+                        </a:rPr>
+                        <a:t>2.893308e+18</a:t>
+                      </a:r>
+                    </a:p>
+                  </a:txBody>
+                  <a:tcPr marL="32232" marR="32232" marT="16116" marB="16116" anchor="ctr"/>
+                </a:tc>
+                <a:tc>
+                  <a:txBody>
+                    <a:bodyPr/>
+                    <a:lstStyle/>
+                    <a:p>
+                      <a:pPr algn="r" fontAlgn="ctr"/>
+                      <a:r>
+                        <a:rPr lang="en-US" sz="1100" b="1">
+                          <a:effectLst/>
+                        </a:rPr>
+                        <a:t>2.893346e+18</a:t>
+                      </a:r>
+                    </a:p>
+                  </a:txBody>
+                  <a:tcPr marL="32232" marR="32232" marT="16116" marB="16116" anchor="ctr"/>
+                </a:tc>
+                <a:extLst>
+                  <a:ext uri="{0D108BD9-81ED-4DB2-BD59-A6C34878D82A}">
+                    <a16:rowId xmlns:a16="http://schemas.microsoft.com/office/drawing/2014/main" val="642305994"/>
+                  </a:ext>
+                </a:extLst>
+              </a:tr>
+              <a:tr h="168118">
+                <a:tc vMerge="1">
+                  <a:txBody>
+                    <a:bodyPr/>
+                    <a:lstStyle/>
+                    <a:p>
+                      <a:endParaRPr lang="en-US"/>
+                    </a:p>
+                  </a:txBody>
+                  <a:tcPr/>
+                </a:tc>
+                <a:tc>
+                  <a:txBody>
+                    <a:bodyPr/>
+                    <a:lstStyle/>
+                    <a:p>
+                      <a:pPr algn="r" fontAlgn="ctr"/>
+                      <a:r>
+                        <a:rPr lang="en-US" sz="1100" b="1">
+                          <a:effectLst/>
+                        </a:rPr>
+                        <a:t>min</a:t>
+                      </a:r>
+                    </a:p>
+                  </a:txBody>
+                  <a:tcPr marL="32232" marR="32232" marT="16116" marB="16116" anchor="ctr"/>
+                </a:tc>
+                <a:tc>
+                  <a:txBody>
+                    <a:bodyPr/>
+                    <a:lstStyle/>
+                    <a:p>
+                      <a:pPr algn="r" fontAlgn="ctr"/>
+                      <a:r>
+                        <a:rPr lang="en-US" sz="1100" b="1">
+                          <a:effectLst/>
+                        </a:rPr>
+                        <a:t>6.917540e+18</a:t>
+                      </a:r>
+                    </a:p>
+                  </a:txBody>
+                  <a:tcPr marL="32232" marR="32232" marT="16116" marB="16116" anchor="ctr"/>
+                </a:tc>
+                <a:tc>
+                  <a:txBody>
+                    <a:bodyPr/>
+                    <a:lstStyle/>
+                    <a:p>
+                      <a:pPr algn="r" fontAlgn="ctr"/>
+                      <a:r>
+                        <a:rPr lang="en-US" sz="1100" b="1">
+                          <a:effectLst/>
+                        </a:rPr>
+                        <a:t>6.917540e+18</a:t>
+                      </a:r>
+                    </a:p>
+                  </a:txBody>
+                  <a:tcPr marL="32232" marR="32232" marT="16116" marB="16116" anchor="ctr"/>
+                </a:tc>
+                <a:tc>
+                  <a:txBody>
+                    <a:bodyPr/>
+                    <a:lstStyle/>
+                    <a:p>
+                      <a:pPr algn="r" fontAlgn="ctr"/>
+                      <a:r>
+                        <a:rPr lang="en-US" sz="1100" b="1">
+                          <a:effectLst/>
+                        </a:rPr>
+                        <a:t>6.917540e+18</a:t>
+                      </a:r>
+                    </a:p>
+                  </a:txBody>
+                  <a:tcPr marL="32232" marR="32232" marT="16116" marB="16116" anchor="ctr"/>
+                </a:tc>
+                <a:extLst>
+                  <a:ext uri="{0D108BD9-81ED-4DB2-BD59-A6C34878D82A}">
+                    <a16:rowId xmlns:a16="http://schemas.microsoft.com/office/drawing/2014/main" val="1994855118"/>
+                  </a:ext>
+                </a:extLst>
+              </a:tr>
+              <a:tr h="168118">
+                <a:tc vMerge="1">
+                  <a:txBody>
+                    <a:bodyPr/>
+                    <a:lstStyle/>
+                    <a:p>
+                      <a:endParaRPr lang="en-US"/>
+                    </a:p>
+                  </a:txBody>
+                  <a:tcPr/>
+                </a:tc>
+                <a:tc>
+                  <a:txBody>
+                    <a:bodyPr/>
+                    <a:lstStyle/>
+                    <a:p>
+                      <a:pPr algn="r" fontAlgn="ctr"/>
+                      <a:r>
+                        <a:rPr lang="en-US" sz="1100" b="1">
+                          <a:effectLst/>
+                        </a:rPr>
+                        <a:t>25%</a:t>
+                      </a:r>
+                    </a:p>
+                  </a:txBody>
+                  <a:tcPr marL="32232" marR="32232" marT="16116" marB="16116" anchor="ctr"/>
+                </a:tc>
+                <a:tc>
+                  <a:txBody>
+                    <a:bodyPr/>
+                    <a:lstStyle/>
+                    <a:p>
+                      <a:pPr algn="r" fontAlgn="ctr"/>
+                      <a:r>
+                        <a:rPr lang="en-US" sz="1100" b="1">
+                          <a:effectLst/>
+                        </a:rPr>
+                        <a:t>7.349880e+18</a:t>
+                      </a:r>
+                    </a:p>
+                  </a:txBody>
+                  <a:tcPr marL="32232" marR="32232" marT="16116" marB="16116" anchor="ctr"/>
+                </a:tc>
+                <a:tc>
+                  <a:txBody>
+                    <a:bodyPr/>
+                    <a:lstStyle/>
+                    <a:p>
+                      <a:pPr algn="r" fontAlgn="ctr"/>
+                      <a:r>
+                        <a:rPr lang="en-US" sz="1100" b="1">
+                          <a:effectLst/>
+                        </a:rPr>
+                        <a:t>7.349880e+18</a:t>
+                      </a:r>
+                    </a:p>
+                  </a:txBody>
+                  <a:tcPr marL="32232" marR="32232" marT="16116" marB="16116" anchor="ctr"/>
+                </a:tc>
+                <a:tc>
+                  <a:txBody>
+                    <a:bodyPr/>
+                    <a:lstStyle/>
+                    <a:p>
+                      <a:pPr algn="r" fontAlgn="ctr"/>
+                      <a:r>
+                        <a:rPr lang="en-US" sz="1100" b="1">
+                          <a:effectLst/>
+                        </a:rPr>
+                        <a:t>7.349880e+18</a:t>
+                      </a:r>
+                    </a:p>
+                  </a:txBody>
+                  <a:tcPr marL="32232" marR="32232" marT="16116" marB="16116" anchor="ctr"/>
+                </a:tc>
+                <a:extLst>
+                  <a:ext uri="{0D108BD9-81ED-4DB2-BD59-A6C34878D82A}">
+                    <a16:rowId xmlns:a16="http://schemas.microsoft.com/office/drawing/2014/main" val="2351876002"/>
+                  </a:ext>
+                </a:extLst>
+              </a:tr>
+              <a:tr h="168118">
+                <a:tc vMerge="1">
+                  <a:txBody>
+                    <a:bodyPr/>
+                    <a:lstStyle/>
+                    <a:p>
+                      <a:endParaRPr lang="en-US"/>
+                    </a:p>
+                  </a:txBody>
+                  <a:tcPr/>
+                </a:tc>
+                <a:tc>
+                  <a:txBody>
+                    <a:bodyPr/>
+                    <a:lstStyle/>
+                    <a:p>
+                      <a:pPr algn="r" fontAlgn="ctr"/>
+                      <a:r>
+                        <a:rPr lang="en-US" sz="1100" b="1">
+                          <a:effectLst/>
+                        </a:rPr>
+                        <a:t>50%</a:t>
+                      </a:r>
+                    </a:p>
+                  </a:txBody>
+                  <a:tcPr marL="32232" marR="32232" marT="16116" marB="16116" anchor="ctr"/>
+                </a:tc>
+                <a:tc>
+                  <a:txBody>
+                    <a:bodyPr/>
+                    <a:lstStyle/>
+                    <a:p>
+                      <a:pPr algn="r" fontAlgn="ctr"/>
+                      <a:r>
+                        <a:rPr lang="en-US" sz="1100" b="1">
+                          <a:effectLst/>
+                        </a:rPr>
+                        <a:t>7.349880e+18</a:t>
+                      </a:r>
+                    </a:p>
+                  </a:txBody>
+                  <a:tcPr marL="32232" marR="32232" marT="16116" marB="16116" anchor="ctr"/>
+                </a:tc>
+                <a:tc>
+                  <a:txBody>
+                    <a:bodyPr/>
+                    <a:lstStyle/>
+                    <a:p>
+                      <a:pPr algn="r" fontAlgn="ctr"/>
+                      <a:r>
+                        <a:rPr lang="en-US" sz="1100" b="1">
+                          <a:effectLst/>
+                        </a:rPr>
+                        <a:t>7.349880e+18</a:t>
+                      </a:r>
+                    </a:p>
+                  </a:txBody>
+                  <a:tcPr marL="32232" marR="32232" marT="16116" marB="16116" anchor="ctr"/>
+                </a:tc>
+                <a:tc>
+                  <a:txBody>
+                    <a:bodyPr/>
+                    <a:lstStyle/>
+                    <a:p>
+                      <a:pPr algn="r" fontAlgn="ctr"/>
+                      <a:r>
+                        <a:rPr lang="en-US" sz="1100" b="1">
+                          <a:effectLst/>
+                        </a:rPr>
+                        <a:t>7.349880e+18</a:t>
+                      </a:r>
+                    </a:p>
+                  </a:txBody>
+                  <a:tcPr marL="32232" marR="32232" marT="16116" marB="16116" anchor="ctr"/>
+                </a:tc>
+                <a:extLst>
+                  <a:ext uri="{0D108BD9-81ED-4DB2-BD59-A6C34878D82A}">
+                    <a16:rowId xmlns:a16="http://schemas.microsoft.com/office/drawing/2014/main" val="3802739718"/>
+                  </a:ext>
+                </a:extLst>
+              </a:tr>
+              <a:tr h="168118">
+                <a:tc vMerge="1">
+                  <a:txBody>
+                    <a:bodyPr/>
+                    <a:lstStyle/>
+                    <a:p>
+                      <a:endParaRPr lang="en-US"/>
+                    </a:p>
+                  </a:txBody>
+                  <a:tcPr/>
+                </a:tc>
+                <a:tc>
+                  <a:txBody>
+                    <a:bodyPr/>
+                    <a:lstStyle/>
+                    <a:p>
+                      <a:pPr algn="r" fontAlgn="ctr"/>
+                      <a:r>
+                        <a:rPr lang="en-US" sz="1100" b="1">
+                          <a:effectLst/>
+                        </a:rPr>
+                        <a:t>75%</a:t>
+                      </a:r>
+                    </a:p>
+                  </a:txBody>
+                  <a:tcPr marL="32232" marR="32232" marT="16116" marB="16116" anchor="ctr"/>
+                </a:tc>
+                <a:tc>
+                  <a:txBody>
+                    <a:bodyPr/>
+                    <a:lstStyle/>
+                    <a:p>
+                      <a:pPr algn="r" fontAlgn="ctr"/>
+                      <a:r>
+                        <a:rPr lang="en-US" sz="1100" b="1">
+                          <a:effectLst/>
+                        </a:rPr>
+                        <a:t>1.304240e+19</a:t>
+                      </a:r>
+                    </a:p>
+                  </a:txBody>
+                  <a:tcPr marL="32232" marR="32232" marT="16116" marB="16116" anchor="ctr"/>
+                </a:tc>
+                <a:tc>
+                  <a:txBody>
+                    <a:bodyPr/>
+                    <a:lstStyle/>
+                    <a:p>
+                      <a:pPr algn="r" fontAlgn="ctr"/>
+                      <a:r>
+                        <a:rPr lang="en-US" sz="1100" b="1">
+                          <a:effectLst/>
+                        </a:rPr>
+                        <a:t>1.304240e+19</a:t>
+                      </a:r>
+                    </a:p>
+                  </a:txBody>
+                  <a:tcPr marL="32232" marR="32232" marT="16116" marB="16116" anchor="ctr"/>
+                </a:tc>
+                <a:tc>
+                  <a:txBody>
+                    <a:bodyPr/>
+                    <a:lstStyle/>
+                    <a:p>
+                      <a:pPr algn="r" fontAlgn="ctr"/>
+                      <a:r>
+                        <a:rPr lang="en-US" sz="1100" b="1">
+                          <a:effectLst/>
+                        </a:rPr>
+                        <a:t>1.304240e+19</a:t>
+                      </a:r>
+                    </a:p>
+                  </a:txBody>
+                  <a:tcPr marL="32232" marR="32232" marT="16116" marB="16116" anchor="ctr"/>
+                </a:tc>
+                <a:extLst>
+                  <a:ext uri="{0D108BD9-81ED-4DB2-BD59-A6C34878D82A}">
+                    <a16:rowId xmlns:a16="http://schemas.microsoft.com/office/drawing/2014/main" val="2033517296"/>
+                  </a:ext>
+                </a:extLst>
+              </a:tr>
+              <a:tr h="168118">
+                <a:tc vMerge="1">
+                  <a:txBody>
+                    <a:bodyPr/>
+                    <a:lstStyle/>
+                    <a:p>
+                      <a:endParaRPr lang="en-US"/>
+                    </a:p>
+                  </a:txBody>
+                  <a:tcPr/>
+                </a:tc>
+                <a:tc>
+                  <a:txBody>
+                    <a:bodyPr/>
+                    <a:lstStyle/>
+                    <a:p>
+                      <a:pPr algn="r" fontAlgn="ctr"/>
+                      <a:r>
+                        <a:rPr lang="en-US" sz="1100" b="1">
+                          <a:effectLst/>
+                        </a:rPr>
+                        <a:t>max</a:t>
+                      </a:r>
+                    </a:p>
+                  </a:txBody>
+                  <a:tcPr marL="32232" marR="32232" marT="16116" marB="16116" anchor="ctr"/>
+                </a:tc>
+                <a:tc>
+                  <a:txBody>
+                    <a:bodyPr/>
+                    <a:lstStyle/>
+                    <a:p>
+                      <a:pPr algn="r" fontAlgn="ctr"/>
+                      <a:r>
+                        <a:rPr lang="en-US" sz="1100" b="1">
+                          <a:effectLst/>
+                        </a:rPr>
+                        <a:t>1.318650e+19</a:t>
+                      </a:r>
+                    </a:p>
+                  </a:txBody>
+                  <a:tcPr marL="32232" marR="32232" marT="16116" marB="16116" anchor="ctr"/>
+                </a:tc>
+                <a:tc>
+                  <a:txBody>
+                    <a:bodyPr/>
+                    <a:lstStyle/>
+                    <a:p>
+                      <a:pPr algn="r" fontAlgn="ctr"/>
+                      <a:r>
+                        <a:rPr lang="en-US" sz="1100" b="1">
+                          <a:effectLst/>
+                        </a:rPr>
+                        <a:t>1.318650e+19</a:t>
+                      </a:r>
+                    </a:p>
+                  </a:txBody>
+                  <a:tcPr marL="32232" marR="32232" marT="16116" marB="16116" anchor="ctr"/>
+                </a:tc>
+                <a:tc>
+                  <a:txBody>
+                    <a:bodyPr/>
+                    <a:lstStyle/>
+                    <a:p>
+                      <a:pPr algn="r" fontAlgn="ctr"/>
+                      <a:r>
+                        <a:rPr lang="en-US" sz="1100" b="1">
+                          <a:effectLst/>
+                        </a:rPr>
+                        <a:t>1.318650e+19</a:t>
+                      </a:r>
+                    </a:p>
+                  </a:txBody>
+                  <a:tcPr marL="32232" marR="32232" marT="16116" marB="16116" anchor="ctr"/>
+                </a:tc>
+                <a:extLst>
+                  <a:ext uri="{0D108BD9-81ED-4DB2-BD59-A6C34878D82A}">
+                    <a16:rowId xmlns:a16="http://schemas.microsoft.com/office/drawing/2014/main" val="1219472611"/>
+                  </a:ext>
+                </a:extLst>
+              </a:tr>
+              <a:tr h="168118">
+                <a:tc rowSpan="8">
+                  <a:txBody>
+                    <a:bodyPr/>
+                    <a:lstStyle/>
+                    <a:p>
+                      <a:pPr algn="r" fontAlgn="t"/>
+                      <a:r>
+                        <a:rPr lang="en-US" sz="1100" b="1">
+                          <a:effectLst/>
+                        </a:rPr>
+                        <a:t>Total DL (Bytes)</a:t>
+                      </a:r>
+                    </a:p>
+                  </a:txBody>
+                  <a:tcPr marL="32232" marR="32232" marT="16116" marB="16116"/>
+                </a:tc>
+                <a:tc>
+                  <a:txBody>
+                    <a:bodyPr/>
+                    <a:lstStyle/>
+                    <a:p>
+                      <a:pPr algn="r" fontAlgn="t"/>
+                      <a:r>
+                        <a:rPr lang="en-US" sz="1100" b="1">
+                          <a:effectLst/>
+                        </a:rPr>
+                        <a:t>count</a:t>
+                      </a:r>
+                    </a:p>
+                  </a:txBody>
+                  <a:tcPr marL="32232" marR="32232" marT="16116" marB="16116"/>
+                </a:tc>
+                <a:tc>
+                  <a:txBody>
+                    <a:bodyPr/>
+                    <a:lstStyle/>
+                    <a:p>
+                      <a:pPr algn="r" fontAlgn="ctr"/>
+                      <a:r>
+                        <a:rPr lang="en-US" sz="1100" b="1">
+                          <a:effectLst/>
+                        </a:rPr>
+                        <a:t>5.202500e+04</a:t>
+                      </a:r>
+                    </a:p>
+                  </a:txBody>
+                  <a:tcPr marL="32232" marR="32232" marT="16116" marB="16116" anchor="ctr"/>
+                </a:tc>
+                <a:tc>
+                  <a:txBody>
+                    <a:bodyPr/>
+                    <a:lstStyle/>
+                    <a:p>
+                      <a:pPr algn="r" fontAlgn="ctr"/>
+                      <a:r>
+                        <a:rPr lang="en-US" sz="1100" b="1">
+                          <a:effectLst/>
+                        </a:rPr>
+                        <a:t>4.578400e+04</a:t>
+                      </a:r>
+                    </a:p>
+                  </a:txBody>
+                  <a:tcPr marL="32232" marR="32232" marT="16116" marB="16116" anchor="ctr"/>
+                </a:tc>
+                <a:tc>
+                  <a:txBody>
+                    <a:bodyPr/>
+                    <a:lstStyle/>
+                    <a:p>
+                      <a:pPr algn="r" fontAlgn="ctr"/>
+                      <a:r>
+                        <a:rPr lang="en-US" sz="1100" b="1">
+                          <a:effectLst/>
+                        </a:rPr>
+                        <a:t>5.069700e+04</a:t>
+                      </a:r>
+                    </a:p>
+                  </a:txBody>
+                  <a:tcPr marL="32232" marR="32232" marT="16116" marB="16116" anchor="ctr"/>
+                </a:tc>
+                <a:extLst>
+                  <a:ext uri="{0D108BD9-81ED-4DB2-BD59-A6C34878D82A}">
+                    <a16:rowId xmlns:a16="http://schemas.microsoft.com/office/drawing/2014/main" val="3270763809"/>
+                  </a:ext>
+                </a:extLst>
+              </a:tr>
+              <a:tr h="168118">
+                <a:tc vMerge="1">
+                  <a:txBody>
+                    <a:bodyPr/>
+                    <a:lstStyle/>
+                    <a:p>
+                      <a:endParaRPr lang="en-US"/>
+                    </a:p>
+                  </a:txBody>
+                  <a:tcPr/>
+                </a:tc>
+                <a:tc>
+                  <a:txBody>
+                    <a:bodyPr/>
+                    <a:lstStyle/>
+                    <a:p>
+                      <a:pPr algn="r" fontAlgn="ctr"/>
+                      <a:r>
+                        <a:rPr lang="en-US" sz="1100" b="1">
+                          <a:effectLst/>
+                        </a:rPr>
+                        <a:t>mean</a:t>
+                      </a:r>
+                    </a:p>
+                  </a:txBody>
+                  <a:tcPr marL="32232" marR="32232" marT="16116" marB="16116" anchor="ctr"/>
+                </a:tc>
+                <a:tc>
+                  <a:txBody>
+                    <a:bodyPr/>
+                    <a:lstStyle/>
+                    <a:p>
+                      <a:pPr algn="r" fontAlgn="ctr"/>
+                      <a:r>
+                        <a:rPr lang="en-US" sz="1100" b="1">
+                          <a:effectLst/>
+                        </a:rPr>
+                        <a:t>2.214817e+08</a:t>
+                      </a:r>
+                    </a:p>
+                  </a:txBody>
+                  <a:tcPr marL="32232" marR="32232" marT="16116" marB="16116" anchor="ctr"/>
+                </a:tc>
+                <a:tc>
+                  <a:txBody>
+                    <a:bodyPr/>
+                    <a:lstStyle/>
+                    <a:p>
+                      <a:pPr algn="r" fontAlgn="ctr"/>
+                      <a:r>
+                        <a:rPr lang="en-US" sz="1100" b="1">
+                          <a:effectLst/>
+                        </a:rPr>
+                        <a:t>4.718354e+08</a:t>
+                      </a:r>
+                    </a:p>
+                  </a:txBody>
+                  <a:tcPr marL="32232" marR="32232" marT="16116" marB="16116" anchor="ctr"/>
+                </a:tc>
+                <a:tc>
+                  <a:txBody>
+                    <a:bodyPr/>
+                    <a:lstStyle/>
+                    <a:p>
+                      <a:pPr algn="r" fontAlgn="ctr"/>
+                      <a:r>
+                        <a:rPr lang="en-US" sz="1100" b="1">
+                          <a:effectLst/>
+                        </a:rPr>
+                        <a:t>6.784473e+08</a:t>
+                      </a:r>
+                    </a:p>
+                  </a:txBody>
+                  <a:tcPr marL="32232" marR="32232" marT="16116" marB="16116" anchor="ctr"/>
+                </a:tc>
+                <a:extLst>
+                  <a:ext uri="{0D108BD9-81ED-4DB2-BD59-A6C34878D82A}">
+                    <a16:rowId xmlns:a16="http://schemas.microsoft.com/office/drawing/2014/main" val="102581686"/>
+                  </a:ext>
+                </a:extLst>
+              </a:tr>
+              <a:tr h="168118">
+                <a:tc vMerge="1">
+                  <a:txBody>
+                    <a:bodyPr/>
+                    <a:lstStyle/>
+                    <a:p>
+                      <a:endParaRPr lang="en-US"/>
+                    </a:p>
+                  </a:txBody>
+                  <a:tcPr/>
+                </a:tc>
+                <a:tc>
+                  <a:txBody>
+                    <a:bodyPr/>
+                    <a:lstStyle/>
+                    <a:p>
+                      <a:pPr algn="r" fontAlgn="ctr"/>
+                      <a:r>
+                        <a:rPr lang="en-US" sz="1100" b="1">
+                          <a:effectLst/>
+                        </a:rPr>
+                        <a:t>std</a:t>
+                      </a:r>
+                    </a:p>
+                  </a:txBody>
+                  <a:tcPr marL="32232" marR="32232" marT="16116" marB="16116" anchor="ctr"/>
+                </a:tc>
+                <a:tc>
+                  <a:txBody>
+                    <a:bodyPr/>
+                    <a:lstStyle/>
+                    <a:p>
+                      <a:pPr algn="r" fontAlgn="ctr"/>
+                      <a:r>
+                        <a:rPr lang="en-US" sz="1100" b="1">
+                          <a:effectLst/>
+                        </a:rPr>
+                        <a:t>1.180610e+08</a:t>
+                      </a:r>
+                    </a:p>
+                  </a:txBody>
+                  <a:tcPr marL="32232" marR="32232" marT="16116" marB="16116" anchor="ctr"/>
+                </a:tc>
+                <a:tc>
+                  <a:txBody>
+                    <a:bodyPr/>
+                    <a:lstStyle/>
+                    <a:p>
+                      <a:pPr algn="r" fontAlgn="ctr"/>
+                      <a:r>
+                        <a:rPr lang="en-US" sz="1100" b="1">
+                          <a:effectLst/>
+                        </a:rPr>
+                        <a:t>2.079444e+08</a:t>
+                      </a:r>
+                    </a:p>
+                  </a:txBody>
+                  <a:tcPr marL="32232" marR="32232" marT="16116" marB="16116" anchor="ctr"/>
+                </a:tc>
+                <a:tc>
+                  <a:txBody>
+                    <a:bodyPr/>
+                    <a:lstStyle/>
+                    <a:p>
+                      <a:pPr algn="r" fontAlgn="ctr"/>
+                      <a:r>
+                        <a:rPr lang="en-US" sz="1100" b="1">
+                          <a:effectLst/>
+                        </a:rPr>
+                        <a:t>1.231130e+08</a:t>
+                      </a:r>
+                    </a:p>
+                  </a:txBody>
+                  <a:tcPr marL="32232" marR="32232" marT="16116" marB="16116" anchor="ctr"/>
+                </a:tc>
+                <a:extLst>
+                  <a:ext uri="{0D108BD9-81ED-4DB2-BD59-A6C34878D82A}">
+                    <a16:rowId xmlns:a16="http://schemas.microsoft.com/office/drawing/2014/main" val="3195986286"/>
+                  </a:ext>
+                </a:extLst>
+              </a:tr>
+              <a:tr h="168118">
+                <a:tc vMerge="1">
+                  <a:txBody>
+                    <a:bodyPr/>
+                    <a:lstStyle/>
+                    <a:p>
+                      <a:endParaRPr lang="en-US"/>
+                    </a:p>
+                  </a:txBody>
+                  <a:tcPr/>
+                </a:tc>
+                <a:tc>
+                  <a:txBody>
+                    <a:bodyPr/>
+                    <a:lstStyle/>
+                    <a:p>
+                      <a:pPr algn="r" fontAlgn="ctr"/>
+                      <a:r>
+                        <a:rPr lang="en-US" sz="1100" b="1">
+                          <a:effectLst/>
+                        </a:rPr>
+                        <a:t>min</a:t>
+                      </a:r>
+                    </a:p>
+                  </a:txBody>
+                  <a:tcPr marL="32232" marR="32232" marT="16116" marB="16116" anchor="ctr"/>
+                </a:tc>
+                <a:tc>
+                  <a:txBody>
+                    <a:bodyPr/>
+                    <a:lstStyle/>
+                    <a:p>
+                      <a:pPr algn="r" fontAlgn="ctr"/>
+                      <a:r>
+                        <a:rPr lang="en-US" sz="1100" b="1">
+                          <a:effectLst/>
+                        </a:rPr>
+                        <a:t>8.827082e+06</a:t>
+                      </a:r>
+                    </a:p>
+                  </a:txBody>
+                  <a:tcPr marL="32232" marR="32232" marT="16116" marB="16116" anchor="ctr"/>
+                </a:tc>
+                <a:tc>
+                  <a:txBody>
+                    <a:bodyPr/>
+                    <a:lstStyle/>
+                    <a:p>
+                      <a:pPr algn="r" fontAlgn="ctr"/>
+                      <a:r>
+                        <a:rPr lang="en-US" sz="1100" b="1">
+                          <a:effectLst/>
+                        </a:rPr>
+                        <a:t>7.114041e+06</a:t>
+                      </a:r>
+                    </a:p>
+                  </a:txBody>
+                  <a:tcPr marL="32232" marR="32232" marT="16116" marB="16116" anchor="ctr"/>
+                </a:tc>
+                <a:tc>
+                  <a:txBody>
+                    <a:bodyPr/>
+                    <a:lstStyle/>
+                    <a:p>
+                      <a:pPr algn="r" fontAlgn="ctr"/>
+                      <a:r>
+                        <a:rPr lang="en-US" sz="1100" b="1">
+                          <a:effectLst/>
+                        </a:rPr>
+                        <a:t>4.277493e+08</a:t>
+                      </a:r>
+                    </a:p>
+                  </a:txBody>
+                  <a:tcPr marL="32232" marR="32232" marT="16116" marB="16116" anchor="ctr"/>
+                </a:tc>
+                <a:extLst>
+                  <a:ext uri="{0D108BD9-81ED-4DB2-BD59-A6C34878D82A}">
+                    <a16:rowId xmlns:a16="http://schemas.microsoft.com/office/drawing/2014/main" val="2841620039"/>
+                  </a:ext>
+                </a:extLst>
+              </a:tr>
+              <a:tr h="168118">
+                <a:tc vMerge="1">
+                  <a:txBody>
+                    <a:bodyPr/>
+                    <a:lstStyle/>
+                    <a:p>
+                      <a:endParaRPr lang="en-US"/>
+                    </a:p>
+                  </a:txBody>
+                  <a:tcPr/>
+                </a:tc>
+                <a:tc>
+                  <a:txBody>
+                    <a:bodyPr/>
+                    <a:lstStyle/>
+                    <a:p>
+                      <a:pPr algn="r" fontAlgn="ctr"/>
+                      <a:r>
+                        <a:rPr lang="en-US" sz="1100" b="1">
+                          <a:effectLst/>
+                        </a:rPr>
+                        <a:t>25%</a:t>
+                      </a:r>
+                    </a:p>
+                  </a:txBody>
+                  <a:tcPr marL="32232" marR="32232" marT="16116" marB="16116" anchor="ctr"/>
+                </a:tc>
+                <a:tc>
+                  <a:txBody>
+                    <a:bodyPr/>
+                    <a:lstStyle/>
+                    <a:p>
+                      <a:pPr algn="r" fontAlgn="ctr"/>
+                      <a:r>
+                        <a:rPr lang="en-US" sz="1100" b="1">
+                          <a:effectLst/>
+                        </a:rPr>
+                        <a:t>1.192499e+08</a:t>
+                      </a:r>
+                    </a:p>
+                  </a:txBody>
+                  <a:tcPr marL="32232" marR="32232" marT="16116" marB="16116" anchor="ctr"/>
+                </a:tc>
+                <a:tc>
+                  <a:txBody>
+                    <a:bodyPr/>
+                    <a:lstStyle/>
+                    <a:p>
+                      <a:pPr algn="r" fontAlgn="ctr"/>
+                      <a:r>
+                        <a:rPr lang="en-US" sz="1100" b="1">
+                          <a:effectLst/>
+                        </a:rPr>
+                        <a:t>3.193706e+08</a:t>
+                      </a:r>
+                    </a:p>
+                  </a:txBody>
+                  <a:tcPr marL="32232" marR="32232" marT="16116" marB="16116" anchor="ctr"/>
+                </a:tc>
+                <a:tc>
+                  <a:txBody>
+                    <a:bodyPr/>
+                    <a:lstStyle/>
+                    <a:p>
+                      <a:pPr algn="r" fontAlgn="ctr"/>
+                      <a:r>
+                        <a:rPr lang="en-US" sz="1100" b="1">
+                          <a:effectLst/>
+                        </a:rPr>
+                        <a:t>5.761000e+08</a:t>
+                      </a:r>
+                    </a:p>
+                  </a:txBody>
+                  <a:tcPr marL="32232" marR="32232" marT="16116" marB="16116" anchor="ctr"/>
+                </a:tc>
+                <a:extLst>
+                  <a:ext uri="{0D108BD9-81ED-4DB2-BD59-A6C34878D82A}">
+                    <a16:rowId xmlns:a16="http://schemas.microsoft.com/office/drawing/2014/main" val="997235294"/>
+                  </a:ext>
+                </a:extLst>
+              </a:tr>
+              <a:tr h="168118">
+                <a:tc vMerge="1">
+                  <a:txBody>
+                    <a:bodyPr/>
+                    <a:lstStyle/>
+                    <a:p>
+                      <a:endParaRPr lang="en-US"/>
+                    </a:p>
+                  </a:txBody>
+                  <a:tcPr/>
+                </a:tc>
+                <a:tc>
+                  <a:txBody>
+                    <a:bodyPr/>
+                    <a:lstStyle/>
+                    <a:p>
+                      <a:pPr algn="r" fontAlgn="ctr"/>
+                      <a:r>
+                        <a:rPr lang="en-US" sz="1100" b="1">
+                          <a:effectLst/>
+                        </a:rPr>
+                        <a:t>50%</a:t>
+                      </a:r>
+                    </a:p>
+                  </a:txBody>
+                  <a:tcPr marL="32232" marR="32232" marT="16116" marB="16116" anchor="ctr"/>
+                </a:tc>
+                <a:tc>
+                  <a:txBody>
+                    <a:bodyPr/>
+                    <a:lstStyle/>
+                    <a:p>
+                      <a:pPr algn="r" fontAlgn="ctr"/>
+                      <a:r>
+                        <a:rPr lang="en-US" sz="1100" b="1">
+                          <a:effectLst/>
+                        </a:rPr>
+                        <a:t>2.125287e+08</a:t>
+                      </a:r>
+                    </a:p>
+                  </a:txBody>
+                  <a:tcPr marL="32232" marR="32232" marT="16116" marB="16116" anchor="ctr"/>
+                </a:tc>
+                <a:tc>
+                  <a:txBody>
+                    <a:bodyPr/>
+                    <a:lstStyle/>
+                    <a:p>
+                      <a:pPr algn="r" fontAlgn="ctr"/>
+                      <a:r>
+                        <a:rPr lang="en-US" sz="1100" b="1">
+                          <a:effectLst/>
+                        </a:rPr>
+                        <a:t>4.732806e+08</a:t>
+                      </a:r>
+                    </a:p>
+                  </a:txBody>
+                  <a:tcPr marL="32232" marR="32232" marT="16116" marB="16116" anchor="ctr"/>
+                </a:tc>
+                <a:tc>
+                  <a:txBody>
+                    <a:bodyPr/>
+                    <a:lstStyle/>
+                    <a:p>
+                      <a:pPr algn="r" fontAlgn="ctr"/>
+                      <a:r>
+                        <a:rPr lang="en-US" sz="1100" b="1">
+                          <a:effectLst/>
+                        </a:rPr>
+                        <a:t>6.862342e+08</a:t>
+                      </a:r>
+                    </a:p>
+                  </a:txBody>
+                  <a:tcPr marL="32232" marR="32232" marT="16116" marB="16116" anchor="ctr"/>
+                </a:tc>
+                <a:extLst>
+                  <a:ext uri="{0D108BD9-81ED-4DB2-BD59-A6C34878D82A}">
+                    <a16:rowId xmlns:a16="http://schemas.microsoft.com/office/drawing/2014/main" val="1725397318"/>
+                  </a:ext>
+                </a:extLst>
+              </a:tr>
+              <a:tr h="168118">
+                <a:tc vMerge="1">
+                  <a:txBody>
+                    <a:bodyPr/>
+                    <a:lstStyle/>
+                    <a:p>
+                      <a:endParaRPr lang="en-US"/>
+                    </a:p>
+                  </a:txBody>
+                  <a:tcPr/>
+                </a:tc>
+                <a:tc>
+                  <a:txBody>
+                    <a:bodyPr/>
+                    <a:lstStyle/>
+                    <a:p>
+                      <a:pPr algn="r" fontAlgn="ctr"/>
+                      <a:r>
+                        <a:rPr lang="en-US" sz="1100" b="1">
+                          <a:effectLst/>
+                        </a:rPr>
+                        <a:t>75%</a:t>
+                      </a:r>
+                    </a:p>
+                  </a:txBody>
+                  <a:tcPr marL="32232" marR="32232" marT="16116" marB="16116" anchor="ctr"/>
+                </a:tc>
+                <a:tc>
+                  <a:txBody>
+                    <a:bodyPr/>
+                    <a:lstStyle/>
+                    <a:p>
+                      <a:pPr algn="r" fontAlgn="ctr"/>
+                      <a:r>
+                        <a:rPr lang="en-US" sz="1100" b="1">
+                          <a:effectLst/>
+                        </a:rPr>
+                        <a:t>3.200174e+08</a:t>
+                      </a:r>
+                    </a:p>
+                  </a:txBody>
+                  <a:tcPr marL="32232" marR="32232" marT="16116" marB="16116" anchor="ctr"/>
+                </a:tc>
+                <a:tc>
+                  <a:txBody>
+                    <a:bodyPr/>
+                    <a:lstStyle/>
+                    <a:p>
+                      <a:pPr algn="r" fontAlgn="ctr"/>
+                      <a:r>
+                        <a:rPr lang="en-US" sz="1100" b="1">
+                          <a:effectLst/>
+                        </a:rPr>
+                        <a:t>6.298546e+08</a:t>
+                      </a:r>
+                    </a:p>
+                  </a:txBody>
+                  <a:tcPr marL="32232" marR="32232" marT="16116" marB="16116" anchor="ctr"/>
+                </a:tc>
+                <a:tc>
+                  <a:txBody>
+                    <a:bodyPr/>
+                    <a:lstStyle/>
+                    <a:p>
+                      <a:pPr algn="r" fontAlgn="ctr"/>
+                      <a:r>
+                        <a:rPr lang="en-US" sz="1100" b="1">
+                          <a:effectLst/>
+                        </a:rPr>
+                        <a:t>7.852449e+08</a:t>
+                      </a:r>
+                    </a:p>
+                  </a:txBody>
+                  <a:tcPr marL="32232" marR="32232" marT="16116" marB="16116" anchor="ctr"/>
+                </a:tc>
+                <a:extLst>
+                  <a:ext uri="{0D108BD9-81ED-4DB2-BD59-A6C34878D82A}">
+                    <a16:rowId xmlns:a16="http://schemas.microsoft.com/office/drawing/2014/main" val="675833411"/>
+                  </a:ext>
+                </a:extLst>
+              </a:tr>
+              <a:tr h="168118">
+                <a:tc vMerge="1">
+                  <a:txBody>
+                    <a:bodyPr/>
+                    <a:lstStyle/>
+                    <a:p>
+                      <a:endParaRPr lang="en-US"/>
+                    </a:p>
+                  </a:txBody>
+                  <a:tcPr/>
+                </a:tc>
+                <a:tc>
+                  <a:txBody>
+                    <a:bodyPr/>
+                    <a:lstStyle/>
+                    <a:p>
+                      <a:pPr algn="r" fontAlgn="ctr"/>
+                      <a:r>
+                        <a:rPr lang="en-US" sz="1100" b="1">
+                          <a:effectLst/>
+                        </a:rPr>
+                        <a:t>max</a:t>
+                      </a:r>
+                    </a:p>
+                  </a:txBody>
+                  <a:tcPr marL="32232" marR="32232" marT="16116" marB="16116" anchor="ctr"/>
+                </a:tc>
+                <a:tc>
+                  <a:txBody>
+                    <a:bodyPr/>
+                    <a:lstStyle/>
+                    <a:p>
+                      <a:pPr algn="r" fontAlgn="ctr"/>
+                      <a:r>
+                        <a:rPr lang="en-US" sz="1100" b="1">
+                          <a:effectLst/>
+                        </a:rPr>
+                        <a:t>4.556313e+08</a:t>
+                      </a:r>
+                    </a:p>
+                  </a:txBody>
+                  <a:tcPr marL="32232" marR="32232" marT="16116" marB="16116" anchor="ctr"/>
+                </a:tc>
+                <a:tc>
+                  <a:txBody>
+                    <a:bodyPr/>
+                    <a:lstStyle/>
+                    <a:p>
+                      <a:pPr algn="r" fontAlgn="ctr"/>
+                      <a:r>
+                        <a:rPr lang="en-US" sz="1100" b="1">
+                          <a:effectLst/>
+                        </a:rPr>
+                        <a:t>8.950990e+08</a:t>
+                      </a:r>
+                    </a:p>
+                  </a:txBody>
+                  <a:tcPr marL="32232" marR="32232" marT="16116" marB="16116" anchor="ctr"/>
+                </a:tc>
+                <a:tc>
+                  <a:txBody>
+                    <a:bodyPr/>
+                    <a:lstStyle/>
+                    <a:p>
+                      <a:pPr algn="r" fontAlgn="ctr"/>
+                      <a:r>
+                        <a:rPr lang="en-US" sz="1100" b="1">
+                          <a:effectLst/>
+                        </a:rPr>
+                        <a:t>9.029696e+08</a:t>
+                      </a:r>
+                    </a:p>
+                  </a:txBody>
+                  <a:tcPr marL="32232" marR="32232" marT="16116" marB="16116" anchor="ctr"/>
+                </a:tc>
+                <a:extLst>
+                  <a:ext uri="{0D108BD9-81ED-4DB2-BD59-A6C34878D82A}">
+                    <a16:rowId xmlns:a16="http://schemas.microsoft.com/office/drawing/2014/main" val="1805607893"/>
+                  </a:ext>
+                </a:extLst>
+              </a:tr>
+              <a:tr h="168118">
+                <a:tc rowSpan="8">
+                  <a:txBody>
+                    <a:bodyPr/>
+                    <a:lstStyle/>
+                    <a:p>
+                      <a:pPr algn="r" fontAlgn="t"/>
+                      <a:r>
+                        <a:rPr lang="en-US" sz="1100" b="1">
+                          <a:effectLst/>
+                        </a:rPr>
+                        <a:t>Total UL (Bytes)</a:t>
+                      </a:r>
+                    </a:p>
+                  </a:txBody>
+                  <a:tcPr marL="32232" marR="32232" marT="16116" marB="16116"/>
+                </a:tc>
+                <a:tc>
+                  <a:txBody>
+                    <a:bodyPr/>
+                    <a:lstStyle/>
+                    <a:p>
+                      <a:pPr algn="r" fontAlgn="t"/>
+                      <a:r>
+                        <a:rPr lang="en-US" sz="1100" b="1">
+                          <a:effectLst/>
+                        </a:rPr>
+                        <a:t>count</a:t>
+                      </a:r>
+                    </a:p>
+                  </a:txBody>
+                  <a:tcPr marL="32232" marR="32232" marT="16116" marB="16116"/>
+                </a:tc>
+                <a:tc>
+                  <a:txBody>
+                    <a:bodyPr/>
+                    <a:lstStyle/>
+                    <a:p>
+                      <a:pPr algn="r" fontAlgn="ctr"/>
+                      <a:r>
+                        <a:rPr lang="en-US" sz="1100" b="1">
+                          <a:effectLst/>
+                        </a:rPr>
+                        <a:t>5.202500e+04</a:t>
+                      </a:r>
+                    </a:p>
+                  </a:txBody>
+                  <a:tcPr marL="32232" marR="32232" marT="16116" marB="16116" anchor="ctr"/>
+                </a:tc>
+                <a:tc>
+                  <a:txBody>
+                    <a:bodyPr/>
+                    <a:lstStyle/>
+                    <a:p>
+                      <a:pPr algn="r" fontAlgn="ctr"/>
+                      <a:r>
+                        <a:rPr lang="en-US" sz="1100" b="1">
+                          <a:effectLst/>
+                        </a:rPr>
+                        <a:t>4.578400e+04</a:t>
+                      </a:r>
+                    </a:p>
+                  </a:txBody>
+                  <a:tcPr marL="32232" marR="32232" marT="16116" marB="16116" anchor="ctr"/>
+                </a:tc>
+                <a:tc>
+                  <a:txBody>
+                    <a:bodyPr/>
+                    <a:lstStyle/>
+                    <a:p>
+                      <a:pPr algn="r" fontAlgn="ctr"/>
+                      <a:r>
+                        <a:rPr lang="en-US" sz="1100" b="1">
+                          <a:effectLst/>
+                        </a:rPr>
+                        <a:t>5.069700e+04</a:t>
+                      </a:r>
+                    </a:p>
+                  </a:txBody>
+                  <a:tcPr marL="32232" marR="32232" marT="16116" marB="16116" anchor="ctr"/>
+                </a:tc>
+                <a:extLst>
+                  <a:ext uri="{0D108BD9-81ED-4DB2-BD59-A6C34878D82A}">
+                    <a16:rowId xmlns:a16="http://schemas.microsoft.com/office/drawing/2014/main" val="2166685472"/>
+                  </a:ext>
+                </a:extLst>
+              </a:tr>
+              <a:tr h="168118">
+                <a:tc vMerge="1">
+                  <a:txBody>
+                    <a:bodyPr/>
+                    <a:lstStyle/>
+                    <a:p>
+                      <a:endParaRPr lang="en-US"/>
+                    </a:p>
+                  </a:txBody>
+                  <a:tcPr/>
+                </a:tc>
+                <a:tc>
+                  <a:txBody>
+                    <a:bodyPr/>
+                    <a:lstStyle/>
+                    <a:p>
+                      <a:pPr algn="r" fontAlgn="ctr"/>
+                      <a:r>
+                        <a:rPr lang="en-US" sz="1100" b="1">
+                          <a:effectLst/>
+                        </a:rPr>
+                        <a:t>mean</a:t>
+                      </a:r>
+                    </a:p>
+                  </a:txBody>
+                  <a:tcPr marL="32232" marR="32232" marT="16116" marB="16116" anchor="ctr"/>
+                </a:tc>
+                <a:tc>
+                  <a:txBody>
+                    <a:bodyPr/>
+                    <a:lstStyle/>
+                    <a:p>
+                      <a:pPr algn="r" fontAlgn="ctr"/>
+                      <a:r>
+                        <a:rPr lang="en-US" sz="1100" b="1">
+                          <a:effectLst/>
+                        </a:rPr>
+                        <a:t>4.621072e+07</a:t>
+                      </a:r>
+                    </a:p>
+                  </a:txBody>
+                  <a:tcPr marL="32232" marR="32232" marT="16116" marB="16116" anchor="ctr"/>
+                </a:tc>
+                <a:tc>
+                  <a:txBody>
+                    <a:bodyPr/>
+                    <a:lstStyle/>
+                    <a:p>
+                      <a:pPr algn="r" fontAlgn="ctr"/>
+                      <a:r>
+                        <a:rPr lang="en-US" sz="1100" b="1">
+                          <a:effectLst/>
+                        </a:rPr>
+                        <a:t>2.862686e+07</a:t>
+                      </a:r>
+                    </a:p>
+                  </a:txBody>
+                  <a:tcPr marL="32232" marR="32232" marT="16116" marB="16116" anchor="ctr"/>
+                </a:tc>
+                <a:tc>
+                  <a:txBody>
+                    <a:bodyPr/>
+                    <a:lstStyle/>
+                    <a:p>
+                      <a:pPr algn="r" fontAlgn="ctr"/>
+                      <a:r>
+                        <a:rPr lang="en-US" sz="1100" b="1">
+                          <a:effectLst/>
+                        </a:rPr>
+                        <a:t>4.717653e+07</a:t>
+                      </a:r>
+                    </a:p>
+                  </a:txBody>
+                  <a:tcPr marL="32232" marR="32232" marT="16116" marB="16116" anchor="ctr"/>
+                </a:tc>
+                <a:extLst>
+                  <a:ext uri="{0D108BD9-81ED-4DB2-BD59-A6C34878D82A}">
+                    <a16:rowId xmlns:a16="http://schemas.microsoft.com/office/drawing/2014/main" val="4058407124"/>
+                  </a:ext>
+                </a:extLst>
+              </a:tr>
+              <a:tr h="168118">
+                <a:tc vMerge="1">
+                  <a:txBody>
+                    <a:bodyPr/>
+                    <a:lstStyle/>
+                    <a:p>
+                      <a:endParaRPr lang="en-US"/>
+                    </a:p>
+                  </a:txBody>
+                  <a:tcPr/>
+                </a:tc>
+                <a:tc>
+                  <a:txBody>
+                    <a:bodyPr/>
+                    <a:lstStyle/>
+                    <a:p>
+                      <a:pPr algn="r" fontAlgn="ctr"/>
+                      <a:r>
+                        <a:rPr lang="en-US" sz="1100" b="1">
+                          <a:effectLst/>
+                        </a:rPr>
+                        <a:t>std</a:t>
+                      </a:r>
+                    </a:p>
+                  </a:txBody>
+                  <a:tcPr marL="32232" marR="32232" marT="16116" marB="16116" anchor="ctr"/>
+                </a:tc>
+                <a:tc>
+                  <a:txBody>
+                    <a:bodyPr/>
+                    <a:lstStyle/>
+                    <a:p>
+                      <a:pPr algn="r" fontAlgn="ctr"/>
+                      <a:r>
+                        <a:rPr lang="en-US" sz="1100" b="1">
+                          <a:effectLst/>
+                        </a:rPr>
+                        <a:t>8.328489e+06</a:t>
+                      </a:r>
+                    </a:p>
+                  </a:txBody>
+                  <a:tcPr marL="32232" marR="32232" marT="16116" marB="16116" anchor="ctr"/>
+                </a:tc>
+                <a:tc>
+                  <a:txBody>
+                    <a:bodyPr/>
+                    <a:lstStyle/>
+                    <a:p>
+                      <a:pPr algn="r" fontAlgn="ctr"/>
+                      <a:r>
+                        <a:rPr lang="en-US" sz="1100" b="1">
+                          <a:effectLst/>
+                        </a:rPr>
+                        <a:t>6.091179e+06</a:t>
+                      </a:r>
+                    </a:p>
+                  </a:txBody>
+                  <a:tcPr marL="32232" marR="32232" marT="16116" marB="16116" anchor="ctr"/>
+                </a:tc>
+                <a:tc>
+                  <a:txBody>
+                    <a:bodyPr/>
+                    <a:lstStyle/>
+                    <a:p>
+                      <a:pPr algn="r" fontAlgn="ctr"/>
+                      <a:r>
+                        <a:rPr lang="en-US" sz="1100" b="1">
+                          <a:effectLst/>
+                        </a:rPr>
+                        <a:t>7.981160e+06</a:t>
+                      </a:r>
+                    </a:p>
+                  </a:txBody>
+                  <a:tcPr marL="32232" marR="32232" marT="16116" marB="16116" anchor="ctr"/>
+                </a:tc>
+                <a:extLst>
+                  <a:ext uri="{0D108BD9-81ED-4DB2-BD59-A6C34878D82A}">
+                    <a16:rowId xmlns:a16="http://schemas.microsoft.com/office/drawing/2014/main" val="3978277006"/>
+                  </a:ext>
+                </a:extLst>
+              </a:tr>
+              <a:tr h="168118">
+                <a:tc vMerge="1">
+                  <a:txBody>
+                    <a:bodyPr/>
+                    <a:lstStyle/>
+                    <a:p>
+                      <a:endParaRPr lang="en-US"/>
+                    </a:p>
+                  </a:txBody>
+                  <a:tcPr/>
+                </a:tc>
+                <a:tc>
+                  <a:txBody>
+                    <a:bodyPr/>
+                    <a:lstStyle/>
+                    <a:p>
+                      <a:pPr algn="r" fontAlgn="ctr"/>
+                      <a:r>
+                        <a:rPr lang="en-US" sz="1100" b="1">
+                          <a:effectLst/>
+                        </a:rPr>
+                        <a:t>min</a:t>
+                      </a:r>
+                    </a:p>
+                  </a:txBody>
+                  <a:tcPr marL="32232" marR="32232" marT="16116" marB="16116" anchor="ctr"/>
+                </a:tc>
+                <a:tc>
+                  <a:txBody>
+                    <a:bodyPr/>
+                    <a:lstStyle/>
+                    <a:p>
+                      <a:pPr algn="r" fontAlgn="ctr"/>
+                      <a:r>
+                        <a:rPr lang="en-US" sz="1100" b="1">
+                          <a:effectLst/>
+                        </a:rPr>
+                        <a:t>2.772797e+07</a:t>
+                      </a:r>
+                    </a:p>
+                  </a:txBody>
+                  <a:tcPr marL="32232" marR="32232" marT="16116" marB="16116" anchor="ctr"/>
+                </a:tc>
+                <a:tc>
+                  <a:txBody>
+                    <a:bodyPr/>
+                    <a:lstStyle/>
+                    <a:p>
+                      <a:pPr algn="r" fontAlgn="ctr"/>
+                      <a:r>
+                        <a:rPr lang="en-US" sz="1100" b="1">
+                          <a:effectLst/>
+                        </a:rPr>
+                        <a:t>2.866892e+06</a:t>
+                      </a:r>
+                    </a:p>
+                  </a:txBody>
+                  <a:tcPr marL="32232" marR="32232" marT="16116" marB="16116" anchor="ctr"/>
+                </a:tc>
+                <a:tc>
+                  <a:txBody>
+                    <a:bodyPr/>
+                    <a:lstStyle/>
+                    <a:p>
+                      <a:pPr algn="r" fontAlgn="ctr"/>
+                      <a:r>
+                        <a:rPr lang="en-US" sz="1100" b="1">
+                          <a:effectLst/>
+                        </a:rPr>
+                        <a:t>3.041749e+07</a:t>
+                      </a:r>
+                    </a:p>
+                  </a:txBody>
+                  <a:tcPr marL="32232" marR="32232" marT="16116" marB="16116" anchor="ctr"/>
+                </a:tc>
+                <a:extLst>
+                  <a:ext uri="{0D108BD9-81ED-4DB2-BD59-A6C34878D82A}">
+                    <a16:rowId xmlns:a16="http://schemas.microsoft.com/office/drawing/2014/main" val="3376217003"/>
+                  </a:ext>
+                </a:extLst>
+              </a:tr>
+              <a:tr h="168118">
+                <a:tc vMerge="1">
+                  <a:txBody>
+                    <a:bodyPr/>
+                    <a:lstStyle/>
+                    <a:p>
+                      <a:endParaRPr lang="en-US"/>
+                    </a:p>
+                  </a:txBody>
+                  <a:tcPr/>
+                </a:tc>
+                <a:tc>
+                  <a:txBody>
+                    <a:bodyPr/>
+                    <a:lstStyle/>
+                    <a:p>
+                      <a:pPr algn="r" fontAlgn="ctr"/>
+                      <a:r>
+                        <a:rPr lang="en-US" sz="1100" b="1">
+                          <a:effectLst/>
+                        </a:rPr>
+                        <a:t>25%</a:t>
+                      </a:r>
+                    </a:p>
+                  </a:txBody>
+                  <a:tcPr marL="32232" marR="32232" marT="16116" marB="16116" anchor="ctr"/>
+                </a:tc>
+                <a:tc>
+                  <a:txBody>
+                    <a:bodyPr/>
+                    <a:lstStyle/>
+                    <a:p>
+                      <a:pPr algn="r" fontAlgn="ctr"/>
+                      <a:r>
+                        <a:rPr lang="en-US" sz="1100" b="1">
+                          <a:effectLst/>
+                        </a:rPr>
+                        <a:t>4.010406e+07</a:t>
+                      </a:r>
+                    </a:p>
+                  </a:txBody>
+                  <a:tcPr marL="32232" marR="32232" marT="16116" marB="16116" anchor="ctr"/>
+                </a:tc>
+                <a:tc>
+                  <a:txBody>
+                    <a:bodyPr/>
+                    <a:lstStyle/>
+                    <a:p>
+                      <a:pPr algn="r" fontAlgn="ctr"/>
+                      <a:r>
+                        <a:rPr lang="en-US" sz="1100" b="1">
+                          <a:effectLst/>
+                        </a:rPr>
+                        <a:t>2.476369e+07</a:t>
+                      </a:r>
+                    </a:p>
+                  </a:txBody>
+                  <a:tcPr marL="32232" marR="32232" marT="16116" marB="16116" anchor="ctr"/>
+                </a:tc>
+                <a:tc>
+                  <a:txBody>
+                    <a:bodyPr/>
+                    <a:lstStyle/>
+                    <a:p>
+                      <a:pPr algn="r" fontAlgn="ctr"/>
+                      <a:r>
+                        <a:rPr lang="en-US" sz="1100" b="1">
+                          <a:effectLst/>
+                        </a:rPr>
+                        <a:t>4.106433e+07</a:t>
+                      </a:r>
+                    </a:p>
+                  </a:txBody>
+                  <a:tcPr marL="32232" marR="32232" marT="16116" marB="16116" anchor="ctr"/>
+                </a:tc>
+                <a:extLst>
+                  <a:ext uri="{0D108BD9-81ED-4DB2-BD59-A6C34878D82A}">
+                    <a16:rowId xmlns:a16="http://schemas.microsoft.com/office/drawing/2014/main" val="96940231"/>
+                  </a:ext>
+                </a:extLst>
+              </a:tr>
+              <a:tr h="168118">
+                <a:tc vMerge="1">
+                  <a:txBody>
+                    <a:bodyPr/>
+                    <a:lstStyle/>
+                    <a:p>
+                      <a:endParaRPr lang="en-US"/>
+                    </a:p>
+                  </a:txBody>
+                  <a:tcPr/>
+                </a:tc>
+                <a:tc>
+                  <a:txBody>
+                    <a:bodyPr/>
+                    <a:lstStyle/>
+                    <a:p>
+                      <a:pPr algn="r" fontAlgn="ctr"/>
+                      <a:r>
+                        <a:rPr lang="en-US" sz="1100" b="1">
+                          <a:effectLst/>
+                        </a:rPr>
+                        <a:t>50%</a:t>
+                      </a:r>
+                    </a:p>
+                  </a:txBody>
+                  <a:tcPr marL="32232" marR="32232" marT="16116" marB="16116" anchor="ctr"/>
+                </a:tc>
+                <a:tc>
+                  <a:txBody>
+                    <a:bodyPr/>
+                    <a:lstStyle/>
+                    <a:p>
+                      <a:pPr algn="r" fontAlgn="ctr"/>
+                      <a:r>
+                        <a:rPr lang="en-US" sz="1100" b="1">
+                          <a:effectLst/>
+                        </a:rPr>
+                        <a:t>4.533603e+07</a:t>
+                      </a:r>
+                    </a:p>
+                  </a:txBody>
+                  <a:tcPr marL="32232" marR="32232" marT="16116" marB="16116" anchor="ctr"/>
+                </a:tc>
+                <a:tc>
+                  <a:txBody>
+                    <a:bodyPr/>
+                    <a:lstStyle/>
+                    <a:p>
+                      <a:pPr algn="r" fontAlgn="ctr"/>
+                      <a:r>
+                        <a:rPr lang="en-US" sz="1100" b="1">
+                          <a:effectLst/>
+                        </a:rPr>
+                        <a:t>2.932294e+07</a:t>
+                      </a:r>
+                    </a:p>
+                  </a:txBody>
+                  <a:tcPr marL="32232" marR="32232" marT="16116" marB="16116" anchor="ctr"/>
+                </a:tc>
+                <a:tc>
+                  <a:txBody>
+                    <a:bodyPr/>
+                    <a:lstStyle/>
+                    <a:p>
+                      <a:pPr algn="r" fontAlgn="ctr"/>
+                      <a:r>
+                        <a:rPr lang="en-US" sz="1100" b="1">
+                          <a:effectLst/>
+                        </a:rPr>
+                        <a:t>4.625589e+07</a:t>
+                      </a:r>
+                    </a:p>
+                  </a:txBody>
+                  <a:tcPr marL="32232" marR="32232" marT="16116" marB="16116" anchor="ctr"/>
+                </a:tc>
+                <a:extLst>
+                  <a:ext uri="{0D108BD9-81ED-4DB2-BD59-A6C34878D82A}">
+                    <a16:rowId xmlns:a16="http://schemas.microsoft.com/office/drawing/2014/main" val="1321903824"/>
+                  </a:ext>
+                </a:extLst>
+              </a:tr>
+              <a:tr h="168118">
+                <a:tc vMerge="1">
+                  <a:txBody>
+                    <a:bodyPr/>
+                    <a:lstStyle/>
+                    <a:p>
+                      <a:endParaRPr lang="en-US"/>
+                    </a:p>
+                  </a:txBody>
+                  <a:tcPr/>
+                </a:tc>
+                <a:tc>
+                  <a:txBody>
+                    <a:bodyPr/>
+                    <a:lstStyle/>
+                    <a:p>
+                      <a:pPr algn="r" fontAlgn="ctr"/>
+                      <a:r>
+                        <a:rPr lang="en-US" sz="1100" b="1">
+                          <a:effectLst/>
+                        </a:rPr>
+                        <a:t>75%</a:t>
+                      </a:r>
+                    </a:p>
+                  </a:txBody>
+                  <a:tcPr marL="32232" marR="32232" marT="16116" marB="16116" anchor="ctr"/>
+                </a:tc>
+                <a:tc>
+                  <a:txBody>
+                    <a:bodyPr/>
+                    <a:lstStyle/>
+                    <a:p>
+                      <a:pPr algn="r" fontAlgn="ctr"/>
+                      <a:r>
+                        <a:rPr lang="en-US" sz="1100" b="1">
+                          <a:effectLst/>
+                        </a:rPr>
+                        <a:t>5.173488e+07</a:t>
+                      </a:r>
+                    </a:p>
+                  </a:txBody>
+                  <a:tcPr marL="32232" marR="32232" marT="16116" marB="16116" anchor="ctr"/>
+                </a:tc>
+                <a:tc>
+                  <a:txBody>
+                    <a:bodyPr/>
+                    <a:lstStyle/>
+                    <a:p>
+                      <a:pPr algn="r" fontAlgn="ctr"/>
+                      <a:r>
+                        <a:rPr lang="en-US" sz="1100" b="1">
+                          <a:effectLst/>
+                        </a:rPr>
+                        <a:t>3.315592e+07</a:t>
+                      </a:r>
+                    </a:p>
+                  </a:txBody>
+                  <a:tcPr marL="32232" marR="32232" marT="16116" marB="16116" anchor="ctr"/>
+                </a:tc>
+                <a:tc>
+                  <a:txBody>
+                    <a:bodyPr/>
+                    <a:lstStyle/>
+                    <a:p>
+                      <a:pPr algn="r" fontAlgn="ctr"/>
+                      <a:r>
+                        <a:rPr lang="en-US" sz="1100" b="1">
+                          <a:effectLst/>
+                        </a:rPr>
+                        <a:t>5.242006e+07</a:t>
+                      </a:r>
+                    </a:p>
+                  </a:txBody>
+                  <a:tcPr marL="32232" marR="32232" marT="16116" marB="16116" anchor="ctr"/>
+                </a:tc>
+                <a:extLst>
+                  <a:ext uri="{0D108BD9-81ED-4DB2-BD59-A6C34878D82A}">
+                    <a16:rowId xmlns:a16="http://schemas.microsoft.com/office/drawing/2014/main" val="1687058119"/>
+                  </a:ext>
+                </a:extLst>
+              </a:tr>
+              <a:tr h="168118">
+                <a:tc vMerge="1">
+                  <a:txBody>
+                    <a:bodyPr/>
+                    <a:lstStyle/>
+                    <a:p>
+                      <a:endParaRPr lang="en-US"/>
+                    </a:p>
+                  </a:txBody>
+                  <a:tcPr/>
+                </a:tc>
+                <a:tc>
+                  <a:txBody>
+                    <a:bodyPr/>
+                    <a:lstStyle/>
+                    <a:p>
+                      <a:pPr algn="r" fontAlgn="ctr"/>
+                      <a:r>
+                        <a:rPr lang="en-US" sz="1100" b="1">
+                          <a:effectLst/>
+                        </a:rPr>
+                        <a:t>max</a:t>
+                      </a:r>
+                    </a:p>
+                  </a:txBody>
+                  <a:tcPr marL="32232" marR="32232" marT="16116" marB="16116" anchor="ctr"/>
+                </a:tc>
+                <a:tc>
+                  <a:txBody>
+                    <a:bodyPr/>
+                    <a:lstStyle/>
+                    <a:p>
+                      <a:pPr algn="r" fontAlgn="ctr"/>
+                      <a:r>
+                        <a:rPr lang="en-US" sz="1100" b="1">
+                          <a:effectLst/>
+                        </a:rPr>
+                        <a:t>7.833131e+07</a:t>
+                      </a:r>
+                    </a:p>
+                  </a:txBody>
+                  <a:tcPr marL="32232" marR="32232" marT="16116" marB="16116" anchor="ctr"/>
+                </a:tc>
+                <a:tc>
+                  <a:txBody>
+                    <a:bodyPr/>
+                    <a:lstStyle/>
+                    <a:p>
+                      <a:pPr algn="r" fontAlgn="ctr"/>
+                      <a:r>
+                        <a:rPr lang="en-US" sz="1100" b="1">
+                          <a:effectLst/>
+                        </a:rPr>
+                        <a:t>4.060125e+07</a:t>
+                      </a:r>
+                    </a:p>
+                  </a:txBody>
+                  <a:tcPr marL="32232" marR="32232" marT="16116" marB="16116" anchor="ctr"/>
+                </a:tc>
+                <a:tc>
+                  <a:txBody>
+                    <a:bodyPr/>
+                    <a:lstStyle/>
+                    <a:p>
+                      <a:pPr algn="r" fontAlgn="ctr"/>
+                      <a:r>
+                        <a:rPr lang="en-US" sz="1100" b="1" dirty="0">
+                          <a:effectLst/>
+                        </a:rPr>
+                        <a:t>7.745813e+07</a:t>
+                      </a:r>
+                    </a:p>
+                  </a:txBody>
+                  <a:tcPr marL="32232" marR="32232" marT="16116" marB="16116" anchor="ctr"/>
+                </a:tc>
+                <a:extLst>
+                  <a:ext uri="{0D108BD9-81ED-4DB2-BD59-A6C34878D82A}">
+                    <a16:rowId xmlns:a16="http://schemas.microsoft.com/office/drawing/2014/main" val="3187471440"/>
+                  </a:ext>
+                </a:extLst>
+              </a:tr>
+            </a:tbl>
+          </a:graphicData>
+        </a:graphic>
+      </p:graphicFrame>
+      <p:sp>
+        <p:nvSpPr>
+          <p:cNvPr id="5" name="Rectangle 4">
+            <a:extLst>
+              <a:ext uri="{FF2B5EF4-FFF2-40B4-BE49-F238E27FC236}">
+                <a16:creationId xmlns:a16="http://schemas.microsoft.com/office/drawing/2014/main" id="{1630D4A8-9A24-4655-BFE6-68D6DEE87850}"/>
+              </a:ext>
+            </a:extLst>
+          </p:cNvPr>
+          <p:cNvSpPr/>
+          <p:nvPr/>
+        </p:nvSpPr>
+        <p:spPr>
+          <a:xfrm>
+            <a:off x="135924" y="1887829"/>
+            <a:ext cx="3311610" cy="3046988"/>
+          </a:xfrm>
+          <a:prstGeom prst="rect">
+            <a:avLst/>
+          </a:prstGeom>
+        </p:spPr>
+        <p:txBody>
+          <a:bodyPr wrap="square">
+            <a:spAutoFit/>
+          </a:bodyPr>
+          <a:lstStyle/>
+          <a:p>
+            <a:pPr algn="ctr"/>
+            <a:r>
+              <a:rPr lang="en-US" sz="3200" dirty="0">
+                <a:latin typeface="-apple-system"/>
+              </a:rPr>
+              <a:t>Minimum, Maximum, Average &amp; Total non- normalized metrics for each cluster</a:t>
+            </a:r>
+            <a:endParaRPr lang="en-US" sz="3200" i="0" dirty="0">
+              <a:effectLst/>
+              <a:latin typeface="-apple-system"/>
+            </a:endParaRPr>
+          </a:p>
+        </p:txBody>
+      </p:sp>
+    </p:spTree>
+    <p:extLst>
+      <p:ext uri="{BB962C8B-B14F-4D97-AF65-F5344CB8AC3E}">
+        <p14:creationId xmlns:p14="http://schemas.microsoft.com/office/powerpoint/2010/main" val="1084361560"/>
+      </p:ext>
+    </p:extLst>
+  </p:cSld>
+  <p:clrMapOvr>
+    <a:masterClrMapping/>
+  </p:clrMapOvr>
+</p:sld>
+</file>
+
+<file path=ppt/slides/slide16.xml><?xml version="1.0" encoding="utf-8"?>
+<p:sld xmlns:a="http://schemas.openxmlformats.org/drawingml/2006/main" xmlns:r="http://schemas.openxmlformats.org/officeDocument/2006/relationships" xmlns:p="http://schemas.openxmlformats.org/presentationml/2006/main">
+  <p:cSld>
+    <p:spTree>
+      <p:nvGrpSpPr>
+        <p:cNvPr id="1" name=""/>
+        <p:cNvGrpSpPr/>
+        <p:nvPr/>
+      </p:nvGrpSpPr>
+      <p:grpSpPr>
+        <a:xfrm>
+          <a:off x="0" y="0"/>
+          <a:ext cx="0" cy="0"/>
+          <a:chOff x="0" y="0"/>
+          <a:chExt cx="0" cy="0"/>
+        </a:xfrm>
+      </p:grpSpPr>
+      <p:pic>
+        <p:nvPicPr>
+          <p:cNvPr id="4" name="Picture 3">
+            <a:extLst>
+              <a:ext uri="{FF2B5EF4-FFF2-40B4-BE49-F238E27FC236}">
+                <a16:creationId xmlns:a16="http://schemas.microsoft.com/office/drawing/2014/main" id="{5D8AE9A2-7016-49DE-AB81-E0B57C28BBE1}"/>
+              </a:ext>
+            </a:extLst>
+          </p:cNvPr>
+          <p:cNvPicPr>
+            <a:picLocks noChangeAspect="1"/>
+          </p:cNvPicPr>
+          <p:nvPr/>
+        </p:nvPicPr>
+        <p:blipFill>
+          <a:blip r:embed="rId2"/>
+          <a:stretch>
+            <a:fillRect/>
+          </a:stretch>
+        </p:blipFill>
+        <p:spPr>
+          <a:xfrm>
+            <a:off x="2870886" y="1002812"/>
+            <a:ext cx="6450227" cy="4852375"/>
+          </a:xfrm>
+          <a:prstGeom prst="rect">
+            <a:avLst/>
+          </a:prstGeom>
+        </p:spPr>
+      </p:pic>
+    </p:spTree>
+    <p:extLst>
+      <p:ext uri="{BB962C8B-B14F-4D97-AF65-F5344CB8AC3E}">
+        <p14:creationId xmlns:p14="http://schemas.microsoft.com/office/powerpoint/2010/main" val="1988423095"/>
+      </p:ext>
+    </p:extLst>
+  </p:cSld>
+  <p:clrMapOvr>
+    <a:masterClrMapping/>
+  </p:clrMapOvr>
+</p:sld>
+</file>
+
+<file path=ppt/slides/slide17.xml><?xml version="1.0" encoding="utf-8"?>
+<p:sld xmlns:a="http://schemas.openxmlformats.org/drawingml/2006/main" xmlns:r="http://schemas.openxmlformats.org/officeDocument/2006/relationships" xmlns:p="http://schemas.openxmlformats.org/presentationml/2006/main">
+  <p:cSld>
+    <p:spTree>
+      <p:nvGrpSpPr>
+        <p:cNvPr id="1" name=""/>
+        <p:cNvGrpSpPr/>
+        <p:nvPr/>
+      </p:nvGrpSpPr>
+      <p:grpSpPr>
+        <a:xfrm>
+          <a:off x="0" y="0"/>
+          <a:ext cx="0" cy="0"/>
+          <a:chOff x="0" y="0"/>
+          <a:chExt cx="0" cy="0"/>
+        </a:xfrm>
+      </p:grpSpPr>
+      <p:pic>
+        <p:nvPicPr>
+          <p:cNvPr id="4" name="Picture 3">
+            <a:extLst>
+              <a:ext uri="{FF2B5EF4-FFF2-40B4-BE49-F238E27FC236}">
+                <a16:creationId xmlns:a16="http://schemas.microsoft.com/office/drawing/2014/main" id="{5AD0EEF2-5B98-4FA5-9CFB-2A290D136051}"/>
+              </a:ext>
+            </a:extLst>
+          </p:cNvPr>
+          <p:cNvPicPr>
+            <a:picLocks noChangeAspect="1"/>
+          </p:cNvPicPr>
+          <p:nvPr/>
+        </p:nvPicPr>
+        <p:blipFill>
+          <a:blip r:embed="rId2"/>
+          <a:stretch>
+            <a:fillRect/>
+          </a:stretch>
+        </p:blipFill>
+        <p:spPr>
+          <a:xfrm>
+            <a:off x="3283349" y="1397407"/>
+            <a:ext cx="5424303" cy="4063186"/>
+          </a:xfrm>
+          <a:prstGeom prst="rect">
+            <a:avLst/>
+          </a:prstGeom>
+        </p:spPr>
+      </p:pic>
+      <p:sp>
+        <p:nvSpPr>
+          <p:cNvPr id="5" name="TextBox 4">
+            <a:extLst>
+              <a:ext uri="{FF2B5EF4-FFF2-40B4-BE49-F238E27FC236}">
+                <a16:creationId xmlns:a16="http://schemas.microsoft.com/office/drawing/2014/main" id="{BC5F3889-0DF6-4732-A5EB-2EA63AB4D465}"/>
+              </a:ext>
+            </a:extLst>
+          </p:cNvPr>
+          <p:cNvSpPr txBox="1"/>
+          <p:nvPr/>
+        </p:nvSpPr>
+        <p:spPr>
+          <a:xfrm>
+            <a:off x="2953264" y="531335"/>
+            <a:ext cx="5927385" cy="646331"/>
+          </a:xfrm>
+          <a:prstGeom prst="rect">
+            <a:avLst/>
+          </a:prstGeom>
+          <a:noFill/>
+        </p:spPr>
+        <p:txBody>
+          <a:bodyPr wrap="square" rtlCol="0">
+            <a:spAutoFit/>
+          </a:bodyPr>
+          <a:lstStyle/>
+          <a:p>
+            <a:pPr algn="ctr"/>
+            <a:r>
+              <a:rPr lang="en-US" dirty="0">
+                <a:ln w="0"/>
+                <a:solidFill>
+                  <a:schemeClr val="accent1"/>
+                </a:solidFill>
+                <a:effectLst>
+                  <a:outerShdw blurRad="38100" dist="25400" dir="5400000" algn="ctr" rotWithShape="0">
+                    <a:srgbClr val="6E747A">
+                      <a:alpha val="43000"/>
+                    </a:srgbClr>
+                  </a:outerShdw>
+                </a:effectLst>
+              </a:rPr>
+              <a:t>Using the elbow method to determine the Optimal K value for the clusters</a:t>
+            </a:r>
+          </a:p>
+        </p:txBody>
+      </p:sp>
+      <p:sp>
+        <p:nvSpPr>
+          <p:cNvPr id="7" name="TextBox 6">
+            <a:extLst>
+              <a:ext uri="{FF2B5EF4-FFF2-40B4-BE49-F238E27FC236}">
+                <a16:creationId xmlns:a16="http://schemas.microsoft.com/office/drawing/2014/main" id="{1A4A0EDC-DF5C-44C7-9D7C-799352117D97}"/>
+              </a:ext>
+            </a:extLst>
+          </p:cNvPr>
+          <p:cNvSpPr txBox="1"/>
+          <p:nvPr/>
+        </p:nvSpPr>
+        <p:spPr>
+          <a:xfrm>
+            <a:off x="9136763" y="2983468"/>
+            <a:ext cx="1804087" cy="369332"/>
+          </a:xfrm>
+          <a:prstGeom prst="rect">
+            <a:avLst/>
+          </a:prstGeom>
+          <a:noFill/>
+        </p:spPr>
+        <p:txBody>
+          <a:bodyPr wrap="square" rtlCol="0">
+            <a:spAutoFit/>
+          </a:bodyPr>
+          <a:lstStyle/>
+          <a:p>
+            <a:r>
+              <a:rPr lang="en-US" dirty="0"/>
+              <a:t>K= 5</a:t>
+            </a:r>
+          </a:p>
+        </p:txBody>
+      </p:sp>
+      <p:sp>
+        <p:nvSpPr>
+          <p:cNvPr id="8" name="TextBox 7">
+            <a:extLst>
+              <a:ext uri="{FF2B5EF4-FFF2-40B4-BE49-F238E27FC236}">
+                <a16:creationId xmlns:a16="http://schemas.microsoft.com/office/drawing/2014/main" id="{EA75CB8A-4E02-496B-8832-DAC6A2E56A64}"/>
+              </a:ext>
+            </a:extLst>
+          </p:cNvPr>
+          <p:cNvSpPr txBox="1"/>
+          <p:nvPr/>
+        </p:nvSpPr>
+        <p:spPr>
+          <a:xfrm>
+            <a:off x="8609544" y="2612082"/>
+            <a:ext cx="1804087" cy="369332"/>
+          </a:xfrm>
+          <a:prstGeom prst="rect">
+            <a:avLst/>
+          </a:prstGeom>
+          <a:noFill/>
+        </p:spPr>
+        <p:txBody>
+          <a:bodyPr wrap="square" rtlCol="0">
+            <a:spAutoFit/>
+          </a:bodyPr>
+          <a:lstStyle/>
+          <a:p>
+            <a:r>
+              <a:rPr lang="en-US" dirty="0"/>
+              <a:t>Optimal value</a:t>
+            </a:r>
+          </a:p>
+        </p:txBody>
+      </p:sp>
+    </p:spTree>
+    <p:extLst>
+      <p:ext uri="{BB962C8B-B14F-4D97-AF65-F5344CB8AC3E}">
+        <p14:creationId xmlns:p14="http://schemas.microsoft.com/office/powerpoint/2010/main" val="603117124"/>
+      </p:ext>
+    </p:extLst>
+  </p:cSld>
+  <p:clrMapOvr>
+    <a:masterClrMapping/>
+  </p:clrMapOvr>
+</p:sld>
+</file>
+
+<file path=ppt/slides/slide18.xml><?xml version="1.0" encoding="utf-8"?>
+<p:sld xmlns:a="http://schemas.openxmlformats.org/drawingml/2006/main" xmlns:r="http://schemas.openxmlformats.org/officeDocument/2006/relationships" xmlns:p="http://schemas.openxmlformats.org/presentationml/2006/main">
+  <p:cSld>
+    <p:spTree>
+      <p:nvGrpSpPr>
+        <p:cNvPr id="1" name=""/>
+        <p:cNvGrpSpPr/>
+        <p:nvPr/>
+      </p:nvGrpSpPr>
+      <p:grpSpPr>
+        <a:xfrm>
+          <a:off x="0" y="0"/>
+          <a:ext cx="0" cy="0"/>
+          <a:chOff x="0" y="0"/>
+          <a:chExt cx="0" cy="0"/>
+        </a:xfrm>
+      </p:grpSpPr>
+      <p:sp>
+        <p:nvSpPr>
+          <p:cNvPr id="2" name="Title 1">
+            <a:extLst>
+              <a:ext uri="{FF2B5EF4-FFF2-40B4-BE49-F238E27FC236}">
+                <a16:creationId xmlns:a16="http://schemas.microsoft.com/office/drawing/2014/main" id="{C6BC6B7F-0A5B-4943-B5AC-33FC864C1CBE}"/>
+              </a:ext>
+            </a:extLst>
+          </p:cNvPr>
+          <p:cNvSpPr>
+            <a:spLocks noGrp="1"/>
+          </p:cNvSpPr>
+          <p:nvPr>
+            <p:ph type="title"/>
+          </p:nvPr>
+        </p:nvSpPr>
+        <p:spPr>
+          <a:xfrm>
+            <a:off x="838200" y="681037"/>
+            <a:ext cx="10515600" cy="1325563"/>
+          </a:xfrm>
+        </p:spPr>
+        <p:txBody>
+          <a:bodyPr/>
+          <a:lstStyle/>
+          <a:p>
+            <a:pPr algn="ctr"/>
+            <a:r>
+              <a:rPr lang="en-US" dirty="0"/>
+              <a:t>Summary</a:t>
+            </a:r>
+          </a:p>
+        </p:txBody>
+      </p:sp>
+      <p:sp>
+        <p:nvSpPr>
+          <p:cNvPr id="3" name="Content Placeholder 2">
+            <a:extLst>
+              <a:ext uri="{FF2B5EF4-FFF2-40B4-BE49-F238E27FC236}">
+                <a16:creationId xmlns:a16="http://schemas.microsoft.com/office/drawing/2014/main" id="{A45071B1-3598-4D13-A51E-AA979B46887C}"/>
+              </a:ext>
+            </a:extLst>
+          </p:cNvPr>
+          <p:cNvSpPr>
+            <a:spLocks noGrp="1"/>
+          </p:cNvSpPr>
+          <p:nvPr>
+            <p:ph idx="1"/>
+          </p:nvPr>
+        </p:nvSpPr>
+        <p:spPr/>
+        <p:txBody>
+          <a:bodyPr/>
+          <a:lstStyle/>
+          <a:p>
+            <a:r>
+              <a:rPr lang="en-US" dirty="0"/>
+              <a:t>The Data were grouped using the MSISDN/Number in order to find the Total sessions traffic.</a:t>
+            </a:r>
+          </a:p>
+          <a:p>
+            <a:r>
+              <a:rPr lang="en-US" dirty="0"/>
+              <a:t>Using </a:t>
+            </a:r>
+            <a:r>
+              <a:rPr lang="en-US" dirty="0" err="1"/>
+              <a:t>Sklearn</a:t>
+            </a:r>
+            <a:r>
+              <a:rPr lang="en-US" dirty="0"/>
+              <a:t> (</a:t>
+            </a:r>
+            <a:r>
+              <a:rPr lang="en-US" dirty="0" err="1"/>
+              <a:t>scikit</a:t>
+            </a:r>
+            <a:r>
+              <a:rPr lang="en-US" dirty="0"/>
+              <a:t> learn) library in Python, the data were grouped into three cluster.</a:t>
+            </a:r>
+          </a:p>
+          <a:p>
+            <a:r>
+              <a:rPr lang="en-US" dirty="0"/>
+              <a:t>By finding the optimal k values using the elbow method, it can be noticed that k= 5 is said to group the clusters equally. </a:t>
+            </a:r>
+          </a:p>
+          <a:p>
+            <a:endParaRPr lang="en-US" dirty="0"/>
+          </a:p>
+        </p:txBody>
+      </p:sp>
+    </p:spTree>
+    <p:extLst>
+      <p:ext uri="{BB962C8B-B14F-4D97-AF65-F5344CB8AC3E}">
+        <p14:creationId xmlns:p14="http://schemas.microsoft.com/office/powerpoint/2010/main" val="3795498905"/>
+      </p:ext>
+    </p:extLst>
+  </p:cSld>
+  <p:clrMapOvr>
+    <a:masterClrMapping/>
+  </p:clrMapOvr>
+</p:sld>
+</file>
+
+<file path=ppt/slides/slide19.xml><?xml version="1.0" encoding="utf-8"?>
+<p:sld xmlns:a="http://schemas.openxmlformats.org/drawingml/2006/main" xmlns:r="http://schemas.openxmlformats.org/officeDocument/2006/relationships" xmlns:p="http://schemas.openxmlformats.org/presentationml/2006/main">
+  <p:cSld>
+    <p:spTree>
+      <p:nvGrpSpPr>
+        <p:cNvPr id="1" name=""/>
+        <p:cNvGrpSpPr/>
+        <p:nvPr/>
+      </p:nvGrpSpPr>
+      <p:grpSpPr>
+        <a:xfrm>
+          <a:off x="0" y="0"/>
+          <a:ext cx="0" cy="0"/>
+          <a:chOff x="0" y="0"/>
+          <a:chExt cx="0" cy="0"/>
+        </a:xfrm>
+      </p:grpSpPr>
+      <p:sp>
+        <p:nvSpPr>
+          <p:cNvPr id="2" name="Title 1">
+            <a:extLst>
+              <a:ext uri="{FF2B5EF4-FFF2-40B4-BE49-F238E27FC236}">
+                <a16:creationId xmlns:a16="http://schemas.microsoft.com/office/drawing/2014/main" id="{10A4CFB2-7EAA-48E0-8430-589F5D3B525B}"/>
+              </a:ext>
+            </a:extLst>
+          </p:cNvPr>
+          <p:cNvSpPr>
+            <a:spLocks noGrp="1"/>
+          </p:cNvSpPr>
+          <p:nvPr>
+            <p:ph type="title"/>
+          </p:nvPr>
+        </p:nvSpPr>
+        <p:spPr/>
+        <p:txBody>
+          <a:bodyPr/>
+          <a:lstStyle/>
+          <a:p>
+            <a:pPr algn="ctr"/>
+            <a:r>
+              <a:rPr lang="en-US" dirty="0"/>
+              <a:t>Experience Analytics</a:t>
+            </a:r>
+          </a:p>
+        </p:txBody>
+      </p:sp>
+      <p:sp>
+        <p:nvSpPr>
+          <p:cNvPr id="3" name="Content Placeholder 2">
+            <a:extLst>
+              <a:ext uri="{FF2B5EF4-FFF2-40B4-BE49-F238E27FC236}">
+                <a16:creationId xmlns:a16="http://schemas.microsoft.com/office/drawing/2014/main" id="{4BE687D7-B1D2-4E5C-A6E5-473FE9F865C6}"/>
+              </a:ext>
+            </a:extLst>
+          </p:cNvPr>
+          <p:cNvSpPr>
+            <a:spLocks noGrp="1"/>
+          </p:cNvSpPr>
+          <p:nvPr>
+            <p:ph idx="1"/>
+          </p:nvPr>
+        </p:nvSpPr>
+        <p:spPr/>
+        <p:txBody>
+          <a:bodyPr/>
+          <a:lstStyle/>
+          <a:p>
+            <a:endParaRPr lang="en-US" dirty="0"/>
+          </a:p>
+        </p:txBody>
+      </p:sp>
+    </p:spTree>
+    <p:extLst>
+      <p:ext uri="{BB962C8B-B14F-4D97-AF65-F5344CB8AC3E}">
+        <p14:creationId xmlns:p14="http://schemas.microsoft.com/office/powerpoint/2010/main" val="1131078808"/>
+      </p:ext>
+    </p:extLst>
+  </p:cSld>
+  <p:clrMapOvr>
+    <a:masterClrMapping/>
+  </p:clrMapOvr>
+</p:sld>
+</file>
+
 <file path=ppt/slides/slide2.xml><?xml version="1.0" encoding="utf-8"?>
 <p:sld xmlns:a="http://schemas.openxmlformats.org/drawingml/2006/main" xmlns:r="http://schemas.openxmlformats.org/officeDocument/2006/relationships" xmlns:p="http://schemas.openxmlformats.org/presentationml/2006/main">
   <p:cSld>
@@ -6639,6 +10826,913 @@
     <p:extLst>
       <p:ext uri="{BB962C8B-B14F-4D97-AF65-F5344CB8AC3E}">
         <p14:creationId xmlns:p14="http://schemas.microsoft.com/office/powerpoint/2010/main" val="426390762"/>
+      </p:ext>
+    </p:extLst>
+  </p:cSld>
+  <p:clrMapOvr>
+    <a:masterClrMapping/>
+  </p:clrMapOvr>
+</p:sld>
+</file>
+
+<file path=ppt/slides/slide20.xml><?xml version="1.0" encoding="utf-8"?>
+<p:sld xmlns:a="http://schemas.openxmlformats.org/drawingml/2006/main" xmlns:r="http://schemas.openxmlformats.org/officeDocument/2006/relationships" xmlns:p="http://schemas.openxmlformats.org/presentationml/2006/main">
+  <p:cSld>
+    <p:spTree>
+      <p:nvGrpSpPr>
+        <p:cNvPr id="1" name=""/>
+        <p:cNvGrpSpPr/>
+        <p:nvPr/>
+      </p:nvGrpSpPr>
+      <p:grpSpPr>
+        <a:xfrm>
+          <a:off x="0" y="0"/>
+          <a:ext cx="0" cy="0"/>
+          <a:chOff x="0" y="0"/>
+          <a:chExt cx="0" cy="0"/>
+        </a:xfrm>
+      </p:grpSpPr>
+      <p:sp>
+        <p:nvSpPr>
+          <p:cNvPr id="2" name="Title 1">
+            <a:extLst>
+              <a:ext uri="{FF2B5EF4-FFF2-40B4-BE49-F238E27FC236}">
+                <a16:creationId xmlns:a16="http://schemas.microsoft.com/office/drawing/2014/main" id="{725597B7-4368-4411-BC7F-4EC0A0EE8E83}"/>
+              </a:ext>
+            </a:extLst>
+          </p:cNvPr>
+          <p:cNvSpPr>
+            <a:spLocks noGrp="1"/>
+          </p:cNvSpPr>
+          <p:nvPr>
+            <p:ph type="title"/>
+          </p:nvPr>
+        </p:nvSpPr>
+        <p:spPr/>
+        <p:txBody>
+          <a:bodyPr/>
+          <a:lstStyle/>
+          <a:p>
+            <a:endParaRPr lang="en-US"/>
+          </a:p>
+        </p:txBody>
+      </p:sp>
+      <p:sp>
+        <p:nvSpPr>
+          <p:cNvPr id="3" name="Content Placeholder 2">
+            <a:extLst>
+              <a:ext uri="{FF2B5EF4-FFF2-40B4-BE49-F238E27FC236}">
+                <a16:creationId xmlns:a16="http://schemas.microsoft.com/office/drawing/2014/main" id="{824F90BB-E0E1-4F20-8387-9107B1107DED}"/>
+              </a:ext>
+            </a:extLst>
+          </p:cNvPr>
+          <p:cNvSpPr>
+            <a:spLocks noGrp="1"/>
+          </p:cNvSpPr>
+          <p:nvPr>
+            <p:ph idx="1"/>
+          </p:nvPr>
+        </p:nvSpPr>
+        <p:spPr/>
+        <p:txBody>
+          <a:bodyPr/>
+          <a:lstStyle/>
+          <a:p>
+            <a:endParaRPr lang="en-US"/>
+          </a:p>
+        </p:txBody>
+      </p:sp>
+    </p:spTree>
+    <p:extLst>
+      <p:ext uri="{BB962C8B-B14F-4D97-AF65-F5344CB8AC3E}">
+        <p14:creationId xmlns:p14="http://schemas.microsoft.com/office/powerpoint/2010/main" val="2815592240"/>
+      </p:ext>
+    </p:extLst>
+  </p:cSld>
+  <p:clrMapOvr>
+    <a:masterClrMapping/>
+  </p:clrMapOvr>
+</p:sld>
+</file>
+
+<file path=ppt/slides/slide21.xml><?xml version="1.0" encoding="utf-8"?>
+<p:sld xmlns:a="http://schemas.openxmlformats.org/drawingml/2006/main" xmlns:r="http://schemas.openxmlformats.org/officeDocument/2006/relationships" xmlns:p="http://schemas.openxmlformats.org/presentationml/2006/main">
+  <p:cSld>
+    <p:spTree>
+      <p:nvGrpSpPr>
+        <p:cNvPr id="1" name=""/>
+        <p:cNvGrpSpPr/>
+        <p:nvPr/>
+      </p:nvGrpSpPr>
+      <p:grpSpPr>
+        <a:xfrm>
+          <a:off x="0" y="0"/>
+          <a:ext cx="0" cy="0"/>
+          <a:chOff x="0" y="0"/>
+          <a:chExt cx="0" cy="0"/>
+        </a:xfrm>
+      </p:grpSpPr>
+      <p:sp>
+        <p:nvSpPr>
+          <p:cNvPr id="2" name="Title 1">
+            <a:extLst>
+              <a:ext uri="{FF2B5EF4-FFF2-40B4-BE49-F238E27FC236}">
+                <a16:creationId xmlns:a16="http://schemas.microsoft.com/office/drawing/2014/main" id="{E01A3036-885D-4D47-AC0A-9354244B7266}"/>
+              </a:ext>
+            </a:extLst>
+          </p:cNvPr>
+          <p:cNvSpPr>
+            <a:spLocks noGrp="1"/>
+          </p:cNvSpPr>
+          <p:nvPr>
+            <p:ph type="title"/>
+          </p:nvPr>
+        </p:nvSpPr>
+        <p:spPr>
+          <a:xfrm>
+            <a:off x="838200" y="0"/>
+            <a:ext cx="10515600" cy="1325563"/>
+          </a:xfrm>
+        </p:spPr>
+        <p:txBody>
+          <a:bodyPr/>
+          <a:lstStyle/>
+          <a:p>
+            <a:pPr algn="ctr"/>
+            <a:r>
+              <a:rPr lang="en-US" b="1" dirty="0"/>
+              <a:t>Top 10 frequent used Handset</a:t>
+            </a:r>
+            <a:endParaRPr lang="en-US" dirty="0"/>
+          </a:p>
+        </p:txBody>
+      </p:sp>
+      <p:graphicFrame>
+        <p:nvGraphicFramePr>
+          <p:cNvPr id="4" name="Table 3">
+            <a:extLst>
+              <a:ext uri="{FF2B5EF4-FFF2-40B4-BE49-F238E27FC236}">
+                <a16:creationId xmlns:a16="http://schemas.microsoft.com/office/drawing/2014/main" id="{EEE07757-1D3D-4684-B9F4-E17B031D99A6}"/>
+              </a:ext>
+            </a:extLst>
+          </p:cNvPr>
+          <p:cNvGraphicFramePr>
+            <a:graphicFrameLocks noGrp="1"/>
+          </p:cNvGraphicFramePr>
+          <p:nvPr>
+            <p:extLst>
+              <p:ext uri="{D42A27DB-BD31-4B8C-83A1-F6EECF244321}">
+                <p14:modId xmlns:p14="http://schemas.microsoft.com/office/powerpoint/2010/main" val="3266809190"/>
+              </p:ext>
+            </p:extLst>
+          </p:nvPr>
+        </p:nvGraphicFramePr>
+        <p:xfrm>
+          <a:off x="980015" y="1325563"/>
+          <a:ext cx="9811839" cy="4514118"/>
+        </p:xfrm>
+        <a:graphic>
+          <a:graphicData uri="http://schemas.openxmlformats.org/drawingml/2006/table">
+            <a:tbl>
+              <a:tblPr/>
+              <a:tblGrid>
+                <a:gridCol w="3270613">
+                  <a:extLst>
+                    <a:ext uri="{9D8B030D-6E8A-4147-A177-3AD203B41FA5}">
+                      <a16:colId xmlns:a16="http://schemas.microsoft.com/office/drawing/2014/main" val="2867652022"/>
+                    </a:ext>
+                  </a:extLst>
+                </a:gridCol>
+                <a:gridCol w="3270613">
+                  <a:extLst>
+                    <a:ext uri="{9D8B030D-6E8A-4147-A177-3AD203B41FA5}">
+                      <a16:colId xmlns:a16="http://schemas.microsoft.com/office/drawing/2014/main" val="2131341548"/>
+                    </a:ext>
+                  </a:extLst>
+                </a:gridCol>
+                <a:gridCol w="3270613">
+                  <a:extLst>
+                    <a:ext uri="{9D8B030D-6E8A-4147-A177-3AD203B41FA5}">
+                      <a16:colId xmlns:a16="http://schemas.microsoft.com/office/drawing/2014/main" val="1888924024"/>
+                    </a:ext>
+                  </a:extLst>
+                </a:gridCol>
+              </a:tblGrid>
+              <a:tr h="597242">
+                <a:tc>
+                  <a:txBody>
+                    <a:bodyPr/>
+                    <a:lstStyle/>
+                    <a:p>
+                      <a:pPr algn="r" fontAlgn="ctr"/>
+                      <a:endParaRPr lang="sv-SE" sz="1700" b="1" dirty="0">
+                        <a:effectLst/>
+                      </a:endParaRPr>
+                    </a:p>
+                  </a:txBody>
+                  <a:tcPr marL="85320" marR="85320" marT="42660" marB="42660" anchor="ctr"/>
+                </a:tc>
+                <a:tc>
+                  <a:txBody>
+                    <a:bodyPr/>
+                    <a:lstStyle/>
+                    <a:p>
+                      <a:pPr algn="r" fontAlgn="ctr"/>
+                      <a:br>
+                        <a:rPr lang="sv-SE" sz="1700" dirty="0">
+                          <a:effectLst/>
+                        </a:rPr>
+                      </a:br>
+                      <a:r>
+                        <a:rPr lang="sv-SE" sz="1700" dirty="0">
+                          <a:effectLst/>
+                        </a:rPr>
+                        <a:t>Avg TCP Retrans. Vol (Bytes)</a:t>
+                      </a:r>
+                      <a:endParaRPr lang="sv-SE" sz="1700" b="1" dirty="0">
+                        <a:effectLst/>
+                      </a:endParaRPr>
+                    </a:p>
+                  </a:txBody>
+                  <a:tcPr marL="85320" marR="85320" marT="42660" marB="42660" anchor="ctr"/>
+                </a:tc>
+                <a:tc>
+                  <a:txBody>
+                    <a:bodyPr/>
+                    <a:lstStyle/>
+                    <a:p>
+                      <a:pPr algn="r" fontAlgn="ctr"/>
+                      <a:r>
+                        <a:rPr lang="en-US" sz="1700" dirty="0">
+                          <a:effectLst/>
+                        </a:rPr>
+                        <a:t>Avg RTT (</a:t>
+                      </a:r>
+                      <a:r>
+                        <a:rPr lang="en-US" sz="1700" dirty="0" err="1">
+                          <a:effectLst/>
+                        </a:rPr>
+                        <a:t>ms</a:t>
+                      </a:r>
+                      <a:r>
+                        <a:rPr lang="en-US" sz="1700" dirty="0">
+                          <a:effectLst/>
+                        </a:rPr>
+                        <a:t>)</a:t>
+                      </a:r>
+                      <a:endParaRPr lang="en-US" sz="1700" b="1" dirty="0">
+                        <a:effectLst/>
+                      </a:endParaRPr>
+                    </a:p>
+                  </a:txBody>
+                  <a:tcPr marL="85320" marR="85320" marT="42660" marB="42660" anchor="ctr"/>
+                </a:tc>
+                <a:extLst>
+                  <a:ext uri="{0D108BD9-81ED-4DB2-BD59-A6C34878D82A}">
+                    <a16:rowId xmlns:a16="http://schemas.microsoft.com/office/drawing/2014/main" val="3312373138"/>
+                  </a:ext>
+                </a:extLst>
+              </a:tr>
+              <a:tr h="341281">
+                <a:tc>
+                  <a:txBody>
+                    <a:bodyPr/>
+                    <a:lstStyle/>
+                    <a:p>
+                      <a:pPr algn="r" fontAlgn="ctr"/>
+                      <a:r>
+                        <a:rPr lang="en-US" sz="1700" strike="noStrike" dirty="0">
+                          <a:effectLst/>
+                        </a:rPr>
+                        <a:t>Handset Type</a:t>
+                      </a:r>
+                      <a:endParaRPr lang="en-US" sz="1700" b="1" strike="noStrike" dirty="0">
+                        <a:effectLst/>
+                      </a:endParaRPr>
+                    </a:p>
+                  </a:txBody>
+                  <a:tcPr marL="85320" marR="85320" marT="42660" marB="42660" anchor="ctr"/>
+                </a:tc>
+                <a:tc>
+                  <a:txBody>
+                    <a:bodyPr/>
+                    <a:lstStyle/>
+                    <a:p>
+                      <a:pPr algn="r" fontAlgn="ctr"/>
+                      <a:endParaRPr lang="en-US" sz="1700" b="1">
+                        <a:effectLst/>
+                      </a:endParaRPr>
+                    </a:p>
+                  </a:txBody>
+                  <a:tcPr marL="85320" marR="85320" marT="42660" marB="42660" anchor="ctr"/>
+                </a:tc>
+                <a:tc>
+                  <a:txBody>
+                    <a:bodyPr/>
+                    <a:lstStyle/>
+                    <a:p>
+                      <a:pPr algn="r" fontAlgn="ctr"/>
+                      <a:endParaRPr lang="en-US" sz="1700" b="1" dirty="0">
+                        <a:effectLst/>
+                      </a:endParaRPr>
+                    </a:p>
+                  </a:txBody>
+                  <a:tcPr marL="85320" marR="85320" marT="42660" marB="42660" anchor="ctr"/>
+                </a:tc>
+                <a:extLst>
+                  <a:ext uri="{0D108BD9-81ED-4DB2-BD59-A6C34878D82A}">
+                    <a16:rowId xmlns:a16="http://schemas.microsoft.com/office/drawing/2014/main" val="2264973478"/>
+                  </a:ext>
+                </a:extLst>
+              </a:tr>
+              <a:tr h="466638">
+                <a:tc>
+                  <a:txBody>
+                    <a:bodyPr/>
+                    <a:lstStyle/>
+                    <a:p>
+                      <a:pPr algn="r" fontAlgn="ctr"/>
+                      <a:r>
+                        <a:rPr lang="en-US" sz="1700" dirty="0">
+                          <a:effectLst/>
+                        </a:rPr>
+                        <a:t>Huawei B528S-23A</a:t>
+                      </a:r>
+                      <a:endParaRPr lang="en-US" sz="1700" b="1" dirty="0">
+                        <a:effectLst/>
+                      </a:endParaRPr>
+                    </a:p>
+                  </a:txBody>
+                  <a:tcPr marL="85320" marR="85320" marT="42660" marB="42660" anchor="ctr"/>
+                </a:tc>
+                <a:tc>
+                  <a:txBody>
+                    <a:bodyPr/>
+                    <a:lstStyle/>
+                    <a:p>
+                      <a:pPr algn="r" fontAlgn="ctr"/>
+                      <a:r>
+                        <a:rPr lang="en-US" sz="1700">
+                          <a:effectLst/>
+                        </a:rPr>
+                        <a:t>2104948706428</a:t>
+                      </a:r>
+                    </a:p>
+                  </a:txBody>
+                  <a:tcPr marL="85320" marR="85320" marT="42660" marB="42660" anchor="ctr"/>
+                </a:tc>
+                <a:tc>
+                  <a:txBody>
+                    <a:bodyPr/>
+                    <a:lstStyle/>
+                    <a:p>
+                      <a:pPr algn="r" fontAlgn="ctr"/>
+                      <a:r>
+                        <a:rPr lang="en-US" sz="1700">
+                          <a:effectLst/>
+                        </a:rPr>
+                        <a:t>3032785</a:t>
+                      </a:r>
+                    </a:p>
+                  </a:txBody>
+                  <a:tcPr marL="85320" marR="85320" marT="42660" marB="42660" anchor="ctr"/>
+                </a:tc>
+                <a:extLst>
+                  <a:ext uri="{0D108BD9-81ED-4DB2-BD59-A6C34878D82A}">
+                    <a16:rowId xmlns:a16="http://schemas.microsoft.com/office/drawing/2014/main" val="2343287237"/>
+                  </a:ext>
+                </a:extLst>
+              </a:tr>
+              <a:tr h="341281">
+                <a:tc>
+                  <a:txBody>
+                    <a:bodyPr/>
+                    <a:lstStyle/>
+                    <a:p>
+                      <a:pPr algn="r" fontAlgn="ctr"/>
+                      <a:r>
+                        <a:rPr lang="en-US" sz="1700">
+                          <a:effectLst/>
+                        </a:rPr>
+                        <a:t>Apple iPhone 6S (A1688)</a:t>
+                      </a:r>
+                      <a:endParaRPr lang="en-US" sz="1700" b="1">
+                        <a:effectLst/>
+                      </a:endParaRPr>
+                    </a:p>
+                  </a:txBody>
+                  <a:tcPr marL="85320" marR="85320" marT="42660" marB="42660" anchor="ctr"/>
+                </a:tc>
+                <a:tc>
+                  <a:txBody>
+                    <a:bodyPr/>
+                    <a:lstStyle/>
+                    <a:p>
+                      <a:pPr algn="r" fontAlgn="ctr"/>
+                      <a:r>
+                        <a:rPr lang="en-US" sz="1700" dirty="0">
+                          <a:effectLst/>
+                        </a:rPr>
+                        <a:t>333848166839</a:t>
+                      </a:r>
+                    </a:p>
+                  </a:txBody>
+                  <a:tcPr marL="85320" marR="85320" marT="42660" marB="42660" anchor="ctr"/>
+                </a:tc>
+                <a:tc>
+                  <a:txBody>
+                    <a:bodyPr/>
+                    <a:lstStyle/>
+                    <a:p>
+                      <a:pPr algn="r" fontAlgn="ctr"/>
+                      <a:r>
+                        <a:rPr lang="en-US" sz="1700">
+                          <a:effectLst/>
+                        </a:rPr>
+                        <a:t>735620</a:t>
+                      </a:r>
+                    </a:p>
+                  </a:txBody>
+                  <a:tcPr marL="85320" marR="85320" marT="42660" marB="42660" anchor="ctr"/>
+                </a:tc>
+                <a:extLst>
+                  <a:ext uri="{0D108BD9-81ED-4DB2-BD59-A6C34878D82A}">
+                    <a16:rowId xmlns:a16="http://schemas.microsoft.com/office/drawing/2014/main" val="1603306402"/>
+                  </a:ext>
+                </a:extLst>
+              </a:tr>
+              <a:tr h="341281">
+                <a:tc>
+                  <a:txBody>
+                    <a:bodyPr/>
+                    <a:lstStyle/>
+                    <a:p>
+                      <a:pPr algn="r" fontAlgn="ctr"/>
+                      <a:r>
+                        <a:rPr lang="en-US" sz="1700">
+                          <a:effectLst/>
+                        </a:rPr>
+                        <a:t>Apple iPhone 6 (A1586)</a:t>
+                      </a:r>
+                      <a:endParaRPr lang="en-US" sz="1700" b="1">
+                        <a:effectLst/>
+                      </a:endParaRPr>
+                    </a:p>
+                  </a:txBody>
+                  <a:tcPr marL="85320" marR="85320" marT="42660" marB="42660" anchor="ctr"/>
+                </a:tc>
+                <a:tc>
+                  <a:txBody>
+                    <a:bodyPr/>
+                    <a:lstStyle/>
+                    <a:p>
+                      <a:pPr algn="r" fontAlgn="ctr"/>
+                      <a:r>
+                        <a:rPr lang="en-US" sz="1700">
+                          <a:effectLst/>
+                        </a:rPr>
+                        <a:t>295766715135</a:t>
+                      </a:r>
+                    </a:p>
+                  </a:txBody>
+                  <a:tcPr marL="85320" marR="85320" marT="42660" marB="42660" anchor="ctr"/>
+                </a:tc>
+                <a:tc>
+                  <a:txBody>
+                    <a:bodyPr/>
+                    <a:lstStyle/>
+                    <a:p>
+                      <a:pPr algn="r" fontAlgn="ctr"/>
+                      <a:r>
+                        <a:rPr lang="en-US" sz="1700">
+                          <a:effectLst/>
+                        </a:rPr>
+                        <a:t>913033</a:t>
+                      </a:r>
+                    </a:p>
+                  </a:txBody>
+                  <a:tcPr marL="85320" marR="85320" marT="42660" marB="42660" anchor="ctr"/>
+                </a:tc>
+                <a:extLst>
+                  <a:ext uri="{0D108BD9-81ED-4DB2-BD59-A6C34878D82A}">
+                    <a16:rowId xmlns:a16="http://schemas.microsoft.com/office/drawing/2014/main" val="4012399655"/>
+                  </a:ext>
+                </a:extLst>
+              </a:tr>
+              <a:tr h="341281">
+                <a:tc>
+                  <a:txBody>
+                    <a:bodyPr/>
+                    <a:lstStyle/>
+                    <a:p>
+                      <a:pPr algn="r" fontAlgn="ctr"/>
+                      <a:r>
+                        <a:rPr lang="en-US" sz="1700">
+                          <a:effectLst/>
+                        </a:rPr>
+                        <a:t>undefined</a:t>
+                      </a:r>
+                      <a:endParaRPr lang="en-US" sz="1700" b="1">
+                        <a:effectLst/>
+                      </a:endParaRPr>
+                    </a:p>
+                  </a:txBody>
+                  <a:tcPr marL="85320" marR="85320" marT="42660" marB="42660" anchor="ctr"/>
+                </a:tc>
+                <a:tc>
+                  <a:txBody>
+                    <a:bodyPr/>
+                    <a:lstStyle/>
+                    <a:p>
+                      <a:pPr algn="r" fontAlgn="ctr"/>
+                      <a:r>
+                        <a:rPr lang="en-US" sz="1700">
+                          <a:effectLst/>
+                        </a:rPr>
+                        <a:t>283764722445</a:t>
+                      </a:r>
+                    </a:p>
+                  </a:txBody>
+                  <a:tcPr marL="85320" marR="85320" marT="42660" marB="42660" anchor="ctr"/>
+                </a:tc>
+                <a:tc>
+                  <a:txBody>
+                    <a:bodyPr/>
+                    <a:lstStyle/>
+                    <a:p>
+                      <a:pPr algn="r" fontAlgn="ctr"/>
+                      <a:r>
+                        <a:rPr lang="en-US" sz="1700">
+                          <a:effectLst/>
+                        </a:rPr>
+                        <a:t>1035696</a:t>
+                      </a:r>
+                    </a:p>
+                  </a:txBody>
+                  <a:tcPr marL="85320" marR="85320" marT="42660" marB="42660" anchor="ctr"/>
+                </a:tc>
+                <a:extLst>
+                  <a:ext uri="{0D108BD9-81ED-4DB2-BD59-A6C34878D82A}">
+                    <a16:rowId xmlns:a16="http://schemas.microsoft.com/office/drawing/2014/main" val="340687416"/>
+                  </a:ext>
+                </a:extLst>
+              </a:tr>
+              <a:tr h="341281">
+                <a:tc>
+                  <a:txBody>
+                    <a:bodyPr/>
+                    <a:lstStyle/>
+                    <a:p>
+                      <a:pPr algn="r" fontAlgn="ctr"/>
+                      <a:r>
+                        <a:rPr lang="en-US" sz="1700">
+                          <a:effectLst/>
+                        </a:rPr>
+                        <a:t>Apple iPhone 7 (A1778)</a:t>
+                      </a:r>
+                      <a:endParaRPr lang="en-US" sz="1700" b="1">
+                        <a:effectLst/>
+                      </a:endParaRPr>
+                    </a:p>
+                  </a:txBody>
+                  <a:tcPr marL="85320" marR="85320" marT="42660" marB="42660" anchor="ctr"/>
+                </a:tc>
+                <a:tc>
+                  <a:txBody>
+                    <a:bodyPr/>
+                    <a:lstStyle/>
+                    <a:p>
+                      <a:pPr algn="r" fontAlgn="ctr"/>
+                      <a:r>
+                        <a:rPr lang="en-US" sz="1700">
+                          <a:effectLst/>
+                        </a:rPr>
+                        <a:t>204236858350</a:t>
+                      </a:r>
+                    </a:p>
+                  </a:txBody>
+                  <a:tcPr marL="85320" marR="85320" marT="42660" marB="42660" anchor="ctr"/>
+                </a:tc>
+                <a:tc>
+                  <a:txBody>
+                    <a:bodyPr/>
+                    <a:lstStyle/>
+                    <a:p>
+                      <a:pPr algn="r" fontAlgn="ctr"/>
+                      <a:r>
+                        <a:rPr lang="en-US" sz="1700">
+                          <a:effectLst/>
+                        </a:rPr>
+                        <a:t>702272</a:t>
+                      </a:r>
+                    </a:p>
+                  </a:txBody>
+                  <a:tcPr marL="85320" marR="85320" marT="42660" marB="42660" anchor="ctr"/>
+                </a:tc>
+                <a:extLst>
+                  <a:ext uri="{0D108BD9-81ED-4DB2-BD59-A6C34878D82A}">
+                    <a16:rowId xmlns:a16="http://schemas.microsoft.com/office/drawing/2014/main" val="181499344"/>
+                  </a:ext>
+                </a:extLst>
+              </a:tr>
+              <a:tr h="341281">
+                <a:tc>
+                  <a:txBody>
+                    <a:bodyPr/>
+                    <a:lstStyle/>
+                    <a:p>
+                      <a:pPr algn="r" fontAlgn="ctr"/>
+                      <a:r>
+                        <a:rPr lang="en-US" sz="1700">
+                          <a:effectLst/>
+                        </a:rPr>
+                        <a:t>Apple iPhone Se (A1723)</a:t>
+                      </a:r>
+                      <a:endParaRPr lang="en-US" sz="1700" b="1">
+                        <a:effectLst/>
+                      </a:endParaRPr>
+                    </a:p>
+                  </a:txBody>
+                  <a:tcPr marL="85320" marR="85320" marT="42660" marB="42660" anchor="ctr"/>
+                </a:tc>
+                <a:tc>
+                  <a:txBody>
+                    <a:bodyPr/>
+                    <a:lstStyle/>
+                    <a:p>
+                      <a:pPr algn="r" fontAlgn="ctr"/>
+                      <a:r>
+                        <a:rPr lang="en-US" sz="1700">
+                          <a:effectLst/>
+                        </a:rPr>
+                        <a:t>178893900463</a:t>
+                      </a:r>
+                    </a:p>
+                  </a:txBody>
+                  <a:tcPr marL="85320" marR="85320" marT="42660" marB="42660" anchor="ctr"/>
+                </a:tc>
+                <a:tc>
+                  <a:txBody>
+                    <a:bodyPr/>
+                    <a:lstStyle/>
+                    <a:p>
+                      <a:pPr algn="r" fontAlgn="ctr"/>
+                      <a:r>
+                        <a:rPr lang="en-US" sz="1700">
+                          <a:effectLst/>
+                        </a:rPr>
+                        <a:t>427718</a:t>
+                      </a:r>
+                    </a:p>
+                  </a:txBody>
+                  <a:tcPr marL="85320" marR="85320" marT="42660" marB="42660" anchor="ctr"/>
+                </a:tc>
+                <a:extLst>
+                  <a:ext uri="{0D108BD9-81ED-4DB2-BD59-A6C34878D82A}">
+                    <a16:rowId xmlns:a16="http://schemas.microsoft.com/office/drawing/2014/main" val="3835373531"/>
+                  </a:ext>
+                </a:extLst>
+              </a:tr>
+              <a:tr h="341281">
+                <a:tc>
+                  <a:txBody>
+                    <a:bodyPr/>
+                    <a:lstStyle/>
+                    <a:p>
+                      <a:pPr algn="r" fontAlgn="ctr"/>
+                      <a:r>
+                        <a:rPr lang="en-US" sz="1700">
+                          <a:effectLst/>
+                        </a:rPr>
+                        <a:t>Apple iPhone 8 (A1905)</a:t>
+                      </a:r>
+                      <a:endParaRPr lang="en-US" sz="1700" b="1">
+                        <a:effectLst/>
+                      </a:endParaRPr>
+                    </a:p>
+                  </a:txBody>
+                  <a:tcPr marL="85320" marR="85320" marT="42660" marB="42660" anchor="ctr"/>
+                </a:tc>
+                <a:tc>
+                  <a:txBody>
+                    <a:bodyPr/>
+                    <a:lstStyle/>
+                    <a:p>
+                      <a:pPr algn="r" fontAlgn="ctr"/>
+                      <a:r>
+                        <a:rPr lang="en-US" sz="1700">
+                          <a:effectLst/>
+                        </a:rPr>
+                        <a:t>168983865375</a:t>
+                      </a:r>
+                    </a:p>
+                  </a:txBody>
+                  <a:tcPr marL="85320" marR="85320" marT="42660" marB="42660" anchor="ctr"/>
+                </a:tc>
+                <a:tc>
+                  <a:txBody>
+                    <a:bodyPr/>
+                    <a:lstStyle/>
+                    <a:p>
+                      <a:pPr algn="r" fontAlgn="ctr"/>
+                      <a:r>
+                        <a:rPr lang="en-US" sz="1700">
+                          <a:effectLst/>
+                        </a:rPr>
+                        <a:t>504782</a:t>
+                      </a:r>
+                    </a:p>
+                  </a:txBody>
+                  <a:tcPr marL="85320" marR="85320" marT="42660" marB="42660" anchor="ctr"/>
+                </a:tc>
+                <a:extLst>
+                  <a:ext uri="{0D108BD9-81ED-4DB2-BD59-A6C34878D82A}">
+                    <a16:rowId xmlns:a16="http://schemas.microsoft.com/office/drawing/2014/main" val="2119124842"/>
+                  </a:ext>
+                </a:extLst>
+              </a:tr>
+              <a:tr h="341281">
+                <a:tc>
+                  <a:txBody>
+                    <a:bodyPr/>
+                    <a:lstStyle/>
+                    <a:p>
+                      <a:pPr algn="r" fontAlgn="ctr"/>
+                      <a:r>
+                        <a:rPr lang="en-US" sz="1700">
+                          <a:effectLst/>
+                        </a:rPr>
+                        <a:t>Apple iPhone Xr (A2105)</a:t>
+                      </a:r>
+                      <a:endParaRPr lang="en-US" sz="1700" b="1">
+                        <a:effectLst/>
+                      </a:endParaRPr>
+                    </a:p>
+                  </a:txBody>
+                  <a:tcPr marL="85320" marR="85320" marT="42660" marB="42660" anchor="ctr"/>
+                </a:tc>
+                <a:tc>
+                  <a:txBody>
+                    <a:bodyPr/>
+                    <a:lstStyle/>
+                    <a:p>
+                      <a:pPr algn="r" fontAlgn="ctr"/>
+                      <a:r>
+                        <a:rPr lang="en-US" sz="1700">
+                          <a:effectLst/>
+                        </a:rPr>
+                        <a:t>163834766921</a:t>
+                      </a:r>
+                    </a:p>
+                  </a:txBody>
+                  <a:tcPr marL="85320" marR="85320" marT="42660" marB="42660" anchor="ctr"/>
+                </a:tc>
+                <a:tc>
+                  <a:txBody>
+                    <a:bodyPr/>
+                    <a:lstStyle/>
+                    <a:p>
+                      <a:pPr algn="r" fontAlgn="ctr"/>
+                      <a:r>
+                        <a:rPr lang="en-US" sz="1700">
+                          <a:effectLst/>
+                        </a:rPr>
+                        <a:t>311811</a:t>
+                      </a:r>
+                    </a:p>
+                  </a:txBody>
+                  <a:tcPr marL="85320" marR="85320" marT="42660" marB="42660" anchor="ctr"/>
+                </a:tc>
+                <a:extLst>
+                  <a:ext uri="{0D108BD9-81ED-4DB2-BD59-A6C34878D82A}">
+                    <a16:rowId xmlns:a16="http://schemas.microsoft.com/office/drawing/2014/main" val="3203991859"/>
+                  </a:ext>
+                </a:extLst>
+              </a:tr>
+              <a:tr h="341281">
+                <a:tc>
+                  <a:txBody>
+                    <a:bodyPr/>
+                    <a:lstStyle/>
+                    <a:p>
+                      <a:pPr algn="r" fontAlgn="ctr"/>
+                      <a:r>
+                        <a:rPr lang="en-US" sz="1700">
+                          <a:effectLst/>
+                        </a:rPr>
+                        <a:t>Samsung Galaxy S8 (Sm-G950F)</a:t>
+                      </a:r>
+                      <a:endParaRPr lang="en-US" sz="1700" b="1">
+                        <a:effectLst/>
+                      </a:endParaRPr>
+                    </a:p>
+                  </a:txBody>
+                  <a:tcPr marL="85320" marR="85320" marT="42660" marB="42660" anchor="ctr"/>
+                </a:tc>
+                <a:tc>
+                  <a:txBody>
+                    <a:bodyPr/>
+                    <a:lstStyle/>
+                    <a:p>
+                      <a:pPr algn="r" fontAlgn="ctr"/>
+                      <a:r>
+                        <a:rPr lang="en-US" sz="1700">
+                          <a:effectLst/>
+                        </a:rPr>
+                        <a:t>134220880553</a:t>
+                      </a:r>
+                    </a:p>
+                  </a:txBody>
+                  <a:tcPr marL="85320" marR="85320" marT="42660" marB="42660" anchor="ctr"/>
+                </a:tc>
+                <a:tc>
+                  <a:txBody>
+                    <a:bodyPr/>
+                    <a:lstStyle/>
+                    <a:p>
+                      <a:pPr algn="r" fontAlgn="ctr"/>
+                      <a:r>
+                        <a:rPr lang="en-US" sz="1700">
+                          <a:effectLst/>
+                        </a:rPr>
+                        <a:t>550637</a:t>
+                      </a:r>
+                    </a:p>
+                  </a:txBody>
+                  <a:tcPr marL="85320" marR="85320" marT="42660" marB="42660" anchor="ctr"/>
+                </a:tc>
+                <a:extLst>
+                  <a:ext uri="{0D108BD9-81ED-4DB2-BD59-A6C34878D82A}">
+                    <a16:rowId xmlns:a16="http://schemas.microsoft.com/office/drawing/2014/main" val="3611980740"/>
+                  </a:ext>
+                </a:extLst>
+              </a:tr>
+              <a:tr h="341281">
+                <a:tc>
+                  <a:txBody>
+                    <a:bodyPr/>
+                    <a:lstStyle/>
+                    <a:p>
+                      <a:pPr algn="r" fontAlgn="ctr"/>
+                      <a:r>
+                        <a:rPr lang="en-US" sz="1700">
+                          <a:effectLst/>
+                        </a:rPr>
+                        <a:t>Huawei E5180</a:t>
+                      </a:r>
+                      <a:endParaRPr lang="en-US" sz="1700" b="1">
+                        <a:effectLst/>
+                      </a:endParaRPr>
+                    </a:p>
+                  </a:txBody>
+                  <a:tcPr marL="85320" marR="85320" marT="42660" marB="42660" anchor="ctr"/>
+                </a:tc>
+                <a:tc>
+                  <a:txBody>
+                    <a:bodyPr/>
+                    <a:lstStyle/>
+                    <a:p>
+                      <a:pPr algn="r" fontAlgn="ctr"/>
+                      <a:r>
+                        <a:rPr lang="en-US" sz="1700">
+                          <a:effectLst/>
+                        </a:rPr>
+                        <a:t>131161287951</a:t>
+                      </a:r>
+                    </a:p>
+                  </a:txBody>
+                  <a:tcPr marL="85320" marR="85320" marT="42660" marB="42660" anchor="ctr"/>
+                </a:tc>
+                <a:tc>
+                  <a:txBody>
+                    <a:bodyPr/>
+                    <a:lstStyle/>
+                    <a:p>
+                      <a:pPr algn="r" fontAlgn="ctr"/>
+                      <a:r>
+                        <a:rPr lang="en-US" sz="1700" dirty="0">
+                          <a:effectLst/>
+                        </a:rPr>
+                        <a:t>343046</a:t>
+                      </a:r>
+                    </a:p>
+                  </a:txBody>
+                  <a:tcPr marL="85320" marR="85320" marT="42660" marB="42660" anchor="ctr"/>
+                </a:tc>
+                <a:extLst>
+                  <a:ext uri="{0D108BD9-81ED-4DB2-BD59-A6C34878D82A}">
+                    <a16:rowId xmlns:a16="http://schemas.microsoft.com/office/drawing/2014/main" val="412736420"/>
+                  </a:ext>
+                </a:extLst>
+              </a:tr>
+            </a:tbl>
+          </a:graphicData>
+        </a:graphic>
+      </p:graphicFrame>
+    </p:spTree>
+    <p:extLst>
+      <p:ext uri="{BB962C8B-B14F-4D97-AF65-F5344CB8AC3E}">
+        <p14:creationId xmlns:p14="http://schemas.microsoft.com/office/powerpoint/2010/main" val="2468579284"/>
       </p:ext>
     </p:extLst>
   </p:cSld>
@@ -8730,6 +13824,89 @@
           <a:chExt cx="0" cy="0"/>
         </a:xfrm>
       </p:grpSpPr>
+      <p:pic>
+        <p:nvPicPr>
+          <p:cNvPr id="3" name="Picture 2">
+            <a:extLst>
+              <a:ext uri="{FF2B5EF4-FFF2-40B4-BE49-F238E27FC236}">
+                <a16:creationId xmlns:a16="http://schemas.microsoft.com/office/drawing/2014/main" id="{68D0B65E-EF18-4616-A64B-64D3548E3497}"/>
+              </a:ext>
+            </a:extLst>
+          </p:cNvPr>
+          <p:cNvPicPr>
+            <a:picLocks noChangeAspect="1"/>
+          </p:cNvPicPr>
+          <p:nvPr/>
+        </p:nvPicPr>
+        <p:blipFill>
+          <a:blip r:embed="rId2">
+            <a:extLst>
+              <a:ext uri="{28A0092B-C50C-407E-A947-70E740481C1C}">
+                <a14:useLocalDpi xmlns:a14="http://schemas.microsoft.com/office/drawing/2010/main" val="0"/>
+              </a:ext>
+            </a:extLst>
+          </a:blip>
+          <a:stretch>
+            <a:fillRect/>
+          </a:stretch>
+        </p:blipFill>
+        <p:spPr>
+          <a:xfrm>
+            <a:off x="2735992" y="325665"/>
+            <a:ext cx="6720015" cy="4401566"/>
+          </a:xfrm>
+          <a:prstGeom prst="rect">
+            <a:avLst/>
+          </a:prstGeom>
+        </p:spPr>
+      </p:pic>
+      <p:sp>
+        <p:nvSpPr>
+          <p:cNvPr id="4" name="Rectangle 3">
+            <a:extLst>
+              <a:ext uri="{FF2B5EF4-FFF2-40B4-BE49-F238E27FC236}">
+                <a16:creationId xmlns:a16="http://schemas.microsoft.com/office/drawing/2014/main" id="{CFA44BF7-E8F0-4936-B498-40F22EB1DFE6}"/>
+              </a:ext>
+            </a:extLst>
+          </p:cNvPr>
+          <p:cNvSpPr/>
+          <p:nvPr/>
+        </p:nvSpPr>
+        <p:spPr>
+          <a:xfrm>
+            <a:off x="3047999" y="4973761"/>
+            <a:ext cx="6096000" cy="1477328"/>
+          </a:xfrm>
+          <a:prstGeom prst="rect">
+            <a:avLst/>
+          </a:prstGeom>
+        </p:spPr>
+        <p:txBody>
+          <a:bodyPr>
+            <a:spAutoFit/>
+          </a:bodyPr>
+          <a:lstStyle/>
+          <a:p>
+            <a:r>
+              <a:rPr lang="en-US" dirty="0">
+                <a:solidFill>
+                  <a:srgbClr val="000000"/>
+                </a:solidFill>
+                <a:latin typeface="Calibri" panose="020F0502020204030204" pitchFamily="34" charset="0"/>
+              </a:rPr>
+              <a:t>It can be noticed from the visual that most of the data were received from Gaming MS during this session compare to data received. And there tends to be no outlier in the dataset after cleaning.</a:t>
+            </a:r>
+            <a:r>
+              <a:rPr lang="en-US" dirty="0"/>
+              <a:t> </a:t>
+            </a:r>
+            <a:br>
+              <a:rPr lang="en-US" dirty="0"/>
+            </a:br>
+            <a:endParaRPr lang="en-US" dirty="0"/>
+          </a:p>
+        </p:txBody>
+      </p:sp>
     </p:spTree>
     <p:extLst>
       <p:ext uri="{BB962C8B-B14F-4D97-AF65-F5344CB8AC3E}">
@@ -8760,53 +13937,86 @@
           <a:chExt cx="0" cy="0"/>
         </a:xfrm>
       </p:grpSpPr>
-      <p:sp>
-        <p:nvSpPr>
-          <p:cNvPr id="2" name="Title 1">
+      <p:pic>
+        <p:nvPicPr>
+          <p:cNvPr id="5" name="Picture 4">
             <a:extLst>
               <a:ext uri="{FF2B5EF4-FFF2-40B4-BE49-F238E27FC236}">
-                <a16:creationId xmlns:a16="http://schemas.microsoft.com/office/drawing/2014/main" id="{79F69B72-F192-4F70-AFD1-0334E0F04138}"/>
+                <a16:creationId xmlns:a16="http://schemas.microsoft.com/office/drawing/2014/main" id="{F66D3194-8FEA-4D2B-801F-33D69BC1FDD3}"/>
               </a:ext>
             </a:extLst>
           </p:cNvPr>
-          <p:cNvSpPr>
-            <a:spLocks noGrp="1"/>
-          </p:cNvSpPr>
-          <p:nvPr>
-            <p:ph type="title"/>
-          </p:nvPr>
-        </p:nvSpPr>
-        <p:spPr/>
-        <p:txBody>
-          <a:bodyPr/>
-          <a:lstStyle/>
-          <a:p>
-            <a:endParaRPr lang="en-US"/>
-          </a:p>
-        </p:txBody>
-      </p:sp>
+          <p:cNvPicPr>
+            <a:picLocks noChangeAspect="1"/>
+          </p:cNvPicPr>
+          <p:nvPr/>
+        </p:nvPicPr>
+        <p:blipFill>
+          <a:blip r:embed="rId2">
+            <a:extLst>
+              <a:ext uri="{28A0092B-C50C-407E-A947-70E740481C1C}">
+                <a14:useLocalDpi xmlns:a14="http://schemas.microsoft.com/office/drawing/2010/main" val="0"/>
+              </a:ext>
+            </a:extLst>
+          </a:blip>
+          <a:stretch>
+            <a:fillRect/>
+          </a:stretch>
+        </p:blipFill>
+        <p:spPr>
+          <a:xfrm>
+            <a:off x="2693773" y="421654"/>
+            <a:ext cx="6306193" cy="4421008"/>
+          </a:xfrm>
+          <a:prstGeom prst="rect">
+            <a:avLst/>
+          </a:prstGeom>
+        </p:spPr>
+      </p:pic>
       <p:sp>
         <p:nvSpPr>
-          <p:cNvPr id="3" name="Content Placeholder 2">
+          <p:cNvPr id="6" name="Rectangle 5">
             <a:extLst>
               <a:ext uri="{FF2B5EF4-FFF2-40B4-BE49-F238E27FC236}">
-                <a16:creationId xmlns:a16="http://schemas.microsoft.com/office/drawing/2014/main" id="{785CDF9C-0668-44D0-AD35-F647CC7C3D30}"/>
+                <a16:creationId xmlns:a16="http://schemas.microsoft.com/office/drawing/2014/main" id="{6CFF2E7D-5BA6-4559-86C9-0C96AC29E87F}"/>
               </a:ext>
             </a:extLst>
           </p:cNvPr>
-          <p:cNvSpPr>
-            <a:spLocks noGrp="1"/>
-          </p:cNvSpPr>
-          <p:nvPr>
-            <p:ph idx="1"/>
-          </p:nvPr>
+          <p:cNvSpPr/>
+          <p:nvPr/>
         </p:nvSpPr>
-        <p:spPr/>
+        <p:spPr>
+          <a:xfrm>
+            <a:off x="2763730" y="5359585"/>
+            <a:ext cx="6664539" cy="923330"/>
+          </a:xfrm>
+          <a:prstGeom prst="rect">
+            <a:avLst/>
+          </a:prstGeom>
+        </p:spPr>
         <p:txBody>
-          <a:bodyPr/>
+          <a:bodyPr wrap="square">
+            <a:spAutoFit/>
+          </a:bodyPr>
           <a:lstStyle/>
           <a:p>
-            <a:endParaRPr lang="en-US"/>
+            <a:r>
+              <a:rPr lang="en-US" dirty="0">
+                <a:solidFill>
+                  <a:srgbClr val="000000"/>
+                </a:solidFill>
+                <a:latin typeface="Calibri" panose="020F0502020204030204" pitchFamily="34" charset="0"/>
+              </a:rPr>
+              <a:t>By visualizing Netflix data on the MS during this session, there tends to be a slight difference in the data sent and data received.</a:t>
+            </a:r>
+            <a:r>
+              <a:rPr lang="en-US" dirty="0"/>
+              <a:t> </a:t>
+            </a:r>
+            <a:br>
+              <a:rPr lang="en-US" dirty="0"/>
+            </a:br>
+            <a:endParaRPr lang="en-US" dirty="0"/>
           </a:p>
         </p:txBody>
       </p:sp>
@@ -8840,53 +14050,100 @@
           <a:chExt cx="0" cy="0"/>
         </a:xfrm>
       </p:grpSpPr>
-      <p:sp>
-        <p:nvSpPr>
-          <p:cNvPr id="2" name="Title 1">
+      <p:pic>
+        <p:nvPicPr>
+          <p:cNvPr id="5" name="Picture 4">
             <a:extLst>
               <a:ext uri="{FF2B5EF4-FFF2-40B4-BE49-F238E27FC236}">
-                <a16:creationId xmlns:a16="http://schemas.microsoft.com/office/drawing/2014/main" id="{F028EE44-855F-4676-8A12-8651EC1A9362}"/>
+                <a16:creationId xmlns:a16="http://schemas.microsoft.com/office/drawing/2014/main" id="{4E250D56-219E-4916-BB0C-004C16D21615}"/>
               </a:ext>
             </a:extLst>
           </p:cNvPr>
-          <p:cNvSpPr>
-            <a:spLocks noGrp="1"/>
-          </p:cNvSpPr>
-          <p:nvPr>
-            <p:ph type="title"/>
-          </p:nvPr>
-        </p:nvSpPr>
-        <p:spPr/>
-        <p:txBody>
-          <a:bodyPr/>
-          <a:lstStyle/>
-          <a:p>
-            <a:endParaRPr lang="en-US"/>
-          </a:p>
-        </p:txBody>
-      </p:sp>
+          <p:cNvPicPr>
+            <a:picLocks noChangeAspect="1"/>
+          </p:cNvPicPr>
+          <p:nvPr/>
+        </p:nvPicPr>
+        <p:blipFill>
+          <a:blip r:embed="rId2">
+            <a:extLst>
+              <a:ext uri="{28A0092B-C50C-407E-A947-70E740481C1C}">
+                <a14:useLocalDpi xmlns:a14="http://schemas.microsoft.com/office/drawing/2010/main" val="0"/>
+              </a:ext>
+            </a:extLst>
+          </a:blip>
+          <a:stretch>
+            <a:fillRect/>
+          </a:stretch>
+        </p:blipFill>
+        <p:spPr>
+          <a:xfrm>
+            <a:off x="2852351" y="488693"/>
+            <a:ext cx="6487297" cy="4702432"/>
+          </a:xfrm>
+          <a:prstGeom prst="rect">
+            <a:avLst/>
+          </a:prstGeom>
+        </p:spPr>
+      </p:pic>
       <p:sp>
         <p:nvSpPr>
-          <p:cNvPr id="3" name="Content Placeholder 2">
+          <p:cNvPr id="6" name="TextBox 5">
             <a:extLst>
               <a:ext uri="{FF2B5EF4-FFF2-40B4-BE49-F238E27FC236}">
-                <a16:creationId xmlns:a16="http://schemas.microsoft.com/office/drawing/2014/main" id="{D24FB496-4A87-4ED8-A599-1083AC3E2BEE}"/>
+                <a16:creationId xmlns:a16="http://schemas.microsoft.com/office/drawing/2014/main" id="{91329EFA-28B3-4344-98DD-CAC811D52D63}"/>
               </a:ext>
             </a:extLst>
           </p:cNvPr>
-          <p:cNvSpPr>
-            <a:spLocks noGrp="1"/>
-          </p:cNvSpPr>
-          <p:nvPr>
-            <p:ph idx="1"/>
-          </p:nvPr>
+          <p:cNvSpPr txBox="1"/>
+          <p:nvPr/>
         </p:nvSpPr>
-        <p:spPr/>
+        <p:spPr>
+          <a:xfrm>
+            <a:off x="1872048" y="5191125"/>
+            <a:ext cx="9215051" cy="1200329"/>
+          </a:xfrm>
+          <a:prstGeom prst="rect">
+            <a:avLst/>
+          </a:prstGeom>
+          <a:noFill/>
+        </p:spPr>
         <p:txBody>
-          <a:bodyPr/>
+          <a:bodyPr wrap="square" rtlCol="0">
+            <a:spAutoFit/>
+          </a:bodyPr>
           <a:lstStyle/>
           <a:p>
-            <a:endParaRPr lang="en-US"/>
+            <a:r>
+              <a:rPr lang="en-US" dirty="0"/>
+              <a:t>It could be noticed from the visualization that the amount of data spent on </a:t>
+            </a:r>
+            <a:r>
+              <a:rPr lang="en-US" dirty="0">
+                <a:solidFill>
+                  <a:srgbClr val="000000"/>
+                </a:solidFill>
+                <a:latin typeface="Century Gothic" panose="020B0502020202020204" pitchFamily="34" charset="0"/>
+              </a:rPr>
+              <a:t>Google data volume (in Bytes) Received by the MS during this session i</a:t>
+            </a:r>
+            <a:r>
+              <a:rPr lang="en-US" dirty="0"/>
+              <a:t>s a way more than </a:t>
+            </a:r>
+            <a:r>
+              <a:rPr lang="en-US" dirty="0">
+                <a:solidFill>
+                  <a:srgbClr val="000000"/>
+                </a:solidFill>
+                <a:latin typeface="Century Gothic" panose="020B0502020202020204" pitchFamily="34" charset="0"/>
+              </a:rPr>
+              <a:t>Google data volume (in Bytes) sent by the MS during this session</a:t>
+            </a:r>
+            <a:endParaRPr lang="en-US" dirty="0"/>
+          </a:p>
+          <a:p>
+            <a:endParaRPr lang="en-US" dirty="0"/>
           </a:p>
         </p:txBody>
       </p:sp>
@@ -8984,8 +14241,8 @@
         </p:blipFill>
         <p:spPr>
           <a:xfrm>
-            <a:off x="4498500" y="3330053"/>
-            <a:ext cx="3597749" cy="3098049"/>
+            <a:off x="4436715" y="3111691"/>
+            <a:ext cx="3597749" cy="3316412"/>
           </a:xfrm>
           <a:prstGeom prst="rect">
             <a:avLst/>
@@ -9021,7 +14278,7 @@
         <p:spPr>
           <a:xfrm>
             <a:off x="7921885" y="3330053"/>
-            <a:ext cx="4270115" cy="3098049"/>
+            <a:ext cx="4270115" cy="3234526"/>
           </a:xfrm>
           <a:prstGeom prst="rect">
             <a:avLst/>
@@ -9092,7 +14349,7 @@
         </p:blipFill>
         <p:spPr>
           <a:xfrm>
-            <a:off x="4498500" y="265042"/>
+            <a:off x="7192273" y="0"/>
             <a:ext cx="4381500" cy="3111690"/>
           </a:xfrm>
           <a:prstGeom prst="rect">
@@ -9100,10 +14357,571 @@
           </a:prstGeom>
         </p:spPr>
       </p:pic>
+      <p:sp>
+        <p:nvSpPr>
+          <p:cNvPr id="2" name="Rectangle 1">
+            <a:extLst>
+              <a:ext uri="{FF2B5EF4-FFF2-40B4-BE49-F238E27FC236}">
+                <a16:creationId xmlns:a16="http://schemas.microsoft.com/office/drawing/2014/main" id="{FD474F27-3F55-4C58-9641-54C5DF04FD39}"/>
+              </a:ext>
+            </a:extLst>
+          </p:cNvPr>
+          <p:cNvSpPr/>
+          <p:nvPr/>
+        </p:nvSpPr>
+        <p:spPr>
+          <a:xfrm>
+            <a:off x="4498500" y="22501"/>
+            <a:ext cx="6096000" cy="646331"/>
+          </a:xfrm>
+          <a:prstGeom prst="rect">
+            <a:avLst/>
+          </a:prstGeom>
+        </p:spPr>
+        <p:txBody>
+          <a:bodyPr>
+            <a:spAutoFit/>
+          </a:bodyPr>
+          <a:lstStyle/>
+          <a:p>
+            <a:r>
+              <a:rPr lang="en-US" dirty="0">
+                <a:solidFill>
+                  <a:srgbClr val="000000"/>
+                </a:solidFill>
+                <a:latin typeface="Calibri" panose="020F0502020204030204" pitchFamily="34" charset="0"/>
+              </a:rPr>
+              <a:t>Bi-variate Data visualization</a:t>
+            </a:r>
+            <a:r>
+              <a:rPr lang="en-US" dirty="0"/>
+              <a:t> </a:t>
+            </a:r>
+            <a:br>
+              <a:rPr lang="en-US" dirty="0"/>
+            </a:br>
+            <a:endParaRPr lang="en-US" dirty="0"/>
+          </a:p>
+        </p:txBody>
+      </p:sp>
     </p:spTree>
     <p:extLst>
       <p:ext uri="{BB962C8B-B14F-4D97-AF65-F5344CB8AC3E}">
         <p14:creationId xmlns:p14="http://schemas.microsoft.com/office/powerpoint/2010/main" val="875964918"/>
+      </p:ext>
+    </p:extLst>
+  </p:cSld>
+  <p:clrMapOvr>
+    <a:masterClrMapping/>
+  </p:clrMapOvr>
+</p:sld>
+</file>
+
+<file path=ppt/slides/slide8.xml><?xml version="1.0" encoding="utf-8"?>
+<p:sld xmlns:a="http://schemas.openxmlformats.org/drawingml/2006/main" xmlns:r="http://schemas.openxmlformats.org/officeDocument/2006/relationships" xmlns:p="http://schemas.openxmlformats.org/presentationml/2006/main">
+  <p:cSld>
+    <p:spTree>
+      <p:nvGrpSpPr>
+        <p:cNvPr id="1" name=""/>
+        <p:cNvGrpSpPr/>
+        <p:nvPr/>
+      </p:nvGrpSpPr>
+      <p:grpSpPr>
+        <a:xfrm>
+          <a:off x="0" y="0"/>
+          <a:ext cx="0" cy="0"/>
+          <a:chOff x="0" y="0"/>
+          <a:chExt cx="0" cy="0"/>
+        </a:xfrm>
+      </p:grpSpPr>
+      <p:sp>
+        <p:nvSpPr>
+          <p:cNvPr id="2" name="Title 1">
+            <a:extLst>
+              <a:ext uri="{FF2B5EF4-FFF2-40B4-BE49-F238E27FC236}">
+                <a16:creationId xmlns:a16="http://schemas.microsoft.com/office/drawing/2014/main" id="{47175C75-B67E-42BD-8B2D-AD2E2603967D}"/>
+              </a:ext>
+            </a:extLst>
+          </p:cNvPr>
+          <p:cNvSpPr>
+            <a:spLocks noGrp="1"/>
+          </p:cNvSpPr>
+          <p:nvPr>
+            <p:ph type="title"/>
+          </p:nvPr>
+        </p:nvSpPr>
+        <p:spPr>
+          <a:xfrm>
+            <a:off x="2740111" y="642558"/>
+            <a:ext cx="6711778" cy="784053"/>
+          </a:xfrm>
+        </p:spPr>
+        <p:txBody>
+          <a:bodyPr/>
+          <a:lstStyle/>
+          <a:p>
+            <a:pPr algn="ctr"/>
+            <a:r>
+              <a:rPr lang="en-US" dirty="0">
+                <a:ln w="0"/>
+                <a:solidFill>
+                  <a:schemeClr val="accent1"/>
+                </a:solidFill>
+                <a:effectLst>
+                  <a:outerShdw blurRad="38100" dist="25400" dir="5400000" algn="ctr" rotWithShape="0">
+                    <a:srgbClr val="6E747A">
+                      <a:alpha val="43000"/>
+                    </a:srgbClr>
+                  </a:outerShdw>
+                </a:effectLst>
+              </a:rPr>
+              <a:t>User Engagement analysis</a:t>
+            </a:r>
+          </a:p>
+        </p:txBody>
+      </p:sp>
+      <p:pic>
+        <p:nvPicPr>
+          <p:cNvPr id="7" name="Content Placeholder 6">
+            <a:extLst>
+              <a:ext uri="{FF2B5EF4-FFF2-40B4-BE49-F238E27FC236}">
+                <a16:creationId xmlns:a16="http://schemas.microsoft.com/office/drawing/2014/main" id="{75E5CE04-625C-48FE-B026-BE98B5C266CD}"/>
+              </a:ext>
+            </a:extLst>
+          </p:cNvPr>
+          <p:cNvPicPr>
+            <a:picLocks noGrp="1" noChangeAspect="1"/>
+          </p:cNvPicPr>
+          <p:nvPr>
+            <p:ph idx="1"/>
+          </p:nvPr>
+        </p:nvPicPr>
+        <p:blipFill>
+          <a:blip r:embed="rId2">
+            <a:extLst>
+              <a:ext uri="{28A0092B-C50C-407E-A947-70E740481C1C}">
+                <a14:useLocalDpi xmlns:a14="http://schemas.microsoft.com/office/drawing/2010/main" val="0"/>
+              </a:ext>
+            </a:extLst>
+          </a:blip>
+          <a:stretch>
+            <a:fillRect/>
+          </a:stretch>
+        </p:blipFill>
+        <p:spPr>
+          <a:xfrm>
+            <a:off x="1091825" y="2802803"/>
+            <a:ext cx="2307213" cy="2873598"/>
+          </a:xfrm>
+        </p:spPr>
+      </p:pic>
+      <p:pic>
+        <p:nvPicPr>
+          <p:cNvPr id="4" name="Picture 3">
+            <a:extLst>
+              <a:ext uri="{FF2B5EF4-FFF2-40B4-BE49-F238E27FC236}">
+                <a16:creationId xmlns:a16="http://schemas.microsoft.com/office/drawing/2014/main" id="{963575DE-596B-483B-A0D9-3737110B92E2}"/>
+              </a:ext>
+            </a:extLst>
+          </p:cNvPr>
+          <p:cNvPicPr>
+            <a:picLocks noChangeAspect="1"/>
+          </p:cNvPicPr>
+          <p:nvPr/>
+        </p:nvPicPr>
+        <p:blipFill>
+          <a:blip r:embed="rId3"/>
+          <a:stretch>
+            <a:fillRect/>
+          </a:stretch>
+        </p:blipFill>
+        <p:spPr>
+          <a:xfrm>
+            <a:off x="4187701" y="2819152"/>
+            <a:ext cx="2397211" cy="2876550"/>
+          </a:xfrm>
+          <a:prstGeom prst="rect">
+            <a:avLst/>
+          </a:prstGeom>
+        </p:spPr>
+      </p:pic>
+      <p:sp>
+        <p:nvSpPr>
+          <p:cNvPr id="5" name="TextBox 4">
+            <a:extLst>
+              <a:ext uri="{FF2B5EF4-FFF2-40B4-BE49-F238E27FC236}">
+                <a16:creationId xmlns:a16="http://schemas.microsoft.com/office/drawing/2014/main" id="{556E8D9E-BC4A-4343-8CFB-D9FA483B5B58}"/>
+              </a:ext>
+            </a:extLst>
+          </p:cNvPr>
+          <p:cNvSpPr txBox="1"/>
+          <p:nvPr/>
+        </p:nvSpPr>
+        <p:spPr>
+          <a:xfrm>
+            <a:off x="2879125" y="1746252"/>
+            <a:ext cx="6375466" cy="369332"/>
+          </a:xfrm>
+          <a:prstGeom prst="rect">
+            <a:avLst/>
+          </a:prstGeom>
+          <a:noFill/>
+        </p:spPr>
+        <p:txBody>
+          <a:bodyPr wrap="square" rtlCol="0">
+            <a:spAutoFit/>
+          </a:bodyPr>
+          <a:lstStyle/>
+          <a:p>
+            <a:pPr algn="ctr"/>
+            <a:r>
+              <a:rPr lang="en-US" dirty="0">
+                <a:ln w="0"/>
+                <a:effectLst>
+                  <a:outerShdw blurRad="38100" dist="19050" dir="2700000" algn="tl" rotWithShape="0">
+                    <a:schemeClr val="dk1">
+                      <a:alpha val="40000"/>
+                    </a:schemeClr>
+                  </a:outerShdw>
+                </a:effectLst>
+              </a:rPr>
+              <a:t>Top 10 Session of Users</a:t>
+            </a:r>
+          </a:p>
+        </p:txBody>
+      </p:sp>
+      <p:sp>
+        <p:nvSpPr>
+          <p:cNvPr id="8" name="TextBox 7">
+            <a:extLst>
+              <a:ext uri="{FF2B5EF4-FFF2-40B4-BE49-F238E27FC236}">
+                <a16:creationId xmlns:a16="http://schemas.microsoft.com/office/drawing/2014/main" id="{EC17B2B0-BE24-4DFF-B401-C6572AE40257}"/>
+              </a:ext>
+            </a:extLst>
+          </p:cNvPr>
+          <p:cNvSpPr txBox="1"/>
+          <p:nvPr/>
+        </p:nvSpPr>
+        <p:spPr>
+          <a:xfrm>
+            <a:off x="1519880" y="2177973"/>
+            <a:ext cx="1344471" cy="369332"/>
+          </a:xfrm>
+          <a:prstGeom prst="rect">
+            <a:avLst/>
+          </a:prstGeom>
+          <a:noFill/>
+        </p:spPr>
+        <p:txBody>
+          <a:bodyPr wrap="none" rtlCol="0">
+            <a:spAutoFit/>
+          </a:bodyPr>
+          <a:lstStyle/>
+          <a:p>
+            <a:r>
+              <a:rPr lang="en-US" dirty="0">
+                <a:ln w="0"/>
+                <a:solidFill>
+                  <a:schemeClr val="accent1"/>
+                </a:solidFill>
+                <a:effectLst>
+                  <a:outerShdw blurRad="38100" dist="25400" dir="5400000" algn="ctr" rotWithShape="0">
+                    <a:srgbClr val="6E747A">
+                      <a:alpha val="43000"/>
+                    </a:srgbClr>
+                  </a:outerShdw>
+                </a:effectLst>
+              </a:rPr>
+              <a:t>FREQUENCY</a:t>
+            </a:r>
+          </a:p>
+        </p:txBody>
+      </p:sp>
+      <p:sp>
+        <p:nvSpPr>
+          <p:cNvPr id="9" name="TextBox 8">
+            <a:extLst>
+              <a:ext uri="{FF2B5EF4-FFF2-40B4-BE49-F238E27FC236}">
+                <a16:creationId xmlns:a16="http://schemas.microsoft.com/office/drawing/2014/main" id="{0028D70D-1DE6-4C5B-973D-84F3E8BB3751}"/>
+              </a:ext>
+            </a:extLst>
+          </p:cNvPr>
+          <p:cNvSpPr txBox="1"/>
+          <p:nvPr/>
+        </p:nvSpPr>
+        <p:spPr>
+          <a:xfrm>
+            <a:off x="4686089" y="2161624"/>
+            <a:ext cx="1215013" cy="369332"/>
+          </a:xfrm>
+          <a:prstGeom prst="rect">
+            <a:avLst/>
+          </a:prstGeom>
+          <a:noFill/>
+        </p:spPr>
+        <p:txBody>
+          <a:bodyPr wrap="none" rtlCol="0">
+            <a:spAutoFit/>
+          </a:bodyPr>
+          <a:lstStyle/>
+          <a:p>
+            <a:r>
+              <a:rPr lang="en-US" dirty="0">
+                <a:ln w="0"/>
+                <a:solidFill>
+                  <a:schemeClr val="accent1"/>
+                </a:solidFill>
+                <a:effectLst>
+                  <a:outerShdw blurRad="38100" dist="25400" dir="5400000" algn="ctr" rotWithShape="0">
+                    <a:srgbClr val="6E747A">
+                      <a:alpha val="43000"/>
+                    </a:srgbClr>
+                  </a:outerShdw>
+                </a:effectLst>
+              </a:rPr>
+              <a:t>DURATION</a:t>
+            </a:r>
+          </a:p>
+        </p:txBody>
+      </p:sp>
+      <p:pic>
+        <p:nvPicPr>
+          <p:cNvPr id="10" name="Picture 9">
+            <a:extLst>
+              <a:ext uri="{FF2B5EF4-FFF2-40B4-BE49-F238E27FC236}">
+                <a16:creationId xmlns:a16="http://schemas.microsoft.com/office/drawing/2014/main" id="{628A6956-605F-4BD6-A673-EE2CC7416605}"/>
+              </a:ext>
+            </a:extLst>
+          </p:cNvPr>
+          <p:cNvPicPr>
+            <a:picLocks noChangeAspect="1"/>
+          </p:cNvPicPr>
+          <p:nvPr/>
+        </p:nvPicPr>
+        <p:blipFill>
+          <a:blip r:embed="rId4"/>
+          <a:stretch>
+            <a:fillRect/>
+          </a:stretch>
+        </p:blipFill>
+        <p:spPr>
+          <a:xfrm>
+            <a:off x="7383550" y="2819152"/>
+            <a:ext cx="2752725" cy="2905125"/>
+          </a:xfrm>
+          <a:prstGeom prst="rect">
+            <a:avLst/>
+          </a:prstGeom>
+        </p:spPr>
+      </p:pic>
+      <p:sp>
+        <p:nvSpPr>
+          <p:cNvPr id="11" name="TextBox 10">
+            <a:extLst>
+              <a:ext uri="{FF2B5EF4-FFF2-40B4-BE49-F238E27FC236}">
+                <a16:creationId xmlns:a16="http://schemas.microsoft.com/office/drawing/2014/main" id="{4B1838A6-8816-439E-BCAA-406FCF5E4774}"/>
+              </a:ext>
+            </a:extLst>
+          </p:cNvPr>
+          <p:cNvSpPr txBox="1"/>
+          <p:nvPr/>
+        </p:nvSpPr>
+        <p:spPr>
+          <a:xfrm>
+            <a:off x="6808572" y="2159603"/>
+            <a:ext cx="4530811" cy="923330"/>
+          </a:xfrm>
+          <a:prstGeom prst="rect">
+            <a:avLst/>
+          </a:prstGeom>
+          <a:noFill/>
+        </p:spPr>
+        <p:txBody>
+          <a:bodyPr wrap="square" rtlCol="0">
+            <a:spAutoFit/>
+          </a:bodyPr>
+          <a:lstStyle>
+            <a:defPPr>
+              <a:defRPr lang="en-US"/>
+            </a:defPPr>
+            <a:lvl1pPr>
+              <a:defRPr>
+                <a:ln w="0"/>
+                <a:solidFill>
+                  <a:schemeClr val="accent1"/>
+                </a:solidFill>
+                <a:effectLst>
+                  <a:outerShdw blurRad="38100" dist="25400" dir="5400000" algn="ctr" rotWithShape="0">
+                    <a:srgbClr val="6E747A">
+                      <a:alpha val="43000"/>
+                    </a:srgbClr>
+                  </a:outerShdw>
+                </a:effectLst>
+              </a:defRPr>
+            </a:lvl1pPr>
+          </a:lstStyle>
+          <a:p>
+            <a:pPr algn="ctr"/>
+            <a:r>
+              <a:rPr lang="en-US" dirty="0"/>
+              <a:t>TOTAL TRAFFIC DOWNLOAD AND UPLOAD (BYTES)</a:t>
+            </a:r>
+          </a:p>
+          <a:p>
+            <a:pPr algn="ctr"/>
+            <a:endParaRPr lang="en-US" dirty="0"/>
+          </a:p>
+        </p:txBody>
+      </p:sp>
+    </p:spTree>
+    <p:extLst>
+      <p:ext uri="{BB962C8B-B14F-4D97-AF65-F5344CB8AC3E}">
+        <p14:creationId xmlns:p14="http://schemas.microsoft.com/office/powerpoint/2010/main" val="1983326650"/>
+      </p:ext>
+    </p:extLst>
+  </p:cSld>
+  <p:clrMapOvr>
+    <a:masterClrMapping/>
+  </p:clrMapOvr>
+</p:sld>
+</file>
+
+<file path=ppt/slides/slide9.xml><?xml version="1.0" encoding="utf-8"?>
+<p:sld xmlns:a="http://schemas.openxmlformats.org/drawingml/2006/main" xmlns:r="http://schemas.openxmlformats.org/officeDocument/2006/relationships" xmlns:p="http://schemas.openxmlformats.org/presentationml/2006/main">
+  <p:cSld>
+    <p:spTree>
+      <p:nvGrpSpPr>
+        <p:cNvPr id="1" name=""/>
+        <p:cNvGrpSpPr/>
+        <p:nvPr/>
+      </p:nvGrpSpPr>
+      <p:grpSpPr>
+        <a:xfrm>
+          <a:off x="0" y="0"/>
+          <a:ext cx="0" cy="0"/>
+          <a:chOff x="0" y="0"/>
+          <a:chExt cx="0" cy="0"/>
+        </a:xfrm>
+      </p:grpSpPr>
+      <p:pic>
+        <p:nvPicPr>
+          <p:cNvPr id="8" name="Picture 7">
+            <a:extLst>
+              <a:ext uri="{FF2B5EF4-FFF2-40B4-BE49-F238E27FC236}">
+                <a16:creationId xmlns:a16="http://schemas.microsoft.com/office/drawing/2014/main" id="{CD843789-ADD8-40A8-A361-B6C34F12240F}"/>
+              </a:ext>
+            </a:extLst>
+          </p:cNvPr>
+          <p:cNvPicPr>
+            <a:picLocks noChangeAspect="1"/>
+          </p:cNvPicPr>
+          <p:nvPr/>
+        </p:nvPicPr>
+        <p:blipFill>
+          <a:blip r:embed="rId2"/>
+          <a:stretch>
+            <a:fillRect/>
+          </a:stretch>
+        </p:blipFill>
+        <p:spPr>
+          <a:xfrm>
+            <a:off x="2446637" y="1526059"/>
+            <a:ext cx="6933943" cy="4622629"/>
+          </a:xfrm>
+          <a:prstGeom prst="rect">
+            <a:avLst/>
+          </a:prstGeom>
+        </p:spPr>
+      </p:pic>
+      <p:sp>
+        <p:nvSpPr>
+          <p:cNvPr id="9" name="Rectangle 8">
+            <a:extLst>
+              <a:ext uri="{FF2B5EF4-FFF2-40B4-BE49-F238E27FC236}">
+                <a16:creationId xmlns:a16="http://schemas.microsoft.com/office/drawing/2014/main" id="{31E0288B-2024-4BC3-A5A1-B61AF715D410}"/>
+              </a:ext>
+            </a:extLst>
+          </p:cNvPr>
+          <p:cNvSpPr/>
+          <p:nvPr/>
+        </p:nvSpPr>
+        <p:spPr>
+          <a:xfrm>
+            <a:off x="4212565" y="501129"/>
+            <a:ext cx="3402085" cy="923330"/>
+          </a:xfrm>
+          <a:prstGeom prst="rect">
+            <a:avLst/>
+          </a:prstGeom>
+          <a:noFill/>
+        </p:spPr>
+        <p:txBody>
+          <a:bodyPr wrap="none" lIns="91440" tIns="45720" rIns="91440" bIns="45720">
+            <a:spAutoFit/>
+          </a:bodyPr>
+          <a:lstStyle/>
+          <a:p>
+            <a:pPr algn="ctr"/>
+            <a:r>
+              <a:rPr lang="en-US" sz="5400" dirty="0">
+                <a:ln w="0"/>
+                <a:gradFill>
+                  <a:gsLst>
+                    <a:gs pos="0">
+                      <a:schemeClr val="accent5">
+                        <a:lumMod val="50000"/>
+                      </a:schemeClr>
+                    </a:gs>
+                    <a:gs pos="50000">
+                      <a:schemeClr val="accent5"/>
+                    </a:gs>
+                    <a:gs pos="100000">
+                      <a:schemeClr val="accent5">
+                        <a:lumMod val="60000"/>
+                        <a:lumOff val="40000"/>
+                      </a:schemeClr>
+                    </a:gs>
+                  </a:gsLst>
+                  <a:lin ang="5400000"/>
+                </a:gradFill>
+                <a:effectLst>
+                  <a:reflection blurRad="6350" stA="53000" endA="300" endPos="35500" dir="5400000" sy="-90000" algn="bl" rotWithShape="0"/>
+                </a:effectLst>
+              </a:rPr>
+              <a:t>Description</a:t>
+            </a:r>
+            <a:endParaRPr lang="en-US" sz="5400" b="0" cap="none" spc="0" dirty="0">
+              <a:ln w="0"/>
+              <a:gradFill>
+                <a:gsLst>
+                  <a:gs pos="0">
+                    <a:schemeClr val="accent5">
+                      <a:lumMod val="50000"/>
+                    </a:schemeClr>
+                  </a:gs>
+                  <a:gs pos="50000">
+                    <a:schemeClr val="accent5"/>
+                  </a:gs>
+                  <a:gs pos="100000">
+                    <a:schemeClr val="accent5">
+                      <a:lumMod val="60000"/>
+                      <a:lumOff val="40000"/>
+                    </a:schemeClr>
+                  </a:gs>
+                </a:gsLst>
+                <a:lin ang="5400000"/>
+              </a:gradFill>
+              <a:effectLst>
+                <a:reflection blurRad="6350" stA="53000" endA="300" endPos="35500" dir="5400000" sy="-90000" algn="bl" rotWithShape="0"/>
+              </a:effectLst>
+            </a:endParaRPr>
+          </a:p>
+        </p:txBody>
+      </p:sp>
+    </p:spTree>
+    <p:extLst>
+      <p:ext uri="{BB962C8B-B14F-4D97-AF65-F5344CB8AC3E}">
+        <p14:creationId xmlns:p14="http://schemas.microsoft.com/office/powerpoint/2010/main" val="3508414424"/>
       </p:ext>
     </p:extLst>
   </p:cSld>
